--- a/答辩——毕设.pptx
+++ b/答辩——毕设.pptx
@@ -5,7 +5,7 @@
     <p:sldMasterId id="2147483648" r:id="rId1"/>
   </p:sldMasterIdLst>
   <p:notesMasterIdLst>
-    <p:notesMasterId r:id="rId38"/>
+    <p:notesMasterId r:id="rId37"/>
   </p:notesMasterIdLst>
   <p:sldIdLst>
     <p:sldId id="256" r:id="rId2"/>
@@ -30,20 +30,19 @@
     <p:sldId id="312" r:id="rId21"/>
     <p:sldId id="313" r:id="rId22"/>
     <p:sldId id="314" r:id="rId23"/>
-    <p:sldId id="315" r:id="rId24"/>
+    <p:sldId id="333" r:id="rId24"/>
     <p:sldId id="316" r:id="rId25"/>
     <p:sldId id="317" r:id="rId26"/>
     <p:sldId id="318" r:id="rId27"/>
     <p:sldId id="321" r:id="rId28"/>
-    <p:sldId id="319" r:id="rId29"/>
-    <p:sldId id="320" r:id="rId30"/>
-    <p:sldId id="322" r:id="rId31"/>
-    <p:sldId id="323" r:id="rId32"/>
-    <p:sldId id="324" r:id="rId33"/>
+    <p:sldId id="334" r:id="rId29"/>
+    <p:sldId id="335" r:id="rId30"/>
+    <p:sldId id="336" r:id="rId31"/>
+    <p:sldId id="337" r:id="rId32"/>
+    <p:sldId id="338" r:id="rId33"/>
     <p:sldId id="327" r:id="rId34"/>
     <p:sldId id="328" r:id="rId35"/>
     <p:sldId id="329" r:id="rId36"/>
-    <p:sldId id="325" r:id="rId37"/>
   </p:sldIdLst>
   <p:sldSz cx="9144000" cy="6858000" type="screen4x3"/>
   <p:notesSz cx="6858000" cy="9144000"/>
@@ -258,7 +257,7 @@
           <a:p>
             <a:fld id="{010F446A-1550-4314-A5B9-A1C2423B0192}" type="datetimeFigureOut">
               <a:rPr lang="zh-CN" altLang="en-US" smtClean="0"/>
-              <a:t>2018/11/29</a:t>
+              <a:t>2018/11/30</a:t>
             </a:fld>
             <a:endParaRPr lang="zh-CN" altLang="en-US"/>
           </a:p>
@@ -741,7 +740,7 @@
           <a:p>
             <a:fld id="{6AD6A584-428F-4D4D-A209-FB7386B209C2}" type="datetimeFigureOut">
               <a:rPr lang="zh-CN" altLang="en-US" smtClean="0"/>
-              <a:t>2018/11/29</a:t>
+              <a:t>2018/11/30</a:t>
             </a:fld>
             <a:endParaRPr lang="zh-CN" altLang="en-US"/>
           </a:p>
@@ -906,7 +905,7 @@
           <a:p>
             <a:fld id="{6AD6A584-428F-4D4D-A209-FB7386B209C2}" type="datetimeFigureOut">
               <a:rPr lang="zh-CN" altLang="en-US" smtClean="0"/>
-              <a:t>2018/11/29</a:t>
+              <a:t>2018/11/30</a:t>
             </a:fld>
             <a:endParaRPr lang="zh-CN" altLang="en-US"/>
           </a:p>
@@ -1081,7 +1080,7 @@
           <a:p>
             <a:fld id="{6AD6A584-428F-4D4D-A209-FB7386B209C2}" type="datetimeFigureOut">
               <a:rPr lang="zh-CN" altLang="en-US" smtClean="0"/>
-              <a:t>2018/11/29</a:t>
+              <a:t>2018/11/30</a:t>
             </a:fld>
             <a:endParaRPr lang="zh-CN" altLang="en-US"/>
           </a:p>
@@ -1246,7 +1245,7 @@
           <a:p>
             <a:fld id="{6AD6A584-428F-4D4D-A209-FB7386B209C2}" type="datetimeFigureOut">
               <a:rPr lang="zh-CN" altLang="en-US" smtClean="0"/>
-              <a:t>2018/11/29</a:t>
+              <a:t>2018/11/30</a:t>
             </a:fld>
             <a:endParaRPr lang="zh-CN" altLang="en-US"/>
           </a:p>
@@ -1485,7 +1484,7 @@
           <a:p>
             <a:fld id="{6AD6A584-428F-4D4D-A209-FB7386B209C2}" type="datetimeFigureOut">
               <a:rPr lang="zh-CN" altLang="en-US" smtClean="0"/>
-              <a:t>2018/11/29</a:t>
+              <a:t>2018/11/30</a:t>
             </a:fld>
             <a:endParaRPr lang="zh-CN" altLang="en-US"/>
           </a:p>
@@ -1712,7 +1711,7 @@
           <a:p>
             <a:fld id="{6AD6A584-428F-4D4D-A209-FB7386B209C2}" type="datetimeFigureOut">
               <a:rPr lang="zh-CN" altLang="en-US" smtClean="0"/>
-              <a:t>2018/11/29</a:t>
+              <a:t>2018/11/30</a:t>
             </a:fld>
             <a:endParaRPr lang="zh-CN" altLang="en-US"/>
           </a:p>
@@ -2074,7 +2073,7 @@
           <a:p>
             <a:fld id="{6AD6A584-428F-4D4D-A209-FB7386B209C2}" type="datetimeFigureOut">
               <a:rPr lang="zh-CN" altLang="en-US" smtClean="0"/>
-              <a:t>2018/11/29</a:t>
+              <a:t>2018/11/30</a:t>
             </a:fld>
             <a:endParaRPr lang="zh-CN" altLang="en-US"/>
           </a:p>
@@ -2187,7 +2186,7 @@
           <a:p>
             <a:fld id="{6AD6A584-428F-4D4D-A209-FB7386B209C2}" type="datetimeFigureOut">
               <a:rPr lang="zh-CN" altLang="en-US" smtClean="0"/>
-              <a:t>2018/11/29</a:t>
+              <a:t>2018/11/30</a:t>
             </a:fld>
             <a:endParaRPr lang="zh-CN" altLang="en-US"/>
           </a:p>
@@ -2277,7 +2276,7 @@
           <a:p>
             <a:fld id="{6AD6A584-428F-4D4D-A209-FB7386B209C2}" type="datetimeFigureOut">
               <a:rPr lang="zh-CN" altLang="en-US" smtClean="0"/>
-              <a:t>2018/11/29</a:t>
+              <a:t>2018/11/30</a:t>
             </a:fld>
             <a:endParaRPr lang="zh-CN" altLang="en-US"/>
           </a:p>
@@ -2549,7 +2548,7 @@
           <a:p>
             <a:fld id="{6AD6A584-428F-4D4D-A209-FB7386B209C2}" type="datetimeFigureOut">
               <a:rPr lang="zh-CN" altLang="en-US" smtClean="0"/>
-              <a:t>2018/11/29</a:t>
+              <a:t>2018/11/30</a:t>
             </a:fld>
             <a:endParaRPr lang="zh-CN" altLang="en-US"/>
           </a:p>
@@ -2801,7 +2800,7 @@
           <a:p>
             <a:fld id="{6AD6A584-428F-4D4D-A209-FB7386B209C2}" type="datetimeFigureOut">
               <a:rPr lang="zh-CN" altLang="en-US" smtClean="0"/>
-              <a:t>2018/11/29</a:t>
+              <a:t>2018/11/30</a:t>
             </a:fld>
             <a:endParaRPr lang="zh-CN" altLang="en-US"/>
           </a:p>
@@ -3009,7 +3008,7 @@
           <a:p>
             <a:fld id="{6AD6A584-428F-4D4D-A209-FB7386B209C2}" type="datetimeFigureOut">
               <a:rPr lang="zh-CN" altLang="en-US" smtClean="0"/>
-              <a:t>2018/11/29</a:t>
+              <a:t>2018/11/30</a:t>
             </a:fld>
             <a:endParaRPr lang="zh-CN" altLang="en-US"/>
           </a:p>
@@ -4798,11 +4797,7 @@
           <a:p>
             <a:r>
               <a:rPr lang="zh-CN" altLang="en-US" dirty="0" smtClean="0"/>
-              <a:t>优势：保持时间</a:t>
-            </a:r>
-            <a:r>
-              <a:rPr lang="zh-CN" altLang="en-US" dirty="0" smtClean="0"/>
-              <a:t>有序</a:t>
+              <a:t>优势：保持时间有序</a:t>
             </a:r>
           </a:p>
         </p:txBody>
@@ -4947,11 +4942,7 @@
           <a:p>
             <a:r>
               <a:rPr lang="zh-CN" altLang="en-US" dirty="0" smtClean="0"/>
-              <a:t>优势：样本点更好地</a:t>
-            </a:r>
-            <a:r>
-              <a:rPr lang="zh-CN" altLang="en-US" dirty="0" smtClean="0"/>
-              <a:t>对齐</a:t>
+              <a:t>优势：样本点更好地对齐</a:t>
             </a:r>
             <a:endParaRPr lang="zh-CN" altLang="en-US" dirty="0"/>
           </a:p>
@@ -5567,11 +5558,7 @@
           <a:p>
             <a:r>
               <a:rPr lang="zh-CN" altLang="en-US" dirty="0" smtClean="0"/>
-              <a:t>优势：保持时间</a:t>
-            </a:r>
-            <a:r>
-              <a:rPr lang="zh-CN" altLang="en-US" dirty="0" smtClean="0"/>
-              <a:t>有序</a:t>
+              <a:t>优势：保持时间有序</a:t>
             </a:r>
           </a:p>
           <a:p>
@@ -5730,15 +5717,7 @@
           <a:p>
             <a:r>
               <a:rPr lang="zh-CN" altLang="en-US" dirty="0" smtClean="0"/>
-              <a:t>缺点</a:t>
-            </a:r>
-            <a:r>
-              <a:rPr lang="zh-CN" altLang="en-US" dirty="0" smtClean="0"/>
-              <a:t>：不考虑时间因素，可能会带来</a:t>
-            </a:r>
-            <a:r>
-              <a:rPr lang="zh-CN" altLang="en-US" dirty="0" smtClean="0"/>
-              <a:t>时序错乱</a:t>
+              <a:t>缺点：不考虑时间因素，可能会带来时序错乱</a:t>
             </a:r>
             <a:endParaRPr lang="zh-CN" altLang="en-US" dirty="0"/>
           </a:p>
@@ -6667,13 +6646,6 @@
               </a:rPr>
               <a:t>对应点匹配</a:t>
             </a:r>
-            <a:endParaRPr lang="zh-CN" altLang="en-US" sz="2000" b="1" dirty="0">
-              <a:solidFill>
-                <a:srgbClr val="4A67AA"/>
-              </a:solidFill>
-              <a:latin typeface="方正静蕾简体" panose="02000000000000000000" pitchFamily="2" charset="-122"/>
-              <a:ea typeface="方正静蕾简体" panose="02000000000000000000" pitchFamily="2" charset="-122"/>
-            </a:endParaRPr>
           </a:p>
         </p:txBody>
       </p:sp>
@@ -7024,13 +6996,6 @@
               </a:rPr>
               <a:t>过程</a:t>
             </a:r>
-            <a:endParaRPr lang="zh-CN" altLang="en-US" sz="2000" b="1" dirty="0">
-              <a:solidFill>
-                <a:srgbClr val="4A67AA"/>
-              </a:solidFill>
-              <a:latin typeface="方正静蕾简体" panose="02000000000000000000" pitchFamily="2" charset="-122"/>
-              <a:ea typeface="方正静蕾简体" panose="02000000000000000000" pitchFamily="2" charset="-122"/>
-            </a:endParaRPr>
           </a:p>
         </p:txBody>
       </p:sp>
@@ -7594,7 +7559,29 @@
                 <a:ea typeface="黑体" panose="02010609060101010101" pitchFamily="49" charset="-122"/>
                 <a:cs typeface="Times New Roman" panose="02020603050405020304" pitchFamily="18" charset="0"/>
               </a:rPr>
-              <a:t>在保持时序性的基础上，将样本点更好地对齐到另外一条轨迹</a:t>
+              <a:t>一般情况下，可以达到和</a:t>
+            </a:r>
+            <a:r>
+              <a:rPr lang="en-US" altLang="zh-CN" dirty="0" smtClean="0">
+                <a:solidFill>
+                  <a:srgbClr val="000000"/>
+                </a:solidFill>
+                <a:latin typeface="Times New Roman" panose="02020603050405020304" pitchFamily="18" charset="0"/>
+                <a:ea typeface="黑体" panose="02010609060101010101" pitchFamily="49" charset="-122"/>
+                <a:cs typeface="Times New Roman" panose="02020603050405020304" pitchFamily="18" charset="0"/>
+              </a:rPr>
+              <a:t>BDS</a:t>
+            </a:r>
+            <a:r>
+              <a:rPr lang="zh-CN" altLang="en-US" dirty="0" smtClean="0">
+                <a:solidFill>
+                  <a:srgbClr val="000000"/>
+                </a:solidFill>
+                <a:latin typeface="Times New Roman" panose="02020603050405020304" pitchFamily="18" charset="0"/>
+                <a:ea typeface="黑体" panose="02010609060101010101" pitchFamily="49" charset="-122"/>
+                <a:cs typeface="Times New Roman" panose="02020603050405020304" pitchFamily="18" charset="0"/>
+              </a:rPr>
+              <a:t>算法一样好的对齐效果</a:t>
             </a:r>
             <a:endParaRPr lang="en-US" altLang="zh-CN" dirty="0" smtClean="0">
               <a:solidFill>
@@ -7629,10 +7616,10 @@
                 <a:ea typeface="黑体" panose="02010609060101010101" pitchFamily="49" charset="-122"/>
                 <a:cs typeface="Times New Roman" panose="02020603050405020304" pitchFamily="18" charset="0"/>
               </a:rPr>
-              <a:t>       </a:t>
+              <a:t>       −</a:t>
             </a:r>
             <a:r>
-              <a:rPr lang="en-US" altLang="zh-CN" dirty="0" smtClean="0">
+              <a:rPr lang="zh-CN" altLang="en-US" dirty="0" smtClean="0">
                 <a:solidFill>
                   <a:srgbClr val="000000"/>
                 </a:solidFill>
@@ -7640,10 +7627,10 @@
                 <a:ea typeface="黑体" panose="02010609060101010101" pitchFamily="49" charset="-122"/>
                 <a:cs typeface="Times New Roman" panose="02020603050405020304" pitchFamily="18" charset="0"/>
               </a:rPr>
-              <a:t>−</a:t>
+              <a:t>解决了</a:t>
             </a:r>
             <a:r>
-              <a:rPr lang="zh-CN" altLang="en-US" dirty="0">
+              <a:rPr lang="en-US" altLang="zh-CN" dirty="0" smtClean="0">
                 <a:solidFill>
                   <a:srgbClr val="000000"/>
                 </a:solidFill>
@@ -7651,7 +7638,7 @@
                 <a:ea typeface="黑体" panose="02010609060101010101" pitchFamily="49" charset="-122"/>
                 <a:cs typeface="Times New Roman" panose="02020603050405020304" pitchFamily="18" charset="0"/>
               </a:rPr>
-              <a:t>采样</a:t>
+              <a:t>BDS</a:t>
             </a:r>
             <a:r>
               <a:rPr lang="zh-CN" altLang="en-US" dirty="0" smtClean="0">
@@ -7662,18 +7649,7 @@
                 <a:ea typeface="黑体" panose="02010609060101010101" pitchFamily="49" charset="-122"/>
                 <a:cs typeface="Times New Roman" panose="02020603050405020304" pitchFamily="18" charset="0"/>
               </a:rPr>
-              <a:t>策略给对齐结果造成的影响</a:t>
-            </a:r>
-            <a:r>
-              <a:rPr lang="zh-CN" altLang="en-US" dirty="0" smtClean="0">
-                <a:solidFill>
-                  <a:srgbClr val="000000"/>
-                </a:solidFill>
-                <a:latin typeface="Times New Roman" panose="02020603050405020304" pitchFamily="18" charset="0"/>
-                <a:ea typeface="黑体" panose="02010609060101010101" pitchFamily="49" charset="-122"/>
-                <a:cs typeface="Times New Roman" panose="02020603050405020304" pitchFamily="18" charset="0"/>
-              </a:rPr>
-              <a:t>较小</a:t>
+              <a:t>算法可能导致的时序错乱问题</a:t>
             </a:r>
             <a:endParaRPr lang="zh-CN" altLang="en-US" dirty="0">
               <a:solidFill>
@@ -7827,15 +7803,14 @@
         <p:nvCxnSpPr>
           <p:cNvPr id="16" name="直接箭头连接符 15"/>
           <p:cNvCxnSpPr>
-            <a:stCxn id="12" idx="1"/>
-            <a:endCxn id="10" idx="6"/>
+            <a:endCxn id="12" idx="1"/>
           </p:cNvCxnSpPr>
           <p:nvPr/>
         </p:nvCxnSpPr>
         <p:spPr>
-          <a:xfrm flipH="1">
+          <a:xfrm flipV="1">
             <a:off x="1938494" y="1936828"/>
-            <a:ext cx="2354375" cy="475370"/>
+            <a:ext cx="2354375" cy="431157"/>
           </a:xfrm>
           <a:prstGeom prst="straightConnector1">
             <a:avLst/>
@@ -7863,13 +7838,13 @@
         <p:nvCxnSpPr>
           <p:cNvPr id="19" name="直接箭头连接符 18"/>
           <p:cNvCxnSpPr>
-            <a:stCxn id="14" idx="1"/>
-            <a:endCxn id="20" idx="6"/>
+            <a:stCxn id="20" idx="6"/>
+            <a:endCxn id="14" idx="1"/>
           </p:cNvCxnSpPr>
           <p:nvPr/>
         </p:nvCxnSpPr>
         <p:spPr>
-          <a:xfrm flipH="1" flipV="1">
+          <a:xfrm>
             <a:off x="2185239" y="3016063"/>
             <a:ext cx="2107629" cy="802239"/>
           </a:xfrm>
@@ -10018,8 +9993,8 @@
         </p:nvSpPr>
         <p:spPr bwMode="auto">
           <a:xfrm>
-            <a:off x="892396" y="5905835"/>
-            <a:ext cx="7134225" cy="369332"/>
+            <a:off x="892396" y="5807939"/>
+            <a:ext cx="7134225" cy="646331"/>
           </a:xfrm>
           <a:prstGeom prst="rect">
             <a:avLst/>
@@ -10171,7 +10146,59 @@
                 <a:ea typeface="黑体" panose="02010609060101010101" pitchFamily="49" charset="-122"/>
                 <a:cs typeface="Times New Roman" panose="02020603050405020304" pitchFamily="18" charset="0"/>
               </a:rPr>
-              <a:t>问题：只依赖样本点的相似性算法</a:t>
+              <a:t>问题：</a:t>
+            </a:r>
+            <a:endParaRPr lang="en-US" altLang="zh-CN" dirty="0" smtClean="0">
+              <a:solidFill>
+                <a:srgbClr val="000000"/>
+              </a:solidFill>
+              <a:latin typeface="Times New Roman" panose="02020603050405020304" pitchFamily="18" charset="0"/>
+              <a:ea typeface="黑体" panose="02010609060101010101" pitchFamily="49" charset="-122"/>
+              <a:cs typeface="Times New Roman" panose="02020603050405020304" pitchFamily="18" charset="0"/>
+            </a:endParaRPr>
+          </a:p>
+          <a:p>
+            <a:pPr eaLnBrk="1" fontAlgn="auto" hangingPunct="1">
+              <a:spcBef>
+                <a:spcPts val="0"/>
+              </a:spcBef>
+              <a:spcAft>
+                <a:spcPts val="0"/>
+              </a:spcAft>
+              <a:defRPr/>
+            </a:pPr>
+            <a:r>
+              <a:rPr lang="en-US" altLang="zh-CN" dirty="0">
+                <a:solidFill>
+                  <a:srgbClr val="000000"/>
+                </a:solidFill>
+                <a:latin typeface="Times New Roman" panose="02020603050405020304" pitchFamily="18" charset="0"/>
+                <a:ea typeface="黑体" panose="02010609060101010101" pitchFamily="49" charset="-122"/>
+                <a:cs typeface="Times New Roman" panose="02020603050405020304" pitchFamily="18" charset="0"/>
+              </a:rPr>
+              <a:t> </a:t>
+            </a:r>
+            <a:r>
+              <a:rPr lang="en-US" altLang="zh-CN" dirty="0" smtClean="0">
+                <a:solidFill>
+                  <a:srgbClr val="000000"/>
+                </a:solidFill>
+                <a:latin typeface="Times New Roman" panose="02020603050405020304" pitchFamily="18" charset="0"/>
+                <a:ea typeface="黑体" panose="02010609060101010101" pitchFamily="49" charset="-122"/>
+                <a:cs typeface="Times New Roman" panose="02020603050405020304" pitchFamily="18" charset="0"/>
+              </a:rPr>
+              <a:t>   </a:t>
+            </a:r>
+            <a:r>
+              <a:rPr lang="zh-CN" altLang="en-US" dirty="0" smtClean="0">
+                <a:solidFill>
+                  <a:srgbClr val="000000"/>
+                </a:solidFill>
+                <a:latin typeface="Times New Roman" panose="02020603050405020304" pitchFamily="18" charset="0"/>
+                <a:ea typeface="黑体" panose="02010609060101010101" pitchFamily="49" charset="-122"/>
+                <a:cs typeface="Times New Roman" panose="02020603050405020304" pitchFamily="18" charset="0"/>
+              </a:rPr>
+              <a:t>只依赖样本点的相似性算法</a:t>
             </a:r>
             <a:r>
               <a:rPr lang="zh-CN" altLang="en-US" dirty="0" smtClean="0">
@@ -10219,80 +10246,9 @@
   <p:timing>
     <p:tnLst>
       <p:par>
-        <p:cTn id="1" dur="indefinite" restart="never" nodeType="tmRoot">
-          <p:childTnLst>
-            <p:seq concurrent="1" nextAc="seek">
-              <p:cTn id="2" dur="indefinite" nodeType="mainSeq">
-                <p:childTnLst>
-                  <p:par>
-                    <p:cTn id="3" fill="hold">
-                      <p:stCondLst>
-                        <p:cond delay="indefinite"/>
-                      </p:stCondLst>
-                      <p:childTnLst>
-                        <p:par>
-                          <p:cTn id="4" fill="hold">
-                            <p:stCondLst>
-                              <p:cond delay="0"/>
-                            </p:stCondLst>
-                            <p:childTnLst>
-                              <p:par>
-                                <p:cTn id="5" presetID="1" presetClass="entr" presetSubtype="0" fill="hold" grpId="0" nodeType="clickEffect">
-                                  <p:stCondLst>
-                                    <p:cond delay="0"/>
-                                  </p:stCondLst>
-                                  <p:childTnLst>
-                                    <p:set>
-                                      <p:cBhvr>
-                                        <p:cTn id="6" dur="1" fill="hold">
-                                          <p:stCondLst>
-                                            <p:cond delay="0"/>
-                                          </p:stCondLst>
-                                        </p:cTn>
-                                        <p:tgtEl>
-                                          <p:spTgt spid="23"/>
-                                        </p:tgtEl>
-                                        <p:attrNameLst>
-                                          <p:attrName>style.visibility</p:attrName>
-                                        </p:attrNameLst>
-                                      </p:cBhvr>
-                                      <p:to>
-                                        <p:strVal val="visible"/>
-                                      </p:to>
-                                    </p:set>
-                                  </p:childTnLst>
-                                </p:cTn>
-                              </p:par>
-                            </p:childTnLst>
-                          </p:cTn>
-                        </p:par>
-                      </p:childTnLst>
-                    </p:cTn>
-                  </p:par>
-                </p:childTnLst>
-              </p:cTn>
-              <p:prevCondLst>
-                <p:cond evt="onPrev" delay="0">
-                  <p:tgtEl>
-                    <p:sldTgt/>
-                  </p:tgtEl>
-                </p:cond>
-              </p:prevCondLst>
-              <p:nextCondLst>
-                <p:cond evt="onNext" delay="0">
-                  <p:tgtEl>
-                    <p:sldTgt/>
-                  </p:tgtEl>
-                </p:cond>
-              </p:nextCondLst>
-            </p:seq>
-          </p:childTnLst>
-        </p:cTn>
+        <p:cTn id="1" dur="indefinite" restart="never" nodeType="tmRoot"/>
       </p:par>
     </p:tnLst>
-    <p:bldLst>
-      <p:bldP spid="23" grpId="0" animBg="1"/>
-    </p:bldLst>
   </p:timing>
 </p:sld>
 </file>
@@ -10844,9 +10800,6 @@
                 </a:r>
                 <a:r>
                   <a:rPr lang="zh-CN" altLang="zh-CN" dirty="0">
-                    <a:solidFill>
-                      <a:srgbClr val="00B0F0"/>
-                    </a:solidFill>
                     <a:latin typeface="黑体" panose="02010609060101010101" pitchFamily="49" charset="-122"/>
                     <a:ea typeface="黑体" panose="02010609060101010101" pitchFamily="49" charset="-122"/>
                   </a:rPr>
@@ -10854,9 +10807,6 @@
                 </a:r>
                 <a:r>
                   <a:rPr lang="zh-CN" altLang="zh-CN" dirty="0" smtClean="0">
-                    <a:solidFill>
-                      <a:srgbClr val="00B0F0"/>
-                    </a:solidFill>
                     <a:latin typeface="黑体" panose="02010609060101010101" pitchFamily="49" charset="-122"/>
                     <a:ea typeface="黑体" panose="02010609060101010101" pitchFamily="49" charset="-122"/>
                   </a:rPr>
@@ -10864,20 +10814,10 @@
                 </a:r>
                 <a:r>
                   <a:rPr lang="zh-CN" altLang="en-US" dirty="0" smtClean="0">
-                    <a:solidFill>
-                      <a:srgbClr val="00B0F0"/>
-                    </a:solidFill>
                     <a:latin typeface="黑体" panose="02010609060101010101" pitchFamily="49" charset="-122"/>
                     <a:ea typeface="黑体" panose="02010609060101010101" pitchFamily="49" charset="-122"/>
                   </a:rPr>
-                  <a:t>结果包含更多轨迹段的信息</a:t>
-                </a:r>
-                <a:r>
-                  <a:rPr lang="zh-CN" altLang="en-US" dirty="0" smtClean="0">
-                    <a:latin typeface="黑体" panose="02010609060101010101" pitchFamily="49" charset="-122"/>
-                    <a:ea typeface="黑体" panose="02010609060101010101" pitchFamily="49" charset="-122"/>
-                  </a:rPr>
-                  <a:t>，变得更准确</a:t>
+                  <a:t>结果包含更多轨迹段的信息，变得更准确</a:t>
                 </a:r>
                 <a:r>
                   <a:rPr lang="zh-CN" altLang="zh-CN" dirty="0" smtClean="0">
@@ -11556,172 +11496,9 @@
   <p:timing>
     <p:tnLst>
       <p:par>
-        <p:cTn id="1" dur="indefinite" restart="never" nodeType="tmRoot">
-          <p:childTnLst>
-            <p:seq concurrent="1" nextAc="seek">
-              <p:cTn id="2" dur="indefinite" nodeType="mainSeq">
-                <p:childTnLst>
-                  <p:par>
-                    <p:cTn id="3" fill="hold">
-                      <p:stCondLst>
-                        <p:cond delay="indefinite"/>
-                      </p:stCondLst>
-                      <p:childTnLst>
-                        <p:par>
-                          <p:cTn id="4" fill="hold">
-                            <p:stCondLst>
-                              <p:cond delay="0"/>
-                            </p:stCondLst>
-                            <p:childTnLst>
-                              <p:par>
-                                <p:cTn id="5" presetID="1" presetClass="entr" presetSubtype="0" fill="hold" grpId="0" nodeType="clickEffect">
-                                  <p:stCondLst>
-                                    <p:cond delay="0"/>
-                                  </p:stCondLst>
-                                  <p:childTnLst>
-                                    <p:set>
-                                      <p:cBhvr>
-                                        <p:cTn id="6" dur="1" fill="hold">
-                                          <p:stCondLst>
-                                            <p:cond delay="0"/>
-                                          </p:stCondLst>
-                                        </p:cTn>
-                                        <p:tgtEl>
-                                          <p:spTgt spid="11"/>
-                                        </p:tgtEl>
-                                        <p:attrNameLst>
-                                          <p:attrName>style.visibility</p:attrName>
-                                        </p:attrNameLst>
-                                      </p:cBhvr>
-                                      <p:to>
-                                        <p:strVal val="visible"/>
-                                      </p:to>
-                                    </p:set>
-                                  </p:childTnLst>
-                                </p:cTn>
-                              </p:par>
-                            </p:childTnLst>
-                          </p:cTn>
-                        </p:par>
-                      </p:childTnLst>
-                    </p:cTn>
-                  </p:par>
-                  <p:par>
-                    <p:cTn id="7" fill="hold">
-                      <p:stCondLst>
-                        <p:cond delay="indefinite"/>
-                      </p:stCondLst>
-                      <p:childTnLst>
-                        <p:par>
-                          <p:cTn id="8" fill="hold">
-                            <p:stCondLst>
-                              <p:cond delay="0"/>
-                            </p:stCondLst>
-                            <p:childTnLst>
-                              <p:par>
-                                <p:cTn id="9" presetID="1" presetClass="entr" presetSubtype="0" fill="hold" grpId="0" nodeType="clickEffect">
-                                  <p:stCondLst>
-                                    <p:cond delay="0"/>
-                                  </p:stCondLst>
-                                  <p:childTnLst>
-                                    <p:set>
-                                      <p:cBhvr>
-                                        <p:cTn id="10" dur="1" fill="hold">
-                                          <p:stCondLst>
-                                            <p:cond delay="0"/>
-                                          </p:stCondLst>
-                                        </p:cTn>
-                                        <p:tgtEl>
-                                          <p:spTgt spid="12"/>
-                                        </p:tgtEl>
-                                        <p:attrNameLst>
-                                          <p:attrName>style.visibility</p:attrName>
-                                        </p:attrNameLst>
-                                      </p:cBhvr>
-                                      <p:to>
-                                        <p:strVal val="visible"/>
-                                      </p:to>
-                                    </p:set>
-                                  </p:childTnLst>
-                                </p:cTn>
-                              </p:par>
-                            </p:childTnLst>
-                          </p:cTn>
-                        </p:par>
-                      </p:childTnLst>
-                    </p:cTn>
-                  </p:par>
-                  <p:par>
-                    <p:cTn id="11" fill="hold">
-                      <p:stCondLst>
-                        <p:cond delay="indefinite"/>
-                      </p:stCondLst>
-                      <p:childTnLst>
-                        <p:par>
-                          <p:cTn id="12" fill="hold">
-                            <p:stCondLst>
-                              <p:cond delay="0"/>
-                            </p:stCondLst>
-                            <p:childTnLst>
-                              <p:par>
-                                <p:cTn id="13" presetID="1" presetClass="entr" presetSubtype="0" fill="hold" grpId="0" nodeType="clickEffect">
-                                  <p:stCondLst>
-                                    <p:cond delay="0"/>
-                                  </p:stCondLst>
-                                  <p:childTnLst>
-                                    <p:set>
-                                      <p:cBhvr>
-                                        <p:cTn id="14" dur="1" fill="hold">
-                                          <p:stCondLst>
-                                            <p:cond delay="0"/>
-                                          </p:stCondLst>
-                                        </p:cTn>
-                                        <p:tgtEl>
-                                          <p:spTgt spid="13"/>
-                                        </p:tgtEl>
-                                        <p:attrNameLst>
-                                          <p:attrName>style.visibility</p:attrName>
-                                        </p:attrNameLst>
-                                      </p:cBhvr>
-                                      <p:to>
-                                        <p:strVal val="visible"/>
-                                      </p:to>
-                                    </p:set>
-                                  </p:childTnLst>
-                                </p:cTn>
-                              </p:par>
-                            </p:childTnLst>
-                          </p:cTn>
-                        </p:par>
-                      </p:childTnLst>
-                    </p:cTn>
-                  </p:par>
-                </p:childTnLst>
-              </p:cTn>
-              <p:prevCondLst>
-                <p:cond evt="onPrev" delay="0">
-                  <p:tgtEl>
-                    <p:sldTgt/>
-                  </p:tgtEl>
-                </p:cond>
-              </p:prevCondLst>
-              <p:nextCondLst>
-                <p:cond evt="onNext" delay="0">
-                  <p:tgtEl>
-                    <p:sldTgt/>
-                  </p:tgtEl>
-                </p:cond>
-              </p:nextCondLst>
-            </p:seq>
-          </p:childTnLst>
-        </p:cTn>
+        <p:cTn id="1" dur="indefinite" restart="never" nodeType="tmRoot"/>
       </p:par>
     </p:tnLst>
-    <p:bldLst>
-      <p:bldP spid="11" grpId="0" animBg="1"/>
-      <p:bldP spid="12" grpId="0" animBg="1"/>
-      <p:bldP spid="13" grpId="0" animBg="1"/>
-    </p:bldLst>
   </p:timing>
 </p:sld>
 </file>
@@ -12075,13 +11852,13 @@
             </p:nvSpPr>
             <p:spPr bwMode="auto">
               <a:xfrm>
-                <a:off x="7173780" y="3973072"/>
+                <a:off x="7233810" y="3439068"/>
                 <a:ext cx="1778630" cy="1295770"/>
               </a:xfrm>
               <a:prstGeom prst="wedgeRoundRectCallout">
                 <a:avLst>
                   <a:gd name="adj1" fmla="val -71839"/>
-                  <a:gd name="adj2" fmla="val -46858"/>
+                  <a:gd name="adj2" fmla="val -3585"/>
                   <a:gd name="adj3" fmla="val 16667"/>
                 </a:avLst>
               </a:prstGeom>
@@ -12249,20 +12026,20 @@
             </p:nvSpPr>
             <p:spPr bwMode="auto">
               <a:xfrm>
-                <a:off x="7173780" y="3973072"/>
+                <a:off x="7233810" y="3439068"/>
                 <a:ext cx="1778630" cy="1295770"/>
               </a:xfrm>
               <a:prstGeom prst="wedgeRoundRectCallout">
                 <a:avLst>
                   <a:gd name="adj1" fmla="val -71839"/>
-                  <a:gd name="adj2" fmla="val -46858"/>
+                  <a:gd name="adj2" fmla="val -3585"/>
                   <a:gd name="adj3" fmla="val 16667"/>
                 </a:avLst>
               </a:prstGeom>
               <a:blipFill>
                 <a:blip r:embed="rId6"/>
                 <a:stretch>
-                  <a:fillRect b="-2336"/>
+                  <a:fillRect b="-2326"/>
                 </a:stretch>
               </a:blipFill>
               <a:ln w="9525">
@@ -12297,7 +12074,7 @@
             </p:nvSpPr>
             <p:spPr>
               <a:xfrm>
-                <a:off x="1052805" y="5428134"/>
+                <a:off x="1402050" y="4855366"/>
                 <a:ext cx="5938292" cy="712054"/>
               </a:xfrm>
               <a:prstGeom prst="rect">
@@ -12320,15 +12097,51 @@
                     <a:latin typeface="黑体" panose="02010609060101010101" pitchFamily="49" charset="-122"/>
                     <a:ea typeface="黑体" panose="02010609060101010101" pitchFamily="49" charset="-122"/>
                   </a:rPr>
-                  <a:t>对应轨迹段间的时空距离</a:t>
+                  <a:t>时空距离</a:t>
                 </a:r>
                 <a:r>
                   <a:rPr lang="en-US" altLang="zh-CN" dirty="0" smtClean="0">
                     <a:latin typeface="黑体" panose="02010609060101010101" pitchFamily="49" charset="-122"/>
                     <a:ea typeface="黑体" panose="02010609060101010101" pitchFamily="49" charset="-122"/>
                   </a:rPr>
-                  <a:t>:</a:t>
+                  <a:t> = </a:t>
                 </a:r>
+                <a:r>
+                  <a:rPr lang="zh-CN" altLang="en-US" dirty="0" smtClean="0">
+                    <a:latin typeface="黑体" panose="02010609060101010101" pitchFamily="49" charset="-122"/>
+                    <a:ea typeface="黑体" panose="02010609060101010101" pitchFamily="49" charset="-122"/>
+                  </a:rPr>
+                  <a:t>权重 </a:t>
+                </a:r>
+                <a14:m>
+                  <m:oMath xmlns:m="http://schemas.openxmlformats.org/officeDocument/2006/math">
+                    <m:r>
+                      <a:rPr lang="en-US" altLang="zh-CN" i="1" dirty="0">
+                        <a:latin typeface="Cambria Math" panose="02040503050406030204" pitchFamily="18" charset="0"/>
+                        <a:ea typeface="Cambria Math" panose="02040503050406030204" pitchFamily="18" charset="0"/>
+                      </a:rPr>
+                      <m:t>×</m:t>
+                    </m:r>
+                  </m:oMath>
+                </a14:m>
+                <a:r>
+                  <a:rPr lang="en-US" altLang="zh-CN" dirty="0" smtClean="0">
+                    <a:latin typeface="黑体" panose="02010609060101010101" pitchFamily="49" charset="-122"/>
+                    <a:ea typeface="黑体" panose="02010609060101010101" pitchFamily="49" charset="-122"/>
+                  </a:rPr>
+                  <a:t> </a:t>
+                </a:r>
+                <a:r>
+                  <a:rPr lang="zh-CN" altLang="en-US" dirty="0" smtClean="0">
+                    <a:latin typeface="黑体" panose="02010609060101010101" pitchFamily="49" charset="-122"/>
+                    <a:ea typeface="黑体" panose="02010609060101010101" pitchFamily="49" charset="-122"/>
+                  </a:rPr>
+                  <a:t>对应点间距离</a:t>
+                </a:r>
+                <a:endParaRPr lang="en-US" altLang="zh-CN" dirty="0" smtClean="0">
+                  <a:latin typeface="黑体" panose="02010609060101010101" pitchFamily="49" charset="-122"/>
+                  <a:ea typeface="黑体" panose="02010609060101010101" pitchFamily="49" charset="-122"/>
+                </a:endParaRPr>
               </a:p>
               <a:p>
                 <a14:m>
@@ -12818,7 +12631,7 @@
             </p:nvSpPr>
             <p:spPr>
               <a:xfrm>
-                <a:off x="1052805" y="5428134"/>
+                <a:off x="1402050" y="4855366"/>
                 <a:ext cx="5938292" cy="712054"/>
               </a:xfrm>
               <a:prstGeom prst="rect">
@@ -12851,174 +12664,6 @@
           </p:sp>
         </mc:Fallback>
       </mc:AlternateContent>
-      <p:sp>
-        <p:nvSpPr>
-          <p:cNvPr id="24" name="AutoShape 31"/>
-          <p:cNvSpPr>
-            <a:spLocks noChangeArrowheads="1"/>
-          </p:cNvSpPr>
-          <p:nvPr/>
-        </p:nvSpPr>
-        <p:spPr bwMode="auto">
-          <a:xfrm>
-            <a:off x="114300" y="4254508"/>
-            <a:ext cx="1778630" cy="988966"/>
-          </a:xfrm>
-          <a:prstGeom prst="wedgeRoundRectCallout">
-            <a:avLst>
-              <a:gd name="adj1" fmla="val 36317"/>
-              <a:gd name="adj2" fmla="val 66983"/>
-              <a:gd name="adj3" fmla="val 16667"/>
-            </a:avLst>
-          </a:prstGeom>
-          <a:solidFill>
-            <a:srgbClr val="CCFFFF"/>
-          </a:solidFill>
-          <a:ln w="9525">
-            <a:solidFill>
-              <a:schemeClr val="tx1"/>
-            </a:solidFill>
-            <a:miter lim="800000"/>
-          </a:ln>
-        </p:spPr>
-        <p:txBody>
-          <a:bodyPr/>
-          <a:lstStyle>
-            <a:lvl1pPr>
-              <a:defRPr>
-                <a:solidFill>
-                  <a:schemeClr val="tx1"/>
-                </a:solidFill>
-                <a:latin typeface="Calibri" panose="020F0502020204030204" pitchFamily="34" charset="0"/>
-                <a:ea typeface="宋体" panose="02010600030101010101" pitchFamily="2" charset="-122"/>
-              </a:defRPr>
-            </a:lvl1pPr>
-            <a:lvl2pPr marL="742950" indent="-285750">
-              <a:defRPr>
-                <a:solidFill>
-                  <a:schemeClr val="tx1"/>
-                </a:solidFill>
-                <a:latin typeface="Calibri" panose="020F0502020204030204" pitchFamily="34" charset="0"/>
-                <a:ea typeface="宋体" panose="02010600030101010101" pitchFamily="2" charset="-122"/>
-              </a:defRPr>
-            </a:lvl2pPr>
-            <a:lvl3pPr marL="1143000" indent="-228600">
-              <a:defRPr>
-                <a:solidFill>
-                  <a:schemeClr val="tx1"/>
-                </a:solidFill>
-                <a:latin typeface="Calibri" panose="020F0502020204030204" pitchFamily="34" charset="0"/>
-                <a:ea typeface="宋体" panose="02010600030101010101" pitchFamily="2" charset="-122"/>
-              </a:defRPr>
-            </a:lvl3pPr>
-            <a:lvl4pPr marL="1600200" indent="-228600">
-              <a:defRPr>
-                <a:solidFill>
-                  <a:schemeClr val="tx1"/>
-                </a:solidFill>
-                <a:latin typeface="Calibri" panose="020F0502020204030204" pitchFamily="34" charset="0"/>
-                <a:ea typeface="宋体" panose="02010600030101010101" pitchFamily="2" charset="-122"/>
-              </a:defRPr>
-            </a:lvl4pPr>
-            <a:lvl5pPr marL="2057400" indent="-228600">
-              <a:defRPr>
-                <a:solidFill>
-                  <a:schemeClr val="tx1"/>
-                </a:solidFill>
-                <a:latin typeface="Calibri" panose="020F0502020204030204" pitchFamily="34" charset="0"/>
-                <a:ea typeface="宋体" panose="02010600030101010101" pitchFamily="2" charset="-122"/>
-              </a:defRPr>
-            </a:lvl5pPr>
-            <a:lvl6pPr marL="2514600" indent="-228600" fontAlgn="base">
-              <a:spcBef>
-                <a:spcPct val="0"/>
-              </a:spcBef>
-              <a:spcAft>
-                <a:spcPct val="0"/>
-              </a:spcAft>
-              <a:defRPr>
-                <a:solidFill>
-                  <a:schemeClr val="tx1"/>
-                </a:solidFill>
-                <a:latin typeface="Calibri" panose="020F0502020204030204" pitchFamily="34" charset="0"/>
-                <a:ea typeface="宋体" panose="02010600030101010101" pitchFamily="2" charset="-122"/>
-              </a:defRPr>
-            </a:lvl6pPr>
-            <a:lvl7pPr marL="2971800" indent="-228600" fontAlgn="base">
-              <a:spcBef>
-                <a:spcPct val="0"/>
-              </a:spcBef>
-              <a:spcAft>
-                <a:spcPct val="0"/>
-              </a:spcAft>
-              <a:defRPr>
-                <a:solidFill>
-                  <a:schemeClr val="tx1"/>
-                </a:solidFill>
-                <a:latin typeface="Calibri" panose="020F0502020204030204" pitchFamily="34" charset="0"/>
-                <a:ea typeface="宋体" panose="02010600030101010101" pitchFamily="2" charset="-122"/>
-              </a:defRPr>
-            </a:lvl7pPr>
-            <a:lvl8pPr marL="3429000" indent="-228600" fontAlgn="base">
-              <a:spcBef>
-                <a:spcPct val="0"/>
-              </a:spcBef>
-              <a:spcAft>
-                <a:spcPct val="0"/>
-              </a:spcAft>
-              <a:defRPr>
-                <a:solidFill>
-                  <a:schemeClr val="tx1"/>
-                </a:solidFill>
-                <a:latin typeface="Calibri" panose="020F0502020204030204" pitchFamily="34" charset="0"/>
-                <a:ea typeface="宋体" panose="02010600030101010101" pitchFamily="2" charset="-122"/>
-              </a:defRPr>
-            </a:lvl8pPr>
-            <a:lvl9pPr marL="3886200" indent="-228600" fontAlgn="base">
-              <a:spcBef>
-                <a:spcPct val="0"/>
-              </a:spcBef>
-              <a:spcAft>
-                <a:spcPct val="0"/>
-              </a:spcAft>
-              <a:defRPr>
-                <a:solidFill>
-                  <a:schemeClr val="tx1"/>
-                </a:solidFill>
-                <a:latin typeface="Calibri" panose="020F0502020204030204" pitchFamily="34" charset="0"/>
-                <a:ea typeface="宋体" panose="02010600030101010101" pitchFamily="2" charset="-122"/>
-              </a:defRPr>
-            </a:lvl9pPr>
-          </a:lstStyle>
-          <a:p>
-            <a:r>
-              <a:rPr lang="zh-CN" altLang="en-US" dirty="0" smtClean="0"/>
-              <a:t>与</a:t>
-            </a:r>
-            <a:r>
-              <a:rPr lang="en-US" altLang="zh-CN" dirty="0" smtClean="0"/>
-              <a:t>DTW</a:t>
-            </a:r>
-            <a:r>
-              <a:rPr lang="zh-CN" altLang="en-US" dirty="0" smtClean="0"/>
-              <a:t>相比，考虑的信息更多，更</a:t>
-            </a:r>
-            <a:r>
-              <a:rPr lang="zh-CN" altLang="en-US" dirty="0" smtClean="0">
-                <a:solidFill>
-                  <a:srgbClr val="00B0F0"/>
-                </a:solidFill>
-              </a:rPr>
-              <a:t>健壮</a:t>
-            </a:r>
-            <a:endParaRPr lang="zh-CN" altLang="en-US" dirty="0">
-              <a:solidFill>
-                <a:srgbClr val="00B0F0"/>
-              </a:solidFill>
-            </a:endParaRPr>
-          </a:p>
-        </p:txBody>
-      </p:sp>
       <mc:AlternateContent xmlns:mc="http://schemas.openxmlformats.org/markup-compatibility/2006" xmlns:a14="http://schemas.microsoft.com/office/drawing/2010/main">
         <mc:Choice Requires="a14">
           <p:sp>
@@ -13322,6 +12967,189 @@
           </p:sp>
         </mc:Fallback>
       </mc:AlternateContent>
+      <p:sp>
+        <p:nvSpPr>
+          <p:cNvPr id="16" name="TextBox 40"/>
+          <p:cNvSpPr txBox="1">
+            <a:spLocks noChangeArrowheads="1"/>
+          </p:cNvSpPr>
+          <p:nvPr/>
+        </p:nvSpPr>
+        <p:spPr bwMode="auto">
+          <a:xfrm>
+            <a:off x="952006" y="5806768"/>
+            <a:ext cx="7324725" cy="646331"/>
+          </a:xfrm>
+          <a:prstGeom prst="rect">
+            <a:avLst/>
+          </a:prstGeom>
+          <a:solidFill>
+            <a:schemeClr val="accent6">
+              <a:lumMod val="20000"/>
+              <a:lumOff val="80000"/>
+            </a:schemeClr>
+          </a:solidFill>
+          <a:ln w="22225">
+            <a:solidFill>
+              <a:srgbClr val="5E5EAF"/>
+            </a:solidFill>
+            <a:miter lim="800000"/>
+          </a:ln>
+        </p:spPr>
+        <p:txBody>
+          <a:bodyPr>
+            <a:spAutoFit/>
+          </a:bodyPr>
+          <a:lstStyle>
+            <a:lvl1pPr>
+              <a:defRPr>
+                <a:solidFill>
+                  <a:schemeClr val="tx1"/>
+                </a:solidFill>
+                <a:latin typeface="Tahoma" panose="020B0604030504040204" pitchFamily="34" charset="0"/>
+                <a:ea typeface="PMingLiU" panose="02020500000000000000" pitchFamily="18" charset="-120"/>
+              </a:defRPr>
+            </a:lvl1pPr>
+            <a:lvl2pPr>
+              <a:defRPr>
+                <a:solidFill>
+                  <a:schemeClr val="tx1"/>
+                </a:solidFill>
+                <a:latin typeface="Tahoma" panose="020B0604030504040204" pitchFamily="34" charset="0"/>
+                <a:ea typeface="PMingLiU" panose="02020500000000000000" pitchFamily="18" charset="-120"/>
+              </a:defRPr>
+            </a:lvl2pPr>
+            <a:lvl3pPr>
+              <a:defRPr>
+                <a:solidFill>
+                  <a:schemeClr val="tx1"/>
+                </a:solidFill>
+                <a:latin typeface="Tahoma" panose="020B0604030504040204" pitchFamily="34" charset="0"/>
+                <a:ea typeface="PMingLiU" panose="02020500000000000000" pitchFamily="18" charset="-120"/>
+              </a:defRPr>
+            </a:lvl3pPr>
+            <a:lvl4pPr>
+              <a:defRPr>
+                <a:solidFill>
+                  <a:schemeClr val="tx1"/>
+                </a:solidFill>
+                <a:latin typeface="Tahoma" panose="020B0604030504040204" pitchFamily="34" charset="0"/>
+                <a:ea typeface="PMingLiU" panose="02020500000000000000" pitchFamily="18" charset="-120"/>
+              </a:defRPr>
+            </a:lvl4pPr>
+            <a:lvl5pPr>
+              <a:defRPr>
+                <a:solidFill>
+                  <a:schemeClr val="tx1"/>
+                </a:solidFill>
+                <a:latin typeface="Tahoma" panose="020B0604030504040204" pitchFamily="34" charset="0"/>
+                <a:ea typeface="PMingLiU" panose="02020500000000000000" pitchFamily="18" charset="-120"/>
+              </a:defRPr>
+            </a:lvl5pPr>
+            <a:lvl6pPr fontAlgn="base">
+              <a:spcBef>
+                <a:spcPct val="0"/>
+              </a:spcBef>
+              <a:spcAft>
+                <a:spcPct val="0"/>
+              </a:spcAft>
+              <a:buFont typeface="Arial" panose="020B0604020202020204" pitchFamily="34" charset="0"/>
+              <a:defRPr>
+                <a:solidFill>
+                  <a:schemeClr val="tx1"/>
+                </a:solidFill>
+                <a:latin typeface="Tahoma" panose="020B0604030504040204" pitchFamily="34" charset="0"/>
+                <a:ea typeface="PMingLiU" panose="02020500000000000000" pitchFamily="18" charset="-120"/>
+              </a:defRPr>
+            </a:lvl6pPr>
+            <a:lvl7pPr fontAlgn="base">
+              <a:spcBef>
+                <a:spcPct val="0"/>
+              </a:spcBef>
+              <a:spcAft>
+                <a:spcPct val="0"/>
+              </a:spcAft>
+              <a:buFont typeface="Arial" panose="020B0604020202020204" pitchFamily="34" charset="0"/>
+              <a:defRPr>
+                <a:solidFill>
+                  <a:schemeClr val="tx1"/>
+                </a:solidFill>
+                <a:latin typeface="Tahoma" panose="020B0604030504040204" pitchFamily="34" charset="0"/>
+                <a:ea typeface="PMingLiU" panose="02020500000000000000" pitchFamily="18" charset="-120"/>
+              </a:defRPr>
+            </a:lvl7pPr>
+            <a:lvl8pPr fontAlgn="base">
+              <a:spcBef>
+                <a:spcPct val="0"/>
+              </a:spcBef>
+              <a:spcAft>
+                <a:spcPct val="0"/>
+              </a:spcAft>
+              <a:buFont typeface="Arial" panose="020B0604020202020204" pitchFamily="34" charset="0"/>
+              <a:defRPr>
+                <a:solidFill>
+                  <a:schemeClr val="tx1"/>
+                </a:solidFill>
+                <a:latin typeface="Tahoma" panose="020B0604030504040204" pitchFamily="34" charset="0"/>
+                <a:ea typeface="PMingLiU" panose="02020500000000000000" pitchFamily="18" charset="-120"/>
+              </a:defRPr>
+            </a:lvl8pPr>
+            <a:lvl9pPr fontAlgn="base">
+              <a:spcBef>
+                <a:spcPct val="0"/>
+              </a:spcBef>
+              <a:spcAft>
+                <a:spcPct val="0"/>
+              </a:spcAft>
+              <a:buFont typeface="Arial" panose="020B0604020202020204" pitchFamily="34" charset="0"/>
+              <a:defRPr>
+                <a:solidFill>
+                  <a:schemeClr val="tx1"/>
+                </a:solidFill>
+                <a:latin typeface="Tahoma" panose="020B0604030504040204" pitchFamily="34" charset="0"/>
+                <a:ea typeface="PMingLiU" panose="02020500000000000000" pitchFamily="18" charset="-120"/>
+              </a:defRPr>
+            </a:lvl9pPr>
+          </a:lstStyle>
+          <a:p>
+            <a:pPr>
+              <a:defRPr/>
+            </a:pPr>
+            <a:r>
+              <a:rPr lang="zh-CN" altLang="en-US" dirty="0" smtClean="0">
+                <a:solidFill>
+                  <a:srgbClr val="333399"/>
+                </a:solidFill>
+                <a:latin typeface="黑体" panose="02010609060101010101" pitchFamily="49" charset="-122"/>
+                <a:ea typeface="黑体" panose="02010609060101010101" pitchFamily="49" charset="-122"/>
+                <a:cs typeface="Times New Roman" panose="02020603050405020304" pitchFamily="18" charset="0"/>
+              </a:rPr>
+              <a:t>轨迹段间的时空距离：</a:t>
+            </a:r>
+            <a:endParaRPr lang="en-US" altLang="zh-CN" dirty="0">
+              <a:solidFill>
+                <a:srgbClr val="333399"/>
+              </a:solidFill>
+              <a:latin typeface="黑体" panose="02010609060101010101" pitchFamily="49" charset="-122"/>
+              <a:ea typeface="黑体" panose="02010609060101010101" pitchFamily="49" charset="-122"/>
+              <a:cs typeface="Times New Roman" panose="02020603050405020304" pitchFamily="18" charset="0"/>
+            </a:endParaRPr>
+          </a:p>
+          <a:p>
+            <a:r>
+              <a:rPr lang="zh-CN" altLang="en-US" dirty="0" smtClean="0">
+                <a:latin typeface="黑体" panose="02010609060101010101" pitchFamily="49" charset="-122"/>
+                <a:ea typeface="黑体" panose="02010609060101010101" pitchFamily="49" charset="-122"/>
+              </a:rPr>
+              <a:t>通过断点获得了更多关于轨迹段的信息，受采样策略影响更小，更健壮</a:t>
+            </a:r>
+            <a:endParaRPr lang="zh-CN" altLang="en-US" dirty="0">
+              <a:latin typeface="黑体" panose="02010609060101010101" pitchFamily="49" charset="-122"/>
+              <a:ea typeface="黑体" panose="02010609060101010101" pitchFamily="49" charset="-122"/>
+            </a:endParaRPr>
+          </a:p>
+        </p:txBody>
+      </p:sp>
     </p:spTree>
     <p:extLst>
       <p:ext uri="{BB962C8B-B14F-4D97-AF65-F5344CB8AC3E}">
@@ -15597,8 +15425,8 @@
         </p:nvSpPr>
         <p:spPr bwMode="auto">
           <a:xfrm>
-            <a:off x="628650" y="3700484"/>
-            <a:ext cx="1499020" cy="883330"/>
+            <a:off x="388189" y="3700484"/>
+            <a:ext cx="1739481" cy="883330"/>
           </a:xfrm>
           <a:prstGeom prst="wedgeRoundRectCallout">
             <a:avLst>
@@ -15729,7 +15557,7 @@
           <a:p>
             <a:r>
               <a:rPr lang="zh-CN" altLang="en-US" sz="1600" dirty="0" smtClean="0"/>
-              <a:t>从投影可以看出轨迹段之间的相似程度</a:t>
+              <a:t>从投影的值可以看出轨迹段间形状相似程度</a:t>
             </a:r>
             <a:endParaRPr lang="en-US" altLang="zh-CN" sz="1600" dirty="0"/>
           </a:p>
@@ -15748,80 +15576,9 @@
   <p:timing>
     <p:tnLst>
       <p:par>
-        <p:cTn id="1" dur="indefinite" restart="never" nodeType="tmRoot">
-          <p:childTnLst>
-            <p:seq concurrent="1" nextAc="seek">
-              <p:cTn id="2" dur="indefinite" nodeType="mainSeq">
-                <p:childTnLst>
-                  <p:par>
-                    <p:cTn id="3" fill="hold">
-                      <p:stCondLst>
-                        <p:cond delay="indefinite"/>
-                      </p:stCondLst>
-                      <p:childTnLst>
-                        <p:par>
-                          <p:cTn id="4" fill="hold">
-                            <p:stCondLst>
-                              <p:cond delay="0"/>
-                            </p:stCondLst>
-                            <p:childTnLst>
-                              <p:par>
-                                <p:cTn id="5" presetID="1" presetClass="entr" presetSubtype="0" fill="hold" grpId="0" nodeType="clickEffect">
-                                  <p:stCondLst>
-                                    <p:cond delay="0"/>
-                                  </p:stCondLst>
-                                  <p:childTnLst>
-                                    <p:set>
-                                      <p:cBhvr>
-                                        <p:cTn id="6" dur="1" fill="hold">
-                                          <p:stCondLst>
-                                            <p:cond delay="0"/>
-                                          </p:stCondLst>
-                                        </p:cTn>
-                                        <p:tgtEl>
-                                          <p:spTgt spid="21"/>
-                                        </p:tgtEl>
-                                        <p:attrNameLst>
-                                          <p:attrName>style.visibility</p:attrName>
-                                        </p:attrNameLst>
-                                      </p:cBhvr>
-                                      <p:to>
-                                        <p:strVal val="visible"/>
-                                      </p:to>
-                                    </p:set>
-                                  </p:childTnLst>
-                                </p:cTn>
-                              </p:par>
-                            </p:childTnLst>
-                          </p:cTn>
-                        </p:par>
-                      </p:childTnLst>
-                    </p:cTn>
-                  </p:par>
-                </p:childTnLst>
-              </p:cTn>
-              <p:prevCondLst>
-                <p:cond evt="onPrev" delay="0">
-                  <p:tgtEl>
-                    <p:sldTgt/>
-                  </p:tgtEl>
-                </p:cond>
-              </p:prevCondLst>
-              <p:nextCondLst>
-                <p:cond evt="onNext" delay="0">
-                  <p:tgtEl>
-                    <p:sldTgt/>
-                  </p:tgtEl>
-                </p:cond>
-              </p:nextCondLst>
-            </p:seq>
-          </p:childTnLst>
-        </p:cTn>
+        <p:cTn id="1" dur="indefinite" restart="never" nodeType="tmRoot"/>
       </p:par>
     </p:tnLst>
-    <p:bldLst>
-      <p:bldP spid="21" grpId="0" animBg="1"/>
-    </p:bldLst>
   </p:timing>
 </p:sld>
 </file>
@@ -15843,6 +15600,36 @@
           <a:chExt cx="0" cy="0"/>
         </a:xfrm>
       </p:grpSpPr>
+      <p:pic>
+        <p:nvPicPr>
+          <p:cNvPr id="13" name="图片 12"/>
+          <p:cNvPicPr>
+            <a:picLocks noChangeAspect="1"/>
+          </p:cNvPicPr>
+          <p:nvPr/>
+        </p:nvPicPr>
+        <p:blipFill>
+          <a:blip r:embed="rId2">
+            <a:extLst>
+              <a:ext uri="{28A0092B-C50C-407E-A947-70E740481C1C}">
+                <a14:useLocalDpi xmlns:a14="http://schemas.microsoft.com/office/drawing/2010/main" val="0"/>
+              </a:ext>
+            </a:extLst>
+          </a:blip>
+          <a:stretch>
+            <a:fillRect/>
+          </a:stretch>
+        </p:blipFill>
+        <p:spPr>
+          <a:xfrm>
+            <a:off x="1662347" y="2348172"/>
+            <a:ext cx="6242376" cy="1795313"/>
+          </a:xfrm>
+          <a:prstGeom prst="rect">
+            <a:avLst/>
+          </a:prstGeom>
+        </p:spPr>
+      </p:pic>
       <p:grpSp>
         <p:nvGrpSpPr>
           <p:cNvPr id="2" name="组合 1"/>
@@ -15936,7 +15723,7 @@
             <p:nvPr/>
           </p:nvPicPr>
           <p:blipFill rotWithShape="1">
-            <a:blip r:embed="rId2">
+            <a:blip r:embed="rId3">
               <a:extLst>
                 <a:ext uri="{28A0092B-C50C-407E-A947-70E740481C1C}">
                   <a14:useLocalDpi xmlns:a14="http://schemas.microsoft.com/office/drawing/2010/main" val="0"/>
@@ -16732,7 +16519,7 @@
                 <a:avLst/>
               </a:prstGeom>
               <a:blipFill>
-                <a:blip r:embed="rId3"/>
+                <a:blip r:embed="rId4"/>
                 <a:stretch>
                   <a:fillRect/>
                 </a:stretch>
@@ -16803,122 +16590,6 @@
           </a:p>
         </p:txBody>
       </p:sp>
-      <p:grpSp>
-        <p:nvGrpSpPr>
-          <p:cNvPr id="22" name="组合 21"/>
-          <p:cNvGrpSpPr/>
-          <p:nvPr/>
-        </p:nvGrpSpPr>
-        <p:grpSpPr>
-          <a:xfrm>
-            <a:off x="402437" y="2944952"/>
-            <a:ext cx="8281976" cy="2369796"/>
-            <a:chOff x="367388" y="3444408"/>
-            <a:chExt cx="8281976" cy="2369796"/>
-          </a:xfrm>
-        </p:grpSpPr>
-        <p:pic>
-          <p:nvPicPr>
-            <p:cNvPr id="9" name="图片 8"/>
-            <p:cNvPicPr/>
-            <p:nvPr/>
-          </p:nvPicPr>
-          <p:blipFill>
-            <a:blip r:embed="rId4">
-              <a:extLst>
-                <a:ext uri="{28A0092B-C50C-407E-A947-70E740481C1C}">
-                  <a14:useLocalDpi xmlns:a14="http://schemas.microsoft.com/office/drawing/2010/main" val="0"/>
-                </a:ext>
-              </a:extLst>
-            </a:blip>
-            <a:stretch>
-              <a:fillRect/>
-            </a:stretch>
-          </p:blipFill>
-          <p:spPr>
-            <a:xfrm>
-              <a:off x="3096883" y="3444410"/>
-              <a:ext cx="2699440" cy="2369794"/>
-            </a:xfrm>
-            <a:prstGeom prst="rect">
-              <a:avLst/>
-            </a:prstGeom>
-            <a:ln>
-              <a:solidFill>
-                <a:schemeClr val="accent1"/>
-              </a:solidFill>
-            </a:ln>
-          </p:spPr>
-        </p:pic>
-        <p:pic>
-          <p:nvPicPr>
-            <p:cNvPr id="10" name="图片 9"/>
-            <p:cNvPicPr/>
-            <p:nvPr/>
-          </p:nvPicPr>
-          <p:blipFill>
-            <a:blip r:embed="rId5" cstate="print">
-              <a:extLst>
-                <a:ext uri="{28A0092B-C50C-407E-A947-70E740481C1C}">
-                  <a14:useLocalDpi xmlns:a14="http://schemas.microsoft.com/office/drawing/2010/main" val="0"/>
-                </a:ext>
-              </a:extLst>
-            </a:blip>
-            <a:stretch>
-              <a:fillRect/>
-            </a:stretch>
-          </p:blipFill>
-          <p:spPr>
-            <a:xfrm>
-              <a:off x="5796323" y="3444411"/>
-              <a:ext cx="2853041" cy="2369793"/>
-            </a:xfrm>
-            <a:prstGeom prst="rect">
-              <a:avLst/>
-            </a:prstGeom>
-            <a:ln>
-              <a:solidFill>
-                <a:schemeClr val="accent1"/>
-              </a:solidFill>
-            </a:ln>
-          </p:spPr>
-        </p:pic>
-        <p:pic>
-          <p:nvPicPr>
-            <p:cNvPr id="19" name="图片 18"/>
-            <p:cNvPicPr>
-              <a:picLocks noChangeAspect="1"/>
-            </p:cNvPicPr>
-            <p:nvPr/>
-          </p:nvPicPr>
-          <p:blipFill>
-            <a:blip r:embed="rId6" cstate="print">
-              <a:extLst>
-                <a:ext uri="{28A0092B-C50C-407E-A947-70E740481C1C}">
-                  <a14:useLocalDpi xmlns:a14="http://schemas.microsoft.com/office/drawing/2010/main" val="0"/>
-                </a:ext>
-              </a:extLst>
-            </a:blip>
-            <a:stretch>
-              <a:fillRect/>
-            </a:stretch>
-          </p:blipFill>
-          <p:spPr>
-            <a:xfrm>
-              <a:off x="367388" y="3444408"/>
-              <a:ext cx="2729496" cy="2369795"/>
-            </a:xfrm>
-            <a:prstGeom prst="rect">
-              <a:avLst/>
-            </a:prstGeom>
-            <a:ln>
-              <a:solidFill>
-                <a:schemeClr val="accent1"/>
-              </a:solidFill>
-            </a:ln>
-          </p:spPr>
-        </p:pic>
-      </p:grpSp>
       <p:sp>
         <p:nvSpPr>
           <p:cNvPr id="20" name="AutoShape 31"/>
@@ -16929,7 +16600,7 @@
         </p:nvSpPr>
         <p:spPr bwMode="auto">
           <a:xfrm>
-            <a:off x="2982632" y="2186316"/>
+            <a:off x="2955328" y="2096067"/>
             <a:ext cx="1499020" cy="883330"/>
           </a:xfrm>
           <a:prstGeom prst="wedgeRoundRectCallout">
@@ -17079,13 +16750,13 @@
         </p:nvSpPr>
         <p:spPr bwMode="auto">
           <a:xfrm>
-            <a:off x="7076536" y="2214514"/>
+            <a:off x="7400546" y="2044248"/>
             <a:ext cx="1743454" cy="855132"/>
           </a:xfrm>
           <a:prstGeom prst="wedgeRoundRectCallout">
             <a:avLst>
-              <a:gd name="adj1" fmla="val 3582"/>
-              <a:gd name="adj2" fmla="val 110080"/>
+              <a:gd name="adj1" fmla="val -53319"/>
+              <a:gd name="adj2" fmla="val 84860"/>
               <a:gd name="adj3" fmla="val 16667"/>
             </a:avLst>
           </a:prstGeom>
@@ -17219,336 +16890,49 @@
           </a:p>
         </p:txBody>
       </p:sp>
-    </p:spTree>
-    <p:extLst>
-      <p:ext uri="{BB962C8B-B14F-4D97-AF65-F5344CB8AC3E}">
-        <p14:creationId xmlns:p14="http://schemas.microsoft.com/office/powerpoint/2010/main" val="2757484386"/>
-      </p:ext>
-    </p:extLst>
-  </p:cSld>
-  <p:clrMapOvr>
-    <a:masterClrMapping/>
-  </p:clrMapOvr>
-  <p:timing>
-    <p:tnLst>
-      <p:par>
-        <p:cTn id="1" dur="indefinite" restart="never" nodeType="tmRoot">
-          <p:childTnLst>
-            <p:seq concurrent="1" nextAc="seek">
-              <p:cTn id="2" dur="indefinite" nodeType="mainSeq">
-                <p:childTnLst>
-                  <p:par>
-                    <p:cTn id="3" fill="hold">
-                      <p:stCondLst>
-                        <p:cond delay="indefinite"/>
-                      </p:stCondLst>
-                      <p:childTnLst>
-                        <p:par>
-                          <p:cTn id="4" fill="hold">
-                            <p:stCondLst>
-                              <p:cond delay="0"/>
-                            </p:stCondLst>
-                            <p:childTnLst>
-                              <p:par>
-                                <p:cTn id="5" presetID="1" presetClass="entr" presetSubtype="0" fill="hold" grpId="0" nodeType="clickEffect">
-                                  <p:stCondLst>
-                                    <p:cond delay="0"/>
-                                  </p:stCondLst>
-                                  <p:childTnLst>
-                                    <p:set>
-                                      <p:cBhvr>
-                                        <p:cTn id="6" dur="1" fill="hold">
-                                          <p:stCondLst>
-                                            <p:cond delay="0"/>
-                                          </p:stCondLst>
-                                        </p:cTn>
-                                        <p:tgtEl>
-                                          <p:spTgt spid="20"/>
-                                        </p:tgtEl>
-                                        <p:attrNameLst>
-                                          <p:attrName>style.visibility</p:attrName>
-                                        </p:attrNameLst>
-                                      </p:cBhvr>
-                                      <p:to>
-                                        <p:strVal val="visible"/>
-                                      </p:to>
-                                    </p:set>
-                                  </p:childTnLst>
-                                </p:cTn>
-                              </p:par>
-                            </p:childTnLst>
-                          </p:cTn>
-                        </p:par>
-                      </p:childTnLst>
-                    </p:cTn>
-                  </p:par>
-                  <p:par>
-                    <p:cTn id="7" fill="hold">
-                      <p:stCondLst>
-                        <p:cond delay="indefinite"/>
-                      </p:stCondLst>
-                      <p:childTnLst>
-                        <p:par>
-                          <p:cTn id="8" fill="hold">
-                            <p:stCondLst>
-                              <p:cond delay="0"/>
-                            </p:stCondLst>
-                            <p:childTnLst>
-                              <p:par>
-                                <p:cTn id="9" presetID="1" presetClass="entr" presetSubtype="0" fill="hold" grpId="0" nodeType="clickEffect">
-                                  <p:stCondLst>
-                                    <p:cond delay="0"/>
-                                  </p:stCondLst>
-                                  <p:childTnLst>
-                                    <p:set>
-                                      <p:cBhvr>
-                                        <p:cTn id="10" dur="1" fill="hold">
-                                          <p:stCondLst>
-                                            <p:cond delay="0"/>
-                                          </p:stCondLst>
-                                        </p:cTn>
-                                        <p:tgtEl>
-                                          <p:spTgt spid="21"/>
-                                        </p:tgtEl>
-                                        <p:attrNameLst>
-                                          <p:attrName>style.visibility</p:attrName>
-                                        </p:attrNameLst>
-                                      </p:cBhvr>
-                                      <p:to>
-                                        <p:strVal val="visible"/>
-                                      </p:to>
-                                    </p:set>
-                                  </p:childTnLst>
-                                </p:cTn>
-                              </p:par>
-                            </p:childTnLst>
-                          </p:cTn>
-                        </p:par>
-                      </p:childTnLst>
-                    </p:cTn>
-                  </p:par>
-                </p:childTnLst>
-              </p:cTn>
-              <p:prevCondLst>
-                <p:cond evt="onPrev" delay="0">
-                  <p:tgtEl>
-                    <p:sldTgt/>
-                  </p:tgtEl>
-                </p:cond>
-              </p:prevCondLst>
-              <p:nextCondLst>
-                <p:cond evt="onNext" delay="0">
-                  <p:tgtEl>
-                    <p:sldTgt/>
-                  </p:tgtEl>
-                </p:cond>
-              </p:nextCondLst>
-            </p:seq>
-          </p:childTnLst>
-        </p:cTn>
-      </p:par>
-    </p:tnLst>
-    <p:bldLst>
-      <p:bldP spid="20" grpId="0" animBg="1"/>
-      <p:bldP spid="21" grpId="0" animBg="1"/>
-    </p:bldLst>
-  </p:timing>
-</p:sld>
-</file>
-
-<file path=ppt/slides/slide22.xml><?xml version="1.0" encoding="utf-8"?>
-<p:sld xmlns:a="http://schemas.openxmlformats.org/drawingml/2006/main" xmlns:r="http://schemas.openxmlformats.org/officeDocument/2006/relationships" xmlns:p="http://schemas.openxmlformats.org/presentationml/2006/main">
-  <p:cSld>
-    <p:spTree>
-      <p:nvGrpSpPr>
-        <p:cNvPr id="1" name=""/>
-        <p:cNvGrpSpPr/>
-        <p:nvPr/>
-      </p:nvGrpSpPr>
-      <p:grpSpPr>
-        <a:xfrm>
-          <a:off x="0" y="0"/>
-          <a:ext cx="0" cy="0"/>
-          <a:chOff x="0" y="0"/>
-          <a:chExt cx="0" cy="0"/>
-        </a:xfrm>
-      </p:grpSpPr>
-      <p:grpSp>
-        <p:nvGrpSpPr>
-          <p:cNvPr id="2" name="组合 1"/>
-          <p:cNvGrpSpPr/>
-          <p:nvPr/>
-        </p:nvGrpSpPr>
-        <p:grpSpPr>
-          <a:xfrm>
-            <a:off x="114300" y="171450"/>
-            <a:ext cx="8875502" cy="1066800"/>
-            <a:chOff x="114300" y="171450"/>
-            <a:chExt cx="8875502" cy="1066800"/>
-          </a:xfrm>
-        </p:grpSpPr>
-        <p:cxnSp>
-          <p:nvCxnSpPr>
-            <p:cNvPr id="3" name="直接连接符 2"/>
-            <p:cNvCxnSpPr/>
-            <p:nvPr/>
-          </p:nvCxnSpPr>
-          <p:spPr>
-            <a:xfrm>
-              <a:off x="114300" y="1076325"/>
-              <a:ext cx="8858250" cy="0"/>
-            </a:xfrm>
-            <a:prstGeom prst="line">
-              <a:avLst/>
-            </a:prstGeom>
-            <a:ln w="31750">
-              <a:solidFill>
-                <a:srgbClr val="1E50A6"/>
-              </a:solidFill>
-            </a:ln>
-          </p:spPr>
-          <p:style>
-            <a:lnRef idx="1">
-              <a:schemeClr val="accent1"/>
-            </a:lnRef>
-            <a:fillRef idx="0">
-              <a:schemeClr val="accent1"/>
-            </a:fillRef>
-            <a:effectRef idx="0">
-              <a:schemeClr val="accent1"/>
-            </a:effectRef>
-            <a:fontRef idx="minor">
-              <a:schemeClr val="tx1"/>
-            </a:fontRef>
-          </p:style>
-        </p:cxnSp>
-        <p:cxnSp>
-          <p:nvCxnSpPr>
-            <p:cNvPr id="4" name="直接连接符 3"/>
-            <p:cNvCxnSpPr/>
-            <p:nvPr/>
-          </p:nvCxnSpPr>
-          <p:spPr>
-            <a:xfrm>
-              <a:off x="6962775" y="171450"/>
-              <a:ext cx="28322" cy="1066800"/>
-            </a:xfrm>
-            <a:prstGeom prst="line">
-              <a:avLst/>
-            </a:prstGeom>
-            <a:ln w="31750">
-              <a:solidFill>
-                <a:srgbClr val="1E50A6"/>
-              </a:solidFill>
-            </a:ln>
-          </p:spPr>
-          <p:style>
-            <a:lnRef idx="1">
-              <a:schemeClr val="accent1"/>
-            </a:lnRef>
-            <a:fillRef idx="0">
-              <a:schemeClr val="accent1"/>
-            </a:fillRef>
-            <a:effectRef idx="0">
-              <a:schemeClr val="accent1"/>
-            </a:effectRef>
-            <a:fontRef idx="minor">
-              <a:schemeClr val="tx1"/>
-            </a:fontRef>
-          </p:style>
-        </p:cxnSp>
-        <p:pic>
-          <p:nvPicPr>
-            <p:cNvPr id="5" name="图片 4"/>
-            <p:cNvPicPr>
-              <a:picLocks noChangeAspect="1"/>
-            </p:cNvPicPr>
-            <p:nvPr/>
-          </p:nvPicPr>
-          <p:blipFill rotWithShape="1">
-            <a:blip r:embed="rId2">
-              <a:extLst>
-                <a:ext uri="{28A0092B-C50C-407E-A947-70E740481C1C}">
-                  <a14:useLocalDpi xmlns:a14="http://schemas.microsoft.com/office/drawing/2010/main" val="0"/>
-                </a:ext>
-              </a:extLst>
-            </a:blip>
-            <a:srcRect t="36874" r="33358" b="34304"/>
-            <a:stretch>
-              <a:fillRect/>
-            </a:stretch>
-          </p:blipFill>
-          <p:spPr>
-            <a:xfrm>
-              <a:off x="7076536" y="261127"/>
-              <a:ext cx="1913266" cy="765415"/>
-            </a:xfrm>
-            <a:prstGeom prst="rect">
-              <a:avLst/>
-            </a:prstGeom>
-          </p:spPr>
-        </p:pic>
-      </p:grpSp>
       <p:sp>
         <p:nvSpPr>
-          <p:cNvPr id="6" name="矩形 5"/>
-          <p:cNvSpPr/>
+          <p:cNvPr id="16" name="文本框 15"/>
+          <p:cNvSpPr txBox="1"/>
           <p:nvPr/>
         </p:nvSpPr>
         <p:spPr>
           <a:xfrm>
-            <a:off x="0" y="6573627"/>
-            <a:ext cx="9144000" cy="285750"/>
+            <a:off x="477986" y="1192696"/>
+            <a:ext cx="1467068" cy="400110"/>
           </a:xfrm>
           <a:prstGeom prst="rect">
             <a:avLst/>
           </a:prstGeom>
-          <a:solidFill>
-            <a:srgbClr val="1B4DA5"/>
-          </a:solidFill>
+          <a:noFill/>
           <a:ln>
-            <a:noFill/>
+            <a:solidFill>
+              <a:srgbClr val="0070C0"/>
+            </a:solidFill>
           </a:ln>
         </p:spPr>
-        <p:style>
-          <a:lnRef idx="2">
-            <a:schemeClr val="accent1">
-              <a:shade val="50000"/>
-            </a:schemeClr>
-          </a:lnRef>
-          <a:fillRef idx="1">
-            <a:schemeClr val="accent1"/>
-          </a:fillRef>
-          <a:effectRef idx="0">
-            <a:schemeClr val="accent1"/>
-          </a:effectRef>
-          <a:fontRef idx="minor">
-            <a:schemeClr val="lt1"/>
-          </a:fontRef>
-        </p:style>
         <p:txBody>
-          <a:bodyPr rtlCol="0" anchor="ctr"/>
+          <a:bodyPr wrap="none" rtlCol="0">
+            <a:spAutoFit/>
+          </a:bodyPr>
           <a:lstStyle/>
           <a:p>
-            <a:pPr algn="ctr"/>
             <a:r>
-              <a:rPr lang="zh-CN" altLang="zh-CN" sz="1200" dirty="0">
-                <a:latin typeface="黑体" panose="02010609060101010101" pitchFamily="49" charset="-122"/>
-                <a:ea typeface="黑体" panose="02010609060101010101" pitchFamily="49" charset="-122"/>
+              <a:rPr lang="zh-CN" altLang="en-US" sz="2000" b="1" dirty="0" smtClean="0">
+                <a:solidFill>
+                  <a:srgbClr val="4A67AA"/>
+                </a:solidFill>
+                <a:latin typeface="方正静蕾简体" panose="02000000000000000000" pitchFamily="2" charset="-122"/>
+                <a:ea typeface="方正静蕾简体" panose="02000000000000000000" pitchFamily="2" charset="-122"/>
               </a:rPr>
-              <a:t>移动对象的时空轨迹相似性</a:t>
+              <a:t>形状相似性</a:t>
             </a:r>
-            <a:r>
-              <a:rPr lang="zh-CN" altLang="zh-CN" sz="1200" dirty="0" smtClean="0">
-                <a:latin typeface="黑体" panose="02010609060101010101" pitchFamily="49" charset="-122"/>
-                <a:ea typeface="黑体" panose="02010609060101010101" pitchFamily="49" charset="-122"/>
-              </a:rPr>
-              <a:t>算法</a:t>
-            </a:r>
-            <a:endParaRPr lang="zh-CN" altLang="en-US" sz="1200" dirty="0">
-              <a:latin typeface="黑体" panose="02010609060101010101" pitchFamily="49" charset="-122"/>
-              <a:ea typeface="黑体" panose="02010609060101010101" pitchFamily="49" charset="-122"/>
-              <a:cs typeface="Times New Roman" panose="02020603050405020304" pitchFamily="18" charset="0"/>
+            <a:endParaRPr lang="zh-CN" altLang="en-US" sz="2000" b="1" dirty="0">
+              <a:solidFill>
+                <a:srgbClr val="4A67AA"/>
+              </a:solidFill>
+              <a:latin typeface="方正静蕾简体" panose="02000000000000000000" pitchFamily="2" charset="-122"/>
+              <a:ea typeface="方正静蕾简体" panose="02000000000000000000" pitchFamily="2" charset="-122"/>
             </a:endParaRPr>
           </a:p>
         </p:txBody>
@@ -17557,13 +16941,13 @@
         <mc:Choice Requires="a14">
           <p:sp>
             <p:nvSpPr>
-              <p:cNvPr id="7" name="矩形 6"/>
+              <p:cNvPr id="17" name="矩形 16"/>
               <p:cNvSpPr/>
               <p:nvPr/>
             </p:nvSpPr>
             <p:spPr>
               <a:xfrm>
-                <a:off x="1138945" y="1509589"/>
+                <a:off x="1107108" y="5544656"/>
                 <a:ext cx="6797615" cy="674415"/>
               </a:xfrm>
               <a:prstGeom prst="rect">
@@ -17580,7 +16964,7 @@
                 <a14:m>
                   <m:oMathPara xmlns:m="http://schemas.openxmlformats.org/officeDocument/2006/math">
                     <m:oMathParaPr>
-                      <m:jc m:val="centerGroup"/>
+                      <m:jc m:val="left"/>
                     </m:oMathParaPr>
                     <m:oMath xmlns:m="http://schemas.openxmlformats.org/officeDocument/2006/math">
                       <m:sSub>
@@ -18035,7 +17419,7 @@
         <mc:Fallback xmlns="">
           <p:sp>
             <p:nvSpPr>
-              <p:cNvPr id="7" name="矩形 6"/>
+              <p:cNvPr id="17" name="矩形 16"/>
               <p:cNvSpPr>
                 <a:spLocks noRot="1" noChangeAspect="1" noMove="1" noResize="1" noEditPoints="1" noAdjustHandles="1" noChangeArrowheads="1" noChangeShapeType="1" noTextEdit="1"/>
               </p:cNvSpPr>
@@ -18043,14 +17427,14 @@
             </p:nvSpPr>
             <p:spPr>
               <a:xfrm>
-                <a:off x="1138945" y="1509589"/>
+                <a:off x="1107108" y="5544656"/>
                 <a:ext cx="6797615" cy="674415"/>
               </a:xfrm>
               <a:prstGeom prst="rect">
                 <a:avLst/>
               </a:prstGeom>
               <a:blipFill>
-                <a:blip r:embed="rId3"/>
+                <a:blip r:embed="rId5"/>
                 <a:stretch>
                   <a:fillRect/>
                 </a:stretch>
@@ -18073,72 +17457,62 @@
       </mc:AlternateContent>
       <p:sp>
         <p:nvSpPr>
-          <p:cNvPr id="9" name="标题 1"/>
-          <p:cNvSpPr txBox="1">
-            <a:spLocks/>
-          </p:cNvSpPr>
+          <p:cNvPr id="18" name="文本框 17"/>
+          <p:cNvSpPr txBox="1"/>
           <p:nvPr/>
         </p:nvSpPr>
         <p:spPr>
           <a:xfrm>
-            <a:off x="628650" y="365125"/>
-            <a:ext cx="6324600" cy="715963"/>
+            <a:off x="477986" y="4367793"/>
+            <a:ext cx="3518912" cy="400110"/>
           </a:xfrm>
           <a:prstGeom prst="rect">
             <a:avLst/>
           </a:prstGeom>
+          <a:noFill/>
+          <a:ln>
+            <a:solidFill>
+              <a:srgbClr val="0070C0"/>
+            </a:solidFill>
+          </a:ln>
         </p:spPr>
         <p:txBody>
-          <a:bodyPr/>
-          <a:lstStyle>
-            <a:lvl1pPr algn="l" defTabSz="914400" rtl="0" eaLnBrk="1" latinLnBrk="0" hangingPunct="1">
-              <a:lnSpc>
-                <a:spcPct val="90000"/>
-              </a:lnSpc>
-              <a:spcBef>
-                <a:spcPct val="0"/>
-              </a:spcBef>
-              <a:buNone/>
-              <a:defRPr sz="4400" kern="1200">
-                <a:solidFill>
-                  <a:schemeClr val="tx1"/>
-                </a:solidFill>
-                <a:latin typeface="+mj-lt"/>
-                <a:ea typeface="+mj-ea"/>
-                <a:cs typeface="+mj-cs"/>
-              </a:defRPr>
-            </a:lvl1pPr>
-          </a:lstStyle>
+          <a:bodyPr wrap="none" rtlCol="0">
+            <a:spAutoFit/>
+          </a:bodyPr>
+          <a:lstStyle/>
           <a:p>
             <a:r>
-              <a:rPr lang="zh-CN" altLang="en-US" dirty="0" smtClean="0">
-                <a:latin typeface="Times New Roman" panose="02020603050405020304" pitchFamily="18" charset="0"/>
-                <a:ea typeface="黑体" panose="02010609060101010101" pitchFamily="49" charset="-122"/>
-                <a:cs typeface="Times New Roman" panose="02020603050405020304" pitchFamily="18" charset="0"/>
+              <a:rPr lang="zh-CN" altLang="en-US" sz="2000" b="1" dirty="0">
+                <a:solidFill>
+                  <a:srgbClr val="4A67AA"/>
+                </a:solidFill>
+                <a:latin typeface="方正静蕾简体" panose="02000000000000000000" pitchFamily="2" charset="-122"/>
+                <a:ea typeface="方正静蕾简体" panose="02000000000000000000" pitchFamily="2" charset="-122"/>
               </a:rPr>
-              <a:t>形状影响因子</a:t>
+              <a:t>基于余弦距离的形状影响因子</a:t>
             </a:r>
           </a:p>
         </p:txBody>
       </p:sp>
       <p:pic>
         <p:nvPicPr>
-          <p:cNvPr id="10" name="图片 9"/>
+          <p:cNvPr id="12" name="图片 11"/>
           <p:cNvPicPr>
             <a:picLocks noChangeAspect="1"/>
           </p:cNvPicPr>
           <p:nvPr/>
         </p:nvPicPr>
         <p:blipFill>
-          <a:blip r:embed="rId4"/>
+          <a:blip r:embed="rId6"/>
           <a:stretch>
             <a:fillRect/>
           </a:stretch>
         </p:blipFill>
         <p:spPr>
           <a:xfrm>
-            <a:off x="3296448" y="2279684"/>
-            <a:ext cx="2914571" cy="1678549"/>
+            <a:off x="5631525" y="4159785"/>
+            <a:ext cx="3358277" cy="1371460"/>
           </a:xfrm>
           <a:prstGeom prst="rect">
             <a:avLst/>
@@ -18149,7 +17523,7 @@
         <mc:Choice Requires="a14">
           <p:sp>
             <p:nvSpPr>
-              <p:cNvPr id="15" name="AutoShape 31"/>
+              <p:cNvPr id="24" name="AutoShape 31"/>
               <p:cNvSpPr>
                 <a:spLocks noChangeArrowheads="1"/>
               </p:cNvSpPr>
@@ -18157,13 +17531,13 @@
             </p:nvSpPr>
             <p:spPr bwMode="auto">
               <a:xfrm>
-                <a:off x="6551223" y="2652663"/>
-                <a:ext cx="2421327" cy="1144671"/>
+                <a:off x="6576642" y="3146003"/>
+                <a:ext cx="2421327" cy="1017485"/>
               </a:xfrm>
               <a:prstGeom prst="wedgeRoundRectCallout">
                 <a:avLst>
-                  <a:gd name="adj1" fmla="val -70008"/>
-                  <a:gd name="adj2" fmla="val -39564"/>
+                  <a:gd name="adj1" fmla="val -36875"/>
+                  <a:gd name="adj2" fmla="val 75739"/>
                   <a:gd name="adj3" fmla="val 16667"/>
                 </a:avLst>
               </a:prstGeom>
@@ -18288,16 +17662,61 @@
               </a:lstStyle>
               <a:p>
                 <a:r>
-                  <a:rPr lang="zh-CN" altLang="en-US" sz="1600" dirty="0"/>
+                  <a:rPr lang="zh-CN" altLang="en-US" sz="1600" dirty="0">
+                    <a:latin typeface="黑体" panose="02010609060101010101" pitchFamily="49" charset="-122"/>
+                    <a:ea typeface="黑体" panose="02010609060101010101" pitchFamily="49" charset="-122"/>
+                  </a:rPr>
                   <a:t>使用</a:t>
                 </a:r>
                 <a:r>
-                  <a:rPr lang="en-US" altLang="zh-CN" sz="1600" dirty="0"/>
+                  <a:rPr lang="en-US" altLang="zh-CN" sz="1600" dirty="0">
+                    <a:latin typeface="黑体" panose="02010609060101010101" pitchFamily="49" charset="-122"/>
+                    <a:ea typeface="黑体" panose="02010609060101010101" pitchFamily="49" charset="-122"/>
+                  </a:rPr>
                   <a:t>sigmoid</a:t>
                 </a:r>
                 <a:r>
-                  <a:rPr lang="zh-CN" altLang="en-US" sz="1600" dirty="0"/>
-                  <a:t>阈值函数将形状相似性转化为形状影响因子</a:t>
+                  <a:rPr lang="zh-CN" altLang="en-US" sz="1600" dirty="0">
+                    <a:latin typeface="黑体" panose="02010609060101010101" pitchFamily="49" charset="-122"/>
+                    <a:ea typeface="黑体" panose="02010609060101010101" pitchFamily="49" charset="-122"/>
+                  </a:rPr>
+                  <a:t>阈值函数将</a:t>
+                </a:r>
+                <a14:m>
+                  <m:oMath xmlns:m="http://schemas.openxmlformats.org/officeDocument/2006/math">
+                    <m:sSub>
+                      <m:sSubPr>
+                        <m:ctrlPr>
+                          <a:rPr lang="zh-CN" altLang="en-US" sz="1600" i="1">
+                            <a:latin typeface="Cambria Math" panose="02040503050406030204" pitchFamily="18" charset="0"/>
+                          </a:rPr>
+                        </m:ctrlPr>
+                      </m:sSubPr>
+                      <m:e>
+                        <m:r>
+                          <a:rPr lang="zh-CN" altLang="en-US" sz="1600" i="1">
+                            <a:latin typeface="Cambria Math" panose="02040503050406030204" pitchFamily="18" charset="0"/>
+                          </a:rPr>
+                          <m:t>𝑠𝑖𝑚</m:t>
+                        </m:r>
+                      </m:e>
+                      <m:sub>
+                        <m:r>
+                          <a:rPr lang="zh-CN" altLang="en-US" sz="1600" i="1">
+                            <a:latin typeface="Cambria Math" panose="02040503050406030204" pitchFamily="18" charset="0"/>
+                          </a:rPr>
+                          <m:t>𝑠h𝑎𝑝𝑒</m:t>
+                        </m:r>
+                      </m:sub>
+                    </m:sSub>
+                  </m:oMath>
+                </a14:m>
+                <a:r>
+                  <a:rPr lang="zh-CN" altLang="en-US" sz="1600" dirty="0">
+                    <a:latin typeface="黑体" panose="02010609060101010101" pitchFamily="49" charset="-122"/>
+                    <a:ea typeface="黑体" panose="02010609060101010101" pitchFamily="49" charset="-122"/>
+                  </a:rPr>
+                  <a:t>转化为</a:t>
                 </a:r>
                 <a14:m>
                   <m:oMath xmlns:m="http://schemas.openxmlformats.org/officeDocument/2006/math">
@@ -18329,41 +17748,18 @@
                   </m:oMath>
                 </a14:m>
                 <a:r>
-                  <a:rPr lang="zh-CN" altLang="en-US" sz="1600" dirty="0"/>
-                  <a:t>，</a:t>
+                  <a:rPr lang="zh-CN" altLang="en-US" sz="1600" dirty="0" smtClean="0">
+                    <a:latin typeface="黑体" panose="02010609060101010101" pitchFamily="49" charset="-122"/>
+                    <a:ea typeface="黑体" panose="02010609060101010101" pitchFamily="49" charset="-122"/>
+                  </a:rPr>
+                  <a:t>，与</a:t>
                 </a:r>
-                <a14:m>
-                  <m:oMath xmlns:m="http://schemas.openxmlformats.org/officeDocument/2006/math">
-                    <m:sSub>
-                      <m:sSubPr>
-                        <m:ctrlPr>
-                          <a:rPr lang="zh-CN" altLang="en-US" sz="1600" i="1">
-                            <a:latin typeface="Cambria Math" panose="02040503050406030204" pitchFamily="18" charset="0"/>
-                          </a:rPr>
-                        </m:ctrlPr>
-                      </m:sSubPr>
-                      <m:e>
-                        <m:r>
-                          <a:rPr lang="zh-CN" altLang="en-US" sz="1600" i="1">
-                            <a:latin typeface="Cambria Math" panose="02040503050406030204" pitchFamily="18" charset="0"/>
-                          </a:rPr>
-                          <m:t>𝐼</m:t>
-                        </m:r>
-                      </m:e>
-                      <m:sub>
-                        <m:r>
-                          <a:rPr lang="zh-CN" altLang="en-US" sz="1600" i="1">
-                            <a:latin typeface="Cambria Math" panose="02040503050406030204" pitchFamily="18" charset="0"/>
-                          </a:rPr>
-                          <m:t>𝑠h𝑎𝑝𝑒</m:t>
-                        </m:r>
-                      </m:sub>
-                    </m:sSub>
-                  </m:oMath>
-                </a14:m>
                 <a:r>
-                  <a:rPr lang="zh-CN" altLang="en-US" sz="1600" dirty="0"/>
-                  <a:t>与形状相似性呈负相关</a:t>
+                  <a:rPr lang="zh-CN" altLang="en-US" sz="1600" dirty="0">
+                    <a:latin typeface="黑体" panose="02010609060101010101" pitchFamily="49" charset="-122"/>
+                    <a:ea typeface="黑体" panose="02010609060101010101" pitchFamily="49" charset="-122"/>
+                  </a:rPr>
+                  <a:t>形状相似性呈负相关</a:t>
                 </a:r>
               </a:p>
             </p:txBody>
@@ -18372,7 +17768,7 @@
         <mc:Fallback xmlns="">
           <p:sp>
             <p:nvSpPr>
-              <p:cNvPr id="15" name="AutoShape 31"/>
+              <p:cNvPr id="24" name="AutoShape 31"/>
               <p:cNvSpPr>
                 <a:spLocks noRot="1" noChangeAspect="1" noMove="1" noResize="1" noEditPoints="1" noAdjustHandles="1" noChangeArrowheads="1" noChangeShapeType="1" noTextEdit="1"/>
               </p:cNvSpPr>
@@ -18380,20 +17776,20 @@
             </p:nvSpPr>
             <p:spPr bwMode="auto">
               <a:xfrm>
-                <a:off x="6551223" y="2652663"/>
-                <a:ext cx="2421327" cy="1144671"/>
+                <a:off x="6576642" y="3146003"/>
+                <a:ext cx="2421327" cy="1017485"/>
               </a:xfrm>
               <a:prstGeom prst="wedgeRoundRectCallout">
                 <a:avLst>
-                  <a:gd name="adj1" fmla="val -70008"/>
-                  <a:gd name="adj2" fmla="val -39564"/>
+                  <a:gd name="adj1" fmla="val -36875"/>
+                  <a:gd name="adj2" fmla="val 75739"/>
                   <a:gd name="adj3" fmla="val 16667"/>
                 </a:avLst>
               </a:prstGeom>
               <a:blipFill>
-                <a:blip r:embed="rId5"/>
+                <a:blip r:embed="rId7"/>
                 <a:stretch>
-                  <a:fillRect b="-4737"/>
+                  <a:fillRect/>
                 </a:stretch>
               </a:blipFill>
               <a:ln w="9525">
@@ -18418,6 +17814,561 @@
           </p:sp>
         </mc:Fallback>
       </mc:AlternateContent>
+    </p:spTree>
+    <p:extLst>
+      <p:ext uri="{BB962C8B-B14F-4D97-AF65-F5344CB8AC3E}">
+        <p14:creationId xmlns:p14="http://schemas.microsoft.com/office/powerpoint/2010/main" val="2757484386"/>
+      </p:ext>
+    </p:extLst>
+  </p:cSld>
+  <p:clrMapOvr>
+    <a:masterClrMapping/>
+  </p:clrMapOvr>
+  <p:timing>
+    <p:tnLst>
+      <p:par>
+        <p:cTn id="1" dur="indefinite" restart="never" nodeType="tmRoot">
+          <p:childTnLst>
+            <p:seq concurrent="1" nextAc="seek">
+              <p:cTn id="2" dur="indefinite" nodeType="mainSeq">
+                <p:childTnLst>
+                  <p:par>
+                    <p:cTn id="3" fill="hold">
+                      <p:stCondLst>
+                        <p:cond delay="indefinite"/>
+                      </p:stCondLst>
+                      <p:childTnLst>
+                        <p:par>
+                          <p:cTn id="4" fill="hold">
+                            <p:stCondLst>
+                              <p:cond delay="0"/>
+                            </p:stCondLst>
+                            <p:childTnLst>
+                              <p:par>
+                                <p:cTn id="5" presetID="14" presetClass="entr" presetSubtype="10" fill="hold" grpId="0" nodeType="clickEffect">
+                                  <p:stCondLst>
+                                    <p:cond delay="0"/>
+                                  </p:stCondLst>
+                                  <p:childTnLst>
+                                    <p:set>
+                                      <p:cBhvr>
+                                        <p:cTn id="6" dur="1" fill="hold">
+                                          <p:stCondLst>
+                                            <p:cond delay="0"/>
+                                          </p:stCondLst>
+                                        </p:cTn>
+                                        <p:tgtEl>
+                                          <p:spTgt spid="20"/>
+                                        </p:tgtEl>
+                                        <p:attrNameLst>
+                                          <p:attrName>style.visibility</p:attrName>
+                                        </p:attrNameLst>
+                                      </p:cBhvr>
+                                      <p:to>
+                                        <p:strVal val="visible"/>
+                                      </p:to>
+                                    </p:set>
+                                    <p:animEffect transition="in" filter="randombar(horizontal)">
+                                      <p:cBhvr>
+                                        <p:cTn id="7" dur="500"/>
+                                        <p:tgtEl>
+                                          <p:spTgt spid="20"/>
+                                        </p:tgtEl>
+                                      </p:cBhvr>
+                                    </p:animEffect>
+                                  </p:childTnLst>
+                                </p:cTn>
+                              </p:par>
+                            </p:childTnLst>
+                          </p:cTn>
+                        </p:par>
+                      </p:childTnLst>
+                    </p:cTn>
+                  </p:par>
+                  <p:par>
+                    <p:cTn id="8" fill="hold">
+                      <p:stCondLst>
+                        <p:cond delay="indefinite"/>
+                      </p:stCondLst>
+                      <p:childTnLst>
+                        <p:par>
+                          <p:cTn id="9" fill="hold">
+                            <p:stCondLst>
+                              <p:cond delay="0"/>
+                            </p:stCondLst>
+                            <p:childTnLst>
+                              <p:par>
+                                <p:cTn id="10" presetID="14" presetClass="entr" presetSubtype="10" fill="hold" grpId="0" nodeType="clickEffect">
+                                  <p:stCondLst>
+                                    <p:cond delay="0"/>
+                                  </p:stCondLst>
+                                  <p:childTnLst>
+                                    <p:set>
+                                      <p:cBhvr>
+                                        <p:cTn id="11" dur="1" fill="hold">
+                                          <p:stCondLst>
+                                            <p:cond delay="0"/>
+                                          </p:stCondLst>
+                                        </p:cTn>
+                                        <p:tgtEl>
+                                          <p:spTgt spid="21"/>
+                                        </p:tgtEl>
+                                        <p:attrNameLst>
+                                          <p:attrName>style.visibility</p:attrName>
+                                        </p:attrNameLst>
+                                      </p:cBhvr>
+                                      <p:to>
+                                        <p:strVal val="visible"/>
+                                      </p:to>
+                                    </p:set>
+                                    <p:animEffect transition="in" filter="randombar(horizontal)">
+                                      <p:cBhvr>
+                                        <p:cTn id="12" dur="500"/>
+                                        <p:tgtEl>
+                                          <p:spTgt spid="21"/>
+                                        </p:tgtEl>
+                                      </p:cBhvr>
+                                    </p:animEffect>
+                                  </p:childTnLst>
+                                </p:cTn>
+                              </p:par>
+                            </p:childTnLst>
+                          </p:cTn>
+                        </p:par>
+                      </p:childTnLst>
+                    </p:cTn>
+                  </p:par>
+                  <p:par>
+                    <p:cTn id="13" fill="hold">
+                      <p:stCondLst>
+                        <p:cond delay="indefinite"/>
+                      </p:stCondLst>
+                      <p:childTnLst>
+                        <p:par>
+                          <p:cTn id="14" fill="hold">
+                            <p:stCondLst>
+                              <p:cond delay="0"/>
+                            </p:stCondLst>
+                            <p:childTnLst>
+                              <p:par>
+                                <p:cTn id="15" presetID="1" presetClass="entr" presetSubtype="0" fill="hold" grpId="0" nodeType="clickEffect">
+                                  <p:stCondLst>
+                                    <p:cond delay="0"/>
+                                  </p:stCondLst>
+                                  <p:childTnLst>
+                                    <p:set>
+                                      <p:cBhvr>
+                                        <p:cTn id="16" dur="1" fill="hold">
+                                          <p:stCondLst>
+                                            <p:cond delay="0"/>
+                                          </p:stCondLst>
+                                        </p:cTn>
+                                        <p:tgtEl>
+                                          <p:spTgt spid="17"/>
+                                        </p:tgtEl>
+                                        <p:attrNameLst>
+                                          <p:attrName>style.visibility</p:attrName>
+                                        </p:attrNameLst>
+                                      </p:cBhvr>
+                                      <p:to>
+                                        <p:strVal val="visible"/>
+                                      </p:to>
+                                    </p:set>
+                                  </p:childTnLst>
+                                </p:cTn>
+                              </p:par>
+                              <p:par>
+                                <p:cTn id="17" presetID="1" presetClass="entr" presetSubtype="0" fill="hold" grpId="0" nodeType="withEffect">
+                                  <p:stCondLst>
+                                    <p:cond delay="0"/>
+                                  </p:stCondLst>
+                                  <p:childTnLst>
+                                    <p:set>
+                                      <p:cBhvr>
+                                        <p:cTn id="18" dur="1" fill="hold">
+                                          <p:stCondLst>
+                                            <p:cond delay="0"/>
+                                          </p:stCondLst>
+                                        </p:cTn>
+                                        <p:tgtEl>
+                                          <p:spTgt spid="18"/>
+                                        </p:tgtEl>
+                                        <p:attrNameLst>
+                                          <p:attrName>style.visibility</p:attrName>
+                                        </p:attrNameLst>
+                                      </p:cBhvr>
+                                      <p:to>
+                                        <p:strVal val="visible"/>
+                                      </p:to>
+                                    </p:set>
+                                  </p:childTnLst>
+                                </p:cTn>
+                              </p:par>
+                              <p:par>
+                                <p:cTn id="19" presetID="1" presetClass="entr" presetSubtype="0" fill="hold" nodeType="withEffect">
+                                  <p:stCondLst>
+                                    <p:cond delay="0"/>
+                                  </p:stCondLst>
+                                  <p:childTnLst>
+                                    <p:set>
+                                      <p:cBhvr>
+                                        <p:cTn id="20" dur="1" fill="hold">
+                                          <p:stCondLst>
+                                            <p:cond delay="0"/>
+                                          </p:stCondLst>
+                                        </p:cTn>
+                                        <p:tgtEl>
+                                          <p:spTgt spid="12"/>
+                                        </p:tgtEl>
+                                        <p:attrNameLst>
+                                          <p:attrName>style.visibility</p:attrName>
+                                        </p:attrNameLst>
+                                      </p:cBhvr>
+                                      <p:to>
+                                        <p:strVal val="visible"/>
+                                      </p:to>
+                                    </p:set>
+                                  </p:childTnLst>
+                                </p:cTn>
+                              </p:par>
+                            </p:childTnLst>
+                          </p:cTn>
+                        </p:par>
+                      </p:childTnLst>
+                    </p:cTn>
+                  </p:par>
+                  <p:par>
+                    <p:cTn id="21" fill="hold">
+                      <p:stCondLst>
+                        <p:cond delay="indefinite"/>
+                      </p:stCondLst>
+                      <p:childTnLst>
+                        <p:par>
+                          <p:cTn id="22" fill="hold">
+                            <p:stCondLst>
+                              <p:cond delay="0"/>
+                            </p:stCondLst>
+                            <p:childTnLst>
+                              <p:par>
+                                <p:cTn id="23" presetID="14" presetClass="entr" presetSubtype="10" fill="hold" grpId="0" nodeType="clickEffect">
+                                  <p:stCondLst>
+                                    <p:cond delay="0"/>
+                                  </p:stCondLst>
+                                  <p:childTnLst>
+                                    <p:set>
+                                      <p:cBhvr>
+                                        <p:cTn id="24" dur="1" fill="hold">
+                                          <p:stCondLst>
+                                            <p:cond delay="0"/>
+                                          </p:stCondLst>
+                                        </p:cTn>
+                                        <p:tgtEl>
+                                          <p:spTgt spid="24"/>
+                                        </p:tgtEl>
+                                        <p:attrNameLst>
+                                          <p:attrName>style.visibility</p:attrName>
+                                        </p:attrNameLst>
+                                      </p:cBhvr>
+                                      <p:to>
+                                        <p:strVal val="visible"/>
+                                      </p:to>
+                                    </p:set>
+                                    <p:animEffect transition="in" filter="randombar(horizontal)">
+                                      <p:cBhvr>
+                                        <p:cTn id="25" dur="500"/>
+                                        <p:tgtEl>
+                                          <p:spTgt spid="24"/>
+                                        </p:tgtEl>
+                                      </p:cBhvr>
+                                    </p:animEffect>
+                                  </p:childTnLst>
+                                </p:cTn>
+                              </p:par>
+                            </p:childTnLst>
+                          </p:cTn>
+                        </p:par>
+                      </p:childTnLst>
+                    </p:cTn>
+                  </p:par>
+                </p:childTnLst>
+              </p:cTn>
+              <p:prevCondLst>
+                <p:cond evt="onPrev" delay="0">
+                  <p:tgtEl>
+                    <p:sldTgt/>
+                  </p:tgtEl>
+                </p:cond>
+              </p:prevCondLst>
+              <p:nextCondLst>
+                <p:cond evt="onNext" delay="0">
+                  <p:tgtEl>
+                    <p:sldTgt/>
+                  </p:tgtEl>
+                </p:cond>
+              </p:nextCondLst>
+            </p:seq>
+          </p:childTnLst>
+        </p:cTn>
+      </p:par>
+    </p:tnLst>
+    <p:bldLst>
+      <p:bldP spid="20" grpId="0" animBg="1"/>
+      <p:bldP spid="21" grpId="0" animBg="1"/>
+      <p:bldP spid="17" grpId="0"/>
+      <p:bldP spid="18" grpId="0" animBg="1"/>
+      <p:bldP spid="24" grpId="0" animBg="1"/>
+    </p:bldLst>
+  </p:timing>
+</p:sld>
+</file>
+
+<file path=ppt/slides/slide22.xml><?xml version="1.0" encoding="utf-8"?>
+<p:sld xmlns:a="http://schemas.openxmlformats.org/drawingml/2006/main" xmlns:r="http://schemas.openxmlformats.org/officeDocument/2006/relationships" xmlns:p="http://schemas.openxmlformats.org/presentationml/2006/main">
+  <p:cSld>
+    <p:spTree>
+      <p:nvGrpSpPr>
+        <p:cNvPr id="1" name=""/>
+        <p:cNvGrpSpPr/>
+        <p:nvPr/>
+      </p:nvGrpSpPr>
+      <p:grpSpPr>
+        <a:xfrm>
+          <a:off x="0" y="0"/>
+          <a:ext cx="0" cy="0"/>
+          <a:chOff x="0" y="0"/>
+          <a:chExt cx="0" cy="0"/>
+        </a:xfrm>
+      </p:grpSpPr>
+      <p:grpSp>
+        <p:nvGrpSpPr>
+          <p:cNvPr id="2" name="组合 1"/>
+          <p:cNvGrpSpPr/>
+          <p:nvPr/>
+        </p:nvGrpSpPr>
+        <p:grpSpPr>
+          <a:xfrm>
+            <a:off x="114300" y="171450"/>
+            <a:ext cx="8875502" cy="1066800"/>
+            <a:chOff x="114300" y="171450"/>
+            <a:chExt cx="8875502" cy="1066800"/>
+          </a:xfrm>
+        </p:grpSpPr>
+        <p:cxnSp>
+          <p:nvCxnSpPr>
+            <p:cNvPr id="3" name="直接连接符 2"/>
+            <p:cNvCxnSpPr/>
+            <p:nvPr/>
+          </p:nvCxnSpPr>
+          <p:spPr>
+            <a:xfrm>
+              <a:off x="114300" y="1076325"/>
+              <a:ext cx="8858250" cy="0"/>
+            </a:xfrm>
+            <a:prstGeom prst="line">
+              <a:avLst/>
+            </a:prstGeom>
+            <a:ln w="31750">
+              <a:solidFill>
+                <a:srgbClr val="1E50A6"/>
+              </a:solidFill>
+            </a:ln>
+          </p:spPr>
+          <p:style>
+            <a:lnRef idx="1">
+              <a:schemeClr val="accent1"/>
+            </a:lnRef>
+            <a:fillRef idx="0">
+              <a:schemeClr val="accent1"/>
+            </a:fillRef>
+            <a:effectRef idx="0">
+              <a:schemeClr val="accent1"/>
+            </a:effectRef>
+            <a:fontRef idx="minor">
+              <a:schemeClr val="tx1"/>
+            </a:fontRef>
+          </p:style>
+        </p:cxnSp>
+        <p:cxnSp>
+          <p:nvCxnSpPr>
+            <p:cNvPr id="4" name="直接连接符 3"/>
+            <p:cNvCxnSpPr/>
+            <p:nvPr/>
+          </p:nvCxnSpPr>
+          <p:spPr>
+            <a:xfrm>
+              <a:off x="6962775" y="171450"/>
+              <a:ext cx="28322" cy="1066800"/>
+            </a:xfrm>
+            <a:prstGeom prst="line">
+              <a:avLst/>
+            </a:prstGeom>
+            <a:ln w="31750">
+              <a:solidFill>
+                <a:srgbClr val="1E50A6"/>
+              </a:solidFill>
+            </a:ln>
+          </p:spPr>
+          <p:style>
+            <a:lnRef idx="1">
+              <a:schemeClr val="accent1"/>
+            </a:lnRef>
+            <a:fillRef idx="0">
+              <a:schemeClr val="accent1"/>
+            </a:fillRef>
+            <a:effectRef idx="0">
+              <a:schemeClr val="accent1"/>
+            </a:effectRef>
+            <a:fontRef idx="minor">
+              <a:schemeClr val="tx1"/>
+            </a:fontRef>
+          </p:style>
+        </p:cxnSp>
+        <p:pic>
+          <p:nvPicPr>
+            <p:cNvPr id="5" name="图片 4"/>
+            <p:cNvPicPr>
+              <a:picLocks noChangeAspect="1"/>
+            </p:cNvPicPr>
+            <p:nvPr/>
+          </p:nvPicPr>
+          <p:blipFill rotWithShape="1">
+            <a:blip r:embed="rId2">
+              <a:extLst>
+                <a:ext uri="{28A0092B-C50C-407E-A947-70E740481C1C}">
+                  <a14:useLocalDpi xmlns:a14="http://schemas.microsoft.com/office/drawing/2010/main" val="0"/>
+                </a:ext>
+              </a:extLst>
+            </a:blip>
+            <a:srcRect t="36874" r="33358" b="34304"/>
+            <a:stretch>
+              <a:fillRect/>
+            </a:stretch>
+          </p:blipFill>
+          <p:spPr>
+            <a:xfrm>
+              <a:off x="7076536" y="261127"/>
+              <a:ext cx="1913266" cy="765415"/>
+            </a:xfrm>
+            <a:prstGeom prst="rect">
+              <a:avLst/>
+            </a:prstGeom>
+          </p:spPr>
+        </p:pic>
+      </p:grpSp>
+      <p:sp>
+        <p:nvSpPr>
+          <p:cNvPr id="6" name="矩形 5"/>
+          <p:cNvSpPr/>
+          <p:nvPr/>
+        </p:nvSpPr>
+        <p:spPr>
+          <a:xfrm>
+            <a:off x="0" y="6573627"/>
+            <a:ext cx="9144000" cy="285750"/>
+          </a:xfrm>
+          <a:prstGeom prst="rect">
+            <a:avLst/>
+          </a:prstGeom>
+          <a:solidFill>
+            <a:srgbClr val="1B4DA5"/>
+          </a:solidFill>
+          <a:ln>
+            <a:noFill/>
+          </a:ln>
+        </p:spPr>
+        <p:style>
+          <a:lnRef idx="2">
+            <a:schemeClr val="accent1">
+              <a:shade val="50000"/>
+            </a:schemeClr>
+          </a:lnRef>
+          <a:fillRef idx="1">
+            <a:schemeClr val="accent1"/>
+          </a:fillRef>
+          <a:effectRef idx="0">
+            <a:schemeClr val="accent1"/>
+          </a:effectRef>
+          <a:fontRef idx="minor">
+            <a:schemeClr val="lt1"/>
+          </a:fontRef>
+        </p:style>
+        <p:txBody>
+          <a:bodyPr rtlCol="0" anchor="ctr"/>
+          <a:lstStyle/>
+          <a:p>
+            <a:pPr algn="ctr"/>
+            <a:r>
+              <a:rPr lang="zh-CN" altLang="zh-CN" sz="1200" dirty="0">
+                <a:latin typeface="黑体" panose="02010609060101010101" pitchFamily="49" charset="-122"/>
+                <a:ea typeface="黑体" panose="02010609060101010101" pitchFamily="49" charset="-122"/>
+              </a:rPr>
+              <a:t>移动对象的时空轨迹相似性</a:t>
+            </a:r>
+            <a:r>
+              <a:rPr lang="zh-CN" altLang="zh-CN" sz="1200" dirty="0" smtClean="0">
+                <a:latin typeface="黑体" panose="02010609060101010101" pitchFamily="49" charset="-122"/>
+                <a:ea typeface="黑体" panose="02010609060101010101" pitchFamily="49" charset="-122"/>
+              </a:rPr>
+              <a:t>算法</a:t>
+            </a:r>
+            <a:endParaRPr lang="zh-CN" altLang="en-US" sz="1200" dirty="0">
+              <a:latin typeface="黑体" panose="02010609060101010101" pitchFamily="49" charset="-122"/>
+              <a:ea typeface="黑体" panose="02010609060101010101" pitchFamily="49" charset="-122"/>
+              <a:cs typeface="Times New Roman" panose="02020603050405020304" pitchFamily="18" charset="0"/>
+            </a:endParaRPr>
+          </a:p>
+        </p:txBody>
+      </p:sp>
+      <p:sp>
+        <p:nvSpPr>
+          <p:cNvPr id="9" name="标题 1"/>
+          <p:cNvSpPr txBox="1">
+            <a:spLocks/>
+          </p:cNvSpPr>
+          <p:nvPr/>
+        </p:nvSpPr>
+        <p:spPr>
+          <a:xfrm>
+            <a:off x="628650" y="365125"/>
+            <a:ext cx="6324600" cy="715963"/>
+          </a:xfrm>
+          <a:prstGeom prst="rect">
+            <a:avLst/>
+          </a:prstGeom>
+        </p:spPr>
+        <p:txBody>
+          <a:bodyPr/>
+          <a:lstStyle>
+            <a:lvl1pPr algn="l" defTabSz="914400" rtl="0" eaLnBrk="1" latinLnBrk="0" hangingPunct="1">
+              <a:lnSpc>
+                <a:spcPct val="90000"/>
+              </a:lnSpc>
+              <a:spcBef>
+                <a:spcPct val="0"/>
+              </a:spcBef>
+              <a:buNone/>
+              <a:defRPr sz="4400" kern="1200">
+                <a:solidFill>
+                  <a:schemeClr val="tx1"/>
+                </a:solidFill>
+                <a:latin typeface="+mj-lt"/>
+                <a:ea typeface="+mj-ea"/>
+                <a:cs typeface="+mj-cs"/>
+              </a:defRPr>
+            </a:lvl1pPr>
+          </a:lstStyle>
+          <a:p>
+            <a:r>
+              <a:rPr lang="zh-CN" altLang="en-US" dirty="0" smtClean="0">
+                <a:latin typeface="Times New Roman" panose="02020603050405020304" pitchFamily="18" charset="0"/>
+                <a:ea typeface="黑体" panose="02010609060101010101" pitchFamily="49" charset="-122"/>
+                <a:cs typeface="Times New Roman" panose="02020603050405020304" pitchFamily="18" charset="0"/>
+              </a:rPr>
+              <a:t>轨迹段间距离</a:t>
+            </a:r>
+          </a:p>
+        </p:txBody>
+      </p:sp>
       <mc:AlternateContent xmlns:mc="http://schemas.openxmlformats.org/markup-compatibility/2006" xmlns:a14="http://schemas.microsoft.com/office/drawing/2010/main">
         <mc:Choice Requires="a14">
           <p:sp>
@@ -18428,8 +18379,8 @@
             </p:nvSpPr>
             <p:spPr>
               <a:xfrm>
-                <a:off x="1138945" y="4295486"/>
-                <a:ext cx="4813539" cy="491481"/>
+                <a:off x="862736" y="3989477"/>
+                <a:ext cx="7276741" cy="882293"/>
               </a:xfrm>
               <a:prstGeom prst="rect">
                 <a:avLst/>
@@ -18441,7 +18392,7 @@
               </a:bodyPr>
               <a:lstStyle/>
               <a:p>
-                <a:pPr indent="127000" algn="ctr">
+                <a:pPr indent="127000">
                   <a:lnSpc>
                     <a:spcPct val="125000"/>
                   </a:lnSpc>
@@ -18679,73 +18630,472 @@
                   </a:rPr>
                   <a:t>=</a:t>
                 </a:r>
+                <a:endParaRPr lang="en-US" altLang="zh-CN" kern="100" dirty="0" smtClean="0">
+                  <a:latin typeface="Times New Roman" panose="02020603050405020304" pitchFamily="18" charset="0"/>
+                  <a:cs typeface="Times New Roman" panose="02020603050405020304" pitchFamily="18" charset="0"/>
+                </a:endParaRPr>
+              </a:p>
+              <a:p>
+                <a:pPr indent="127000">
+                  <a:lnSpc>
+                    <a:spcPct val="125000"/>
+                  </a:lnSpc>
+                  <a:spcAft>
+                    <a:spcPts val="0"/>
+                  </a:spcAft>
+                </a:pPr>
                 <a14:m>
-                  <m:oMath xmlns:m="http://schemas.openxmlformats.org/officeDocument/2006/math">
-                    <m:sSub>
-                      <m:sSubPr>
-                        <m:ctrlPr>
-                          <a:rPr lang="zh-CN" altLang="zh-CN" i="1" kern="100">
-                            <a:latin typeface="Cambria Math" panose="02040503050406030204" pitchFamily="18" charset="0"/>
-                            <a:ea typeface="Cambria Math" panose="02040503050406030204" pitchFamily="18" charset="0"/>
-                            <a:cs typeface="Times New Roman" panose="02020603050405020304" pitchFamily="18" charset="0"/>
-                          </a:rPr>
-                        </m:ctrlPr>
-                      </m:sSubPr>
-                      <m:e>
-                        <m:r>
-                          <a:rPr lang="en-US" altLang="zh-CN" i="1" kern="100">
-                            <a:latin typeface="Cambria Math" panose="02040503050406030204" pitchFamily="18" charset="0"/>
-                            <a:cs typeface="Times New Roman" panose="02020603050405020304" pitchFamily="18" charset="0"/>
-                          </a:rPr>
-                          <m:t>𝐼</m:t>
-                        </m:r>
-                      </m:e>
-                      <m:sub>
-                        <m:r>
-                          <a:rPr lang="en-US" altLang="zh-CN" i="1" kern="100">
-                            <a:latin typeface="Cambria Math" panose="02040503050406030204" pitchFamily="18" charset="0"/>
-                            <a:cs typeface="Times New Roman" panose="02020603050405020304" pitchFamily="18" charset="0"/>
-                          </a:rPr>
-                          <m:t>𝑠h𝑎𝑝𝑒</m:t>
-                        </m:r>
-                      </m:sub>
-                    </m:sSub>
-                    <m:r>
-                      <a:rPr lang="en-US" altLang="zh-CN">
-                        <a:latin typeface="Cambria Math" panose="02040503050406030204" pitchFamily="18" charset="0"/>
-                        <a:cs typeface="Times New Roman" panose="02020603050405020304" pitchFamily="18" charset="0"/>
-                      </a:rPr>
-                      <m:t>×</m:t>
-                    </m:r>
-                    <m:sSub>
-                      <m:sSubPr>
-                        <m:ctrlPr>
-                          <a:rPr lang="zh-CN" altLang="zh-CN" i="1">
-                            <a:latin typeface="Cambria Math" panose="02040503050406030204" pitchFamily="18" charset="0"/>
-                            <a:ea typeface="Cambria Math" panose="02040503050406030204" pitchFamily="18" charset="0"/>
-                          </a:rPr>
-                        </m:ctrlPr>
-                      </m:sSubPr>
-                      <m:e>
-                        <m:r>
-                          <a:rPr lang="en-US" altLang="zh-CN" i="1">
-                            <a:latin typeface="Cambria Math" panose="02040503050406030204" pitchFamily="18" charset="0"/>
-                            <a:cs typeface="Times New Roman" panose="02020603050405020304" pitchFamily="18" charset="0"/>
-                          </a:rPr>
-                          <m:t>𝑑</m:t>
-                        </m:r>
-                      </m:e>
-                      <m:sub>
-                        <m:r>
-                          <a:rPr lang="en-US" altLang="zh-CN" i="1">
-                            <a:latin typeface="Cambria Math" panose="02040503050406030204" pitchFamily="18" charset="0"/>
-                            <a:cs typeface="Times New Roman" panose="02020603050405020304" pitchFamily="18" charset="0"/>
-                          </a:rPr>
-                          <m:t>𝑠𝑡</m:t>
-                        </m:r>
-                      </m:sub>
-                    </m:sSub>
-                  </m:oMath>
+                  <m:oMathPara xmlns:m="http://schemas.openxmlformats.org/officeDocument/2006/math">
+                    <m:oMathParaPr>
+                      <m:jc m:val="centerGroup"/>
+                    </m:oMathParaPr>
+                    <m:oMath xmlns:m="http://schemas.openxmlformats.org/officeDocument/2006/math">
+                      <m:sSub>
+                        <m:sSubPr>
+                          <m:ctrlPr>
+                            <a:rPr lang="zh-CN" altLang="zh-CN" i="1" kern="100">
+                              <a:latin typeface="Cambria Math" panose="02040503050406030204" pitchFamily="18" charset="0"/>
+                              <a:ea typeface="Cambria Math" panose="02040503050406030204" pitchFamily="18" charset="0"/>
+                              <a:cs typeface="Times New Roman" panose="02020603050405020304" pitchFamily="18" charset="0"/>
+                            </a:rPr>
+                          </m:ctrlPr>
+                        </m:sSubPr>
+                        <m:e>
+                          <m:r>
+                            <a:rPr lang="en-US" altLang="zh-CN" i="1" kern="100">
+                              <a:latin typeface="Cambria Math" panose="02040503050406030204" pitchFamily="18" charset="0"/>
+                              <a:cs typeface="Times New Roman" panose="02020603050405020304" pitchFamily="18" charset="0"/>
+                            </a:rPr>
+                            <m:t>𝐼</m:t>
+                          </m:r>
+                        </m:e>
+                        <m:sub>
+                          <m:r>
+                            <a:rPr lang="en-US" altLang="zh-CN" i="1" kern="100">
+                              <a:latin typeface="Cambria Math" panose="02040503050406030204" pitchFamily="18" charset="0"/>
+                              <a:cs typeface="Times New Roman" panose="02020603050405020304" pitchFamily="18" charset="0"/>
+                            </a:rPr>
+                            <m:t>𝑠h𝑎𝑝𝑒</m:t>
+                          </m:r>
+                        </m:sub>
+                      </m:sSub>
+                      <m:d>
+                        <m:dPr>
+                          <m:ctrlPr>
+                            <a:rPr lang="zh-CN" altLang="zh-CN" i="1" kern="100">
+                              <a:latin typeface="Cambria Math" panose="02040503050406030204" pitchFamily="18" charset="0"/>
+                              <a:ea typeface="Cambria Math" panose="02040503050406030204" pitchFamily="18" charset="0"/>
+                              <a:cs typeface="Times New Roman" panose="02020603050405020304" pitchFamily="18" charset="0"/>
+                            </a:rPr>
+                          </m:ctrlPr>
+                        </m:dPr>
+                        <m:e>
+                          <m:sSub>
+                            <m:sSubPr>
+                              <m:ctrlPr>
+                                <a:rPr lang="zh-CN" altLang="zh-CN" i="1" kern="100">
+                                  <a:latin typeface="Cambria Math" panose="02040503050406030204" pitchFamily="18" charset="0"/>
+                                  <a:ea typeface="Cambria Math" panose="02040503050406030204" pitchFamily="18" charset="0"/>
+                                  <a:cs typeface="Times New Roman" panose="02020603050405020304" pitchFamily="18" charset="0"/>
+                                </a:rPr>
+                              </m:ctrlPr>
+                            </m:sSubPr>
+                            <m:e>
+                              <m:r>
+                                <a:rPr lang="en-US" altLang="zh-CN" i="1" kern="100">
+                                  <a:latin typeface="Cambria Math" panose="02040503050406030204" pitchFamily="18" charset="0"/>
+                                  <a:cs typeface="Times New Roman" panose="02020603050405020304" pitchFamily="18" charset="0"/>
+                                </a:rPr>
+                                <m:t>𝑟</m:t>
+                              </m:r>
+                            </m:e>
+                            <m:sub>
+                              <m:r>
+                                <a:rPr lang="en-US" altLang="zh-CN" i="1" kern="100">
+                                  <a:latin typeface="Cambria Math" panose="02040503050406030204" pitchFamily="18" charset="0"/>
+                                  <a:cs typeface="Times New Roman" panose="02020603050405020304" pitchFamily="18" charset="0"/>
+                                </a:rPr>
+                                <m:t>𝑖</m:t>
+                              </m:r>
+                            </m:sub>
+                          </m:sSub>
+                          <m:sSub>
+                            <m:sSubPr>
+                              <m:ctrlPr>
+                                <a:rPr lang="zh-CN" altLang="zh-CN" i="1" kern="100">
+                                  <a:latin typeface="Cambria Math" panose="02040503050406030204" pitchFamily="18" charset="0"/>
+                                  <a:ea typeface="Cambria Math" panose="02040503050406030204" pitchFamily="18" charset="0"/>
+                                  <a:cs typeface="Times New Roman" panose="02020603050405020304" pitchFamily="18" charset="0"/>
+                                </a:rPr>
+                              </m:ctrlPr>
+                            </m:sSubPr>
+                            <m:e>
+                              <m:r>
+                                <a:rPr lang="en-US" altLang="zh-CN" i="1" kern="100">
+                                  <a:latin typeface="Cambria Math" panose="02040503050406030204" pitchFamily="18" charset="0"/>
+                                  <a:cs typeface="Times New Roman" panose="02020603050405020304" pitchFamily="18" charset="0"/>
+                                </a:rPr>
+                                <m:t>𝑟</m:t>
+                              </m:r>
+                            </m:e>
+                            <m:sub>
+                              <m:r>
+                                <a:rPr lang="en-US" altLang="zh-CN" i="1" kern="100">
+                                  <a:latin typeface="Cambria Math" panose="02040503050406030204" pitchFamily="18" charset="0"/>
+                                  <a:cs typeface="Times New Roman" panose="02020603050405020304" pitchFamily="18" charset="0"/>
+                                </a:rPr>
+                                <m:t>𝑖</m:t>
+                              </m:r>
+                              <m:r>
+                                <a:rPr lang="en-US" altLang="zh-CN" kern="100">
+                                  <a:latin typeface="Cambria Math" panose="02040503050406030204" pitchFamily="18" charset="0"/>
+                                  <a:cs typeface="Times New Roman" panose="02020603050405020304" pitchFamily="18" charset="0"/>
+                                </a:rPr>
+                                <m:t>+1</m:t>
+                              </m:r>
+                            </m:sub>
+                          </m:sSub>
+                          <m:r>
+                            <a:rPr lang="en-US" altLang="zh-CN" kern="100">
+                              <a:latin typeface="Cambria Math" panose="02040503050406030204" pitchFamily="18" charset="0"/>
+                              <a:cs typeface="Times New Roman" panose="02020603050405020304" pitchFamily="18" charset="0"/>
+                            </a:rPr>
+                            <m:t>,</m:t>
+                          </m:r>
+                          <m:r>
+                            <a:rPr lang="en-US" altLang="zh-CN" i="1" kern="100">
+                              <a:latin typeface="Cambria Math" panose="02040503050406030204" pitchFamily="18" charset="0"/>
+                              <a:cs typeface="Times New Roman" panose="02020603050405020304" pitchFamily="18" charset="0"/>
+                            </a:rPr>
+                            <m:t>𝑄</m:t>
+                          </m:r>
+                          <m:d>
+                            <m:dPr>
+                              <m:ctrlPr>
+                                <a:rPr lang="zh-CN" altLang="zh-CN" i="1" kern="100">
+                                  <a:latin typeface="Cambria Math" panose="02040503050406030204" pitchFamily="18" charset="0"/>
+                                  <a:ea typeface="Cambria Math" panose="02040503050406030204" pitchFamily="18" charset="0"/>
+                                  <a:cs typeface="Times New Roman" panose="02020603050405020304" pitchFamily="18" charset="0"/>
+                                </a:rPr>
+                              </m:ctrlPr>
+                            </m:dPr>
+                            <m:e>
+                              <m:sSub>
+                                <m:sSubPr>
+                                  <m:ctrlPr>
+                                    <a:rPr lang="zh-CN" altLang="zh-CN" i="1" kern="100">
+                                      <a:latin typeface="Cambria Math" panose="02040503050406030204" pitchFamily="18" charset="0"/>
+                                      <a:ea typeface="Cambria Math" panose="02040503050406030204" pitchFamily="18" charset="0"/>
+                                      <a:cs typeface="Times New Roman" panose="02020603050405020304" pitchFamily="18" charset="0"/>
+                                    </a:rPr>
+                                  </m:ctrlPr>
+                                </m:sSubPr>
+                                <m:e>
+                                  <m:r>
+                                    <a:rPr lang="en-US" altLang="zh-CN" i="1" kern="100">
+                                      <a:latin typeface="Cambria Math" panose="02040503050406030204" pitchFamily="18" charset="0"/>
+                                      <a:cs typeface="Times New Roman" panose="02020603050405020304" pitchFamily="18" charset="0"/>
+                                    </a:rPr>
+                                    <m:t>𝑟</m:t>
+                                  </m:r>
+                                </m:e>
+                                <m:sub>
+                                  <m:r>
+                                    <a:rPr lang="en-US" altLang="zh-CN" i="1" kern="100">
+                                      <a:latin typeface="Cambria Math" panose="02040503050406030204" pitchFamily="18" charset="0"/>
+                                      <a:cs typeface="Times New Roman" panose="02020603050405020304" pitchFamily="18" charset="0"/>
+                                    </a:rPr>
+                                    <m:t>𝑖</m:t>
+                                  </m:r>
+                                </m:sub>
+                              </m:sSub>
+                            </m:e>
+                          </m:d>
+                          <m:r>
+                            <a:rPr lang="en-US" altLang="zh-CN" i="1" kern="100">
+                              <a:latin typeface="Cambria Math" panose="02040503050406030204" pitchFamily="18" charset="0"/>
+                              <a:cs typeface="Times New Roman" panose="02020603050405020304" pitchFamily="18" charset="0"/>
+                            </a:rPr>
+                            <m:t>𝑄</m:t>
+                          </m:r>
+                          <m:d>
+                            <m:dPr>
+                              <m:ctrlPr>
+                                <a:rPr lang="zh-CN" altLang="zh-CN" i="1" kern="100">
+                                  <a:latin typeface="Cambria Math" panose="02040503050406030204" pitchFamily="18" charset="0"/>
+                                  <a:ea typeface="Cambria Math" panose="02040503050406030204" pitchFamily="18" charset="0"/>
+                                  <a:cs typeface="Times New Roman" panose="02020603050405020304" pitchFamily="18" charset="0"/>
+                                </a:rPr>
+                              </m:ctrlPr>
+                            </m:dPr>
+                            <m:e>
+                              <m:sSub>
+                                <m:sSubPr>
+                                  <m:ctrlPr>
+                                    <a:rPr lang="zh-CN" altLang="zh-CN" i="1" kern="100">
+                                      <a:latin typeface="Cambria Math" panose="02040503050406030204" pitchFamily="18" charset="0"/>
+                                      <a:ea typeface="Cambria Math" panose="02040503050406030204" pitchFamily="18" charset="0"/>
+                                      <a:cs typeface="Times New Roman" panose="02020603050405020304" pitchFamily="18" charset="0"/>
+                                    </a:rPr>
+                                  </m:ctrlPr>
+                                </m:sSubPr>
+                                <m:e>
+                                  <m:r>
+                                    <a:rPr lang="en-US" altLang="zh-CN" i="1" kern="100">
+                                      <a:latin typeface="Cambria Math" panose="02040503050406030204" pitchFamily="18" charset="0"/>
+                                      <a:cs typeface="Times New Roman" panose="02020603050405020304" pitchFamily="18" charset="0"/>
+                                    </a:rPr>
+                                    <m:t>𝑟</m:t>
+                                  </m:r>
+                                </m:e>
+                                <m:sub>
+                                  <m:r>
+                                    <a:rPr lang="en-US" altLang="zh-CN" i="1" kern="100">
+                                      <a:latin typeface="Cambria Math" panose="02040503050406030204" pitchFamily="18" charset="0"/>
+                                      <a:cs typeface="Times New Roman" panose="02020603050405020304" pitchFamily="18" charset="0"/>
+                                    </a:rPr>
+                                    <m:t>𝑖</m:t>
+                                  </m:r>
+                                  <m:r>
+                                    <a:rPr lang="en-US" altLang="zh-CN" kern="100">
+                                      <a:latin typeface="Cambria Math" panose="02040503050406030204" pitchFamily="18" charset="0"/>
+                                      <a:cs typeface="Times New Roman" panose="02020603050405020304" pitchFamily="18" charset="0"/>
+                                    </a:rPr>
+                                    <m:t>+1</m:t>
+                                  </m:r>
+                                </m:sub>
+                              </m:sSub>
+                            </m:e>
+                          </m:d>
+                        </m:e>
+                      </m:d>
+                      <m:r>
+                        <a:rPr lang="en-US" altLang="zh-CN">
+                          <a:latin typeface="Cambria Math" panose="02040503050406030204" pitchFamily="18" charset="0"/>
+                          <a:cs typeface="Times New Roman" panose="02020603050405020304" pitchFamily="18" charset="0"/>
+                        </a:rPr>
+                        <m:t>×</m:t>
+                      </m:r>
+                      <m:sSub>
+                        <m:sSubPr>
+                          <m:ctrlPr>
+                            <a:rPr lang="zh-CN" altLang="zh-CN" i="1">
+                              <a:latin typeface="Cambria Math" panose="02040503050406030204" pitchFamily="18" charset="0"/>
+                              <a:ea typeface="Cambria Math" panose="02040503050406030204" pitchFamily="18" charset="0"/>
+                            </a:rPr>
+                          </m:ctrlPr>
+                        </m:sSubPr>
+                        <m:e>
+                          <m:r>
+                            <a:rPr lang="en-US" altLang="zh-CN" i="1">
+                              <a:latin typeface="Cambria Math" panose="02040503050406030204" pitchFamily="18" charset="0"/>
+                              <a:cs typeface="Times New Roman" panose="02020603050405020304" pitchFamily="18" charset="0"/>
+                            </a:rPr>
+                            <m:t>𝑑</m:t>
+                          </m:r>
+                        </m:e>
+                        <m:sub>
+                          <m:r>
+                            <a:rPr lang="en-US" altLang="zh-CN" i="1">
+                              <a:latin typeface="Cambria Math" panose="02040503050406030204" pitchFamily="18" charset="0"/>
+                              <a:cs typeface="Times New Roman" panose="02020603050405020304" pitchFamily="18" charset="0"/>
+                            </a:rPr>
+                            <m:t>𝑠𝑡</m:t>
+                          </m:r>
+                        </m:sub>
+                      </m:sSub>
+                      <m:d>
+                        <m:dPr>
+                          <m:ctrlPr>
+                            <a:rPr lang="zh-CN" altLang="zh-CN" i="1" kern="100">
+                              <a:latin typeface="Cambria Math" panose="02040503050406030204" pitchFamily="18" charset="0"/>
+                              <a:ea typeface="Cambria Math" panose="02040503050406030204" pitchFamily="18" charset="0"/>
+                              <a:cs typeface="Times New Roman" panose="02020603050405020304" pitchFamily="18" charset="0"/>
+                            </a:rPr>
+                          </m:ctrlPr>
+                        </m:dPr>
+                        <m:e>
+                          <m:sSub>
+                            <m:sSubPr>
+                              <m:ctrlPr>
+                                <a:rPr lang="zh-CN" altLang="zh-CN" i="1" kern="100">
+                                  <a:latin typeface="Cambria Math" panose="02040503050406030204" pitchFamily="18" charset="0"/>
+                                  <a:ea typeface="Cambria Math" panose="02040503050406030204" pitchFamily="18" charset="0"/>
+                                  <a:cs typeface="Times New Roman" panose="02020603050405020304" pitchFamily="18" charset="0"/>
+                                </a:rPr>
+                              </m:ctrlPr>
+                            </m:sSubPr>
+                            <m:e>
+                              <m:r>
+                                <a:rPr lang="en-US" altLang="zh-CN" i="1" kern="100">
+                                  <a:latin typeface="Cambria Math" panose="02040503050406030204" pitchFamily="18" charset="0"/>
+                                  <a:cs typeface="Times New Roman" panose="02020603050405020304" pitchFamily="18" charset="0"/>
+                                </a:rPr>
+                                <m:t>𝑟</m:t>
+                              </m:r>
+                            </m:e>
+                            <m:sub>
+                              <m:r>
+                                <a:rPr lang="en-US" altLang="zh-CN" i="1" kern="100">
+                                  <a:latin typeface="Cambria Math" panose="02040503050406030204" pitchFamily="18" charset="0"/>
+                                  <a:cs typeface="Times New Roman" panose="02020603050405020304" pitchFamily="18" charset="0"/>
+                                </a:rPr>
+                                <m:t>𝑖</m:t>
+                              </m:r>
+                            </m:sub>
+                          </m:sSub>
+                          <m:sSub>
+                            <m:sSubPr>
+                              <m:ctrlPr>
+                                <a:rPr lang="zh-CN" altLang="zh-CN" i="1" kern="100">
+                                  <a:latin typeface="Cambria Math" panose="02040503050406030204" pitchFamily="18" charset="0"/>
+                                  <a:ea typeface="Cambria Math" panose="02040503050406030204" pitchFamily="18" charset="0"/>
+                                  <a:cs typeface="Times New Roman" panose="02020603050405020304" pitchFamily="18" charset="0"/>
+                                </a:rPr>
+                              </m:ctrlPr>
+                            </m:sSubPr>
+                            <m:e>
+                              <m:r>
+                                <a:rPr lang="en-US" altLang="zh-CN" i="1" kern="100">
+                                  <a:latin typeface="Cambria Math" panose="02040503050406030204" pitchFamily="18" charset="0"/>
+                                  <a:cs typeface="Times New Roman" panose="02020603050405020304" pitchFamily="18" charset="0"/>
+                                </a:rPr>
+                                <m:t>𝑟</m:t>
+                              </m:r>
+                            </m:e>
+                            <m:sub>
+                              <m:r>
+                                <a:rPr lang="en-US" altLang="zh-CN" i="1" kern="100">
+                                  <a:latin typeface="Cambria Math" panose="02040503050406030204" pitchFamily="18" charset="0"/>
+                                  <a:cs typeface="Times New Roman" panose="02020603050405020304" pitchFamily="18" charset="0"/>
+                                </a:rPr>
+                                <m:t>𝑖</m:t>
+                              </m:r>
+                              <m:r>
+                                <a:rPr lang="en-US" altLang="zh-CN" kern="100">
+                                  <a:latin typeface="Cambria Math" panose="02040503050406030204" pitchFamily="18" charset="0"/>
+                                  <a:cs typeface="Times New Roman" panose="02020603050405020304" pitchFamily="18" charset="0"/>
+                                </a:rPr>
+                                <m:t>+1</m:t>
+                              </m:r>
+                            </m:sub>
+                          </m:sSub>
+                          <m:r>
+                            <a:rPr lang="en-US" altLang="zh-CN" kern="100">
+                              <a:latin typeface="Cambria Math" panose="02040503050406030204" pitchFamily="18" charset="0"/>
+                              <a:cs typeface="Times New Roman" panose="02020603050405020304" pitchFamily="18" charset="0"/>
+                            </a:rPr>
+                            <m:t>,</m:t>
+                          </m:r>
+                          <m:r>
+                            <a:rPr lang="en-US" altLang="zh-CN" i="1" kern="100">
+                              <a:latin typeface="Cambria Math" panose="02040503050406030204" pitchFamily="18" charset="0"/>
+                              <a:cs typeface="Times New Roman" panose="02020603050405020304" pitchFamily="18" charset="0"/>
+                            </a:rPr>
+                            <m:t>𝑄</m:t>
+                          </m:r>
+                          <m:d>
+                            <m:dPr>
+                              <m:ctrlPr>
+                                <a:rPr lang="zh-CN" altLang="zh-CN" i="1" kern="100">
+                                  <a:latin typeface="Cambria Math" panose="02040503050406030204" pitchFamily="18" charset="0"/>
+                                  <a:ea typeface="Cambria Math" panose="02040503050406030204" pitchFamily="18" charset="0"/>
+                                  <a:cs typeface="Times New Roman" panose="02020603050405020304" pitchFamily="18" charset="0"/>
+                                </a:rPr>
+                              </m:ctrlPr>
+                            </m:dPr>
+                            <m:e>
+                              <m:sSub>
+                                <m:sSubPr>
+                                  <m:ctrlPr>
+                                    <a:rPr lang="zh-CN" altLang="zh-CN" i="1" kern="100">
+                                      <a:latin typeface="Cambria Math" panose="02040503050406030204" pitchFamily="18" charset="0"/>
+                                      <a:ea typeface="Cambria Math" panose="02040503050406030204" pitchFamily="18" charset="0"/>
+                                      <a:cs typeface="Times New Roman" panose="02020603050405020304" pitchFamily="18" charset="0"/>
+                                    </a:rPr>
+                                  </m:ctrlPr>
+                                </m:sSubPr>
+                                <m:e>
+                                  <m:r>
+                                    <a:rPr lang="en-US" altLang="zh-CN" i="1" kern="100">
+                                      <a:latin typeface="Cambria Math" panose="02040503050406030204" pitchFamily="18" charset="0"/>
+                                      <a:cs typeface="Times New Roman" panose="02020603050405020304" pitchFamily="18" charset="0"/>
+                                    </a:rPr>
+                                    <m:t>𝑟</m:t>
+                                  </m:r>
+                                </m:e>
+                                <m:sub>
+                                  <m:r>
+                                    <a:rPr lang="en-US" altLang="zh-CN" i="1" kern="100">
+                                      <a:latin typeface="Cambria Math" panose="02040503050406030204" pitchFamily="18" charset="0"/>
+                                      <a:cs typeface="Times New Roman" panose="02020603050405020304" pitchFamily="18" charset="0"/>
+                                    </a:rPr>
+                                    <m:t>𝑖</m:t>
+                                  </m:r>
+                                </m:sub>
+                              </m:sSub>
+                            </m:e>
+                          </m:d>
+                          <m:r>
+                            <a:rPr lang="en-US" altLang="zh-CN" i="1" kern="100">
+                              <a:latin typeface="Cambria Math" panose="02040503050406030204" pitchFamily="18" charset="0"/>
+                              <a:cs typeface="Times New Roman" panose="02020603050405020304" pitchFamily="18" charset="0"/>
+                            </a:rPr>
+                            <m:t>𝑄</m:t>
+                          </m:r>
+                          <m:d>
+                            <m:dPr>
+                              <m:ctrlPr>
+                                <a:rPr lang="zh-CN" altLang="zh-CN" i="1" kern="100">
+                                  <a:latin typeface="Cambria Math" panose="02040503050406030204" pitchFamily="18" charset="0"/>
+                                  <a:ea typeface="Cambria Math" panose="02040503050406030204" pitchFamily="18" charset="0"/>
+                                  <a:cs typeface="Times New Roman" panose="02020603050405020304" pitchFamily="18" charset="0"/>
+                                </a:rPr>
+                              </m:ctrlPr>
+                            </m:dPr>
+                            <m:e>
+                              <m:sSub>
+                                <m:sSubPr>
+                                  <m:ctrlPr>
+                                    <a:rPr lang="zh-CN" altLang="zh-CN" i="1" kern="100">
+                                      <a:latin typeface="Cambria Math" panose="02040503050406030204" pitchFamily="18" charset="0"/>
+                                      <a:ea typeface="Cambria Math" panose="02040503050406030204" pitchFamily="18" charset="0"/>
+                                      <a:cs typeface="Times New Roman" panose="02020603050405020304" pitchFamily="18" charset="0"/>
+                                    </a:rPr>
+                                  </m:ctrlPr>
+                                </m:sSubPr>
+                                <m:e>
+                                  <m:r>
+                                    <a:rPr lang="en-US" altLang="zh-CN" i="1" kern="100">
+                                      <a:latin typeface="Cambria Math" panose="02040503050406030204" pitchFamily="18" charset="0"/>
+                                      <a:cs typeface="Times New Roman" panose="02020603050405020304" pitchFamily="18" charset="0"/>
+                                    </a:rPr>
+                                    <m:t>𝑟</m:t>
+                                  </m:r>
+                                </m:e>
+                                <m:sub>
+                                  <m:r>
+                                    <a:rPr lang="en-US" altLang="zh-CN" i="1" kern="100">
+                                      <a:latin typeface="Cambria Math" panose="02040503050406030204" pitchFamily="18" charset="0"/>
+                                      <a:cs typeface="Times New Roman" panose="02020603050405020304" pitchFamily="18" charset="0"/>
+                                    </a:rPr>
+                                    <m:t>𝑖</m:t>
+                                  </m:r>
+                                  <m:r>
+                                    <a:rPr lang="en-US" altLang="zh-CN" kern="100">
+                                      <a:latin typeface="Cambria Math" panose="02040503050406030204" pitchFamily="18" charset="0"/>
+                                      <a:cs typeface="Times New Roman" panose="02020603050405020304" pitchFamily="18" charset="0"/>
+                                    </a:rPr>
+                                    <m:t>+1</m:t>
+                                  </m:r>
+                                </m:sub>
+                              </m:sSub>
+                            </m:e>
+                          </m:d>
+                        </m:e>
+                      </m:d>
+                    </m:oMath>
+                  </m:oMathPara>
                 </a14:m>
                 <a:endParaRPr lang="zh-CN" altLang="en-US" dirty="0"/>
               </a:p>
@@ -18763,16 +19113,16 @@
             </p:nvSpPr>
             <p:spPr>
               <a:xfrm>
-                <a:off x="1138945" y="4295486"/>
-                <a:ext cx="4813539" cy="491481"/>
+                <a:off x="862736" y="3989477"/>
+                <a:ext cx="7276741" cy="882293"/>
               </a:xfrm>
               <a:prstGeom prst="rect">
                 <a:avLst/>
               </a:prstGeom>
               <a:blipFill>
-                <a:blip r:embed="rId6"/>
+                <a:blip r:embed="rId3"/>
                 <a:stretch>
-                  <a:fillRect b="-11250"/>
+                  <a:fillRect/>
                 </a:stretch>
               </a:blipFill>
             </p:spPr>
@@ -18803,7 +19153,7 @@
             </p:nvSpPr>
             <p:spPr bwMode="auto">
               <a:xfrm>
-                <a:off x="689035" y="5227433"/>
+                <a:off x="867314" y="5313150"/>
                 <a:ext cx="7134225" cy="991041"/>
               </a:xfrm>
               <a:prstGeom prst="rect">
@@ -19197,14 +19547,14 @@
             </p:nvSpPr>
             <p:spPr bwMode="auto">
               <a:xfrm>
-                <a:off x="689035" y="5227433"/>
+                <a:off x="867314" y="5313150"/>
                 <a:ext cx="7134225" cy="991041"/>
               </a:xfrm>
               <a:prstGeom prst="rect">
                 <a:avLst/>
               </a:prstGeom>
               <a:blipFill>
-                <a:blip r:embed="rId7"/>
+                <a:blip r:embed="rId4"/>
                 <a:stretch>
                   <a:fillRect t="-4217" b="-6024"/>
                 </a:stretch>
@@ -19231,30 +19581,140 @@
           </p:sp>
         </mc:Fallback>
       </mc:AlternateContent>
+      <mc:AlternateContent xmlns:mc="http://schemas.openxmlformats.org/markup-compatibility/2006" xmlns:a14="http://schemas.microsoft.com/office/drawing/2010/main">
+        <mc:Choice Requires="a14">
+          <p:sp>
+            <p:nvSpPr>
+              <p:cNvPr id="12" name="文本框 11"/>
+              <p:cNvSpPr txBox="1"/>
+              <p:nvPr/>
+            </p:nvSpPr>
+            <p:spPr>
+              <a:xfrm>
+                <a:off x="867314" y="3620145"/>
+                <a:ext cx="4620176" cy="369332"/>
+              </a:xfrm>
+              <a:prstGeom prst="rect">
+                <a:avLst/>
+              </a:prstGeom>
+              <a:noFill/>
+            </p:spPr>
+            <p:txBody>
+              <a:bodyPr wrap="none" rtlCol="0">
+                <a:spAutoFit/>
+              </a:bodyPr>
+              <a:lstStyle/>
+              <a:p>
+                <a:r>
+                  <a:rPr lang="zh-CN" altLang="en-US" dirty="0" smtClean="0">
+                    <a:latin typeface="黑体" panose="02010609060101010101" pitchFamily="49" charset="-122"/>
+                    <a:ea typeface="黑体" panose="02010609060101010101" pitchFamily="49" charset="-122"/>
+                  </a:rPr>
+                  <a:t>轨迹段间距离 </a:t>
+                </a:r>
+                <a:r>
+                  <a:rPr lang="en-US" altLang="zh-CN" dirty="0" smtClean="0">
+                    <a:latin typeface="黑体" panose="02010609060101010101" pitchFamily="49" charset="-122"/>
+                    <a:ea typeface="黑体" panose="02010609060101010101" pitchFamily="49" charset="-122"/>
+                  </a:rPr>
+                  <a:t>= </a:t>
+                </a:r>
+                <a:r>
+                  <a:rPr lang="zh-CN" altLang="en-US" dirty="0" smtClean="0">
+                    <a:latin typeface="黑体" panose="02010609060101010101" pitchFamily="49" charset="-122"/>
+                    <a:ea typeface="黑体" panose="02010609060101010101" pitchFamily="49" charset="-122"/>
+                  </a:rPr>
+                  <a:t>形状影响因子 </a:t>
+                </a:r>
+                <a14:m>
+                  <m:oMath xmlns:m="http://schemas.openxmlformats.org/officeDocument/2006/math">
+                    <m:r>
+                      <a:rPr lang="en-US" altLang="zh-CN">
+                        <a:latin typeface="Cambria Math" panose="02040503050406030204" pitchFamily="18" charset="0"/>
+                        <a:cs typeface="Times New Roman" panose="02020603050405020304" pitchFamily="18" charset="0"/>
+                      </a:rPr>
+                      <m:t>×</m:t>
+                    </m:r>
+                  </m:oMath>
+                </a14:m>
+                <a:r>
+                  <a:rPr lang="zh-CN" altLang="en-US" dirty="0" smtClean="0">
+                    <a:latin typeface="黑体" panose="02010609060101010101" pitchFamily="49" charset="-122"/>
+                    <a:ea typeface="黑体" panose="02010609060101010101" pitchFamily="49" charset="-122"/>
+                  </a:rPr>
+                  <a:t> 时空距离</a:t>
+                </a:r>
+                <a:endParaRPr lang="zh-CN" altLang="en-US" dirty="0">
+                  <a:latin typeface="黑体" panose="02010609060101010101" pitchFamily="49" charset="-122"/>
+                  <a:ea typeface="黑体" panose="02010609060101010101" pitchFamily="49" charset="-122"/>
+                </a:endParaRPr>
+              </a:p>
+            </p:txBody>
+          </p:sp>
+        </mc:Choice>
+        <mc:Fallback xmlns="">
+          <p:sp>
+            <p:nvSpPr>
+              <p:cNvPr id="12" name="文本框 11"/>
+              <p:cNvSpPr txBox="1">
+                <a:spLocks noRot="1" noChangeAspect="1" noMove="1" noResize="1" noEditPoints="1" noAdjustHandles="1" noChangeArrowheads="1" noChangeShapeType="1" noTextEdit="1"/>
+              </p:cNvSpPr>
+              <p:nvPr/>
+            </p:nvSpPr>
+            <p:spPr>
+              <a:xfrm>
+                <a:off x="867314" y="3620145"/>
+                <a:ext cx="4620176" cy="369332"/>
+              </a:xfrm>
+              <a:prstGeom prst="rect">
+                <a:avLst/>
+              </a:prstGeom>
+              <a:blipFill>
+                <a:blip r:embed="rId5"/>
+                <a:stretch>
+                  <a:fillRect l="-1055" t="-13333" r="-264" b="-23333"/>
+                </a:stretch>
+              </a:blipFill>
+            </p:spPr>
+            <p:txBody>
+              <a:bodyPr/>
+              <a:lstStyle/>
+              <a:p>
+                <a:r>
+                  <a:rPr lang="zh-CN" altLang="en-US">
+                    <a:noFill/>
+                  </a:rPr>
+                  <a:t> </a:t>
+                </a:r>
+              </a:p>
+            </p:txBody>
+          </p:sp>
+        </mc:Fallback>
+      </mc:AlternateContent>
       <p:grpSp>
         <p:nvGrpSpPr>
-          <p:cNvPr id="22" name="组合 21"/>
+          <p:cNvPr id="84" name="组合 83"/>
           <p:cNvGrpSpPr/>
           <p:nvPr/>
         </p:nvGrpSpPr>
         <p:grpSpPr>
           <a:xfrm>
-            <a:off x="288446" y="3765090"/>
-            <a:ext cx="2140697" cy="646545"/>
-            <a:chOff x="288446" y="3765090"/>
-            <a:chExt cx="2140697" cy="646545"/>
+            <a:off x="740323" y="1206384"/>
+            <a:ext cx="7343191" cy="1946375"/>
+            <a:chOff x="315197" y="1206384"/>
+            <a:chExt cx="7343191" cy="1946375"/>
           </a:xfrm>
         </p:grpSpPr>
         <p:sp>
           <p:nvSpPr>
-            <p:cNvPr id="16" name="文本框 15"/>
+            <p:cNvPr id="26" name="文本框 25"/>
             <p:cNvSpPr txBox="1"/>
             <p:nvPr/>
           </p:nvSpPr>
           <p:spPr>
             <a:xfrm>
-              <a:off x="628650" y="3926154"/>
-              <a:ext cx="1800493" cy="369332"/>
+              <a:off x="2018581" y="1211928"/>
+              <a:ext cx="1826141" cy="338554"/>
             </a:xfrm>
             <a:prstGeom prst="rect">
               <a:avLst/>
@@ -19268,43 +19728,287 @@
             <a:lstStyle/>
             <a:p>
               <a:r>
-                <a:rPr lang="zh-CN" altLang="en-US" dirty="0" smtClean="0">
+                <a:rPr lang="zh-CN" altLang="en-US" sz="1600" dirty="0" smtClean="0">
                   <a:latin typeface="黑体" panose="02010609060101010101" pitchFamily="49" charset="-122"/>
                   <a:ea typeface="黑体" panose="02010609060101010101" pitchFamily="49" charset="-122"/>
                 </a:rPr>
-                <a:t>轨迹段间距离：</a:t>
+                <a:t>轨迹段间距离计算</a:t>
               </a:r>
-              <a:endParaRPr lang="zh-CN" altLang="en-US" dirty="0">
+              <a:endParaRPr lang="zh-CN" altLang="en-US" sz="1600" dirty="0">
                 <a:latin typeface="黑体" panose="02010609060101010101" pitchFamily="49" charset="-122"/>
                 <a:ea typeface="黑体" panose="02010609060101010101" pitchFamily="49" charset="-122"/>
               </a:endParaRPr>
             </a:p>
           </p:txBody>
         </p:sp>
+        <mc:AlternateContent xmlns:mc="http://schemas.openxmlformats.org/markup-compatibility/2006" xmlns:a14="http://schemas.microsoft.com/office/drawing/2010/main">
+          <mc:Choice Requires="a14">
+            <p:sp>
+              <p:nvSpPr>
+                <p:cNvPr id="27" name="矩形 26"/>
+                <p:cNvSpPr/>
+                <p:nvPr/>
+              </p:nvSpPr>
+              <p:spPr>
+                <a:xfrm>
+                  <a:off x="315197" y="2018707"/>
+                  <a:ext cx="1485512" cy="696655"/>
+                </a:xfrm>
+                <a:prstGeom prst="rect">
+                  <a:avLst/>
+                </a:prstGeom>
+                <a:solidFill>
+                  <a:schemeClr val="tx2">
+                    <a:lumMod val="20000"/>
+                    <a:lumOff val="80000"/>
+                    <a:alpha val="70000"/>
+                  </a:schemeClr>
+                </a:solidFill>
+                <a:ln>
+                  <a:solidFill>
+                    <a:schemeClr val="tx1"/>
+                  </a:solidFill>
+                </a:ln>
+              </p:spPr>
+              <p:style>
+                <a:lnRef idx="2">
+                  <a:schemeClr val="accent1">
+                    <a:shade val="50000"/>
+                  </a:schemeClr>
+                </a:lnRef>
+                <a:fillRef idx="1">
+                  <a:schemeClr val="accent1"/>
+                </a:fillRef>
+                <a:effectRef idx="0">
+                  <a:schemeClr val="accent1"/>
+                </a:effectRef>
+                <a:fontRef idx="minor">
+                  <a:schemeClr val="lt1"/>
+                </a:fontRef>
+              </p:style>
+              <p:txBody>
+                <a:bodyPr anchor="ctr"/>
+                <a:lstStyle/>
+                <a:p>
+                  <a:pPr algn="ctr">
+                    <a:defRPr/>
+                  </a:pPr>
+                  <a:r>
+                    <a:rPr lang="zh-CN" altLang="en-US" sz="1600" dirty="0" smtClean="0">
+                      <a:solidFill>
+                        <a:schemeClr val="tx1"/>
+                      </a:solidFill>
+                      <a:ea typeface="黑体" panose="02010609060101010101" pitchFamily="49" charset="-122"/>
+                      <a:cs typeface="Times New Roman" panose="02020603050405020304" pitchFamily="18" charset="0"/>
+                    </a:rPr>
+                    <a:t>轨迹段</a:t>
+                  </a:r>
+                  <a14:m>
+                    <m:oMath xmlns:m="http://schemas.openxmlformats.org/officeDocument/2006/math">
+                      <m:sSub>
+                        <m:sSubPr>
+                          <m:ctrlPr>
+                            <a:rPr lang="zh-CN" altLang="zh-CN" sz="1600" i="1" smtClean="0">
+                              <a:solidFill>
+                                <a:schemeClr val="tx1"/>
+                              </a:solidFill>
+                              <a:latin typeface="Cambria Math" panose="02040503050406030204" pitchFamily="18" charset="0"/>
+                              <a:ea typeface="黑体" panose="02010609060101010101" pitchFamily="49" charset="-122"/>
+                              <a:cs typeface="Times New Roman" panose="02020603050405020304" pitchFamily="18" charset="0"/>
+                            </a:rPr>
+                          </m:ctrlPr>
+                        </m:sSubPr>
+                        <m:e>
+                          <m:r>
+                            <a:rPr lang="en-US" altLang="zh-CN" sz="1600">
+                              <a:solidFill>
+                                <a:schemeClr val="tx1"/>
+                              </a:solidFill>
+                              <a:latin typeface="Cambria Math" panose="02040503050406030204" pitchFamily="18" charset="0"/>
+                              <a:ea typeface="黑体" panose="02010609060101010101" pitchFamily="49" charset="-122"/>
+                              <a:cs typeface="Times New Roman" panose="02020603050405020304" pitchFamily="18" charset="0"/>
+                            </a:rPr>
+                            <m:t>𝑟</m:t>
+                          </m:r>
+                        </m:e>
+                        <m:sub>
+                          <m:r>
+                            <a:rPr lang="en-US" altLang="zh-CN" sz="1600">
+                              <a:solidFill>
+                                <a:schemeClr val="tx1"/>
+                              </a:solidFill>
+                              <a:latin typeface="Cambria Math" panose="02040503050406030204" pitchFamily="18" charset="0"/>
+                              <a:ea typeface="黑体" panose="02010609060101010101" pitchFamily="49" charset="-122"/>
+                              <a:cs typeface="Times New Roman" panose="02020603050405020304" pitchFamily="18" charset="0"/>
+                            </a:rPr>
+                            <m:t>𝑖</m:t>
+                          </m:r>
+                        </m:sub>
+                      </m:sSub>
+                      <m:sSub>
+                        <m:sSubPr>
+                          <m:ctrlPr>
+                            <a:rPr lang="zh-CN" altLang="zh-CN" sz="1600" i="1">
+                              <a:solidFill>
+                                <a:schemeClr val="tx1"/>
+                              </a:solidFill>
+                              <a:latin typeface="Cambria Math" panose="02040503050406030204" pitchFamily="18" charset="0"/>
+                              <a:ea typeface="黑体" panose="02010609060101010101" pitchFamily="49" charset="-122"/>
+                              <a:cs typeface="Times New Roman" panose="02020603050405020304" pitchFamily="18" charset="0"/>
+                            </a:rPr>
+                          </m:ctrlPr>
+                        </m:sSubPr>
+                        <m:e>
+                          <m:r>
+                            <a:rPr lang="en-US" altLang="zh-CN" sz="1600">
+                              <a:solidFill>
+                                <a:schemeClr val="tx1"/>
+                              </a:solidFill>
+                              <a:latin typeface="Cambria Math" panose="02040503050406030204" pitchFamily="18" charset="0"/>
+                              <a:ea typeface="黑体" panose="02010609060101010101" pitchFamily="49" charset="-122"/>
+                              <a:cs typeface="Times New Roman" panose="02020603050405020304" pitchFamily="18" charset="0"/>
+                            </a:rPr>
+                            <m:t>𝑟</m:t>
+                          </m:r>
+                        </m:e>
+                        <m:sub>
+                          <m:r>
+                            <a:rPr lang="en-US" altLang="zh-CN" sz="1600">
+                              <a:solidFill>
+                                <a:schemeClr val="tx1"/>
+                              </a:solidFill>
+                              <a:latin typeface="Cambria Math" panose="02040503050406030204" pitchFamily="18" charset="0"/>
+                              <a:ea typeface="黑体" panose="02010609060101010101" pitchFamily="49" charset="-122"/>
+                              <a:cs typeface="Times New Roman" panose="02020603050405020304" pitchFamily="18" charset="0"/>
+                            </a:rPr>
+                            <m:t>𝑖</m:t>
+                          </m:r>
+                          <m:r>
+                            <a:rPr lang="en-US" altLang="zh-CN" sz="1600">
+                              <a:solidFill>
+                                <a:schemeClr val="tx1"/>
+                              </a:solidFill>
+                              <a:latin typeface="Cambria Math" panose="02040503050406030204" pitchFamily="18" charset="0"/>
+                              <a:ea typeface="黑体" panose="02010609060101010101" pitchFamily="49" charset="-122"/>
+                              <a:cs typeface="Times New Roman" panose="02020603050405020304" pitchFamily="18" charset="0"/>
+                            </a:rPr>
+                            <m:t>+1</m:t>
+                          </m:r>
+                        </m:sub>
+                      </m:sSub>
+                    </m:oMath>
+                  </a14:m>
+                  <a:r>
+                    <a:rPr lang="zh-CN" altLang="en-US" sz="1600" dirty="0" smtClean="0">
+                      <a:solidFill>
+                        <a:schemeClr val="tx1"/>
+                      </a:solidFill>
+                      <a:latin typeface="黑体" panose="02010609060101010101" pitchFamily="49" charset="-122"/>
+                      <a:ea typeface="黑体" panose="02010609060101010101" pitchFamily="49" charset="-122"/>
+                      <a:cs typeface="Times New Roman" panose="02020603050405020304" pitchFamily="18" charset="0"/>
+                    </a:rPr>
+                    <a:t>及其对应轨迹段</a:t>
+                  </a:r>
+                  <a:endParaRPr lang="zh-CN" altLang="en-US" sz="1600" dirty="0">
+                    <a:solidFill>
+                      <a:schemeClr val="tx1"/>
+                    </a:solidFill>
+                    <a:latin typeface="黑体" panose="02010609060101010101" pitchFamily="49" charset="-122"/>
+                    <a:ea typeface="黑体" panose="02010609060101010101" pitchFamily="49" charset="-122"/>
+                    <a:cs typeface="Times New Roman" panose="02020603050405020304" pitchFamily="18" charset="0"/>
+                  </a:endParaRPr>
+                </a:p>
+              </p:txBody>
+            </p:sp>
+          </mc:Choice>
+          <mc:Fallback xmlns="">
+            <p:sp>
+              <p:nvSpPr>
+                <p:cNvPr id="27" name="矩形 26"/>
+                <p:cNvSpPr>
+                  <a:spLocks noRot="1" noChangeAspect="1" noMove="1" noResize="1" noEditPoints="1" noAdjustHandles="1" noChangeArrowheads="1" noChangeShapeType="1" noTextEdit="1"/>
+                </p:cNvSpPr>
+                <p:nvPr/>
+              </p:nvSpPr>
+              <p:spPr>
+                <a:xfrm>
+                  <a:off x="315197" y="2018707"/>
+                  <a:ext cx="1485512" cy="696655"/>
+                </a:xfrm>
+                <a:prstGeom prst="rect">
+                  <a:avLst/>
+                </a:prstGeom>
+                <a:blipFill>
+                  <a:blip r:embed="rId6"/>
+                  <a:stretch>
+                    <a:fillRect l="-813" r="-813" b="-2586"/>
+                  </a:stretch>
+                </a:blipFill>
+                <a:ln>
+                  <a:solidFill>
+                    <a:schemeClr val="tx1"/>
+                  </a:solidFill>
+                </a:ln>
+              </p:spPr>
+              <p:txBody>
+                <a:bodyPr/>
+                <a:lstStyle/>
+                <a:p>
+                  <a:r>
+                    <a:rPr lang="zh-CN" altLang="en-US">
+                      <a:noFill/>
+                    </a:rPr>
+                    <a:t> </a:t>
+                  </a:r>
+                </a:p>
+              </p:txBody>
+            </p:sp>
+          </mc:Fallback>
+        </mc:AlternateContent>
         <p:sp>
           <p:nvSpPr>
-            <p:cNvPr id="19" name="文本框 18"/>
-            <p:cNvSpPr txBox="1"/>
+            <p:cNvPr id="28" name="矩形 27"/>
+            <p:cNvSpPr/>
             <p:nvPr/>
           </p:nvSpPr>
-          <p:spPr bwMode="auto">
+          <p:spPr>
             <a:xfrm>
-              <a:off x="288446" y="3765090"/>
-              <a:ext cx="413896" cy="646545"/>
+              <a:off x="2414830" y="1639239"/>
+              <a:ext cx="1207892" cy="465138"/>
             </a:xfrm>
             <a:prstGeom prst="rect">
               <a:avLst/>
             </a:prstGeom>
-            <a:noFill/>
-            <a:effectLst/>
+            <a:solidFill>
+              <a:srgbClr val="EECFBA"/>
+            </a:solidFill>
+            <a:ln>
+              <a:solidFill>
+                <a:schemeClr val="tx1"/>
+              </a:solidFill>
+            </a:ln>
           </p:spPr>
+          <p:style>
+            <a:lnRef idx="2">
+              <a:schemeClr val="accent1">
+                <a:shade val="50000"/>
+              </a:schemeClr>
+            </a:lnRef>
+            <a:fillRef idx="1">
+              <a:schemeClr val="accent1"/>
+            </a:fillRef>
+            <a:effectRef idx="0">
+              <a:schemeClr val="accent1"/>
+            </a:effectRef>
+            <a:fontRef idx="minor">
+              <a:schemeClr val="lt1"/>
+            </a:fontRef>
+          </p:style>
           <p:txBody>
-            <a:bodyPr wrap="none">
-              <a:spAutoFit/>
-            </a:bodyPr>
+            <a:bodyPr anchor="ctr"/>
             <a:lstStyle/>
             <a:p>
-              <a:pPr eaLnBrk="1" fontAlgn="auto" hangingPunct="1">
+              <a:pPr algn="ctr" eaLnBrk="1" fontAlgn="auto" hangingPunct="1">
                 <a:spcBef>
                   <a:spcPts val="0"/>
                 </a:spcBef>
@@ -19314,128 +20018,71 @@
                 <a:defRPr/>
               </a:pPr>
               <a:r>
-                <a:rPr lang="en-US" altLang="zh-CN" sz="3600" b="1" dirty="0">
-                  <a:ln w="9525">
-                    <a:solidFill>
-                      <a:schemeClr val="bg1"/>
-                    </a:solidFill>
-                    <a:prstDash val="solid"/>
-                  </a:ln>
+                <a:rPr lang="zh-CN" altLang="en-US" sz="1600" dirty="0" smtClean="0">
                   <a:solidFill>
-                    <a:schemeClr val="accent5"/>
+                    <a:schemeClr val="tx1"/>
                   </a:solidFill>
-                  <a:effectLst>
-                    <a:outerShdw blurRad="12700" dist="38100" dir="2700000" algn="tl" rotWithShape="0">
-                      <a:schemeClr val="accent5">
-                        <a:lumMod val="60000"/>
-                        <a:lumOff val="40000"/>
-                      </a:schemeClr>
-                    </a:outerShdw>
-                  </a:effectLst>
-                  <a:latin typeface="+mn-lt"/>
-                  <a:ea typeface="+mn-ea"/>
+                  <a:latin typeface="Times New Roman" panose="02020603050405020304" pitchFamily="18" charset="0"/>
+                  <a:ea typeface="黑体" panose="02010609060101010101" pitchFamily="49" charset="-122"/>
+                  <a:cs typeface="Times New Roman" panose="02020603050405020304" pitchFamily="18" charset="0"/>
                 </a:rPr>
-                <a:t>&gt;</a:t>
+                <a:t>划分断点</a:t>
               </a:r>
-              <a:endParaRPr lang="zh-CN" altLang="en-US" sz="3600" b="1" dirty="0">
-                <a:ln w="9525">
-                  <a:solidFill>
-                    <a:schemeClr val="bg1"/>
-                  </a:solidFill>
-                  <a:prstDash val="solid"/>
-                </a:ln>
-                <a:solidFill>
-                  <a:schemeClr val="accent5"/>
-                </a:solidFill>
-                <a:effectLst>
-                  <a:outerShdw blurRad="12700" dist="38100" dir="2700000" algn="tl" rotWithShape="0">
-                    <a:schemeClr val="accent5">
-                      <a:lumMod val="60000"/>
-                      <a:lumOff val="40000"/>
-                    </a:schemeClr>
-                  </a:outerShdw>
-                </a:effectLst>
-                <a:latin typeface="+mn-lt"/>
-                <a:ea typeface="+mn-ea"/>
-              </a:endParaRPr>
-            </a:p>
-          </p:txBody>
-        </p:sp>
-      </p:grpSp>
-      <p:grpSp>
-        <p:nvGrpSpPr>
-          <p:cNvPr id="21" name="组合 20"/>
-          <p:cNvGrpSpPr/>
-          <p:nvPr/>
-        </p:nvGrpSpPr>
-        <p:grpSpPr>
-          <a:xfrm>
-            <a:off x="288446" y="1026542"/>
-            <a:ext cx="3756524" cy="646545"/>
-            <a:chOff x="288446" y="1026542"/>
-            <a:chExt cx="3756524" cy="646545"/>
-          </a:xfrm>
-        </p:grpSpPr>
-        <p:sp>
-          <p:nvSpPr>
-            <p:cNvPr id="11" name="文本框 10"/>
-            <p:cNvSpPr txBox="1"/>
-            <p:nvPr/>
-          </p:nvSpPr>
-          <p:spPr>
-            <a:xfrm>
-              <a:off x="628650" y="1210906"/>
-              <a:ext cx="3416320" cy="369332"/>
-            </a:xfrm>
-            <a:prstGeom prst="rect">
-              <a:avLst/>
-            </a:prstGeom>
-            <a:noFill/>
-          </p:spPr>
-          <p:txBody>
-            <a:bodyPr wrap="none" rtlCol="0">
-              <a:spAutoFit/>
-            </a:bodyPr>
-            <a:lstStyle/>
-            <a:p>
-              <a:r>
-                <a:rPr lang="zh-CN" altLang="en-US" dirty="0" smtClean="0">
-                  <a:latin typeface="黑体" panose="02010609060101010101" pitchFamily="49" charset="-122"/>
-                  <a:ea typeface="黑体" panose="02010609060101010101" pitchFamily="49" charset="-122"/>
-                </a:rPr>
-                <a:t>基于余弦距离的形状影响因子：</a:t>
-              </a:r>
-              <a:endParaRPr lang="zh-CN" altLang="en-US" dirty="0">
-                <a:latin typeface="黑体" panose="02010609060101010101" pitchFamily="49" charset="-122"/>
+              <a:endParaRPr lang="zh-CN" altLang="en-US" sz="1600" dirty="0">
+                <a:solidFill>
+                  <a:schemeClr val="tx1"/>
+                </a:solidFill>
+                <a:latin typeface="Times New Roman" panose="02020603050405020304" pitchFamily="18" charset="0"/>
                 <a:ea typeface="黑体" panose="02010609060101010101" pitchFamily="49" charset="-122"/>
+                <a:cs typeface="Times New Roman" panose="02020603050405020304" pitchFamily="18" charset="0"/>
               </a:endParaRPr>
             </a:p>
           </p:txBody>
         </p:sp>
         <p:sp>
           <p:nvSpPr>
-            <p:cNvPr id="20" name="文本框 19"/>
-            <p:cNvSpPr txBox="1"/>
+            <p:cNvPr id="29" name="矩形 28"/>
+            <p:cNvSpPr/>
             <p:nvPr/>
           </p:nvSpPr>
-          <p:spPr bwMode="auto">
+          <p:spPr>
             <a:xfrm>
-              <a:off x="288446" y="1026542"/>
-              <a:ext cx="413896" cy="646545"/>
+              <a:off x="2414831" y="2539323"/>
+              <a:ext cx="1207892" cy="465137"/>
             </a:xfrm>
             <a:prstGeom prst="rect">
               <a:avLst/>
             </a:prstGeom>
-            <a:noFill/>
-            <a:effectLst/>
+            <a:solidFill>
+              <a:srgbClr val="EECFBA"/>
+            </a:solidFill>
+            <a:ln>
+              <a:solidFill>
+                <a:schemeClr val="tx1"/>
+              </a:solidFill>
+            </a:ln>
           </p:spPr>
+          <p:style>
+            <a:lnRef idx="2">
+              <a:schemeClr val="accent1">
+                <a:shade val="50000"/>
+              </a:schemeClr>
+            </a:lnRef>
+            <a:fillRef idx="1">
+              <a:schemeClr val="accent1"/>
+            </a:fillRef>
+            <a:effectRef idx="0">
+              <a:schemeClr val="accent1"/>
+            </a:effectRef>
+            <a:fontRef idx="minor">
+              <a:schemeClr val="lt1"/>
+            </a:fontRef>
+          </p:style>
           <p:txBody>
-            <a:bodyPr wrap="square">
-              <a:spAutoFit/>
-            </a:bodyPr>
+            <a:bodyPr anchor="ctr"/>
             <a:lstStyle/>
             <a:p>
-              <a:pPr eaLnBrk="1" fontAlgn="auto" hangingPunct="1">
+              <a:pPr algn="ctr" eaLnBrk="1" fontAlgn="auto" hangingPunct="1">
                 <a:spcBef>
                   <a:spcPts val="0"/>
                 </a:spcBef>
@@ -19445,53 +20092,580 @@
                 <a:defRPr/>
               </a:pPr>
               <a:r>
-                <a:rPr lang="en-US" altLang="zh-CN" sz="3600" b="1" dirty="0">
-                  <a:ln w="9525">
-                    <a:solidFill>
-                      <a:schemeClr val="bg1"/>
-                    </a:solidFill>
-                    <a:prstDash val="solid"/>
-                  </a:ln>
+                <a:rPr lang="zh-CN" altLang="en-US" sz="1600" dirty="0" smtClean="0">
                   <a:solidFill>
-                    <a:schemeClr val="accent5"/>
+                    <a:schemeClr val="tx1"/>
                   </a:solidFill>
-                  <a:effectLst>
-                    <a:outerShdw blurRad="12700" dist="38100" dir="2700000" algn="tl" rotWithShape="0">
-                      <a:schemeClr val="accent5">
-                        <a:lumMod val="60000"/>
-                        <a:lumOff val="40000"/>
-                      </a:schemeClr>
-                    </a:outerShdw>
-                  </a:effectLst>
-                  <a:latin typeface="+mn-lt"/>
-                  <a:ea typeface="+mn-ea"/>
+                  <a:latin typeface="Times New Roman" panose="02020603050405020304" pitchFamily="18" charset="0"/>
+                  <a:ea typeface="黑体" panose="02010609060101010101" pitchFamily="49" charset="-122"/>
+                  <a:cs typeface="Times New Roman" panose="02020603050405020304" pitchFamily="18" charset="0"/>
                 </a:rPr>
-                <a:t>&gt;</a:t>
+                <a:t>余弦距离</a:t>
               </a:r>
-              <a:endParaRPr lang="zh-CN" altLang="en-US" sz="3600" b="1" dirty="0">
-                <a:ln w="9525">
-                  <a:solidFill>
-                    <a:schemeClr val="bg1"/>
-                  </a:solidFill>
-                  <a:prstDash val="solid"/>
-                </a:ln>
-                <a:solidFill>
-                  <a:schemeClr val="accent5"/>
-                </a:solidFill>
-                <a:effectLst>
-                  <a:outerShdw blurRad="12700" dist="38100" dir="2700000" algn="tl" rotWithShape="0">
-                    <a:schemeClr val="accent5">
-                      <a:lumMod val="60000"/>
-                      <a:lumOff val="40000"/>
-                    </a:schemeClr>
-                  </a:outerShdw>
-                </a:effectLst>
-                <a:latin typeface="+mn-lt"/>
-                <a:ea typeface="+mn-ea"/>
+              <a:endParaRPr lang="zh-CN" altLang="en-US" sz="1600" dirty="0">
+                <a:solidFill>
+                  <a:schemeClr val="tx1"/>
+                </a:solidFill>
+                <a:latin typeface="Times New Roman" panose="02020603050405020304" pitchFamily="18" charset="0"/>
+                <a:ea typeface="黑体" panose="02010609060101010101" pitchFamily="49" charset="-122"/>
+                <a:cs typeface="Times New Roman" panose="02020603050405020304" pitchFamily="18" charset="0"/>
               </a:endParaRPr>
             </a:p>
           </p:txBody>
         </p:sp>
+        <p:sp>
+          <p:nvSpPr>
+            <p:cNvPr id="30" name="矩形 29"/>
+            <p:cNvSpPr/>
+            <p:nvPr/>
+          </p:nvSpPr>
+          <p:spPr>
+            <a:xfrm>
+              <a:off x="6351253" y="2027352"/>
+              <a:ext cx="1307135" cy="563293"/>
+            </a:xfrm>
+            <a:prstGeom prst="rect">
+              <a:avLst/>
+            </a:prstGeom>
+            <a:solidFill>
+              <a:schemeClr val="tx2">
+                <a:lumMod val="20000"/>
+                <a:lumOff val="80000"/>
+                <a:alpha val="70000"/>
+              </a:schemeClr>
+            </a:solidFill>
+            <a:ln>
+              <a:solidFill>
+                <a:schemeClr val="tx1"/>
+              </a:solidFill>
+            </a:ln>
+          </p:spPr>
+          <p:style>
+            <a:lnRef idx="2">
+              <a:schemeClr val="accent1">
+                <a:shade val="50000"/>
+              </a:schemeClr>
+            </a:lnRef>
+            <a:fillRef idx="1">
+              <a:schemeClr val="accent1"/>
+            </a:fillRef>
+            <a:effectRef idx="0">
+              <a:schemeClr val="accent1"/>
+            </a:effectRef>
+            <a:fontRef idx="minor">
+              <a:schemeClr val="lt1"/>
+            </a:fontRef>
+          </p:style>
+          <p:txBody>
+            <a:bodyPr anchor="ctr"/>
+            <a:lstStyle/>
+            <a:p>
+              <a:pPr algn="ctr" eaLnBrk="1" fontAlgn="auto" hangingPunct="1">
+                <a:spcBef>
+                  <a:spcPts val="0"/>
+                </a:spcBef>
+                <a:spcAft>
+                  <a:spcPts val="0"/>
+                </a:spcAft>
+                <a:defRPr/>
+              </a:pPr>
+              <a:r>
+                <a:rPr lang="zh-CN" altLang="en-US" sz="1600" dirty="0" smtClean="0">
+                  <a:solidFill>
+                    <a:schemeClr val="tx1"/>
+                  </a:solidFill>
+                  <a:latin typeface="黑体" panose="02010609060101010101" pitchFamily="49" charset="-122"/>
+                  <a:ea typeface="黑体" panose="02010609060101010101" pitchFamily="49" charset="-122"/>
+                  <a:cs typeface="Times New Roman" panose="02020603050405020304" pitchFamily="18" charset="0"/>
+                </a:rPr>
+                <a:t>轨迹段间</a:t>
+              </a:r>
+              <a:endParaRPr lang="en-US" altLang="zh-CN" sz="1600" dirty="0" smtClean="0">
+                <a:solidFill>
+                  <a:schemeClr val="tx1"/>
+                </a:solidFill>
+                <a:latin typeface="黑体" panose="02010609060101010101" pitchFamily="49" charset="-122"/>
+                <a:ea typeface="黑体" panose="02010609060101010101" pitchFamily="49" charset="-122"/>
+                <a:cs typeface="Times New Roman" panose="02020603050405020304" pitchFamily="18" charset="0"/>
+              </a:endParaRPr>
+            </a:p>
+            <a:p>
+              <a:pPr algn="ctr" eaLnBrk="1" fontAlgn="auto" hangingPunct="1">
+                <a:spcBef>
+                  <a:spcPts val="0"/>
+                </a:spcBef>
+                <a:spcAft>
+                  <a:spcPts val="0"/>
+                </a:spcAft>
+                <a:defRPr/>
+              </a:pPr>
+              <a:r>
+                <a:rPr lang="zh-CN" altLang="en-US" sz="1600" dirty="0" smtClean="0">
+                  <a:solidFill>
+                    <a:schemeClr val="tx1"/>
+                  </a:solidFill>
+                  <a:latin typeface="黑体" panose="02010609060101010101" pitchFamily="49" charset="-122"/>
+                  <a:ea typeface="黑体" panose="02010609060101010101" pitchFamily="49" charset="-122"/>
+                  <a:cs typeface="Times New Roman" panose="02020603050405020304" pitchFamily="18" charset="0"/>
+                </a:rPr>
+                <a:t>距离</a:t>
+              </a:r>
+              <a:endParaRPr lang="zh-CN" altLang="en-US" sz="1600" dirty="0">
+                <a:solidFill>
+                  <a:schemeClr val="tx1"/>
+                </a:solidFill>
+                <a:latin typeface="黑体" panose="02010609060101010101" pitchFamily="49" charset="-122"/>
+                <a:ea typeface="黑体" panose="02010609060101010101" pitchFamily="49" charset="-122"/>
+                <a:cs typeface="Times New Roman" panose="02020603050405020304" pitchFamily="18" charset="0"/>
+              </a:endParaRPr>
+            </a:p>
+          </p:txBody>
+        </p:sp>
+        <p:cxnSp>
+          <p:nvCxnSpPr>
+            <p:cNvPr id="32" name="肘形连接符 31"/>
+            <p:cNvCxnSpPr>
+              <a:stCxn id="27" idx="3"/>
+              <a:endCxn id="29" idx="1"/>
+            </p:cNvCxnSpPr>
+            <p:nvPr/>
+          </p:nvCxnSpPr>
+          <p:spPr>
+            <a:xfrm>
+              <a:off x="1800709" y="2367035"/>
+              <a:ext cx="614122" cy="404857"/>
+            </a:xfrm>
+            <a:prstGeom prst="bentConnector3">
+              <a:avLst>
+                <a:gd name="adj1" fmla="val 50000"/>
+              </a:avLst>
+            </a:prstGeom>
+            <a:ln>
+              <a:solidFill>
+                <a:schemeClr val="tx1"/>
+              </a:solidFill>
+              <a:tailEnd type="triangle"/>
+            </a:ln>
+          </p:spPr>
+          <p:style>
+            <a:lnRef idx="1">
+              <a:schemeClr val="accent1"/>
+            </a:lnRef>
+            <a:fillRef idx="0">
+              <a:schemeClr val="accent1"/>
+            </a:fillRef>
+            <a:effectRef idx="0">
+              <a:schemeClr val="accent1"/>
+            </a:effectRef>
+            <a:fontRef idx="minor">
+              <a:schemeClr val="tx1"/>
+            </a:fontRef>
+          </p:style>
+        </p:cxnSp>
+        <p:cxnSp>
+          <p:nvCxnSpPr>
+            <p:cNvPr id="33" name="肘形连接符 32"/>
+            <p:cNvCxnSpPr>
+              <a:stCxn id="38" idx="3"/>
+              <a:endCxn id="30" idx="1"/>
+            </p:cNvCxnSpPr>
+            <p:nvPr/>
+          </p:nvCxnSpPr>
+          <p:spPr>
+            <a:xfrm>
+              <a:off x="5781438" y="1867579"/>
+              <a:ext cx="569815" cy="441420"/>
+            </a:xfrm>
+            <a:prstGeom prst="bentConnector3">
+              <a:avLst>
+                <a:gd name="adj1" fmla="val 50000"/>
+              </a:avLst>
+            </a:prstGeom>
+            <a:ln>
+              <a:solidFill>
+                <a:schemeClr val="tx1"/>
+              </a:solidFill>
+              <a:tailEnd type="triangle"/>
+            </a:ln>
+          </p:spPr>
+          <p:style>
+            <a:lnRef idx="1">
+              <a:schemeClr val="accent1"/>
+            </a:lnRef>
+            <a:fillRef idx="0">
+              <a:schemeClr val="accent1"/>
+            </a:fillRef>
+            <a:effectRef idx="0">
+              <a:schemeClr val="accent1"/>
+            </a:effectRef>
+            <a:fontRef idx="minor">
+              <a:schemeClr val="tx1"/>
+            </a:fontRef>
+          </p:style>
+        </p:cxnSp>
+        <p:cxnSp>
+          <p:nvCxnSpPr>
+            <p:cNvPr id="34" name="肘形连接符 33"/>
+            <p:cNvCxnSpPr>
+              <a:stCxn id="39" idx="3"/>
+              <a:endCxn id="30" idx="1"/>
+            </p:cNvCxnSpPr>
+            <p:nvPr/>
+          </p:nvCxnSpPr>
+          <p:spPr>
+            <a:xfrm flipV="1">
+              <a:off x="5781438" y="2308999"/>
+              <a:ext cx="569815" cy="447430"/>
+            </a:xfrm>
+            <a:prstGeom prst="bentConnector3">
+              <a:avLst>
+                <a:gd name="adj1" fmla="val 50000"/>
+              </a:avLst>
+            </a:prstGeom>
+            <a:ln>
+              <a:solidFill>
+                <a:schemeClr val="tx1"/>
+              </a:solidFill>
+              <a:tailEnd type="triangle"/>
+            </a:ln>
+          </p:spPr>
+          <p:style>
+            <a:lnRef idx="1">
+              <a:schemeClr val="accent1"/>
+            </a:lnRef>
+            <a:fillRef idx="0">
+              <a:schemeClr val="accent1"/>
+            </a:fillRef>
+            <a:effectRef idx="0">
+              <a:schemeClr val="accent1"/>
+            </a:effectRef>
+            <a:fontRef idx="minor">
+              <a:schemeClr val="tx1"/>
+            </a:fontRef>
+          </p:style>
+        </p:cxnSp>
+        <p:sp>
+          <p:nvSpPr>
+            <p:cNvPr id="36" name="矩形 35"/>
+            <p:cNvSpPr/>
+            <p:nvPr/>
+          </p:nvSpPr>
+          <p:spPr>
+            <a:xfrm>
+              <a:off x="2018581" y="1206384"/>
+              <a:ext cx="4114800" cy="1946375"/>
+            </a:xfrm>
+            <a:prstGeom prst="rect">
+              <a:avLst/>
+            </a:prstGeom>
+            <a:noFill/>
+            <a:ln w="19050">
+              <a:solidFill>
+                <a:srgbClr val="3366FF"/>
+              </a:solidFill>
+              <a:prstDash val="dash"/>
+            </a:ln>
+          </p:spPr>
+          <p:style>
+            <a:lnRef idx="2">
+              <a:schemeClr val="accent1">
+                <a:shade val="50000"/>
+              </a:schemeClr>
+            </a:lnRef>
+            <a:fillRef idx="1">
+              <a:schemeClr val="accent1"/>
+            </a:fillRef>
+            <a:effectRef idx="0">
+              <a:schemeClr val="accent1"/>
+            </a:effectRef>
+            <a:fontRef idx="minor">
+              <a:schemeClr val="lt1"/>
+            </a:fontRef>
+          </p:style>
+          <p:txBody>
+            <a:bodyPr anchor="ctr"/>
+            <a:lstStyle/>
+            <a:p>
+              <a:pPr algn="ctr" eaLnBrk="1" fontAlgn="auto" hangingPunct="1">
+                <a:spcBef>
+                  <a:spcPts val="0"/>
+                </a:spcBef>
+                <a:spcAft>
+                  <a:spcPts val="0"/>
+                </a:spcAft>
+                <a:defRPr/>
+              </a:pPr>
+              <a:endParaRPr lang="zh-CN" altLang="en-US"/>
+            </a:p>
+          </p:txBody>
+        </p:sp>
+        <p:sp>
+          <p:nvSpPr>
+            <p:cNvPr id="38" name="矩形 37"/>
+            <p:cNvSpPr/>
+            <p:nvPr/>
+          </p:nvSpPr>
+          <p:spPr>
+            <a:xfrm>
+              <a:off x="3939837" y="1635010"/>
+              <a:ext cx="1841601" cy="465138"/>
+            </a:xfrm>
+            <a:prstGeom prst="rect">
+              <a:avLst/>
+            </a:prstGeom>
+            <a:solidFill>
+              <a:srgbClr val="EECFBA"/>
+            </a:solidFill>
+            <a:ln>
+              <a:solidFill>
+                <a:schemeClr val="tx1"/>
+              </a:solidFill>
+            </a:ln>
+          </p:spPr>
+          <p:style>
+            <a:lnRef idx="2">
+              <a:schemeClr val="accent1">
+                <a:shade val="50000"/>
+              </a:schemeClr>
+            </a:lnRef>
+            <a:fillRef idx="1">
+              <a:schemeClr val="accent1"/>
+            </a:fillRef>
+            <a:effectRef idx="0">
+              <a:schemeClr val="accent1"/>
+            </a:effectRef>
+            <a:fontRef idx="minor">
+              <a:schemeClr val="lt1"/>
+            </a:fontRef>
+          </p:style>
+          <p:txBody>
+            <a:bodyPr anchor="ctr"/>
+            <a:lstStyle/>
+            <a:p>
+              <a:pPr algn="ctr" eaLnBrk="1" fontAlgn="auto" hangingPunct="1">
+                <a:spcBef>
+                  <a:spcPts val="0"/>
+                </a:spcBef>
+                <a:spcAft>
+                  <a:spcPts val="0"/>
+                </a:spcAft>
+                <a:defRPr/>
+              </a:pPr>
+              <a:r>
+                <a:rPr lang="zh-CN" altLang="en-US" sz="1600" dirty="0" smtClean="0">
+                  <a:solidFill>
+                    <a:schemeClr val="tx1"/>
+                  </a:solidFill>
+                  <a:latin typeface="Times New Roman" panose="02020603050405020304" pitchFamily="18" charset="0"/>
+                  <a:ea typeface="黑体" panose="02010609060101010101" pitchFamily="49" charset="-122"/>
+                  <a:cs typeface="Times New Roman" panose="02020603050405020304" pitchFamily="18" charset="0"/>
+                </a:rPr>
+                <a:t>计算时空距离</a:t>
+              </a:r>
+              <a:endParaRPr lang="zh-CN" altLang="en-US" sz="1600" dirty="0">
+                <a:solidFill>
+                  <a:schemeClr val="tx1"/>
+                </a:solidFill>
+                <a:latin typeface="Times New Roman" panose="02020603050405020304" pitchFamily="18" charset="0"/>
+                <a:ea typeface="黑体" panose="02010609060101010101" pitchFamily="49" charset="-122"/>
+                <a:cs typeface="Times New Roman" panose="02020603050405020304" pitchFamily="18" charset="0"/>
+              </a:endParaRPr>
+            </a:p>
+          </p:txBody>
+        </p:sp>
+        <p:sp>
+          <p:nvSpPr>
+            <p:cNvPr id="39" name="矩形 38"/>
+            <p:cNvSpPr/>
+            <p:nvPr/>
+          </p:nvSpPr>
+          <p:spPr>
+            <a:xfrm>
+              <a:off x="3939838" y="2523860"/>
+              <a:ext cx="1841600" cy="465138"/>
+            </a:xfrm>
+            <a:prstGeom prst="rect">
+              <a:avLst/>
+            </a:prstGeom>
+            <a:solidFill>
+              <a:srgbClr val="EECFBA"/>
+            </a:solidFill>
+            <a:ln>
+              <a:solidFill>
+                <a:schemeClr val="tx1"/>
+              </a:solidFill>
+            </a:ln>
+          </p:spPr>
+          <p:style>
+            <a:lnRef idx="2">
+              <a:schemeClr val="accent1">
+                <a:shade val="50000"/>
+              </a:schemeClr>
+            </a:lnRef>
+            <a:fillRef idx="1">
+              <a:schemeClr val="accent1"/>
+            </a:fillRef>
+            <a:effectRef idx="0">
+              <a:schemeClr val="accent1"/>
+            </a:effectRef>
+            <a:fontRef idx="minor">
+              <a:schemeClr val="lt1"/>
+            </a:fontRef>
+          </p:style>
+          <p:txBody>
+            <a:bodyPr anchor="ctr"/>
+            <a:lstStyle/>
+            <a:p>
+              <a:pPr algn="ctr" eaLnBrk="1" fontAlgn="auto" hangingPunct="1">
+                <a:spcBef>
+                  <a:spcPts val="0"/>
+                </a:spcBef>
+                <a:spcAft>
+                  <a:spcPts val="0"/>
+                </a:spcAft>
+                <a:defRPr/>
+              </a:pPr>
+              <a:r>
+                <a:rPr lang="zh-CN" altLang="en-US" sz="1600" dirty="0" smtClean="0">
+                  <a:solidFill>
+                    <a:schemeClr val="tx1"/>
+                  </a:solidFill>
+                  <a:latin typeface="Times New Roman" panose="02020603050405020304" pitchFamily="18" charset="0"/>
+                  <a:ea typeface="黑体" panose="02010609060101010101" pitchFamily="49" charset="-122"/>
+                  <a:cs typeface="Times New Roman" panose="02020603050405020304" pitchFamily="18" charset="0"/>
+                </a:rPr>
+                <a:t>计算形状影响因子</a:t>
+              </a:r>
+              <a:endParaRPr lang="zh-CN" altLang="en-US" sz="1600" dirty="0">
+                <a:solidFill>
+                  <a:schemeClr val="tx1"/>
+                </a:solidFill>
+                <a:latin typeface="Times New Roman" panose="02020603050405020304" pitchFamily="18" charset="0"/>
+                <a:ea typeface="黑体" panose="02010609060101010101" pitchFamily="49" charset="-122"/>
+                <a:cs typeface="Times New Roman" panose="02020603050405020304" pitchFamily="18" charset="0"/>
+              </a:endParaRPr>
+            </a:p>
+          </p:txBody>
+        </p:sp>
+        <p:cxnSp>
+          <p:nvCxnSpPr>
+            <p:cNvPr id="40" name="直接箭头连接符 39"/>
+            <p:cNvCxnSpPr>
+              <a:stCxn id="28" idx="3"/>
+              <a:endCxn id="38" idx="1"/>
+            </p:cNvCxnSpPr>
+            <p:nvPr/>
+          </p:nvCxnSpPr>
+          <p:spPr>
+            <a:xfrm flipV="1">
+              <a:off x="3622722" y="1867579"/>
+              <a:ext cx="317115" cy="4229"/>
+            </a:xfrm>
+            <a:prstGeom prst="straightConnector1">
+              <a:avLst/>
+            </a:prstGeom>
+            <a:ln>
+              <a:solidFill>
+                <a:schemeClr val="tx1"/>
+              </a:solidFill>
+              <a:tailEnd type="triangle"/>
+            </a:ln>
+          </p:spPr>
+          <p:style>
+            <a:lnRef idx="1">
+              <a:schemeClr val="accent1"/>
+            </a:lnRef>
+            <a:fillRef idx="0">
+              <a:schemeClr val="accent1"/>
+            </a:fillRef>
+            <a:effectRef idx="0">
+              <a:schemeClr val="accent1"/>
+            </a:effectRef>
+            <a:fontRef idx="minor">
+              <a:schemeClr val="tx1"/>
+            </a:fontRef>
+          </p:style>
+        </p:cxnSp>
+        <p:cxnSp>
+          <p:nvCxnSpPr>
+            <p:cNvPr id="41" name="直接箭头连接符 40"/>
+            <p:cNvCxnSpPr>
+              <a:stCxn id="29" idx="3"/>
+              <a:endCxn id="39" idx="1"/>
+            </p:cNvCxnSpPr>
+            <p:nvPr/>
+          </p:nvCxnSpPr>
+          <p:spPr>
+            <a:xfrm flipV="1">
+              <a:off x="3622723" y="2756429"/>
+              <a:ext cx="317115" cy="15463"/>
+            </a:xfrm>
+            <a:prstGeom prst="straightConnector1">
+              <a:avLst/>
+            </a:prstGeom>
+            <a:ln>
+              <a:solidFill>
+                <a:schemeClr val="tx1"/>
+              </a:solidFill>
+              <a:tailEnd type="triangle"/>
+            </a:ln>
+          </p:spPr>
+          <p:style>
+            <a:lnRef idx="1">
+              <a:schemeClr val="accent1"/>
+            </a:lnRef>
+            <a:fillRef idx="0">
+              <a:schemeClr val="accent1"/>
+            </a:fillRef>
+            <a:effectRef idx="0">
+              <a:schemeClr val="accent1"/>
+            </a:effectRef>
+            <a:fontRef idx="minor">
+              <a:schemeClr val="tx1"/>
+            </a:fontRef>
+          </p:style>
+        </p:cxnSp>
+        <p:cxnSp>
+          <p:nvCxnSpPr>
+            <p:cNvPr id="45" name="直接箭头连接符 44"/>
+            <p:cNvCxnSpPr>
+              <a:stCxn id="27" idx="3"/>
+              <a:endCxn id="28" idx="1"/>
+            </p:cNvCxnSpPr>
+            <p:nvPr/>
+          </p:nvCxnSpPr>
+          <p:spPr>
+            <a:xfrm flipV="1">
+              <a:off x="1800709" y="1871808"/>
+              <a:ext cx="614121" cy="495227"/>
+            </a:xfrm>
+            <a:prstGeom prst="bentConnector3">
+              <a:avLst>
+                <a:gd name="adj1" fmla="val 50000"/>
+              </a:avLst>
+            </a:prstGeom>
+            <a:ln>
+              <a:solidFill>
+                <a:schemeClr val="tx1"/>
+              </a:solidFill>
+              <a:tailEnd type="triangle"/>
+            </a:ln>
+          </p:spPr>
+          <p:style>
+            <a:lnRef idx="1">
+              <a:schemeClr val="accent1"/>
+            </a:lnRef>
+            <a:fillRef idx="0">
+              <a:schemeClr val="accent1"/>
+            </a:fillRef>
+            <a:effectRef idx="0">
+              <a:schemeClr val="accent1"/>
+            </a:effectRef>
+            <a:fontRef idx="minor">
+              <a:schemeClr val="tx1"/>
+            </a:fontRef>
+          </p:style>
+        </p:cxnSp>
       </p:grpSp>
     </p:spTree>
     <p:extLst>
@@ -19506,126 +20680,9 @@
   <p:timing>
     <p:tnLst>
       <p:par>
-        <p:cTn id="1" dur="indefinite" restart="never" nodeType="tmRoot">
-          <p:childTnLst>
-            <p:seq concurrent="1" nextAc="seek">
-              <p:cTn id="2" dur="indefinite" nodeType="mainSeq">
-                <p:childTnLst>
-                  <p:par>
-                    <p:cTn id="3" fill="hold">
-                      <p:stCondLst>
-                        <p:cond delay="indefinite"/>
-                      </p:stCondLst>
-                      <p:childTnLst>
-                        <p:par>
-                          <p:cTn id="4" fill="hold">
-                            <p:stCondLst>
-                              <p:cond delay="0"/>
-                            </p:stCondLst>
-                            <p:childTnLst>
-                              <p:par>
-                                <p:cTn id="5" presetID="1" presetClass="entr" presetSubtype="0" fill="hold" grpId="0" nodeType="clickEffect">
-                                  <p:stCondLst>
-                                    <p:cond delay="0"/>
-                                  </p:stCondLst>
-                                  <p:childTnLst>
-                                    <p:set>
-                                      <p:cBhvr>
-                                        <p:cTn id="6" dur="1" fill="hold">
-                                          <p:stCondLst>
-                                            <p:cond delay="0"/>
-                                          </p:stCondLst>
-                                        </p:cTn>
-                                        <p:tgtEl>
-                                          <p:spTgt spid="15"/>
-                                        </p:tgtEl>
-                                        <p:attrNameLst>
-                                          <p:attrName>style.visibility</p:attrName>
-                                        </p:attrNameLst>
-                                      </p:cBhvr>
-                                      <p:to>
-                                        <p:strVal val="visible"/>
-                                      </p:to>
-                                    </p:set>
-                                  </p:childTnLst>
-                                </p:cTn>
-                              </p:par>
-                            </p:childTnLst>
-                          </p:cTn>
-                        </p:par>
-                      </p:childTnLst>
-                    </p:cTn>
-                  </p:par>
-                  <p:par>
-                    <p:cTn id="7" fill="hold">
-                      <p:stCondLst>
-                        <p:cond delay="indefinite"/>
-                      </p:stCondLst>
-                      <p:childTnLst>
-                        <p:par>
-                          <p:cTn id="8" fill="hold">
-                            <p:stCondLst>
-                              <p:cond delay="0"/>
-                            </p:stCondLst>
-                            <p:childTnLst>
-                              <p:par>
-                                <p:cTn id="9" presetID="1" presetClass="entr" presetSubtype="0" fill="hold" grpId="0" nodeType="clickEffect">
-                                  <p:stCondLst>
-                                    <p:cond delay="0"/>
-                                  </p:stCondLst>
-                                  <p:childTnLst>
-                                    <p:set>
-                                      <p:cBhvr>
-                                        <p:cTn id="10" dur="1" fill="hold">
-                                          <p:stCondLst>
-                                            <p:cond delay="0"/>
-                                          </p:stCondLst>
-                                        </p:cTn>
-                                        <p:tgtEl>
-                                          <p:spTgt spid="18"/>
-                                        </p:tgtEl>
-                                        <p:attrNameLst>
-                                          <p:attrName>style.visibility</p:attrName>
-                                        </p:attrNameLst>
-                                      </p:cBhvr>
-                                      <p:to>
-                                        <p:strVal val="visible"/>
-                                      </p:to>
-                                    </p:set>
-                                  </p:childTnLst>
-                                </p:cTn>
-                              </p:par>
-                            </p:childTnLst>
-                          </p:cTn>
-                        </p:par>
-                      </p:childTnLst>
-                    </p:cTn>
-                  </p:par>
-                </p:childTnLst>
-              </p:cTn>
-              <p:prevCondLst>
-                <p:cond evt="onPrev" delay="0">
-                  <p:tgtEl>
-                    <p:sldTgt/>
-                  </p:tgtEl>
-                </p:cond>
-              </p:prevCondLst>
-              <p:nextCondLst>
-                <p:cond evt="onNext" delay="0">
-                  <p:tgtEl>
-                    <p:sldTgt/>
-                  </p:tgtEl>
-                </p:cond>
-              </p:nextCondLst>
-            </p:seq>
-          </p:childTnLst>
-        </p:cTn>
+        <p:cTn id="1" dur="indefinite" restart="never" nodeType="tmRoot"/>
       </p:par>
     </p:tnLst>
-    <p:bldLst>
-      <p:bldP spid="15" grpId="0" animBg="1"/>
-      <p:bldP spid="18" grpId="0" animBg="1"/>
-    </p:bldLst>
   </p:timing>
 </p:sld>
 </file>
@@ -19829,7 +20886,7 @@
       </p:sp>
       <p:sp>
         <p:nvSpPr>
-          <p:cNvPr id="8" name="标题 1"/>
+          <p:cNvPr id="7" name="标题 1"/>
           <p:cNvSpPr txBox="1">
             <a:spLocks/>
           </p:cNvSpPr>
@@ -19879,13 +20936,13 @@
       </p:sp>
       <p:sp>
         <p:nvSpPr>
-          <p:cNvPr id="11" name="圆角矩形 10"/>
+          <p:cNvPr id="8" name="圆角矩形 7"/>
           <p:cNvSpPr/>
           <p:nvPr/>
         </p:nvSpPr>
         <p:spPr>
           <a:xfrm>
-            <a:off x="439947" y="1261256"/>
+            <a:off x="759125" y="1353606"/>
             <a:ext cx="4442604" cy="1343922"/>
           </a:xfrm>
           <a:prstGeom prst="roundRect">
@@ -20064,14 +21121,14 @@
       </p:sp>
       <p:sp>
         <p:nvSpPr>
-          <p:cNvPr id="12" name="下箭头 11"/>
+          <p:cNvPr id="9" name="下箭头 8"/>
           <p:cNvSpPr/>
           <p:nvPr/>
         </p:nvSpPr>
         <p:spPr>
           <a:xfrm>
-            <a:off x="2104845" y="2688669"/>
-            <a:ext cx="595223" cy="290213"/>
+            <a:off x="2509813" y="2830362"/>
+            <a:ext cx="595223" cy="478022"/>
           </a:xfrm>
           <a:prstGeom prst="downArrow">
             <a:avLst/>
@@ -20108,1067 +21165,16 @@
           </a:p>
         </p:txBody>
       </p:sp>
-      <mc:AlternateContent xmlns:mc="http://schemas.openxmlformats.org/markup-compatibility/2006" xmlns:a14="http://schemas.microsoft.com/office/drawing/2010/main">
-        <mc:Choice Requires="a14">
-          <p:sp>
-            <p:nvSpPr>
-              <p:cNvPr id="14" name="对角圆角矩形 13"/>
-              <p:cNvSpPr/>
-              <p:nvPr/>
-            </p:nvSpPr>
-            <p:spPr>
-              <a:xfrm>
-                <a:off x="1937618" y="4047252"/>
-                <a:ext cx="1030857" cy="474662"/>
-              </a:xfrm>
-              <a:prstGeom prst="round2DiagRect">
-                <a:avLst/>
-              </a:prstGeom>
-              <a:solidFill>
-                <a:schemeClr val="accent5">
-                  <a:lumMod val="40000"/>
-                  <a:lumOff val="60000"/>
-                </a:schemeClr>
-              </a:solidFill>
-              <a:ln>
-                <a:solidFill>
-                  <a:schemeClr val="tx1"/>
-                </a:solidFill>
-              </a:ln>
-            </p:spPr>
-            <p:style>
-              <a:lnRef idx="2">
-                <a:schemeClr val="accent1">
-                  <a:shade val="50000"/>
-                </a:schemeClr>
-              </a:lnRef>
-              <a:fillRef idx="1">
-                <a:schemeClr val="accent1"/>
-              </a:fillRef>
-              <a:effectRef idx="0">
-                <a:schemeClr val="accent1"/>
-              </a:effectRef>
-              <a:fontRef idx="minor">
-                <a:schemeClr val="lt1"/>
-              </a:fontRef>
-            </p:style>
-            <p:txBody>
-              <a:bodyPr rtlCol="0" anchor="ctr"/>
-              <a:lstStyle/>
-              <a:p>
-                <a:pPr algn="ctr"/>
-                <a14:m>
-                  <m:oMathPara xmlns:m="http://schemas.openxmlformats.org/officeDocument/2006/math">
-                    <m:oMathParaPr>
-                      <m:jc m:val="centerGroup"/>
-                    </m:oMathParaPr>
-                    <m:oMath xmlns:m="http://schemas.openxmlformats.org/officeDocument/2006/math">
-                      <m:sSub>
-                        <m:sSubPr>
-                          <m:ctrlPr>
-                            <a:rPr lang="zh-CN" altLang="zh-CN" i="1" smtClean="0">
-                              <a:solidFill>
-                                <a:schemeClr val="tx1"/>
-                              </a:solidFill>
-                              <a:latin typeface="Cambria Math" panose="02040503050406030204" pitchFamily="18" charset="0"/>
-                            </a:rPr>
-                          </m:ctrlPr>
-                        </m:sSubPr>
-                        <m:e>
-                          <m:r>
-                            <a:rPr lang="en-US" altLang="zh-CN" i="1">
-                              <a:solidFill>
-                                <a:schemeClr val="tx1"/>
-                              </a:solidFill>
-                              <a:latin typeface="Cambria Math" panose="02040503050406030204" pitchFamily="18" charset="0"/>
-                            </a:rPr>
-                            <m:t>𝑅</m:t>
-                          </m:r>
-                        </m:e>
-                        <m:sub>
-                          <m:r>
-                            <a:rPr lang="en-US" altLang="zh-CN" i="1">
-                              <a:solidFill>
-                                <a:schemeClr val="tx1"/>
-                              </a:solidFill>
-                              <a:latin typeface="Cambria Math" panose="02040503050406030204" pitchFamily="18" charset="0"/>
-                            </a:rPr>
-                            <m:t>𝑒𝑓𝑓𝑒𝑐𝑡</m:t>
-                          </m:r>
-                        </m:sub>
-                      </m:sSub>
-                    </m:oMath>
-                  </m:oMathPara>
-                </a14:m>
-                <a:endParaRPr lang="zh-CN" altLang="en-US" dirty="0">
-                  <a:solidFill>
-                    <a:schemeClr val="tx1"/>
-                  </a:solidFill>
-                </a:endParaRPr>
-              </a:p>
-            </p:txBody>
-          </p:sp>
-        </mc:Choice>
-        <mc:Fallback xmlns="">
-          <p:sp>
-            <p:nvSpPr>
-              <p:cNvPr id="14" name="对角圆角矩形 13"/>
-              <p:cNvSpPr>
-                <a:spLocks noRot="1" noChangeAspect="1" noMove="1" noResize="1" noEditPoints="1" noAdjustHandles="1" noChangeArrowheads="1" noChangeShapeType="1" noTextEdit="1"/>
-              </p:cNvSpPr>
-              <p:nvPr/>
-            </p:nvSpPr>
-            <p:spPr>
-              <a:xfrm>
-                <a:off x="1937618" y="4047252"/>
-                <a:ext cx="1030857" cy="474662"/>
-              </a:xfrm>
-              <a:prstGeom prst="round2DiagRect">
-                <a:avLst/>
-              </a:prstGeom>
-              <a:blipFill>
-                <a:blip r:embed="rId3"/>
-                <a:stretch>
-                  <a:fillRect/>
-                </a:stretch>
-              </a:blipFill>
-              <a:ln>
-                <a:solidFill>
-                  <a:schemeClr val="tx1"/>
-                </a:solidFill>
-              </a:ln>
-            </p:spPr>
-            <p:txBody>
-              <a:bodyPr/>
-              <a:lstStyle/>
-              <a:p>
-                <a:r>
-                  <a:rPr lang="zh-CN" altLang="en-US">
-                    <a:noFill/>
-                  </a:rPr>
-                  <a:t> </a:t>
-                </a:r>
-              </a:p>
-            </p:txBody>
-          </p:sp>
-        </mc:Fallback>
-      </mc:AlternateContent>
-      <p:sp>
-        <p:nvSpPr>
-          <p:cNvPr id="15" name="对角圆角矩形 14"/>
-          <p:cNvSpPr/>
-          <p:nvPr/>
-        </p:nvSpPr>
-        <p:spPr>
-          <a:xfrm>
-            <a:off x="735222" y="3251173"/>
-            <a:ext cx="1470804" cy="474662"/>
-          </a:xfrm>
-          <a:prstGeom prst="round2DiagRect">
-            <a:avLst/>
-          </a:prstGeom>
-          <a:solidFill>
-            <a:schemeClr val="accent5">
-              <a:lumMod val="40000"/>
-              <a:lumOff val="60000"/>
-            </a:schemeClr>
-          </a:solidFill>
-          <a:ln>
-            <a:solidFill>
-              <a:schemeClr val="tx1"/>
-            </a:solidFill>
-          </a:ln>
-        </p:spPr>
-        <p:style>
-          <a:lnRef idx="2">
-            <a:schemeClr val="accent1">
-              <a:shade val="50000"/>
-            </a:schemeClr>
-          </a:lnRef>
-          <a:fillRef idx="1">
-            <a:schemeClr val="accent1"/>
-          </a:fillRef>
-          <a:effectRef idx="0">
-            <a:schemeClr val="accent1"/>
-          </a:effectRef>
-          <a:fontRef idx="minor">
-            <a:schemeClr val="lt1"/>
-          </a:fontRef>
-        </p:style>
-        <p:txBody>
-          <a:bodyPr rtlCol="0" anchor="ctr"/>
-          <a:lstStyle/>
-          <a:p>
-            <a:pPr algn="ctr"/>
-            <a:r>
-              <a:rPr lang="zh-CN" altLang="en-US" dirty="0" smtClean="0">
-                <a:solidFill>
-                  <a:schemeClr val="tx1"/>
-                </a:solidFill>
-                <a:latin typeface="黑体" panose="02010609060101010101" pitchFamily="49" charset="-122"/>
-                <a:ea typeface="黑体" panose="02010609060101010101" pitchFamily="49" charset="-122"/>
-              </a:rPr>
-              <a:t>有效</a:t>
-            </a:r>
-            <a:r>
-              <a:rPr lang="zh-CN" altLang="en-US" dirty="0">
-                <a:solidFill>
-                  <a:schemeClr val="tx1"/>
-                </a:solidFill>
-                <a:latin typeface="黑体" panose="02010609060101010101" pitchFamily="49" charset="-122"/>
-                <a:ea typeface="黑体" panose="02010609060101010101" pitchFamily="49" charset="-122"/>
-              </a:rPr>
-              <a:t>首节点</a:t>
-            </a:r>
-            <a:endParaRPr lang="zh-CN" altLang="en-US" dirty="0">
-              <a:solidFill>
-                <a:schemeClr val="tx1"/>
-              </a:solidFill>
-            </a:endParaRPr>
-          </a:p>
-        </p:txBody>
-      </p:sp>
-      <p:sp>
-        <p:nvSpPr>
-          <p:cNvPr id="16" name="对角圆角矩形 15"/>
-          <p:cNvSpPr/>
-          <p:nvPr/>
-        </p:nvSpPr>
-        <p:spPr>
-          <a:xfrm>
-            <a:off x="2700068" y="3224256"/>
-            <a:ext cx="1470804" cy="474662"/>
-          </a:xfrm>
-          <a:prstGeom prst="round2DiagRect">
-            <a:avLst/>
-          </a:prstGeom>
-          <a:solidFill>
-            <a:schemeClr val="accent5">
-              <a:lumMod val="40000"/>
-              <a:lumOff val="60000"/>
-            </a:schemeClr>
-          </a:solidFill>
-          <a:ln>
-            <a:solidFill>
-              <a:schemeClr val="tx1"/>
-            </a:solidFill>
-          </a:ln>
-        </p:spPr>
-        <p:style>
-          <a:lnRef idx="2">
-            <a:schemeClr val="accent1">
-              <a:shade val="50000"/>
-            </a:schemeClr>
-          </a:lnRef>
-          <a:fillRef idx="1">
-            <a:schemeClr val="accent1"/>
-          </a:fillRef>
-          <a:effectRef idx="0">
-            <a:schemeClr val="accent1"/>
-          </a:effectRef>
-          <a:fontRef idx="minor">
-            <a:schemeClr val="lt1"/>
-          </a:fontRef>
-        </p:style>
-        <p:txBody>
-          <a:bodyPr rtlCol="0" anchor="ctr"/>
-          <a:lstStyle/>
-          <a:p>
-            <a:pPr algn="ctr"/>
-            <a:r>
-              <a:rPr lang="zh-CN" altLang="en-US" dirty="0" smtClean="0">
-                <a:solidFill>
-                  <a:schemeClr val="tx1"/>
-                </a:solidFill>
-                <a:latin typeface="黑体" panose="02010609060101010101" pitchFamily="49" charset="-122"/>
-                <a:ea typeface="黑体" panose="02010609060101010101" pitchFamily="49" charset="-122"/>
-              </a:rPr>
-              <a:t>有效尾节点</a:t>
-            </a:r>
-            <a:endParaRPr lang="zh-CN" altLang="en-US" dirty="0">
-              <a:solidFill>
-                <a:schemeClr val="tx1"/>
-              </a:solidFill>
-            </a:endParaRPr>
-          </a:p>
-        </p:txBody>
-      </p:sp>
-      <p:sp>
-        <p:nvSpPr>
-          <p:cNvPr id="17" name="对角圆角矩形 16"/>
-          <p:cNvSpPr/>
-          <p:nvPr/>
-        </p:nvSpPr>
-        <p:spPr>
-          <a:xfrm>
-            <a:off x="1717644" y="5893991"/>
-            <a:ext cx="1470804" cy="474662"/>
-          </a:xfrm>
-          <a:prstGeom prst="round2DiagRect">
-            <a:avLst/>
-          </a:prstGeom>
-          <a:solidFill>
-            <a:schemeClr val="accent5">
-              <a:lumMod val="40000"/>
-              <a:lumOff val="60000"/>
-            </a:schemeClr>
-          </a:solidFill>
-          <a:ln>
-            <a:solidFill>
-              <a:schemeClr val="tx1"/>
-            </a:solidFill>
-          </a:ln>
-        </p:spPr>
-        <p:style>
-          <a:lnRef idx="2">
-            <a:schemeClr val="accent1">
-              <a:shade val="50000"/>
-            </a:schemeClr>
-          </a:lnRef>
-          <a:fillRef idx="1">
-            <a:schemeClr val="accent1"/>
-          </a:fillRef>
-          <a:effectRef idx="0">
-            <a:schemeClr val="accent1"/>
-          </a:effectRef>
-          <a:fontRef idx="minor">
-            <a:schemeClr val="lt1"/>
-          </a:fontRef>
-        </p:style>
-        <p:txBody>
-          <a:bodyPr rtlCol="0" anchor="ctr"/>
-          <a:lstStyle/>
-          <a:p>
-            <a:pPr algn="ctr"/>
-            <a:r>
-              <a:rPr lang="zh-CN" altLang="en-US" dirty="0" smtClean="0">
-                <a:solidFill>
-                  <a:schemeClr val="tx1"/>
-                </a:solidFill>
-              </a:rPr>
-              <a:t>向首尾扩张</a:t>
-            </a:r>
-            <a:endParaRPr lang="zh-CN" altLang="en-US" dirty="0">
-              <a:solidFill>
-                <a:schemeClr val="tx1"/>
-              </a:solidFill>
-            </a:endParaRPr>
-          </a:p>
-        </p:txBody>
-      </p:sp>
-      <p:sp>
-        <p:nvSpPr>
-          <p:cNvPr id="18" name="菱形 17"/>
-          <p:cNvSpPr/>
-          <p:nvPr/>
-        </p:nvSpPr>
-        <p:spPr>
-          <a:xfrm>
-            <a:off x="1124579" y="4787618"/>
-            <a:ext cx="2656936" cy="758790"/>
-          </a:xfrm>
-          <a:prstGeom prst="diamond">
-            <a:avLst/>
-          </a:prstGeom>
-          <a:solidFill>
-            <a:schemeClr val="accent5">
-              <a:lumMod val="40000"/>
-              <a:lumOff val="60000"/>
-            </a:schemeClr>
-          </a:solidFill>
-          <a:ln>
-            <a:solidFill>
-              <a:schemeClr val="tx1"/>
-            </a:solidFill>
-          </a:ln>
-        </p:spPr>
-        <p:style>
-          <a:lnRef idx="2">
-            <a:schemeClr val="accent1">
-              <a:shade val="50000"/>
-            </a:schemeClr>
-          </a:lnRef>
-          <a:fillRef idx="1">
-            <a:schemeClr val="accent1"/>
-          </a:fillRef>
-          <a:effectRef idx="0">
-            <a:schemeClr val="accent1"/>
-          </a:effectRef>
-          <a:fontRef idx="minor">
-            <a:schemeClr val="lt1"/>
-          </a:fontRef>
-        </p:style>
-        <p:txBody>
-          <a:bodyPr rtlCol="0" anchor="ctr"/>
-          <a:lstStyle/>
-          <a:p>
-            <a:pPr algn="ctr"/>
-            <a:endParaRPr lang="zh-CN" altLang="en-US">
-              <a:solidFill>
-                <a:schemeClr val="tx1"/>
-              </a:solidFill>
-            </a:endParaRPr>
-          </a:p>
-        </p:txBody>
-      </p:sp>
-      <mc:AlternateContent xmlns:mc="http://schemas.openxmlformats.org/markup-compatibility/2006" xmlns:a14="http://schemas.microsoft.com/office/drawing/2010/main">
-        <mc:Choice Requires="a14">
-          <p:sp>
-            <p:nvSpPr>
-              <p:cNvPr id="19" name="文本框 18"/>
-              <p:cNvSpPr txBox="1"/>
-              <p:nvPr/>
-            </p:nvSpPr>
-            <p:spPr>
-              <a:xfrm>
-                <a:off x="1391218" y="4983974"/>
-                <a:ext cx="2123658" cy="395558"/>
-              </a:xfrm>
-              <a:prstGeom prst="rect">
-                <a:avLst/>
-              </a:prstGeom>
-              <a:noFill/>
-            </p:spPr>
-            <p:txBody>
-              <a:bodyPr wrap="none" rtlCol="0">
-                <a:spAutoFit/>
-              </a:bodyPr>
-              <a:lstStyle/>
-              <a:p>
-                <a:r>
-                  <a:rPr lang="en-US" altLang="zh-CN" dirty="0" smtClean="0">
-                    <a:solidFill>
-                      <a:schemeClr val="tx1"/>
-                    </a:solidFill>
-                  </a:rPr>
-                  <a:t>L-rate(Q, </a:t>
-                </a:r>
-                <a14:m>
-                  <m:oMath xmlns:m="http://schemas.openxmlformats.org/officeDocument/2006/math">
-                    <m:sSub>
-                      <m:sSubPr>
-                        <m:ctrlPr>
-                          <a:rPr lang="zh-CN" altLang="zh-CN" i="1">
-                            <a:solidFill>
-                              <a:schemeClr val="tx1"/>
-                            </a:solidFill>
-                            <a:latin typeface="Cambria Math" panose="02040503050406030204" pitchFamily="18" charset="0"/>
-                          </a:rPr>
-                        </m:ctrlPr>
-                      </m:sSubPr>
-                      <m:e>
-                        <m:r>
-                          <a:rPr lang="en-US" altLang="zh-CN" i="1">
-                            <a:solidFill>
-                              <a:schemeClr val="tx1"/>
-                            </a:solidFill>
-                            <a:latin typeface="Cambria Math" panose="02040503050406030204" pitchFamily="18" charset="0"/>
-                          </a:rPr>
-                          <m:t>𝑅</m:t>
-                        </m:r>
-                      </m:e>
-                      <m:sub>
-                        <m:r>
-                          <a:rPr lang="en-US" altLang="zh-CN" i="1">
-                            <a:solidFill>
-                              <a:schemeClr val="tx1"/>
-                            </a:solidFill>
-                            <a:latin typeface="Cambria Math" panose="02040503050406030204" pitchFamily="18" charset="0"/>
-                          </a:rPr>
-                          <m:t>𝑒𝑓𝑓𝑒𝑐𝑡</m:t>
-                        </m:r>
-                      </m:sub>
-                    </m:sSub>
-                  </m:oMath>
-                </a14:m>
-                <a:r>
-                  <a:rPr lang="en-US" altLang="zh-CN" dirty="0" smtClean="0">
-                    <a:solidFill>
-                      <a:schemeClr val="tx1"/>
-                    </a:solidFill>
-                  </a:rPr>
-                  <a:t>)&gt;</a:t>
-                </a:r>
-                <a14:m>
-                  <m:oMath xmlns:m="http://schemas.openxmlformats.org/officeDocument/2006/math">
-                    <m:r>
-                      <m:rPr>
-                        <m:sty m:val="p"/>
-                      </m:rPr>
-                      <a:rPr lang="en-US" altLang="zh-CN">
-                        <a:solidFill>
-                          <a:schemeClr val="tx1"/>
-                        </a:solidFill>
-                        <a:latin typeface="Cambria Math" panose="02040503050406030204" pitchFamily="18" charset="0"/>
-                      </a:rPr>
-                      <m:t>ε</m:t>
-                    </m:r>
-                  </m:oMath>
-                </a14:m>
-                <a:r>
-                  <a:rPr lang="en-US" altLang="zh-CN" dirty="0" smtClean="0">
-                    <a:solidFill>
-                      <a:schemeClr val="tx1"/>
-                    </a:solidFill>
-                  </a:rPr>
-                  <a:t>?</a:t>
-                </a:r>
-                <a:endParaRPr lang="zh-CN" altLang="en-US" dirty="0">
-                  <a:solidFill>
-                    <a:schemeClr val="tx1"/>
-                  </a:solidFill>
-                </a:endParaRPr>
-              </a:p>
-            </p:txBody>
-          </p:sp>
-        </mc:Choice>
-        <mc:Fallback xmlns="">
-          <p:sp>
-            <p:nvSpPr>
-              <p:cNvPr id="19" name="文本框 18"/>
-              <p:cNvSpPr txBox="1">
-                <a:spLocks noRot="1" noChangeAspect="1" noMove="1" noResize="1" noEditPoints="1" noAdjustHandles="1" noChangeArrowheads="1" noChangeShapeType="1" noTextEdit="1"/>
-              </p:cNvSpPr>
-              <p:nvPr/>
-            </p:nvSpPr>
-            <p:spPr>
-              <a:xfrm>
-                <a:off x="1391218" y="4983974"/>
-                <a:ext cx="2123658" cy="395558"/>
-              </a:xfrm>
-              <a:prstGeom prst="rect">
-                <a:avLst/>
-              </a:prstGeom>
-              <a:blipFill>
-                <a:blip r:embed="rId4"/>
-                <a:stretch>
-                  <a:fillRect l="-2292" t="-7813" r="-2006" b="-20313"/>
-                </a:stretch>
-              </a:blipFill>
-            </p:spPr>
-            <p:txBody>
-              <a:bodyPr/>
-              <a:lstStyle/>
-              <a:p>
-                <a:r>
-                  <a:rPr lang="zh-CN" altLang="en-US">
-                    <a:noFill/>
-                  </a:rPr>
-                  <a:t> </a:t>
-                </a:r>
-              </a:p>
-            </p:txBody>
-          </p:sp>
-        </mc:Fallback>
-      </mc:AlternateContent>
-      <mc:AlternateContent xmlns:mc="http://schemas.openxmlformats.org/markup-compatibility/2006" xmlns:a14="http://schemas.microsoft.com/office/drawing/2010/main">
-        <mc:Choice Requires="a14">
-          <p:sp>
-            <p:nvSpPr>
-              <p:cNvPr id="22" name="对角圆角矩形 21"/>
-              <p:cNvSpPr/>
-              <p:nvPr/>
-            </p:nvSpPr>
-            <p:spPr>
-              <a:xfrm>
-                <a:off x="4986067" y="4944422"/>
-                <a:ext cx="2346026" cy="474662"/>
-              </a:xfrm>
-              <a:prstGeom prst="round2DiagRect">
-                <a:avLst/>
-              </a:prstGeom>
-              <a:solidFill>
-                <a:schemeClr val="accent5">
-                  <a:lumMod val="40000"/>
-                  <a:lumOff val="60000"/>
-                </a:schemeClr>
-              </a:solidFill>
-              <a:ln>
-                <a:solidFill>
-                  <a:schemeClr val="tx1"/>
-                </a:solidFill>
-              </a:ln>
-            </p:spPr>
-            <p:style>
-              <a:lnRef idx="2">
-                <a:schemeClr val="accent1">
-                  <a:shade val="50000"/>
-                </a:schemeClr>
-              </a:lnRef>
-              <a:fillRef idx="1">
-                <a:schemeClr val="accent1"/>
-              </a:fillRef>
-              <a:effectRef idx="0">
-                <a:schemeClr val="accent1"/>
-              </a:effectRef>
-              <a:fontRef idx="minor">
-                <a:schemeClr val="lt1"/>
-              </a:fontRef>
-            </p:style>
-            <p:txBody>
-              <a:bodyPr rtlCol="0" anchor="ctr"/>
-              <a:lstStyle/>
-              <a:p>
-                <a:pPr algn="ctr"/>
-                <a:r>
-                  <a:rPr lang="zh-CN" altLang="en-US" dirty="0" smtClean="0">
-                    <a:solidFill>
-                      <a:schemeClr val="tx1"/>
-                    </a:solidFill>
-                    <a:latin typeface="黑体" panose="02010609060101010101" pitchFamily="49" charset="-122"/>
-                    <a:ea typeface="黑体" panose="02010609060101010101" pitchFamily="49" charset="-122"/>
-                  </a:rPr>
-                  <a:t>有效子轨迹：</a:t>
-                </a:r>
-                <a14:m>
-                  <m:oMath xmlns:m="http://schemas.openxmlformats.org/officeDocument/2006/math">
-                    <m:sSub>
-                      <m:sSubPr>
-                        <m:ctrlPr>
-                          <a:rPr lang="zh-CN" altLang="zh-CN" i="1">
-                            <a:solidFill>
-                              <a:schemeClr val="tx1"/>
-                            </a:solidFill>
-                            <a:latin typeface="Cambria Math" panose="02040503050406030204" pitchFamily="18" charset="0"/>
-                          </a:rPr>
-                        </m:ctrlPr>
-                      </m:sSubPr>
-                      <m:e>
-                        <m:r>
-                          <a:rPr lang="en-US" altLang="zh-CN" i="1">
-                            <a:solidFill>
-                              <a:schemeClr val="tx1"/>
-                            </a:solidFill>
-                            <a:latin typeface="Cambria Math" panose="02040503050406030204" pitchFamily="18" charset="0"/>
-                          </a:rPr>
-                          <m:t>𝑅</m:t>
-                        </m:r>
-                      </m:e>
-                      <m:sub>
-                        <m:r>
-                          <a:rPr lang="en-US" altLang="zh-CN" i="1">
-                            <a:solidFill>
-                              <a:schemeClr val="tx1"/>
-                            </a:solidFill>
-                            <a:latin typeface="Cambria Math" panose="02040503050406030204" pitchFamily="18" charset="0"/>
-                          </a:rPr>
-                          <m:t>𝑒𝑓𝑓𝑒𝑐𝑡</m:t>
-                        </m:r>
-                      </m:sub>
-                    </m:sSub>
-                  </m:oMath>
-                </a14:m>
-                <a:endParaRPr lang="zh-CN" altLang="en-US" dirty="0">
-                  <a:solidFill>
-                    <a:schemeClr val="tx1"/>
-                  </a:solidFill>
-                </a:endParaRPr>
-              </a:p>
-            </p:txBody>
-          </p:sp>
-        </mc:Choice>
-        <mc:Fallback xmlns="">
-          <p:sp>
-            <p:nvSpPr>
-              <p:cNvPr id="22" name="对角圆角矩形 21"/>
-              <p:cNvSpPr>
-                <a:spLocks noRot="1" noChangeAspect="1" noMove="1" noResize="1" noEditPoints="1" noAdjustHandles="1" noChangeArrowheads="1" noChangeShapeType="1" noTextEdit="1"/>
-              </p:cNvSpPr>
-              <p:nvPr/>
-            </p:nvSpPr>
-            <p:spPr>
-              <a:xfrm>
-                <a:off x="4986067" y="4944422"/>
-                <a:ext cx="2346026" cy="474662"/>
-              </a:xfrm>
-              <a:prstGeom prst="round2DiagRect">
-                <a:avLst/>
-              </a:prstGeom>
-              <a:blipFill>
-                <a:blip r:embed="rId5"/>
-                <a:stretch>
-                  <a:fillRect t="-1250" b="-1250"/>
-                </a:stretch>
-              </a:blipFill>
-              <a:ln>
-                <a:solidFill>
-                  <a:schemeClr val="tx1"/>
-                </a:solidFill>
-              </a:ln>
-            </p:spPr>
-            <p:txBody>
-              <a:bodyPr/>
-              <a:lstStyle/>
-              <a:p>
-                <a:r>
-                  <a:rPr lang="zh-CN" altLang="en-US">
-                    <a:noFill/>
-                  </a:rPr>
-                  <a:t> </a:t>
-                </a:r>
-              </a:p>
-            </p:txBody>
-          </p:sp>
-        </mc:Fallback>
-      </mc:AlternateContent>
-      <p:cxnSp>
-        <p:nvCxnSpPr>
-          <p:cNvPr id="24" name="直接箭头连接符 23"/>
-          <p:cNvCxnSpPr>
-            <a:stCxn id="15" idx="1"/>
-            <a:endCxn id="14" idx="3"/>
-          </p:cNvCxnSpPr>
-          <p:nvPr/>
-        </p:nvCxnSpPr>
-        <p:spPr>
-          <a:xfrm rot="16200000" flipH="1">
-            <a:off x="1801127" y="3395331"/>
-            <a:ext cx="321417" cy="982423"/>
-          </a:xfrm>
-          <a:prstGeom prst="bentConnector3">
-            <a:avLst>
-              <a:gd name="adj1" fmla="val 44633"/>
-            </a:avLst>
-          </a:prstGeom>
-          <a:ln>
-            <a:solidFill>
-              <a:schemeClr val="tx1"/>
-            </a:solidFill>
-            <a:tailEnd type="triangle"/>
-          </a:ln>
-        </p:spPr>
-        <p:style>
-          <a:lnRef idx="1">
-            <a:schemeClr val="accent1"/>
-          </a:lnRef>
-          <a:fillRef idx="0">
-            <a:schemeClr val="accent1"/>
-          </a:fillRef>
-          <a:effectRef idx="0">
-            <a:schemeClr val="accent1"/>
-          </a:effectRef>
-          <a:fontRef idx="minor">
-            <a:schemeClr val="tx1"/>
-          </a:fontRef>
-        </p:style>
-      </p:cxnSp>
-      <p:cxnSp>
-        <p:nvCxnSpPr>
-          <p:cNvPr id="26" name="直接箭头连接符 25"/>
-          <p:cNvCxnSpPr>
-            <a:stCxn id="16" idx="1"/>
-            <a:endCxn id="14" idx="3"/>
-          </p:cNvCxnSpPr>
-          <p:nvPr/>
-        </p:nvCxnSpPr>
-        <p:spPr>
-          <a:xfrm rot="5400000">
-            <a:off x="2770092" y="3381874"/>
-            <a:ext cx="348334" cy="982423"/>
-          </a:xfrm>
-          <a:prstGeom prst="bentConnector3">
-            <a:avLst>
-              <a:gd name="adj1" fmla="val 50000"/>
-            </a:avLst>
-          </a:prstGeom>
-          <a:ln>
-            <a:solidFill>
-              <a:schemeClr val="tx1"/>
-            </a:solidFill>
-            <a:tailEnd type="triangle"/>
-          </a:ln>
-        </p:spPr>
-        <p:style>
-          <a:lnRef idx="1">
-            <a:schemeClr val="accent1"/>
-          </a:lnRef>
-          <a:fillRef idx="0">
-            <a:schemeClr val="accent1"/>
-          </a:fillRef>
-          <a:effectRef idx="0">
-            <a:schemeClr val="accent1"/>
-          </a:effectRef>
-          <a:fontRef idx="minor">
-            <a:schemeClr val="tx1"/>
-          </a:fontRef>
-        </p:style>
-      </p:cxnSp>
-      <p:cxnSp>
-        <p:nvCxnSpPr>
-          <p:cNvPr id="28" name="直接箭头连接符 27"/>
-          <p:cNvCxnSpPr>
-            <a:stCxn id="14" idx="1"/>
-            <a:endCxn id="18" idx="0"/>
-          </p:cNvCxnSpPr>
-          <p:nvPr/>
-        </p:nvCxnSpPr>
-        <p:spPr>
-          <a:xfrm>
-            <a:off x="2453047" y="4521914"/>
-            <a:ext cx="0" cy="265704"/>
-          </a:xfrm>
-          <a:prstGeom prst="straightConnector1">
-            <a:avLst/>
-          </a:prstGeom>
-          <a:ln>
-            <a:solidFill>
-              <a:schemeClr val="tx1"/>
-            </a:solidFill>
-            <a:tailEnd type="triangle"/>
-          </a:ln>
-        </p:spPr>
-        <p:style>
-          <a:lnRef idx="1">
-            <a:schemeClr val="accent1"/>
-          </a:lnRef>
-          <a:fillRef idx="0">
-            <a:schemeClr val="accent1"/>
-          </a:fillRef>
-          <a:effectRef idx="0">
-            <a:schemeClr val="accent1"/>
-          </a:effectRef>
-          <a:fontRef idx="minor">
-            <a:schemeClr val="tx1"/>
-          </a:fontRef>
-        </p:style>
-      </p:cxnSp>
-      <p:cxnSp>
-        <p:nvCxnSpPr>
-          <p:cNvPr id="30" name="直接箭头连接符 29"/>
-          <p:cNvCxnSpPr>
-            <a:stCxn id="18" idx="2"/>
-            <a:endCxn id="17" idx="3"/>
-          </p:cNvCxnSpPr>
-          <p:nvPr/>
-        </p:nvCxnSpPr>
-        <p:spPr>
-          <a:xfrm flipH="1">
-            <a:off x="2453046" y="5546408"/>
-            <a:ext cx="1" cy="347583"/>
-          </a:xfrm>
-          <a:prstGeom prst="straightConnector1">
-            <a:avLst/>
-          </a:prstGeom>
-          <a:ln>
-            <a:solidFill>
-              <a:schemeClr val="tx1"/>
-            </a:solidFill>
-            <a:tailEnd type="triangle"/>
-          </a:ln>
-        </p:spPr>
-        <p:style>
-          <a:lnRef idx="1">
-            <a:schemeClr val="accent1"/>
-          </a:lnRef>
-          <a:fillRef idx="0">
-            <a:schemeClr val="accent1"/>
-          </a:fillRef>
-          <a:effectRef idx="0">
-            <a:schemeClr val="accent1"/>
-          </a:effectRef>
-          <a:fontRef idx="minor">
-            <a:schemeClr val="tx1"/>
-          </a:fontRef>
-        </p:style>
-      </p:cxnSp>
-      <p:cxnSp>
-        <p:nvCxnSpPr>
-          <p:cNvPr id="32" name="肘形连接符 31"/>
-          <p:cNvCxnSpPr>
-            <a:stCxn id="17" idx="2"/>
-            <a:endCxn id="18" idx="1"/>
-          </p:cNvCxnSpPr>
-          <p:nvPr/>
-        </p:nvCxnSpPr>
-        <p:spPr>
-          <a:xfrm rot="10800000">
-            <a:off x="1124580" y="5167014"/>
-            <a:ext cx="593065" cy="964309"/>
-          </a:xfrm>
-          <a:prstGeom prst="bentConnector3">
-            <a:avLst>
-              <a:gd name="adj1" fmla="val 138546"/>
-            </a:avLst>
-          </a:prstGeom>
-          <a:ln>
-            <a:solidFill>
-              <a:schemeClr val="tx1"/>
-            </a:solidFill>
-            <a:tailEnd type="triangle"/>
-          </a:ln>
-        </p:spPr>
-        <p:style>
-          <a:lnRef idx="1">
-            <a:schemeClr val="accent1"/>
-          </a:lnRef>
-          <a:fillRef idx="0">
-            <a:schemeClr val="accent1"/>
-          </a:fillRef>
-          <a:effectRef idx="0">
-            <a:schemeClr val="accent1"/>
-          </a:effectRef>
-          <a:fontRef idx="minor">
-            <a:schemeClr val="tx1"/>
-          </a:fontRef>
-        </p:style>
-      </p:cxnSp>
-      <p:cxnSp>
-        <p:nvCxnSpPr>
-          <p:cNvPr id="34" name="直接箭头连接符 33"/>
-          <p:cNvCxnSpPr>
-            <a:stCxn id="18" idx="3"/>
-            <a:endCxn id="22" idx="2"/>
-          </p:cNvCxnSpPr>
-          <p:nvPr/>
-        </p:nvCxnSpPr>
-        <p:spPr>
-          <a:xfrm>
-            <a:off x="3781515" y="5167013"/>
-            <a:ext cx="1204552" cy="14740"/>
-          </a:xfrm>
-          <a:prstGeom prst="straightConnector1">
-            <a:avLst/>
-          </a:prstGeom>
-          <a:ln>
-            <a:solidFill>
-              <a:schemeClr val="tx1"/>
-            </a:solidFill>
-            <a:tailEnd type="triangle"/>
-          </a:ln>
-        </p:spPr>
-        <p:style>
-          <a:lnRef idx="1">
-            <a:schemeClr val="accent1"/>
-          </a:lnRef>
-          <a:fillRef idx="0">
-            <a:schemeClr val="accent1"/>
-          </a:fillRef>
-          <a:effectRef idx="0">
-            <a:schemeClr val="accent1"/>
-          </a:effectRef>
-          <a:fontRef idx="minor">
-            <a:schemeClr val="tx1"/>
-          </a:fontRef>
-        </p:style>
-      </p:cxnSp>
-      <p:sp>
-        <p:nvSpPr>
-          <p:cNvPr id="36" name="文本框 35"/>
-          <p:cNvSpPr txBox="1"/>
-          <p:nvPr/>
-        </p:nvSpPr>
-        <p:spPr>
-          <a:xfrm>
-            <a:off x="1923655" y="5542449"/>
-            <a:ext cx="455574" cy="369332"/>
-          </a:xfrm>
-          <a:prstGeom prst="rect">
-            <a:avLst/>
-          </a:prstGeom>
-          <a:noFill/>
-        </p:spPr>
-        <p:txBody>
-          <a:bodyPr wrap="none" rtlCol="0">
-            <a:spAutoFit/>
-          </a:bodyPr>
-          <a:lstStyle/>
-          <a:p>
-            <a:r>
-              <a:rPr lang="en-US" altLang="zh-CN" dirty="0" smtClean="0"/>
-              <a:t>No</a:t>
-            </a:r>
-            <a:endParaRPr lang="zh-CN" altLang="en-US" dirty="0"/>
-          </a:p>
-        </p:txBody>
-      </p:sp>
-      <p:sp>
-        <p:nvSpPr>
-          <p:cNvPr id="37" name="文本框 36"/>
-          <p:cNvSpPr txBox="1"/>
-          <p:nvPr/>
-        </p:nvSpPr>
-        <p:spPr>
-          <a:xfrm>
-            <a:off x="3883632" y="4816349"/>
-            <a:ext cx="485518" cy="369332"/>
-          </a:xfrm>
-          <a:prstGeom prst="rect">
-            <a:avLst/>
-          </a:prstGeom>
-          <a:noFill/>
-        </p:spPr>
-        <p:txBody>
-          <a:bodyPr wrap="none" rtlCol="0">
-            <a:spAutoFit/>
-          </a:bodyPr>
-          <a:lstStyle/>
-          <a:p>
-            <a:r>
-              <a:rPr lang="en-US" altLang="zh-CN" dirty="0" smtClean="0"/>
-              <a:t>Yes</a:t>
-            </a:r>
-            <a:endParaRPr lang="zh-CN" altLang="en-US" dirty="0"/>
-          </a:p>
-        </p:txBody>
-      </p:sp>
-      <p:sp>
-        <p:nvSpPr>
-          <p:cNvPr id="41" name="矩形 40"/>
-          <p:cNvSpPr/>
-          <p:nvPr/>
-        </p:nvSpPr>
-        <p:spPr>
-          <a:xfrm>
-            <a:off x="560717" y="3062373"/>
-            <a:ext cx="3950898" cy="3398812"/>
-          </a:xfrm>
-          <a:prstGeom prst="rect">
-            <a:avLst/>
-          </a:prstGeom>
-          <a:noFill/>
-          <a:ln w="15875">
-            <a:prstDash val="dash"/>
-          </a:ln>
-        </p:spPr>
-        <p:style>
-          <a:lnRef idx="2">
-            <a:schemeClr val="accent1">
-              <a:shade val="50000"/>
-            </a:schemeClr>
-          </a:lnRef>
-          <a:fillRef idx="1">
-            <a:schemeClr val="accent1"/>
-          </a:fillRef>
-          <a:effectRef idx="0">
-            <a:schemeClr val="accent1"/>
-          </a:effectRef>
-          <a:fontRef idx="minor">
-            <a:schemeClr val="lt1"/>
-          </a:fontRef>
-        </p:style>
-        <p:txBody>
-          <a:bodyPr rtlCol="0" anchor="ctr"/>
-          <a:lstStyle/>
-          <a:p>
-            <a:pPr algn="ctr"/>
-            <a:endParaRPr lang="zh-CN" altLang="en-US">
-              <a:solidFill>
-                <a:schemeClr val="tx1"/>
-              </a:solidFill>
-            </a:endParaRPr>
-          </a:p>
-        </p:txBody>
-      </p:sp>
       <p:pic>
         <p:nvPicPr>
-          <p:cNvPr id="55" name="图片 54"/>
+          <p:cNvPr id="26" name="图片 25"/>
           <p:cNvPicPr>
             <a:picLocks noChangeAspect="1"/>
           </p:cNvPicPr>
           <p:nvPr/>
         </p:nvPicPr>
         <p:blipFill rotWithShape="1">
-          <a:blip r:embed="rId6" cstate="print">
+          <a:blip r:embed="rId3" cstate="print">
             <a:extLst>
               <a:ext uri="{28A0092B-C50C-407E-A947-70E740481C1C}">
                 <a14:useLocalDpi xmlns:a14="http://schemas.microsoft.com/office/drawing/2010/main" val="0"/>
@@ -21181,7 +21187,37 @@
         <p:spPr>
           <a:xfrm>
             <a:off x="5662230" y="1152074"/>
-            <a:ext cx="2828611" cy="2157590"/>
+            <a:ext cx="3285596" cy="2506166"/>
+          </a:xfrm>
+          <a:prstGeom prst="rect">
+            <a:avLst/>
+          </a:prstGeom>
+        </p:spPr>
+      </p:pic>
+      <p:pic>
+        <p:nvPicPr>
+          <p:cNvPr id="33" name="图片 32"/>
+          <p:cNvPicPr>
+            <a:picLocks noChangeAspect="1"/>
+          </p:cNvPicPr>
+          <p:nvPr/>
+        </p:nvPicPr>
+        <p:blipFill>
+          <a:blip r:embed="rId4">
+            <a:extLst>
+              <a:ext uri="{28A0092B-C50C-407E-A947-70E740481C1C}">
+                <a14:useLocalDpi xmlns:a14="http://schemas.microsoft.com/office/drawing/2010/main" val="0"/>
+              </a:ext>
+            </a:extLst>
+          </a:blip>
+          <a:stretch>
+            <a:fillRect/>
+          </a:stretch>
+        </p:blipFill>
+        <p:spPr>
+          <a:xfrm>
+            <a:off x="356215" y="3429719"/>
+            <a:ext cx="8102286" cy="2530059"/>
           </a:xfrm>
           <a:prstGeom prst="rect">
             <a:avLst/>
@@ -21192,7 +21228,7 @@
         <mc:Choice Requires="a14">
           <p:sp>
             <p:nvSpPr>
-              <p:cNvPr id="56" name="AutoShape 31"/>
+              <p:cNvPr id="34" name="AutoShape 31"/>
               <p:cNvSpPr>
                 <a:spLocks noChangeArrowheads="1"/>
               </p:cNvSpPr>
@@ -21200,13 +21236,13 @@
             </p:nvSpPr>
             <p:spPr bwMode="auto">
               <a:xfrm>
-                <a:off x="5027044" y="3314028"/>
-                <a:ext cx="3052403" cy="599418"/>
+                <a:off x="6255064" y="5283017"/>
+                <a:ext cx="2203437" cy="1133384"/>
               </a:xfrm>
               <a:prstGeom prst="wedgeRoundRectCallout">
                 <a:avLst>
-                  <a:gd name="adj1" fmla="val -99400"/>
-                  <a:gd name="adj2" fmla="val 206527"/>
+                  <a:gd name="adj1" fmla="val -54153"/>
+                  <a:gd name="adj2" fmla="val -83609"/>
                   <a:gd name="adj3" fmla="val 16667"/>
                 </a:avLst>
               </a:prstGeom>
@@ -21334,45 +21370,7 @@
                   <a:rPr lang="en-US" altLang="zh-CN" sz="1600" dirty="0">
                     <a:latin typeface="Times New Roman" panose="02020603050405020304" pitchFamily="18" charset="0"/>
                   </a:rPr>
-                  <a:t>L-rate(Q, </a:t>
-                </a:r>
-                <a14:m>
-                  <m:oMath xmlns:m="http://schemas.openxmlformats.org/officeDocument/2006/math">
-                    <m:sSub>
-                      <m:sSubPr>
-                        <m:ctrlPr>
-                          <a:rPr lang="zh-CN" altLang="zh-CN" sz="1600" i="1">
-                            <a:latin typeface="Cambria Math" panose="02040503050406030204" pitchFamily="18" charset="0"/>
-                            <a:ea typeface="Cambria Math" panose="02040503050406030204" pitchFamily="18" charset="0"/>
-                          </a:rPr>
-                        </m:ctrlPr>
-                      </m:sSubPr>
-                      <m:e>
-                        <m:r>
-                          <a:rPr lang="en-US" altLang="zh-CN" sz="1600" i="1">
-                            <a:latin typeface="Cambria Math" panose="02040503050406030204" pitchFamily="18" charset="0"/>
-                            <a:cs typeface="Times New Roman" panose="02020603050405020304" pitchFamily="18" charset="0"/>
-                          </a:rPr>
-                          <m:t>𝑅</m:t>
-                        </m:r>
-                      </m:e>
-                      <m:sub>
-                        <m:r>
-                          <a:rPr lang="en-US" altLang="zh-CN" sz="1600" i="1">
-                            <a:latin typeface="Cambria Math" panose="02040503050406030204" pitchFamily="18" charset="0"/>
-                            <a:cs typeface="Times New Roman" panose="02020603050405020304" pitchFamily="18" charset="0"/>
-                          </a:rPr>
-                          <m:t>𝑒𝑓𝑓𝑒𝑐𝑡</m:t>
-                        </m:r>
-                      </m:sub>
-                    </m:sSub>
-                  </m:oMath>
-                </a14:m>
-                <a:r>
-                  <a:rPr lang="en-US" altLang="zh-CN" sz="1600" dirty="0">
-                    <a:latin typeface="Times New Roman" panose="02020603050405020304" pitchFamily="18" charset="0"/>
-                  </a:rPr>
-                  <a:t>)</a:t>
+                  <a:t>L-rate</a:t>
                 </a:r>
                 <a14:m>
                   <m:oMath xmlns:m="http://schemas.openxmlformats.org/officeDocument/2006/math">
@@ -21396,9 +21394,10 @@
                         <m:sSub>
                           <m:sSubPr>
                             <m:ctrlPr>
-                              <a:rPr lang="zh-CN" altLang="zh-CN" sz="1600" i="1">
+                              <a:rPr lang="en-US" altLang="zh-CN" sz="1600" i="1">
                                 <a:latin typeface="Cambria Math" panose="02040503050406030204" pitchFamily="18" charset="0"/>
-                                <a:ea typeface="Cambria Math" panose="02040503050406030204" pitchFamily="18" charset="0"/>
+                                <a:ea typeface="黑体" panose="02010609060101010101" pitchFamily="49" charset="-122"/>
+                                <a:cs typeface="Times New Roman" panose="02020603050405020304" pitchFamily="18" charset="0"/>
                               </a:rPr>
                             </m:ctrlPr>
                           </m:sSubPr>
@@ -21406,18 +21405,51 @@
                             <m:r>
                               <a:rPr lang="en-US" altLang="zh-CN" sz="1600" i="1">
                                 <a:latin typeface="Cambria Math" panose="02040503050406030204" pitchFamily="18" charset="0"/>
+                                <a:ea typeface="黑体" panose="02010609060101010101" pitchFamily="49" charset="-122"/>
                                 <a:cs typeface="Times New Roman" panose="02020603050405020304" pitchFamily="18" charset="0"/>
                               </a:rPr>
-                              <m:t>𝑅</m:t>
+                              <m:t>𝑟</m:t>
                             </m:r>
                           </m:e>
                           <m:sub>
                             <m:r>
                               <a:rPr lang="en-US" altLang="zh-CN" sz="1600" i="1">
                                 <a:latin typeface="Cambria Math" panose="02040503050406030204" pitchFamily="18" charset="0"/>
+                                <a:ea typeface="黑体" panose="02010609060101010101" pitchFamily="49" charset="-122"/>
                                 <a:cs typeface="Times New Roman" panose="02020603050405020304" pitchFamily="18" charset="0"/>
                               </a:rPr>
-                              <m:t>𝑒𝑓𝑓𝑒𝑐𝑡</m:t>
+                              <m:t>𝑖</m:t>
+                            </m:r>
+                          </m:sub>
+                        </m:sSub>
+                        <m:sSub>
+                          <m:sSubPr>
+                            <m:ctrlPr>
+                              <a:rPr lang="en-US" altLang="zh-CN" sz="1600" i="1">
+                                <a:latin typeface="Cambria Math" panose="02040503050406030204" pitchFamily="18" charset="0"/>
+                                <a:ea typeface="黑体" panose="02010609060101010101" pitchFamily="49" charset="-122"/>
+                                <a:cs typeface="Times New Roman" panose="02020603050405020304" pitchFamily="18" charset="0"/>
+                              </a:rPr>
+                            </m:ctrlPr>
+                          </m:sSubPr>
+                          <m:e>
+                            <m:r>
+                              <a:rPr lang="en-US" altLang="zh-CN" sz="1600" i="1">
+                                <a:latin typeface="Cambria Math" panose="02040503050406030204" pitchFamily="18" charset="0"/>
+                                <a:ea typeface="黑体" panose="02010609060101010101" pitchFamily="49" charset="-122"/>
+                                <a:cs typeface="Times New Roman" panose="02020603050405020304" pitchFamily="18" charset="0"/>
+                              </a:rPr>
+                              <m:t>𝑟</m:t>
+                            </m:r>
+                          </m:e>
+                          <m:sub>
+                            <m:r>
+                              <a:rPr lang="en-US" altLang="zh-CN" sz="1600" i="1">
+                                <a:latin typeface="Cambria Math" panose="02040503050406030204" pitchFamily="18" charset="0"/>
+                                <a:ea typeface="黑体" panose="02010609060101010101" pitchFamily="49" charset="-122"/>
+                                <a:cs typeface="Times New Roman" panose="02020603050405020304" pitchFamily="18" charset="0"/>
+                              </a:rPr>
+                              <m:t>𝑗</m:t>
                             </m:r>
                           </m:sub>
                         </m:sSub>
@@ -21462,7 +21494,20 @@
                     </m:f>
                   </m:oMath>
                 </a14:m>
-                <a:endParaRPr lang="zh-CN" altLang="en-US" sz="1600" dirty="0"/>
+                <a:endParaRPr lang="en-US" altLang="zh-CN" sz="1600" dirty="0" smtClean="0"/>
+              </a:p>
+              <a:p>
+                <a:r>
+                  <a:rPr lang="zh-CN" altLang="en-US" sz="1600" dirty="0" smtClean="0">
+                    <a:latin typeface="黑体" panose="02010609060101010101" pitchFamily="49" charset="-122"/>
+                    <a:ea typeface="黑体" panose="02010609060101010101" pitchFamily="49" charset="-122"/>
+                  </a:rPr>
+                  <a:t>使有效子轨迹长度尽量接近查询轨迹长度</a:t>
+                </a:r>
+                <a:endParaRPr lang="zh-CN" altLang="en-US" sz="1600" dirty="0">
+                  <a:latin typeface="黑体" panose="02010609060101010101" pitchFamily="49" charset="-122"/>
+                  <a:ea typeface="黑体" panose="02010609060101010101" pitchFamily="49" charset="-122"/>
+                </a:endParaRPr>
               </a:p>
             </p:txBody>
           </p:sp>
@@ -21470,7 +21515,7 @@
         <mc:Fallback xmlns="">
           <p:sp>
             <p:nvSpPr>
-              <p:cNvPr id="56" name="AutoShape 31"/>
+              <p:cNvPr id="34" name="AutoShape 31"/>
               <p:cNvSpPr>
                 <a:spLocks noRot="1" noChangeAspect="1" noMove="1" noResize="1" noEditPoints="1" noAdjustHandles="1" noChangeArrowheads="1" noChangeShapeType="1" noTextEdit="1"/>
               </p:cNvSpPr>
@@ -21478,18 +21523,18 @@
             </p:nvSpPr>
             <p:spPr bwMode="auto">
               <a:xfrm>
-                <a:off x="5027044" y="3314028"/>
-                <a:ext cx="3052403" cy="599418"/>
+                <a:off x="6255064" y="5283017"/>
+                <a:ext cx="2203437" cy="1133384"/>
               </a:xfrm>
               <a:prstGeom prst="wedgeRoundRectCallout">
                 <a:avLst>
-                  <a:gd name="adj1" fmla="val -99400"/>
-                  <a:gd name="adj2" fmla="val 206527"/>
+                  <a:gd name="adj1" fmla="val -54153"/>
+                  <a:gd name="adj2" fmla="val -83609"/>
                   <a:gd name="adj3" fmla="val 16667"/>
                 </a:avLst>
               </a:prstGeom>
               <a:blipFill>
-                <a:blip r:embed="rId7"/>
+                <a:blip r:embed="rId5"/>
                 <a:stretch>
                   <a:fillRect/>
                 </a:stretch>
@@ -21519,7 +21564,7 @@
     </p:spTree>
     <p:extLst>
       <p:ext uri="{BB962C8B-B14F-4D97-AF65-F5344CB8AC3E}">
-        <p14:creationId xmlns:p14="http://schemas.microsoft.com/office/powerpoint/2010/main" val="3700850625"/>
+        <p14:creationId xmlns:p14="http://schemas.microsoft.com/office/powerpoint/2010/main" val="1544284981"/>
       </p:ext>
     </p:extLst>
   </p:cSld>
@@ -21529,80 +21574,9 @@
   <p:timing>
     <p:tnLst>
       <p:par>
-        <p:cTn id="1" dur="indefinite" restart="never" nodeType="tmRoot">
-          <p:childTnLst>
-            <p:seq concurrent="1" nextAc="seek">
-              <p:cTn id="2" dur="indefinite" nodeType="mainSeq">
-                <p:childTnLst>
-                  <p:par>
-                    <p:cTn id="3" fill="hold">
-                      <p:stCondLst>
-                        <p:cond delay="indefinite"/>
-                      </p:stCondLst>
-                      <p:childTnLst>
-                        <p:par>
-                          <p:cTn id="4" fill="hold">
-                            <p:stCondLst>
-                              <p:cond delay="0"/>
-                            </p:stCondLst>
-                            <p:childTnLst>
-                              <p:par>
-                                <p:cTn id="5" presetID="1" presetClass="entr" presetSubtype="0" fill="hold" grpId="0" nodeType="clickEffect">
-                                  <p:stCondLst>
-                                    <p:cond delay="0"/>
-                                  </p:stCondLst>
-                                  <p:childTnLst>
-                                    <p:set>
-                                      <p:cBhvr>
-                                        <p:cTn id="6" dur="1" fill="hold">
-                                          <p:stCondLst>
-                                            <p:cond delay="0"/>
-                                          </p:stCondLst>
-                                        </p:cTn>
-                                        <p:tgtEl>
-                                          <p:spTgt spid="56"/>
-                                        </p:tgtEl>
-                                        <p:attrNameLst>
-                                          <p:attrName>style.visibility</p:attrName>
-                                        </p:attrNameLst>
-                                      </p:cBhvr>
-                                      <p:to>
-                                        <p:strVal val="visible"/>
-                                      </p:to>
-                                    </p:set>
-                                  </p:childTnLst>
-                                </p:cTn>
-                              </p:par>
-                            </p:childTnLst>
-                          </p:cTn>
-                        </p:par>
-                      </p:childTnLst>
-                    </p:cTn>
-                  </p:par>
-                </p:childTnLst>
-              </p:cTn>
-              <p:prevCondLst>
-                <p:cond evt="onPrev" delay="0">
-                  <p:tgtEl>
-                    <p:sldTgt/>
-                  </p:tgtEl>
-                </p:cond>
-              </p:prevCondLst>
-              <p:nextCondLst>
-                <p:cond evt="onNext" delay="0">
-                  <p:tgtEl>
-                    <p:sldTgt/>
-                  </p:tgtEl>
-                </p:cond>
-              </p:nextCondLst>
-            </p:seq>
-          </p:childTnLst>
-        </p:cTn>
+        <p:cTn id="1" dur="indefinite" restart="never" nodeType="tmRoot"/>
       </p:par>
     </p:tnLst>
-    <p:bldLst>
-      <p:bldP spid="56" grpId="0" animBg="1"/>
-    </p:bldLst>
   </p:timing>
 </p:sld>
 </file>
@@ -21624,6 +21598,36 @@
           <a:chExt cx="0" cy="0"/>
         </a:xfrm>
       </p:grpSpPr>
+      <p:pic>
+        <p:nvPicPr>
+          <p:cNvPr id="13" name="图片 12"/>
+          <p:cNvPicPr>
+            <a:picLocks noChangeAspect="1"/>
+          </p:cNvPicPr>
+          <p:nvPr/>
+        </p:nvPicPr>
+        <p:blipFill>
+          <a:blip r:embed="rId2" cstate="print">
+            <a:extLst>
+              <a:ext uri="{28A0092B-C50C-407E-A947-70E740481C1C}">
+                <a14:useLocalDpi xmlns:a14="http://schemas.microsoft.com/office/drawing/2010/main" val="0"/>
+              </a:ext>
+            </a:extLst>
+          </a:blip>
+          <a:stretch>
+            <a:fillRect/>
+          </a:stretch>
+        </p:blipFill>
+        <p:spPr>
+          <a:xfrm>
+            <a:off x="4486535" y="1636757"/>
+            <a:ext cx="4114969" cy="3086227"/>
+          </a:xfrm>
+          <a:prstGeom prst="rect">
+            <a:avLst/>
+          </a:prstGeom>
+        </p:spPr>
+      </p:pic>
       <p:grpSp>
         <p:nvGrpSpPr>
           <p:cNvPr id="2" name="组合 1"/>
@@ -21717,7 +21721,7 @@
             <p:nvPr/>
           </p:nvPicPr>
           <p:blipFill rotWithShape="1">
-            <a:blip r:embed="rId2">
+            <a:blip r:embed="rId3">
               <a:extLst>
                 <a:ext uri="{28A0092B-C50C-407E-A947-70E740481C1C}">
                   <a14:useLocalDpi xmlns:a14="http://schemas.microsoft.com/office/drawing/2010/main" val="0"/>
@@ -21804,121 +21808,76 @@
           </a:p>
         </p:txBody>
       </p:sp>
-      <p:grpSp>
-        <p:nvGrpSpPr>
-          <p:cNvPr id="13" name="组合 12"/>
-          <p:cNvGrpSpPr/>
+      <p:pic>
+        <p:nvPicPr>
+          <p:cNvPr id="9" name="图片 8"/>
+          <p:cNvPicPr>
+            <a:picLocks noChangeAspect="1"/>
+          </p:cNvPicPr>
           <p:nvPr/>
-        </p:nvGrpSpPr>
-        <p:grpSpPr>
+        </p:nvPicPr>
+        <p:blipFill>
+          <a:blip r:embed="rId4" cstate="print">
+            <a:extLst>
+              <a:ext uri="{28A0092B-C50C-407E-A947-70E740481C1C}">
+                <a14:useLocalDpi xmlns:a14="http://schemas.microsoft.com/office/drawing/2010/main" val="0"/>
+              </a:ext>
+            </a:extLst>
+          </a:blip>
+          <a:stretch>
+            <a:fillRect/>
+          </a:stretch>
+        </p:blipFill>
+        <p:spPr>
           <a:xfrm>
-            <a:off x="440746" y="1737742"/>
-            <a:ext cx="8205357" cy="2820940"/>
-            <a:chOff x="327803" y="1288032"/>
-            <a:chExt cx="8205357" cy="2820940"/>
+            <a:off x="371733" y="1555931"/>
+            <a:ext cx="4045790" cy="3034342"/>
           </a:xfrm>
-        </p:grpSpPr>
-        <p:pic>
-          <p:nvPicPr>
-            <p:cNvPr id="8" name="图片 7"/>
-            <p:cNvPicPr>
-              <a:picLocks noChangeAspect="1"/>
-            </p:cNvPicPr>
-            <p:nvPr/>
-          </p:nvPicPr>
-          <p:blipFill>
-            <a:blip r:embed="rId3" cstate="print">
-              <a:extLst>
-                <a:ext uri="{28A0092B-C50C-407E-A947-70E740481C1C}">
-                  <a14:useLocalDpi xmlns:a14="http://schemas.microsoft.com/office/drawing/2010/main" val="0"/>
-                </a:ext>
-              </a:extLst>
-            </a:blip>
-            <a:stretch>
-              <a:fillRect/>
-            </a:stretch>
-          </p:blipFill>
-          <p:spPr>
-            <a:xfrm>
-              <a:off x="4771908" y="1288033"/>
-              <a:ext cx="3761252" cy="2820939"/>
-            </a:xfrm>
-            <a:prstGeom prst="rect">
-              <a:avLst/>
-            </a:prstGeom>
-          </p:spPr>
-        </p:pic>
-        <p:pic>
-          <p:nvPicPr>
-            <p:cNvPr id="9" name="图片 8"/>
-            <p:cNvPicPr>
-              <a:picLocks noChangeAspect="1"/>
-            </p:cNvPicPr>
-            <p:nvPr/>
-          </p:nvPicPr>
-          <p:blipFill>
-            <a:blip r:embed="rId4" cstate="print">
-              <a:extLst>
-                <a:ext uri="{28A0092B-C50C-407E-A947-70E740481C1C}">
-                  <a14:useLocalDpi xmlns:a14="http://schemas.microsoft.com/office/drawing/2010/main" val="0"/>
-                </a:ext>
-              </a:extLst>
-            </a:blip>
-            <a:stretch>
-              <a:fillRect/>
-            </a:stretch>
-          </p:blipFill>
-          <p:spPr>
-            <a:xfrm>
-              <a:off x="327803" y="1288032"/>
-              <a:ext cx="3761252" cy="2820939"/>
-            </a:xfrm>
-            <a:prstGeom prst="rect">
-              <a:avLst/>
-            </a:prstGeom>
-          </p:spPr>
-        </p:pic>
-        <p:sp>
-          <p:nvSpPr>
-            <p:cNvPr id="10" name="右箭头 9"/>
-            <p:cNvSpPr/>
-            <p:nvPr/>
-          </p:nvSpPr>
-          <p:spPr>
-            <a:xfrm>
-              <a:off x="4089055" y="2517346"/>
-              <a:ext cx="284537" cy="362310"/>
-            </a:xfrm>
-            <a:prstGeom prst="rightArrow">
-              <a:avLst/>
-            </a:prstGeom>
-          </p:spPr>
-          <p:style>
-            <a:lnRef idx="2">
-              <a:schemeClr val="accent1">
-                <a:shade val="50000"/>
-              </a:schemeClr>
-            </a:lnRef>
-            <a:fillRef idx="1">
-              <a:schemeClr val="accent1"/>
-            </a:fillRef>
-            <a:effectRef idx="0">
-              <a:schemeClr val="accent1"/>
-            </a:effectRef>
-            <a:fontRef idx="minor">
-              <a:schemeClr val="lt1"/>
-            </a:fontRef>
-          </p:style>
-          <p:txBody>
-            <a:bodyPr rtlCol="0" anchor="ctr"/>
-            <a:lstStyle/>
-            <a:p>
-              <a:pPr algn="ctr"/>
-              <a:endParaRPr lang="zh-CN" altLang="en-US"/>
-            </a:p>
-          </p:txBody>
-        </p:sp>
-      </p:grpSp>
+          <a:prstGeom prst="rect">
+            <a:avLst/>
+          </a:prstGeom>
+        </p:spPr>
+      </p:pic>
+      <p:sp>
+        <p:nvSpPr>
+          <p:cNvPr id="10" name="右箭头 9"/>
+          <p:cNvSpPr/>
+          <p:nvPr/>
+        </p:nvSpPr>
+        <p:spPr>
+          <a:xfrm>
+            <a:off x="4201998" y="2967056"/>
+            <a:ext cx="284537" cy="362310"/>
+          </a:xfrm>
+          <a:prstGeom prst="rightArrow">
+            <a:avLst/>
+          </a:prstGeom>
+        </p:spPr>
+        <p:style>
+          <a:lnRef idx="2">
+            <a:schemeClr val="accent1">
+              <a:shade val="50000"/>
+            </a:schemeClr>
+          </a:lnRef>
+          <a:fillRef idx="1">
+            <a:schemeClr val="accent1"/>
+          </a:fillRef>
+          <a:effectRef idx="0">
+            <a:schemeClr val="accent1"/>
+          </a:effectRef>
+          <a:fontRef idx="minor">
+            <a:schemeClr val="lt1"/>
+          </a:fontRef>
+        </p:style>
+        <p:txBody>
+          <a:bodyPr rtlCol="0" anchor="ctr"/>
+          <a:lstStyle/>
+          <a:p>
+            <a:pPr algn="ctr"/>
+            <a:endParaRPr lang="zh-CN" altLang="en-US"/>
+          </a:p>
+        </p:txBody>
+      </p:sp>
       <p:sp>
         <p:nvSpPr>
           <p:cNvPr id="11" name="TextBox 40"/>
@@ -21930,7 +21889,7 @@
         <p:spPr bwMode="auto">
           <a:xfrm>
             <a:off x="634885" y="5125257"/>
-            <a:ext cx="7134225" cy="945900"/>
+            <a:ext cx="7134225" cy="1200329"/>
           </a:xfrm>
           <a:prstGeom prst="rect">
             <a:avLst/>
@@ -22076,7 +22035,53 @@
                 <a:ea typeface="黑体" panose="02010609060101010101" pitchFamily="49" charset="-122"/>
                 <a:cs typeface="Times New Roman" panose="02020603050405020304" pitchFamily="18" charset="0"/>
               </a:rPr>
-              <a:t>使用有效子轨迹替代数据轨迹整体的作用：</a:t>
+              <a:t>有效子轨迹作用：</a:t>
+            </a:r>
+            <a:endParaRPr lang="en-US" altLang="zh-CN" dirty="0" smtClean="0">
+              <a:solidFill>
+                <a:srgbClr val="0070C0"/>
+              </a:solidFill>
+              <a:latin typeface="Times New Roman" panose="02020603050405020304" pitchFamily="18" charset="0"/>
+              <a:ea typeface="黑体" panose="02010609060101010101" pitchFamily="49" charset="-122"/>
+              <a:cs typeface="Times New Roman" panose="02020603050405020304" pitchFamily="18" charset="0"/>
+            </a:endParaRPr>
+          </a:p>
+          <a:p>
+            <a:pPr>
+              <a:defRPr/>
+            </a:pPr>
+            <a:r>
+              <a:rPr lang="en-US" altLang="zh-CN" dirty="0" smtClean="0">
+                <a:solidFill>
+                  <a:srgbClr val="0070C0"/>
+                </a:solidFill>
+                <a:latin typeface="Times New Roman" panose="02020603050405020304" pitchFamily="18" charset="0"/>
+                <a:ea typeface="黑体" panose="02010609060101010101" pitchFamily="49" charset="-122"/>
+                <a:cs typeface="Times New Roman" panose="02020603050405020304" pitchFamily="18" charset="0"/>
+              </a:rPr>
+              <a:t>        </a:t>
+            </a:r>
+            <a:r>
+              <a:rPr lang="en-US" altLang="zh-CN" dirty="0" smtClean="0">
+                <a:solidFill>
+                  <a:srgbClr val="000000"/>
+                </a:solidFill>
+                <a:latin typeface="Times New Roman" panose="02020603050405020304" pitchFamily="18" charset="0"/>
+                <a:ea typeface="黑体" panose="02010609060101010101" pitchFamily="49" charset="-122"/>
+                <a:cs typeface="Times New Roman" panose="02020603050405020304" pitchFamily="18" charset="0"/>
+              </a:rPr>
+              <a:t>−</a:t>
+            </a:r>
+            <a:r>
+              <a:rPr lang="zh-CN" altLang="en-US" dirty="0" smtClean="0">
+                <a:solidFill>
+                  <a:srgbClr val="000000"/>
+                </a:solidFill>
+                <a:latin typeface="Times New Roman" panose="02020603050405020304" pitchFamily="18" charset="0"/>
+                <a:ea typeface="黑体" panose="02010609060101010101" pitchFamily="49" charset="-122"/>
+                <a:cs typeface="Times New Roman" panose="02020603050405020304" pitchFamily="18" charset="0"/>
+              </a:rPr>
+              <a:t>代表了数据轨迹中与查询轨迹最相似的部分</a:t>
             </a:r>
             <a:endParaRPr lang="en-US" altLang="zh-CN" dirty="0" smtClean="0">
               <a:solidFill>
@@ -22111,7 +22116,7 @@
                 <a:ea typeface="黑体" panose="02010609060101010101" pitchFamily="49" charset="-122"/>
                 <a:cs typeface="Times New Roman" panose="02020603050405020304" pitchFamily="18" charset="0"/>
               </a:rPr>
-              <a:t>对冗余轨迹段进行剪枝，减小对相似性计算结果的影响</a:t>
+              <a:t>对冗余轨迹段进行剪枝，减小其对相似性计算结果的影响</a:t>
             </a:r>
             <a:endParaRPr lang="en-US" altLang="zh-CN" dirty="0" smtClean="0">
               <a:solidFill>
@@ -22146,7 +22151,7 @@
                 <a:ea typeface="黑体" panose="02010609060101010101" pitchFamily="49" charset="-122"/>
                 <a:cs typeface="Times New Roman" panose="02020603050405020304" pitchFamily="18" charset="0"/>
               </a:rPr>
-              <a:t>获得与查询轨迹最相似的部分，使查询结果更</a:t>
+              <a:t>使轨迹相似性计算结果</a:t>
             </a:r>
             <a:r>
               <a:rPr lang="zh-CN" altLang="en-US" dirty="0" smtClean="0">
@@ -22157,12 +22162,17 @@
                 <a:ea typeface="黑体" panose="02010609060101010101" pitchFamily="49" charset="-122"/>
                 <a:cs typeface="Times New Roman" panose="02020603050405020304" pitchFamily="18" charset="0"/>
               </a:rPr>
-              <a:t>准确</a:t>
+              <a:t>更准确</a:t>
+            </a:r>
+            <a:r>
+              <a:rPr lang="zh-CN" altLang="en-US" dirty="0" smtClean="0">
+                <a:latin typeface="Times New Roman" panose="02020603050405020304" pitchFamily="18" charset="0"/>
+                <a:ea typeface="黑体" panose="02010609060101010101" pitchFamily="49" charset="-122"/>
+                <a:cs typeface="Times New Roman" panose="02020603050405020304" pitchFamily="18" charset="0"/>
+              </a:rPr>
+              <a:t>，更能反映真实情况</a:t>
             </a:r>
             <a:endParaRPr lang="zh-CN" altLang="en-US" dirty="0">
-              <a:solidFill>
-                <a:schemeClr val="accent5"/>
-              </a:solidFill>
               <a:latin typeface="Times New Roman" panose="02020603050405020304" pitchFamily="18" charset="0"/>
               <a:ea typeface="黑体" panose="02010609060101010101" pitchFamily="49" charset="-122"/>
               <a:cs typeface="Times New Roman" panose="02020603050405020304" pitchFamily="18" charset="0"/>
@@ -22609,126 +22619,9 @@
   <p:timing>
     <p:tnLst>
       <p:par>
-        <p:cTn id="1" dur="indefinite" restart="never" nodeType="tmRoot">
-          <p:childTnLst>
-            <p:seq concurrent="1" nextAc="seek">
-              <p:cTn id="2" dur="indefinite" nodeType="mainSeq">
-                <p:childTnLst>
-                  <p:par>
-                    <p:cTn id="3" fill="hold">
-                      <p:stCondLst>
-                        <p:cond delay="indefinite"/>
-                      </p:stCondLst>
-                      <p:childTnLst>
-                        <p:par>
-                          <p:cTn id="4" fill="hold">
-                            <p:stCondLst>
-                              <p:cond delay="0"/>
-                            </p:stCondLst>
-                            <p:childTnLst>
-                              <p:par>
-                                <p:cTn id="5" presetID="1" presetClass="entr" presetSubtype="0" fill="hold" grpId="0" nodeType="clickEffect">
-                                  <p:stCondLst>
-                                    <p:cond delay="0"/>
-                                  </p:stCondLst>
-                                  <p:childTnLst>
-                                    <p:set>
-                                      <p:cBhvr>
-                                        <p:cTn id="6" dur="1" fill="hold">
-                                          <p:stCondLst>
-                                            <p:cond delay="0"/>
-                                          </p:stCondLst>
-                                        </p:cTn>
-                                        <p:tgtEl>
-                                          <p:spTgt spid="11"/>
-                                        </p:tgtEl>
-                                        <p:attrNameLst>
-                                          <p:attrName>style.visibility</p:attrName>
-                                        </p:attrNameLst>
-                                      </p:cBhvr>
-                                      <p:to>
-                                        <p:strVal val="visible"/>
-                                      </p:to>
-                                    </p:set>
-                                  </p:childTnLst>
-                                </p:cTn>
-                              </p:par>
-                            </p:childTnLst>
-                          </p:cTn>
-                        </p:par>
-                      </p:childTnLst>
-                    </p:cTn>
-                  </p:par>
-                  <p:par>
-                    <p:cTn id="7" fill="hold">
-                      <p:stCondLst>
-                        <p:cond delay="indefinite"/>
-                      </p:stCondLst>
-                      <p:childTnLst>
-                        <p:par>
-                          <p:cTn id="8" fill="hold">
-                            <p:stCondLst>
-                              <p:cond delay="0"/>
-                            </p:stCondLst>
-                            <p:childTnLst>
-                              <p:par>
-                                <p:cTn id="9" presetID="1" presetClass="entr" presetSubtype="0" fill="hold" grpId="0" nodeType="clickEffect">
-                                  <p:stCondLst>
-                                    <p:cond delay="0"/>
-                                  </p:stCondLst>
-                                  <p:childTnLst>
-                                    <p:set>
-                                      <p:cBhvr>
-                                        <p:cTn id="10" dur="1" fill="hold">
-                                          <p:stCondLst>
-                                            <p:cond delay="0"/>
-                                          </p:stCondLst>
-                                        </p:cTn>
-                                        <p:tgtEl>
-                                          <p:spTgt spid="14"/>
-                                        </p:tgtEl>
-                                        <p:attrNameLst>
-                                          <p:attrName>style.visibility</p:attrName>
-                                        </p:attrNameLst>
-                                      </p:cBhvr>
-                                      <p:to>
-                                        <p:strVal val="visible"/>
-                                      </p:to>
-                                    </p:set>
-                                  </p:childTnLst>
-                                </p:cTn>
-                              </p:par>
-                            </p:childTnLst>
-                          </p:cTn>
-                        </p:par>
-                      </p:childTnLst>
-                    </p:cTn>
-                  </p:par>
-                </p:childTnLst>
-              </p:cTn>
-              <p:prevCondLst>
-                <p:cond evt="onPrev" delay="0">
-                  <p:tgtEl>
-                    <p:sldTgt/>
-                  </p:tgtEl>
-                </p:cond>
-              </p:prevCondLst>
-              <p:nextCondLst>
-                <p:cond evt="onNext" delay="0">
-                  <p:tgtEl>
-                    <p:sldTgt/>
-                  </p:tgtEl>
-                </p:cond>
-              </p:nextCondLst>
-            </p:seq>
-          </p:childTnLst>
-        </p:cTn>
+        <p:cTn id="1" dur="indefinite" restart="never" nodeType="tmRoot"/>
       </p:par>
     </p:tnLst>
-    <p:bldLst>
-      <p:bldP spid="11" grpId="0" animBg="1"/>
-      <p:bldP spid="14" grpId="0" animBg="1"/>
-    </p:bldLst>
   </p:timing>
 </p:sld>
 </file>
@@ -22750,36 +22643,6 @@
           <a:chExt cx="0" cy="0"/>
         </a:xfrm>
       </p:grpSpPr>
-      <p:pic>
-        <p:nvPicPr>
-          <p:cNvPr id="36" name="图片 35"/>
-          <p:cNvPicPr>
-            <a:picLocks noChangeAspect="1"/>
-          </p:cNvPicPr>
-          <p:nvPr/>
-        </p:nvPicPr>
-        <p:blipFill>
-          <a:blip r:embed="rId2">
-            <a:extLst>
-              <a:ext uri="{28A0092B-C50C-407E-A947-70E740481C1C}">
-                <a14:useLocalDpi xmlns:a14="http://schemas.microsoft.com/office/drawing/2010/main" val="0"/>
-              </a:ext>
-            </a:extLst>
-          </a:blip>
-          <a:stretch>
-            <a:fillRect/>
-          </a:stretch>
-        </p:blipFill>
-        <p:spPr>
-          <a:xfrm>
-            <a:off x="583900" y="1288033"/>
-            <a:ext cx="7919049" cy="3994487"/>
-          </a:xfrm>
-          <a:prstGeom prst="rect">
-            <a:avLst/>
-          </a:prstGeom>
-        </p:spPr>
-      </p:pic>
       <p:grpSp>
         <p:nvGrpSpPr>
           <p:cNvPr id="2" name="组合 1"/>
@@ -22873,7 +22736,7 @@
             <p:nvPr/>
           </p:nvPicPr>
           <p:blipFill rotWithShape="1">
-            <a:blip r:embed="rId3">
+            <a:blip r:embed="rId2">
               <a:extLst>
                 <a:ext uri="{28A0092B-C50C-407E-A947-70E740481C1C}">
                   <a14:useLocalDpi xmlns:a14="http://schemas.microsoft.com/office/drawing/2010/main" val="0"/>
@@ -23005,66 +22868,1129 @@
                 <a:ea typeface="黑体" panose="02010609060101010101" pitchFamily="49" charset="-122"/>
                 <a:cs typeface="Times New Roman" panose="02020603050405020304" pitchFamily="18" charset="0"/>
               </a:rPr>
-              <a:t>轨迹</a:t>
+              <a:t>轨迹相似性查询</a:t>
             </a:r>
-            <a:r>
-              <a:rPr lang="zh-CN" altLang="en-US" dirty="0">
-                <a:latin typeface="Times New Roman" panose="02020603050405020304" pitchFamily="18" charset="0"/>
-                <a:ea typeface="黑体" panose="02010609060101010101" pitchFamily="49" charset="-122"/>
-                <a:cs typeface="Times New Roman" panose="02020603050405020304" pitchFamily="18" charset="0"/>
-              </a:rPr>
-              <a:t>相似性查询</a:t>
-            </a:r>
-            <a:endParaRPr lang="zh-CN" altLang="en-US" dirty="0" smtClean="0">
-              <a:latin typeface="Times New Roman" panose="02020603050405020304" pitchFamily="18" charset="0"/>
-              <a:ea typeface="黑体" panose="02010609060101010101" pitchFamily="49" charset="-122"/>
-              <a:cs typeface="Times New Roman" panose="02020603050405020304" pitchFamily="18" charset="0"/>
-            </a:endParaRPr>
           </a:p>
         </p:txBody>
       </p:sp>
-      <p:sp>
-        <p:nvSpPr>
-          <p:cNvPr id="34" name="文本框 33"/>
-          <p:cNvSpPr txBox="1"/>
+      <mc:AlternateContent xmlns:mc="http://schemas.openxmlformats.org/markup-compatibility/2006" xmlns:a14="http://schemas.microsoft.com/office/drawing/2010/main">
+        <mc:Choice Requires="a14">
+          <p:sp>
+            <p:nvSpPr>
+              <p:cNvPr id="34" name="文本框 33"/>
+              <p:cNvSpPr txBox="1"/>
+              <p:nvPr/>
+            </p:nvSpPr>
+            <p:spPr>
+              <a:xfrm>
+                <a:off x="628650" y="1066172"/>
+                <a:ext cx="8066776" cy="1569660"/>
+              </a:xfrm>
+              <a:prstGeom prst="rect">
+                <a:avLst/>
+              </a:prstGeom>
+              <a:noFill/>
+            </p:spPr>
+            <p:txBody>
+              <a:bodyPr wrap="square" rtlCol="0">
+                <a:spAutoFit/>
+              </a:bodyPr>
+              <a:lstStyle/>
+              <a:p>
+                <a:r>
+                  <a:rPr lang="zh-CN" altLang="en-US" sz="1600" b="1" dirty="0" smtClean="0">
+                    <a:solidFill>
+                      <a:schemeClr val="tx1"/>
+                    </a:solidFill>
+                    <a:latin typeface="黑体" panose="02010609060101010101" pitchFamily="49" charset="-122"/>
+                    <a:ea typeface="黑体" panose="02010609060101010101" pitchFamily="49" charset="-122"/>
+                  </a:rPr>
+                  <a:t>时空轨迹相似性查询算法</a:t>
+                </a:r>
+                <a:r>
+                  <a:rPr lang="en-US" altLang="zh-CN" sz="1600" b="1" smtClean="0">
+                    <a:solidFill>
+                      <a:schemeClr val="tx1"/>
+                    </a:solidFill>
+                    <a:latin typeface="黑体" panose="02010609060101010101" pitchFamily="49" charset="-122"/>
+                    <a:ea typeface="黑体" panose="02010609060101010101" pitchFamily="49" charset="-122"/>
+                  </a:rPr>
+                  <a:t>(STSQ)</a:t>
+                </a:r>
+                <a:endParaRPr lang="en-US" altLang="zh-CN" sz="1600" b="1" dirty="0" smtClean="0">
+                  <a:solidFill>
+                    <a:schemeClr val="tx1"/>
+                  </a:solidFill>
+                  <a:latin typeface="黑体" panose="02010609060101010101" pitchFamily="49" charset="-122"/>
+                  <a:ea typeface="黑体" panose="02010609060101010101" pitchFamily="49" charset="-122"/>
+                </a:endParaRPr>
+              </a:p>
+              <a:p>
+                <a:r>
+                  <a:rPr lang="zh-CN" altLang="en-US" sz="1600" b="1" dirty="0" smtClean="0">
+                    <a:solidFill>
+                      <a:schemeClr val="tx1"/>
+                    </a:solidFill>
+                    <a:latin typeface="黑体" panose="02010609060101010101" pitchFamily="49" charset="-122"/>
+                    <a:ea typeface="黑体" panose="02010609060101010101" pitchFamily="49" charset="-122"/>
+                  </a:rPr>
+                  <a:t>输入：</a:t>
+                </a:r>
+                <a:r>
+                  <a:rPr lang="zh-CN" altLang="en-US" sz="1600" dirty="0" smtClean="0">
+                    <a:solidFill>
+                      <a:schemeClr val="tx1"/>
+                    </a:solidFill>
+                    <a:latin typeface="黑体" panose="02010609060101010101" pitchFamily="49" charset="-122"/>
+                    <a:ea typeface="黑体" panose="02010609060101010101" pitchFamily="49" charset="-122"/>
+                  </a:rPr>
+                  <a:t>查询轨迹</a:t>
+                </a:r>
+                <a:r>
+                  <a:rPr lang="en-US" altLang="zh-CN" sz="1600" dirty="0" smtClean="0">
+                    <a:solidFill>
+                      <a:schemeClr val="tx1"/>
+                    </a:solidFill>
+                    <a:latin typeface="黑体" panose="02010609060101010101" pitchFamily="49" charset="-122"/>
+                    <a:ea typeface="黑体" panose="02010609060101010101" pitchFamily="49" charset="-122"/>
+                  </a:rPr>
+                  <a:t>Q</a:t>
+                </a:r>
+                <a:r>
+                  <a:rPr lang="zh-CN" altLang="en-US" sz="1600" dirty="0" smtClean="0">
+                    <a:solidFill>
+                      <a:schemeClr val="tx1"/>
+                    </a:solidFill>
+                    <a:latin typeface="黑体" panose="02010609060101010101" pitchFamily="49" charset="-122"/>
+                    <a:ea typeface="黑体" panose="02010609060101010101" pitchFamily="49" charset="-122"/>
+                  </a:rPr>
+                  <a:t>，数据轨迹集</a:t>
+                </a:r>
+                <a14:m>
+                  <m:oMath xmlns:m="http://schemas.openxmlformats.org/officeDocument/2006/math">
+                    <m:r>
+                      <a:rPr lang="zh-CN" altLang="en-US" sz="1600" i="1" smtClean="0">
+                        <a:solidFill>
+                          <a:schemeClr val="tx1"/>
+                        </a:solidFill>
+                        <a:latin typeface="Cambria Math" panose="02040503050406030204" pitchFamily="18" charset="0"/>
+                      </a:rPr>
+                      <m:t>𝑇</m:t>
+                    </m:r>
+                  </m:oMath>
+                </a14:m>
+                <a:endParaRPr lang="en-US" altLang="zh-CN" sz="1600" dirty="0" smtClean="0">
+                  <a:solidFill>
+                    <a:schemeClr val="tx1"/>
+                  </a:solidFill>
+                  <a:latin typeface="黑体" panose="02010609060101010101" pitchFamily="49" charset="-122"/>
+                  <a:ea typeface="黑体" panose="02010609060101010101" pitchFamily="49" charset="-122"/>
+                </a:endParaRPr>
+              </a:p>
+              <a:p>
+                <a:r>
+                  <a:rPr lang="zh-CN" altLang="en-US" sz="1600" b="1" dirty="0" smtClean="0">
+                    <a:solidFill>
+                      <a:schemeClr val="tx1"/>
+                    </a:solidFill>
+                    <a:latin typeface="黑体" panose="02010609060101010101" pitchFamily="49" charset="-122"/>
+                    <a:ea typeface="黑体" panose="02010609060101010101" pitchFamily="49" charset="-122"/>
+                  </a:rPr>
+                  <a:t>输出：</a:t>
+                </a:r>
+                <a:r>
+                  <a:rPr lang="zh-CN" altLang="en-US" sz="1600" dirty="0" smtClean="0">
+                    <a:solidFill>
+                      <a:schemeClr val="tx1"/>
+                    </a:solidFill>
+                    <a:latin typeface="黑体" panose="02010609060101010101" pitchFamily="49" charset="-122"/>
+                    <a:ea typeface="黑体" panose="02010609060101010101" pitchFamily="49" charset="-122"/>
+                  </a:rPr>
+                  <a:t>与</a:t>
+                </a:r>
+                <a:r>
+                  <a:rPr lang="en-US" altLang="zh-CN" sz="1600" dirty="0" smtClean="0">
+                    <a:solidFill>
+                      <a:schemeClr val="tx1"/>
+                    </a:solidFill>
+                    <a:latin typeface="黑体" panose="02010609060101010101" pitchFamily="49" charset="-122"/>
+                    <a:ea typeface="黑体" panose="02010609060101010101" pitchFamily="49" charset="-122"/>
+                  </a:rPr>
+                  <a:t>Q</a:t>
+                </a:r>
+                <a:r>
+                  <a:rPr lang="zh-CN" altLang="en-US" sz="1600" dirty="0" smtClean="0">
+                    <a:solidFill>
+                      <a:schemeClr val="tx1"/>
+                    </a:solidFill>
+                    <a:latin typeface="黑体" panose="02010609060101010101" pitchFamily="49" charset="-122"/>
+                    <a:ea typeface="黑体" panose="02010609060101010101" pitchFamily="49" charset="-122"/>
+                  </a:rPr>
+                  <a:t>相似的轨迹集</a:t>
+                </a:r>
+                <a14:m>
+                  <m:oMath xmlns:m="http://schemas.openxmlformats.org/officeDocument/2006/math">
+                    <m:r>
+                      <a:rPr lang="zh-CN" altLang="en-US" sz="1600" i="1">
+                        <a:latin typeface="Cambria Math" panose="02040503050406030204" pitchFamily="18" charset="0"/>
+                      </a:rPr>
+                      <m:t>𝑇</m:t>
+                    </m:r>
+                    <m:r>
+                      <a:rPr lang="en-US" altLang="zh-CN" sz="1600" b="0" i="1" smtClean="0">
+                        <a:latin typeface="Cambria Math" panose="02040503050406030204" pitchFamily="18" charset="0"/>
+                      </a:rPr>
+                      <m:t>_</m:t>
+                    </m:r>
+                    <m:r>
+                      <a:rPr lang="en-US" altLang="zh-CN" sz="1600" b="0" i="1" smtClean="0">
+                        <a:latin typeface="Cambria Math" panose="02040503050406030204" pitchFamily="18" charset="0"/>
+                      </a:rPr>
+                      <m:t>𝑟𝑒𝑠𝑢𝑙𝑡</m:t>
+                    </m:r>
+                  </m:oMath>
+                </a14:m>
+                <a:endParaRPr lang="en-US" altLang="zh-CN" sz="1600" dirty="0" smtClean="0">
+                  <a:solidFill>
+                    <a:schemeClr val="tx1"/>
+                  </a:solidFill>
+                  <a:latin typeface="黑体" panose="02010609060101010101" pitchFamily="49" charset="-122"/>
+                  <a:ea typeface="黑体" panose="02010609060101010101" pitchFamily="49" charset="-122"/>
+                </a:endParaRPr>
+              </a:p>
+              <a:p>
+                <a:r>
+                  <a:rPr lang="zh-CN" altLang="en-US" sz="1600" dirty="0" smtClean="0">
+                    <a:solidFill>
+                      <a:schemeClr val="tx1"/>
+                    </a:solidFill>
+                    <a:latin typeface="黑体" panose="02010609060101010101" pitchFamily="49" charset="-122"/>
+                    <a:ea typeface="黑体" panose="02010609060101010101" pitchFamily="49" charset="-122"/>
+                  </a:rPr>
+                  <a:t>    将</a:t>
+                </a:r>
+                <a:r>
+                  <a:rPr lang="en-US" altLang="zh-CN" sz="1600" dirty="0" smtClean="0">
+                    <a:solidFill>
+                      <a:schemeClr val="tx1"/>
+                    </a:solidFill>
+                    <a:latin typeface="黑体" panose="02010609060101010101" pitchFamily="49" charset="-122"/>
+                    <a:ea typeface="黑体" panose="02010609060101010101" pitchFamily="49" charset="-122"/>
+                  </a:rPr>
+                  <a:t>Q</a:t>
+                </a:r>
+                <a:r>
+                  <a:rPr lang="zh-CN" altLang="en-US" sz="1600" dirty="0" smtClean="0">
+                    <a:solidFill>
+                      <a:schemeClr val="tx1"/>
+                    </a:solidFill>
+                    <a:latin typeface="黑体" panose="02010609060101010101" pitchFamily="49" charset="-122"/>
+                    <a:ea typeface="黑体" panose="02010609060101010101" pitchFamily="49" charset="-122"/>
+                  </a:rPr>
+                  <a:t>和</a:t>
+                </a:r>
+                <a14:m>
+                  <m:oMath xmlns:m="http://schemas.openxmlformats.org/officeDocument/2006/math">
+                    <m:r>
+                      <a:rPr lang="zh-CN" altLang="en-US" sz="1600" i="1">
+                        <a:latin typeface="Cambria Math" panose="02040503050406030204" pitchFamily="18" charset="0"/>
+                      </a:rPr>
+                      <m:t>𝑇</m:t>
+                    </m:r>
+                  </m:oMath>
+                </a14:m>
+                <a:r>
+                  <a:rPr lang="zh-CN" altLang="en-US" sz="1600" dirty="0" smtClean="0">
+                    <a:solidFill>
+                      <a:schemeClr val="tx1"/>
+                    </a:solidFill>
+                    <a:latin typeface="黑体" panose="02010609060101010101" pitchFamily="49" charset="-122"/>
+                    <a:ea typeface="黑体" panose="02010609060101010101" pitchFamily="49" charset="-122"/>
+                  </a:rPr>
+                  <a:t>中所有数据轨迹进行时空归一化</a:t>
+                </a:r>
+                <a:endParaRPr lang="en-US" altLang="zh-CN" sz="1600" dirty="0" smtClean="0">
+                  <a:solidFill>
+                    <a:schemeClr val="tx1"/>
+                  </a:solidFill>
+                  <a:latin typeface="黑体" panose="02010609060101010101" pitchFamily="49" charset="-122"/>
+                  <a:ea typeface="黑体" panose="02010609060101010101" pitchFamily="49" charset="-122"/>
+                </a:endParaRPr>
+              </a:p>
+              <a:p>
+                <a:r>
+                  <a:rPr lang="zh-CN" altLang="en-US" sz="1600" dirty="0" smtClean="0">
+                    <a:solidFill>
+                      <a:schemeClr val="tx1"/>
+                    </a:solidFill>
+                    <a:latin typeface="黑体" panose="02010609060101010101" pitchFamily="49" charset="-122"/>
+                    <a:ea typeface="黑体" panose="02010609060101010101" pitchFamily="49" charset="-122"/>
+                  </a:rPr>
+                  <a:t>    </a:t>
+                </a:r>
+                <a:r>
+                  <a:rPr lang="zh-CN" altLang="en-US" sz="1600" dirty="0" smtClean="0">
+                    <a:latin typeface="黑体" panose="02010609060101010101" pitchFamily="49" charset="-122"/>
+                    <a:ea typeface="黑体" panose="02010609060101010101" pitchFamily="49" charset="-122"/>
+                  </a:rPr>
+                  <a:t>计算</a:t>
+                </a:r>
+                <a:r>
+                  <a:rPr lang="en-US" altLang="zh-CN" sz="1600" dirty="0" smtClean="0">
+                    <a:solidFill>
+                      <a:schemeClr val="tx1"/>
+                    </a:solidFill>
+                    <a:latin typeface="黑体" panose="02010609060101010101" pitchFamily="49" charset="-122"/>
+                    <a:ea typeface="黑体" panose="02010609060101010101" pitchFamily="49" charset="-122"/>
+                  </a:rPr>
+                  <a:t>DST</a:t>
+                </a:r>
+                <a:r>
+                  <a:rPr lang="en-US" altLang="zh-CN" sz="1600" dirty="0" smtClean="0">
+                    <a:latin typeface="黑体" panose="02010609060101010101" pitchFamily="49" charset="-122"/>
+                    <a:ea typeface="黑体" panose="02010609060101010101" pitchFamily="49" charset="-122"/>
+                  </a:rPr>
+                  <a:t>(</a:t>
+                </a:r>
+                <a:r>
+                  <a:rPr lang="en-US" altLang="zh-CN" sz="1600" dirty="0" smtClean="0">
+                    <a:solidFill>
+                      <a:schemeClr val="tx1"/>
+                    </a:solidFill>
+                    <a:latin typeface="黑体" panose="02010609060101010101" pitchFamily="49" charset="-122"/>
+                    <a:ea typeface="黑体" panose="02010609060101010101" pitchFamily="49" charset="-122"/>
+                  </a:rPr>
+                  <a:t>Q,R), R</a:t>
+                </a:r>
+                <a14:m>
+                  <m:oMath xmlns:m="http://schemas.openxmlformats.org/officeDocument/2006/math">
+                    <m:r>
+                      <a:rPr lang="en-US" altLang="zh-CN" sz="1600" i="1" smtClean="0">
+                        <a:solidFill>
+                          <a:schemeClr val="tx1"/>
+                        </a:solidFill>
+                        <a:latin typeface="Cambria Math" panose="02040503050406030204" pitchFamily="18" charset="0"/>
+                      </a:rPr>
+                      <m:t>∈</m:t>
+                    </m:r>
+                    <m:r>
+                      <a:rPr lang="zh-CN" altLang="en-US" sz="1600" i="1">
+                        <a:latin typeface="Cambria Math" panose="02040503050406030204" pitchFamily="18" charset="0"/>
+                      </a:rPr>
+                      <m:t>𝑇</m:t>
+                    </m:r>
+                  </m:oMath>
+                </a14:m>
+                <a:endParaRPr lang="en-US" altLang="zh-CN" sz="1600" dirty="0" smtClean="0">
+                  <a:solidFill>
+                    <a:schemeClr val="tx1"/>
+                  </a:solidFill>
+                  <a:latin typeface="黑体" panose="02010609060101010101" pitchFamily="49" charset="-122"/>
+                  <a:ea typeface="黑体" panose="02010609060101010101" pitchFamily="49" charset="-122"/>
+                </a:endParaRPr>
+              </a:p>
+              <a:p>
+                <a:r>
+                  <a:rPr lang="zh-CN" altLang="en-US" sz="1600" dirty="0" smtClean="0">
+                    <a:latin typeface="黑体" panose="02010609060101010101" pitchFamily="49" charset="-122"/>
+                    <a:ea typeface="黑体" panose="02010609060101010101" pitchFamily="49" charset="-122"/>
+                  </a:rPr>
+                  <a:t>    返回</a:t>
+                </a:r>
+                <a14:m>
+                  <m:oMath xmlns:m="http://schemas.openxmlformats.org/officeDocument/2006/math">
+                    <m:r>
+                      <a:rPr lang="zh-CN" altLang="en-US" sz="1600" i="1">
+                        <a:latin typeface="Cambria Math" panose="02040503050406030204" pitchFamily="18" charset="0"/>
+                      </a:rPr>
+                      <m:t>𝑇</m:t>
+                    </m:r>
+                  </m:oMath>
+                </a14:m>
+                <a:r>
+                  <a:rPr lang="zh-CN" altLang="en-US" sz="1600" dirty="0" smtClean="0">
+                    <a:latin typeface="黑体" panose="02010609060101010101" pitchFamily="49" charset="-122"/>
+                    <a:ea typeface="黑体" panose="02010609060101010101" pitchFamily="49" charset="-122"/>
+                  </a:rPr>
+                  <a:t>中与</a:t>
+                </a:r>
+                <a:r>
+                  <a:rPr lang="en-US" altLang="zh-CN" sz="1600" dirty="0" smtClean="0">
+                    <a:latin typeface="黑体" panose="02010609060101010101" pitchFamily="49" charset="-122"/>
+                    <a:ea typeface="黑体" panose="02010609060101010101" pitchFamily="49" charset="-122"/>
+                  </a:rPr>
+                  <a:t>Q</a:t>
+                </a:r>
+                <a:r>
+                  <a:rPr lang="zh-CN" altLang="en-US" sz="1600" dirty="0" smtClean="0">
+                    <a:latin typeface="黑体" panose="02010609060101010101" pitchFamily="49" charset="-122"/>
+                    <a:ea typeface="黑体" panose="02010609060101010101" pitchFamily="49" charset="-122"/>
+                  </a:rPr>
+                  <a:t>距离小于</a:t>
+                </a:r>
+                <a14:m>
+                  <m:oMath xmlns:m="http://schemas.openxmlformats.org/officeDocument/2006/math">
+                    <m:r>
+                      <m:rPr>
+                        <m:sty m:val="p"/>
+                      </m:rPr>
+                      <a:rPr lang="en-US" altLang="zh-CN" sz="1600">
+                        <a:latin typeface="Cambria Math" panose="02040503050406030204" pitchFamily="18" charset="0"/>
+                      </a:rPr>
+                      <m:t>δ</m:t>
+                    </m:r>
+                  </m:oMath>
+                </a14:m>
+                <a:r>
+                  <a:rPr lang="zh-CN" altLang="en-US" sz="1600" dirty="0">
+                    <a:latin typeface="黑体" panose="02010609060101010101" pitchFamily="49" charset="-122"/>
+                    <a:ea typeface="黑体" panose="02010609060101010101" pitchFamily="49" charset="-122"/>
+                  </a:rPr>
+                  <a:t>的轨迹</a:t>
+                </a:r>
+                <a:endParaRPr lang="zh-CN" altLang="en-US" sz="1600" dirty="0">
+                  <a:solidFill>
+                    <a:schemeClr val="tx1"/>
+                  </a:solidFill>
+                  <a:latin typeface="黑体" panose="02010609060101010101" pitchFamily="49" charset="-122"/>
+                  <a:ea typeface="黑体" panose="02010609060101010101" pitchFamily="49" charset="-122"/>
+                </a:endParaRPr>
+              </a:p>
+            </p:txBody>
+          </p:sp>
+        </mc:Choice>
+        <mc:Fallback xmlns="">
+          <p:sp>
+            <p:nvSpPr>
+              <p:cNvPr id="34" name="文本框 33"/>
+              <p:cNvSpPr txBox="1">
+                <a:spLocks noRot="1" noChangeAspect="1" noMove="1" noResize="1" noEditPoints="1" noAdjustHandles="1" noChangeArrowheads="1" noChangeShapeType="1" noTextEdit="1"/>
+              </p:cNvSpPr>
+              <p:nvPr/>
+            </p:nvSpPr>
+            <p:spPr>
+              <a:xfrm>
+                <a:off x="628650" y="1066172"/>
+                <a:ext cx="8066776" cy="1569660"/>
+              </a:xfrm>
+              <a:prstGeom prst="rect">
+                <a:avLst/>
+              </a:prstGeom>
+              <a:blipFill>
+                <a:blip r:embed="rId3"/>
+                <a:stretch>
+                  <a:fillRect l="-378" t="-1167" b="-3891"/>
+                </a:stretch>
+              </a:blipFill>
+            </p:spPr>
+            <p:txBody>
+              <a:bodyPr/>
+              <a:lstStyle/>
+              <a:p>
+                <a:r>
+                  <a:rPr lang="zh-CN" altLang="en-US">
+                    <a:noFill/>
+                  </a:rPr>
+                  <a:t> </a:t>
+                </a:r>
+              </a:p>
+            </p:txBody>
+          </p:sp>
+        </mc:Fallback>
+      </mc:AlternateContent>
+      <p:grpSp>
+        <p:nvGrpSpPr>
+          <p:cNvPr id="12" name="组合 11"/>
+          <p:cNvGrpSpPr/>
           <p:nvPr/>
-        </p:nvSpPr>
-        <p:spPr>
+        </p:nvGrpSpPr>
+        <p:grpSpPr>
           <a:xfrm>
-            <a:off x="583900" y="1491047"/>
-            <a:ext cx="954107" cy="461665"/>
+            <a:off x="293859" y="1959831"/>
+            <a:ext cx="7883439" cy="4554336"/>
+            <a:chOff x="293859" y="1959831"/>
+            <a:chExt cx="7883439" cy="4554336"/>
           </a:xfrm>
-          <a:prstGeom prst="rect">
-            <a:avLst/>
-          </a:prstGeom>
-          <a:noFill/>
-        </p:spPr>
-        <p:txBody>
-          <a:bodyPr wrap="none" rtlCol="0">
-            <a:spAutoFit/>
-          </a:bodyPr>
-          <a:lstStyle/>
-          <a:p>
-            <a:r>
-              <a:rPr lang="en-US" altLang="zh-CN" sz="2400" dirty="0" smtClean="0">
-                <a:solidFill>
-                  <a:srgbClr val="4D5C70"/>
-                </a:solidFill>
+        </p:grpSpPr>
+        <p:sp>
+          <p:nvSpPr>
+            <p:cNvPr id="10" name="矩形 9"/>
+            <p:cNvSpPr/>
+            <p:nvPr/>
+          </p:nvSpPr>
+          <p:spPr>
+            <a:xfrm>
+              <a:off x="1161730" y="6144835"/>
+              <a:ext cx="6878806" cy="369332"/>
+            </a:xfrm>
+            <a:prstGeom prst="rect">
+              <a:avLst/>
+            </a:prstGeom>
+          </p:spPr>
+          <p:txBody>
+            <a:bodyPr wrap="none">
+              <a:spAutoFit/>
+            </a:bodyPr>
+            <a:lstStyle/>
+            <a:p>
+              <a:r>
+                <a:rPr lang="zh-CN" altLang="en-US" dirty="0" smtClean="0">
+                  <a:latin typeface="黑体" panose="02010609060101010101" pitchFamily="49" charset="-122"/>
+                  <a:ea typeface="黑体" panose="02010609060101010101" pitchFamily="49" charset="-122"/>
+                </a:rPr>
+                <a:t>时空轨迹距离 </a:t>
+              </a:r>
+              <a:r>
+                <a:rPr lang="en-US" altLang="zh-CN" dirty="0" smtClean="0">
+                  <a:latin typeface="黑体" panose="02010609060101010101" pitchFamily="49" charset="-122"/>
+                  <a:ea typeface="黑体" panose="02010609060101010101" pitchFamily="49" charset="-122"/>
+                </a:rPr>
+                <a:t>(Distance of </a:t>
+              </a:r>
+              <a:r>
+                <a:rPr lang="en-US" altLang="zh-CN" dirty="0" err="1" smtClean="0">
+                  <a:latin typeface="黑体" panose="02010609060101010101" pitchFamily="49" charset="-122"/>
+                  <a:ea typeface="黑体" panose="02010609060101010101" pitchFamily="49" charset="-122"/>
+                </a:rPr>
+                <a:t>spatio</a:t>
+              </a:r>
+              <a:r>
+                <a:rPr lang="en-US" altLang="zh-CN" dirty="0" smtClean="0">
+                  <a:latin typeface="黑体" panose="02010609060101010101" pitchFamily="49" charset="-122"/>
+                  <a:ea typeface="黑体" panose="02010609060101010101" pitchFamily="49" charset="-122"/>
+                </a:rPr>
+                <a:t>-temporal trajectory, DST)</a:t>
+              </a:r>
+              <a:endParaRPr lang="en-US" altLang="zh-CN" dirty="0">
                 <a:latin typeface="黑体" panose="02010609060101010101" pitchFamily="49" charset="-122"/>
                 <a:ea typeface="黑体" panose="02010609060101010101" pitchFamily="49" charset="-122"/>
-              </a:rPr>
-              <a:t>Q &amp; R</a:t>
-            </a:r>
-            <a:endParaRPr lang="zh-CN" altLang="en-US" sz="2400" dirty="0">
+              </a:endParaRPr>
+            </a:p>
+          </p:txBody>
+        </p:sp>
+        <p:pic>
+          <p:nvPicPr>
+            <p:cNvPr id="11" name="图片 10"/>
+            <p:cNvPicPr>
+              <a:picLocks noChangeAspect="1"/>
+            </p:cNvPicPr>
+            <p:nvPr/>
+          </p:nvPicPr>
+          <p:blipFill>
+            <a:blip r:embed="rId4" cstate="print">
+              <a:extLst>
+                <a:ext uri="{28A0092B-C50C-407E-A947-70E740481C1C}">
+                  <a14:useLocalDpi xmlns:a14="http://schemas.microsoft.com/office/drawing/2010/main" val="0"/>
+                </a:ext>
+              </a:extLst>
+            </a:blip>
+            <a:stretch>
+              <a:fillRect/>
+            </a:stretch>
+          </p:blipFill>
+          <p:spPr>
+            <a:xfrm>
+              <a:off x="909551" y="2635832"/>
+              <a:ext cx="7267747" cy="3663939"/>
+            </a:xfrm>
+            <a:prstGeom prst="rect">
+              <a:avLst/>
+            </a:prstGeom>
+          </p:spPr>
+        </p:pic>
+        <p:sp>
+          <p:nvSpPr>
+            <p:cNvPr id="14" name="AutoShape 31"/>
+            <p:cNvSpPr>
+              <a:spLocks noChangeArrowheads="1"/>
+            </p:cNvSpPr>
+            <p:nvPr/>
+          </p:nvSpPr>
+          <p:spPr bwMode="auto">
+            <a:xfrm>
+              <a:off x="3735896" y="2083365"/>
+              <a:ext cx="1730473" cy="627461"/>
+            </a:xfrm>
+            <a:prstGeom prst="wedgeRoundRectCallout">
+              <a:avLst>
+                <a:gd name="adj1" fmla="val -48287"/>
+                <a:gd name="adj2" fmla="val 78509"/>
+                <a:gd name="adj3" fmla="val 16667"/>
+              </a:avLst>
+            </a:prstGeom>
+            <a:solidFill>
+              <a:srgbClr val="CCFFFF"/>
+            </a:solidFill>
+            <a:ln w="9525">
               <a:solidFill>
-                <a:srgbClr val="4D5C70"/>
+                <a:schemeClr val="tx1"/>
               </a:solidFill>
-              <a:latin typeface="黑体" panose="02010609060101010101" pitchFamily="49" charset="-122"/>
-              <a:ea typeface="黑体" panose="02010609060101010101" pitchFamily="49" charset="-122"/>
-            </a:endParaRPr>
-          </a:p>
-        </p:txBody>
-      </p:sp>
+              <a:miter lim="800000"/>
+            </a:ln>
+          </p:spPr>
+          <p:txBody>
+            <a:bodyPr/>
+            <a:lstStyle>
+              <a:lvl1pPr>
+                <a:defRPr>
+                  <a:solidFill>
+                    <a:schemeClr val="tx1"/>
+                  </a:solidFill>
+                  <a:latin typeface="Calibri" panose="020F0502020204030204" pitchFamily="34" charset="0"/>
+                  <a:ea typeface="宋体" panose="02010600030101010101" pitchFamily="2" charset="-122"/>
+                </a:defRPr>
+              </a:lvl1pPr>
+              <a:lvl2pPr marL="742950" indent="-285750">
+                <a:defRPr>
+                  <a:solidFill>
+                    <a:schemeClr val="tx1"/>
+                  </a:solidFill>
+                  <a:latin typeface="Calibri" panose="020F0502020204030204" pitchFamily="34" charset="0"/>
+                  <a:ea typeface="宋体" panose="02010600030101010101" pitchFamily="2" charset="-122"/>
+                </a:defRPr>
+              </a:lvl2pPr>
+              <a:lvl3pPr marL="1143000" indent="-228600">
+                <a:defRPr>
+                  <a:solidFill>
+                    <a:schemeClr val="tx1"/>
+                  </a:solidFill>
+                  <a:latin typeface="Calibri" panose="020F0502020204030204" pitchFamily="34" charset="0"/>
+                  <a:ea typeface="宋体" panose="02010600030101010101" pitchFamily="2" charset="-122"/>
+                </a:defRPr>
+              </a:lvl3pPr>
+              <a:lvl4pPr marL="1600200" indent="-228600">
+                <a:defRPr>
+                  <a:solidFill>
+                    <a:schemeClr val="tx1"/>
+                  </a:solidFill>
+                  <a:latin typeface="Calibri" panose="020F0502020204030204" pitchFamily="34" charset="0"/>
+                  <a:ea typeface="宋体" panose="02010600030101010101" pitchFamily="2" charset="-122"/>
+                </a:defRPr>
+              </a:lvl4pPr>
+              <a:lvl5pPr marL="2057400" indent="-228600">
+                <a:defRPr>
+                  <a:solidFill>
+                    <a:schemeClr val="tx1"/>
+                  </a:solidFill>
+                  <a:latin typeface="Calibri" panose="020F0502020204030204" pitchFamily="34" charset="0"/>
+                  <a:ea typeface="宋体" panose="02010600030101010101" pitchFamily="2" charset="-122"/>
+                </a:defRPr>
+              </a:lvl5pPr>
+              <a:lvl6pPr marL="2514600" indent="-228600" fontAlgn="base">
+                <a:spcBef>
+                  <a:spcPct val="0"/>
+                </a:spcBef>
+                <a:spcAft>
+                  <a:spcPct val="0"/>
+                </a:spcAft>
+                <a:defRPr>
+                  <a:solidFill>
+                    <a:schemeClr val="tx1"/>
+                  </a:solidFill>
+                  <a:latin typeface="Calibri" panose="020F0502020204030204" pitchFamily="34" charset="0"/>
+                  <a:ea typeface="宋体" panose="02010600030101010101" pitchFamily="2" charset="-122"/>
+                </a:defRPr>
+              </a:lvl6pPr>
+              <a:lvl7pPr marL="2971800" indent="-228600" fontAlgn="base">
+                <a:spcBef>
+                  <a:spcPct val="0"/>
+                </a:spcBef>
+                <a:spcAft>
+                  <a:spcPct val="0"/>
+                </a:spcAft>
+                <a:defRPr>
+                  <a:solidFill>
+                    <a:schemeClr val="tx1"/>
+                  </a:solidFill>
+                  <a:latin typeface="Calibri" panose="020F0502020204030204" pitchFamily="34" charset="0"/>
+                  <a:ea typeface="宋体" panose="02010600030101010101" pitchFamily="2" charset="-122"/>
+                </a:defRPr>
+              </a:lvl7pPr>
+              <a:lvl8pPr marL="3429000" indent="-228600" fontAlgn="base">
+                <a:spcBef>
+                  <a:spcPct val="0"/>
+                </a:spcBef>
+                <a:spcAft>
+                  <a:spcPct val="0"/>
+                </a:spcAft>
+                <a:defRPr>
+                  <a:solidFill>
+                    <a:schemeClr val="tx1"/>
+                  </a:solidFill>
+                  <a:latin typeface="Calibri" panose="020F0502020204030204" pitchFamily="34" charset="0"/>
+                  <a:ea typeface="宋体" panose="02010600030101010101" pitchFamily="2" charset="-122"/>
+                </a:defRPr>
+              </a:lvl8pPr>
+              <a:lvl9pPr marL="3886200" indent="-228600" fontAlgn="base">
+                <a:spcBef>
+                  <a:spcPct val="0"/>
+                </a:spcBef>
+                <a:spcAft>
+                  <a:spcPct val="0"/>
+                </a:spcAft>
+                <a:defRPr>
+                  <a:solidFill>
+                    <a:schemeClr val="tx1"/>
+                  </a:solidFill>
+                  <a:latin typeface="Calibri" panose="020F0502020204030204" pitchFamily="34" charset="0"/>
+                  <a:ea typeface="宋体" panose="02010600030101010101" pitchFamily="2" charset="-122"/>
+                </a:defRPr>
+              </a:lvl9pPr>
+            </a:lstStyle>
+            <a:p>
+              <a:r>
+                <a:rPr lang="zh-CN" altLang="en-US" sz="1600" dirty="0" smtClean="0"/>
+                <a:t>样本点更好地对齐，保持时序性</a:t>
+              </a:r>
+              <a:endParaRPr lang="zh-CN" altLang="en-US" sz="1600" dirty="0"/>
+            </a:p>
+          </p:txBody>
+        </p:sp>
+        <p:sp>
+          <p:nvSpPr>
+            <p:cNvPr id="15" name="AutoShape 31"/>
+            <p:cNvSpPr>
+              <a:spLocks noChangeArrowheads="1"/>
+            </p:cNvSpPr>
+            <p:nvPr/>
+          </p:nvSpPr>
+          <p:spPr bwMode="auto">
+            <a:xfrm>
+              <a:off x="5906499" y="1959831"/>
+              <a:ext cx="1544466" cy="804290"/>
+            </a:xfrm>
+            <a:prstGeom prst="wedgeRoundRectCallout">
+              <a:avLst>
+                <a:gd name="adj1" fmla="val -36822"/>
+                <a:gd name="adj2" fmla="val 90882"/>
+                <a:gd name="adj3" fmla="val 16667"/>
+              </a:avLst>
+            </a:prstGeom>
+            <a:solidFill>
+              <a:srgbClr val="CCFFFF"/>
+            </a:solidFill>
+            <a:ln w="9525">
+              <a:solidFill>
+                <a:schemeClr val="tx1"/>
+              </a:solidFill>
+              <a:miter lim="800000"/>
+            </a:ln>
+          </p:spPr>
+          <p:txBody>
+            <a:bodyPr/>
+            <a:lstStyle>
+              <a:lvl1pPr>
+                <a:defRPr>
+                  <a:solidFill>
+                    <a:schemeClr val="tx1"/>
+                  </a:solidFill>
+                  <a:latin typeface="Calibri" panose="020F0502020204030204" pitchFamily="34" charset="0"/>
+                  <a:ea typeface="宋体" panose="02010600030101010101" pitchFamily="2" charset="-122"/>
+                </a:defRPr>
+              </a:lvl1pPr>
+              <a:lvl2pPr marL="742950" indent="-285750">
+                <a:defRPr>
+                  <a:solidFill>
+                    <a:schemeClr val="tx1"/>
+                  </a:solidFill>
+                  <a:latin typeface="Calibri" panose="020F0502020204030204" pitchFamily="34" charset="0"/>
+                  <a:ea typeface="宋体" panose="02010600030101010101" pitchFamily="2" charset="-122"/>
+                </a:defRPr>
+              </a:lvl2pPr>
+              <a:lvl3pPr marL="1143000" indent="-228600">
+                <a:defRPr>
+                  <a:solidFill>
+                    <a:schemeClr val="tx1"/>
+                  </a:solidFill>
+                  <a:latin typeface="Calibri" panose="020F0502020204030204" pitchFamily="34" charset="0"/>
+                  <a:ea typeface="宋体" panose="02010600030101010101" pitchFamily="2" charset="-122"/>
+                </a:defRPr>
+              </a:lvl3pPr>
+              <a:lvl4pPr marL="1600200" indent="-228600">
+                <a:defRPr>
+                  <a:solidFill>
+                    <a:schemeClr val="tx1"/>
+                  </a:solidFill>
+                  <a:latin typeface="Calibri" panose="020F0502020204030204" pitchFamily="34" charset="0"/>
+                  <a:ea typeface="宋体" panose="02010600030101010101" pitchFamily="2" charset="-122"/>
+                </a:defRPr>
+              </a:lvl4pPr>
+              <a:lvl5pPr marL="2057400" indent="-228600">
+                <a:defRPr>
+                  <a:solidFill>
+                    <a:schemeClr val="tx1"/>
+                  </a:solidFill>
+                  <a:latin typeface="Calibri" panose="020F0502020204030204" pitchFamily="34" charset="0"/>
+                  <a:ea typeface="宋体" panose="02010600030101010101" pitchFamily="2" charset="-122"/>
+                </a:defRPr>
+              </a:lvl5pPr>
+              <a:lvl6pPr marL="2514600" indent="-228600" fontAlgn="base">
+                <a:spcBef>
+                  <a:spcPct val="0"/>
+                </a:spcBef>
+                <a:spcAft>
+                  <a:spcPct val="0"/>
+                </a:spcAft>
+                <a:defRPr>
+                  <a:solidFill>
+                    <a:schemeClr val="tx1"/>
+                  </a:solidFill>
+                  <a:latin typeface="Calibri" panose="020F0502020204030204" pitchFamily="34" charset="0"/>
+                  <a:ea typeface="宋体" panose="02010600030101010101" pitchFamily="2" charset="-122"/>
+                </a:defRPr>
+              </a:lvl6pPr>
+              <a:lvl7pPr marL="2971800" indent="-228600" fontAlgn="base">
+                <a:spcBef>
+                  <a:spcPct val="0"/>
+                </a:spcBef>
+                <a:spcAft>
+                  <a:spcPct val="0"/>
+                </a:spcAft>
+                <a:defRPr>
+                  <a:solidFill>
+                    <a:schemeClr val="tx1"/>
+                  </a:solidFill>
+                  <a:latin typeface="Calibri" panose="020F0502020204030204" pitchFamily="34" charset="0"/>
+                  <a:ea typeface="宋体" panose="02010600030101010101" pitchFamily="2" charset="-122"/>
+                </a:defRPr>
+              </a:lvl7pPr>
+              <a:lvl8pPr marL="3429000" indent="-228600" fontAlgn="base">
+                <a:spcBef>
+                  <a:spcPct val="0"/>
+                </a:spcBef>
+                <a:spcAft>
+                  <a:spcPct val="0"/>
+                </a:spcAft>
+                <a:defRPr>
+                  <a:solidFill>
+                    <a:schemeClr val="tx1"/>
+                  </a:solidFill>
+                  <a:latin typeface="Calibri" panose="020F0502020204030204" pitchFamily="34" charset="0"/>
+                  <a:ea typeface="宋体" panose="02010600030101010101" pitchFamily="2" charset="-122"/>
+                </a:defRPr>
+              </a:lvl8pPr>
+              <a:lvl9pPr marL="3886200" indent="-228600" fontAlgn="base">
+                <a:spcBef>
+                  <a:spcPct val="0"/>
+                </a:spcBef>
+                <a:spcAft>
+                  <a:spcPct val="0"/>
+                </a:spcAft>
+                <a:defRPr>
+                  <a:solidFill>
+                    <a:schemeClr val="tx1"/>
+                  </a:solidFill>
+                  <a:latin typeface="Calibri" panose="020F0502020204030204" pitchFamily="34" charset="0"/>
+                  <a:ea typeface="宋体" panose="02010600030101010101" pitchFamily="2" charset="-122"/>
+                </a:defRPr>
+              </a:lvl9pPr>
+            </a:lstStyle>
+            <a:p>
+              <a:r>
+                <a:rPr lang="zh-CN" altLang="en-US" sz="1600" dirty="0" smtClean="0"/>
+                <a:t>发现长轨迹中与查询轨迹相似的部分</a:t>
+              </a:r>
+              <a:endParaRPr lang="zh-CN" altLang="en-US" sz="1600" dirty="0"/>
+            </a:p>
+          </p:txBody>
+        </p:sp>
+        <p:sp>
+          <p:nvSpPr>
+            <p:cNvPr id="16" name="AutoShape 31"/>
+            <p:cNvSpPr>
+              <a:spLocks noChangeArrowheads="1"/>
+            </p:cNvSpPr>
+            <p:nvPr/>
+          </p:nvSpPr>
+          <p:spPr bwMode="auto">
+            <a:xfrm>
+              <a:off x="293859" y="3440263"/>
+              <a:ext cx="1491809" cy="645384"/>
+            </a:xfrm>
+            <a:prstGeom prst="wedgeRoundRectCallout">
+              <a:avLst>
+                <a:gd name="adj1" fmla="val 48076"/>
+                <a:gd name="adj2" fmla="val 90882"/>
+                <a:gd name="adj3" fmla="val 16667"/>
+              </a:avLst>
+            </a:prstGeom>
+            <a:solidFill>
+              <a:srgbClr val="CCFFFF"/>
+            </a:solidFill>
+            <a:ln w="9525">
+              <a:solidFill>
+                <a:schemeClr val="tx1"/>
+              </a:solidFill>
+              <a:miter lim="800000"/>
+            </a:ln>
+          </p:spPr>
+          <p:txBody>
+            <a:bodyPr/>
+            <a:lstStyle>
+              <a:lvl1pPr>
+                <a:defRPr>
+                  <a:solidFill>
+                    <a:schemeClr val="tx1"/>
+                  </a:solidFill>
+                  <a:latin typeface="Calibri" panose="020F0502020204030204" pitchFamily="34" charset="0"/>
+                  <a:ea typeface="宋体" panose="02010600030101010101" pitchFamily="2" charset="-122"/>
+                </a:defRPr>
+              </a:lvl1pPr>
+              <a:lvl2pPr marL="742950" indent="-285750">
+                <a:defRPr>
+                  <a:solidFill>
+                    <a:schemeClr val="tx1"/>
+                  </a:solidFill>
+                  <a:latin typeface="Calibri" panose="020F0502020204030204" pitchFamily="34" charset="0"/>
+                  <a:ea typeface="宋体" panose="02010600030101010101" pitchFamily="2" charset="-122"/>
+                </a:defRPr>
+              </a:lvl2pPr>
+              <a:lvl3pPr marL="1143000" indent="-228600">
+                <a:defRPr>
+                  <a:solidFill>
+                    <a:schemeClr val="tx1"/>
+                  </a:solidFill>
+                  <a:latin typeface="Calibri" panose="020F0502020204030204" pitchFamily="34" charset="0"/>
+                  <a:ea typeface="宋体" panose="02010600030101010101" pitchFamily="2" charset="-122"/>
+                </a:defRPr>
+              </a:lvl3pPr>
+              <a:lvl4pPr marL="1600200" indent="-228600">
+                <a:defRPr>
+                  <a:solidFill>
+                    <a:schemeClr val="tx1"/>
+                  </a:solidFill>
+                  <a:latin typeface="Calibri" panose="020F0502020204030204" pitchFamily="34" charset="0"/>
+                  <a:ea typeface="宋体" panose="02010600030101010101" pitchFamily="2" charset="-122"/>
+                </a:defRPr>
+              </a:lvl4pPr>
+              <a:lvl5pPr marL="2057400" indent="-228600">
+                <a:defRPr>
+                  <a:solidFill>
+                    <a:schemeClr val="tx1"/>
+                  </a:solidFill>
+                  <a:latin typeface="Calibri" panose="020F0502020204030204" pitchFamily="34" charset="0"/>
+                  <a:ea typeface="宋体" panose="02010600030101010101" pitchFamily="2" charset="-122"/>
+                </a:defRPr>
+              </a:lvl5pPr>
+              <a:lvl6pPr marL="2514600" indent="-228600" fontAlgn="base">
+                <a:spcBef>
+                  <a:spcPct val="0"/>
+                </a:spcBef>
+                <a:spcAft>
+                  <a:spcPct val="0"/>
+                </a:spcAft>
+                <a:defRPr>
+                  <a:solidFill>
+                    <a:schemeClr val="tx1"/>
+                  </a:solidFill>
+                  <a:latin typeface="Calibri" panose="020F0502020204030204" pitchFamily="34" charset="0"/>
+                  <a:ea typeface="宋体" panose="02010600030101010101" pitchFamily="2" charset="-122"/>
+                </a:defRPr>
+              </a:lvl6pPr>
+              <a:lvl7pPr marL="2971800" indent="-228600" fontAlgn="base">
+                <a:spcBef>
+                  <a:spcPct val="0"/>
+                </a:spcBef>
+                <a:spcAft>
+                  <a:spcPct val="0"/>
+                </a:spcAft>
+                <a:defRPr>
+                  <a:solidFill>
+                    <a:schemeClr val="tx1"/>
+                  </a:solidFill>
+                  <a:latin typeface="Calibri" panose="020F0502020204030204" pitchFamily="34" charset="0"/>
+                  <a:ea typeface="宋体" panose="02010600030101010101" pitchFamily="2" charset="-122"/>
+                </a:defRPr>
+              </a:lvl7pPr>
+              <a:lvl8pPr marL="3429000" indent="-228600" fontAlgn="base">
+                <a:spcBef>
+                  <a:spcPct val="0"/>
+                </a:spcBef>
+                <a:spcAft>
+                  <a:spcPct val="0"/>
+                </a:spcAft>
+                <a:defRPr>
+                  <a:solidFill>
+                    <a:schemeClr val="tx1"/>
+                  </a:solidFill>
+                  <a:latin typeface="Calibri" panose="020F0502020204030204" pitchFamily="34" charset="0"/>
+                  <a:ea typeface="宋体" panose="02010600030101010101" pitchFamily="2" charset="-122"/>
+                </a:defRPr>
+              </a:lvl8pPr>
+              <a:lvl9pPr marL="3886200" indent="-228600" fontAlgn="base">
+                <a:spcBef>
+                  <a:spcPct val="0"/>
+                </a:spcBef>
+                <a:spcAft>
+                  <a:spcPct val="0"/>
+                </a:spcAft>
+                <a:defRPr>
+                  <a:solidFill>
+                    <a:schemeClr val="tx1"/>
+                  </a:solidFill>
+                  <a:latin typeface="Calibri" panose="020F0502020204030204" pitchFamily="34" charset="0"/>
+                  <a:ea typeface="宋体" panose="02010600030101010101" pitchFamily="2" charset="-122"/>
+                </a:defRPr>
+              </a:lvl9pPr>
+            </a:lstStyle>
+            <a:p>
+              <a:r>
+                <a:rPr lang="zh-CN" altLang="en-US" sz="1600" dirty="0" smtClean="0"/>
+                <a:t>包含更多轨迹段的信息</a:t>
+              </a:r>
+              <a:endParaRPr lang="zh-CN" altLang="en-US" sz="1600" dirty="0"/>
+            </a:p>
+          </p:txBody>
+        </p:sp>
+        <p:sp>
+          <p:nvSpPr>
+            <p:cNvPr id="17" name="AutoShape 31"/>
+            <p:cNvSpPr>
+              <a:spLocks noChangeArrowheads="1"/>
+            </p:cNvSpPr>
+            <p:nvPr/>
+          </p:nvSpPr>
+          <p:spPr bwMode="auto">
+            <a:xfrm>
+              <a:off x="5271300" y="3762955"/>
+              <a:ext cx="1544466" cy="804290"/>
+            </a:xfrm>
+            <a:prstGeom prst="wedgeRoundRectCallout">
+              <a:avLst>
+                <a:gd name="adj1" fmla="val -36822"/>
+                <a:gd name="adj2" fmla="val 90882"/>
+                <a:gd name="adj3" fmla="val 16667"/>
+              </a:avLst>
+            </a:prstGeom>
+            <a:solidFill>
+              <a:srgbClr val="CCFFFF"/>
+            </a:solidFill>
+            <a:ln w="9525">
+              <a:solidFill>
+                <a:schemeClr val="tx1"/>
+              </a:solidFill>
+              <a:miter lim="800000"/>
+            </a:ln>
+          </p:spPr>
+          <p:txBody>
+            <a:bodyPr/>
+            <a:lstStyle>
+              <a:lvl1pPr>
+                <a:defRPr>
+                  <a:solidFill>
+                    <a:schemeClr val="tx1"/>
+                  </a:solidFill>
+                  <a:latin typeface="Calibri" panose="020F0502020204030204" pitchFamily="34" charset="0"/>
+                  <a:ea typeface="宋体" panose="02010600030101010101" pitchFamily="2" charset="-122"/>
+                </a:defRPr>
+              </a:lvl1pPr>
+              <a:lvl2pPr marL="742950" indent="-285750">
+                <a:defRPr>
+                  <a:solidFill>
+                    <a:schemeClr val="tx1"/>
+                  </a:solidFill>
+                  <a:latin typeface="Calibri" panose="020F0502020204030204" pitchFamily="34" charset="0"/>
+                  <a:ea typeface="宋体" panose="02010600030101010101" pitchFamily="2" charset="-122"/>
+                </a:defRPr>
+              </a:lvl2pPr>
+              <a:lvl3pPr marL="1143000" indent="-228600">
+                <a:defRPr>
+                  <a:solidFill>
+                    <a:schemeClr val="tx1"/>
+                  </a:solidFill>
+                  <a:latin typeface="Calibri" panose="020F0502020204030204" pitchFamily="34" charset="0"/>
+                  <a:ea typeface="宋体" panose="02010600030101010101" pitchFamily="2" charset="-122"/>
+                </a:defRPr>
+              </a:lvl3pPr>
+              <a:lvl4pPr marL="1600200" indent="-228600">
+                <a:defRPr>
+                  <a:solidFill>
+                    <a:schemeClr val="tx1"/>
+                  </a:solidFill>
+                  <a:latin typeface="Calibri" panose="020F0502020204030204" pitchFamily="34" charset="0"/>
+                  <a:ea typeface="宋体" panose="02010600030101010101" pitchFamily="2" charset="-122"/>
+                </a:defRPr>
+              </a:lvl4pPr>
+              <a:lvl5pPr marL="2057400" indent="-228600">
+                <a:defRPr>
+                  <a:solidFill>
+                    <a:schemeClr val="tx1"/>
+                  </a:solidFill>
+                  <a:latin typeface="Calibri" panose="020F0502020204030204" pitchFamily="34" charset="0"/>
+                  <a:ea typeface="宋体" panose="02010600030101010101" pitchFamily="2" charset="-122"/>
+                </a:defRPr>
+              </a:lvl5pPr>
+              <a:lvl6pPr marL="2514600" indent="-228600" fontAlgn="base">
+                <a:spcBef>
+                  <a:spcPct val="0"/>
+                </a:spcBef>
+                <a:spcAft>
+                  <a:spcPct val="0"/>
+                </a:spcAft>
+                <a:defRPr>
+                  <a:solidFill>
+                    <a:schemeClr val="tx1"/>
+                  </a:solidFill>
+                  <a:latin typeface="Calibri" panose="020F0502020204030204" pitchFamily="34" charset="0"/>
+                  <a:ea typeface="宋体" panose="02010600030101010101" pitchFamily="2" charset="-122"/>
+                </a:defRPr>
+              </a:lvl6pPr>
+              <a:lvl7pPr marL="2971800" indent="-228600" fontAlgn="base">
+                <a:spcBef>
+                  <a:spcPct val="0"/>
+                </a:spcBef>
+                <a:spcAft>
+                  <a:spcPct val="0"/>
+                </a:spcAft>
+                <a:defRPr>
+                  <a:solidFill>
+                    <a:schemeClr val="tx1"/>
+                  </a:solidFill>
+                  <a:latin typeface="Calibri" panose="020F0502020204030204" pitchFamily="34" charset="0"/>
+                  <a:ea typeface="宋体" panose="02010600030101010101" pitchFamily="2" charset="-122"/>
+                </a:defRPr>
+              </a:lvl7pPr>
+              <a:lvl8pPr marL="3429000" indent="-228600" fontAlgn="base">
+                <a:spcBef>
+                  <a:spcPct val="0"/>
+                </a:spcBef>
+                <a:spcAft>
+                  <a:spcPct val="0"/>
+                </a:spcAft>
+                <a:defRPr>
+                  <a:solidFill>
+                    <a:schemeClr val="tx1"/>
+                  </a:solidFill>
+                  <a:latin typeface="Calibri" panose="020F0502020204030204" pitchFamily="34" charset="0"/>
+                  <a:ea typeface="宋体" panose="02010600030101010101" pitchFamily="2" charset="-122"/>
+                </a:defRPr>
+              </a:lvl8pPr>
+              <a:lvl9pPr marL="3886200" indent="-228600" fontAlgn="base">
+                <a:spcBef>
+                  <a:spcPct val="0"/>
+                </a:spcBef>
+                <a:spcAft>
+                  <a:spcPct val="0"/>
+                </a:spcAft>
+                <a:defRPr>
+                  <a:solidFill>
+                    <a:schemeClr val="tx1"/>
+                  </a:solidFill>
+                  <a:latin typeface="Calibri" panose="020F0502020204030204" pitchFamily="34" charset="0"/>
+                  <a:ea typeface="宋体" panose="02010600030101010101" pitchFamily="2" charset="-122"/>
+                </a:defRPr>
+              </a:lvl9pPr>
+            </a:lstStyle>
+            <a:p>
+              <a:r>
+                <a:rPr lang="zh-CN" altLang="en-US" sz="1600" dirty="0" smtClean="0"/>
+                <a:t>描述轨迹段时间、空间、形状的相似</a:t>
+              </a:r>
+              <a:endParaRPr lang="zh-CN" altLang="en-US" sz="1600" dirty="0"/>
+            </a:p>
+          </p:txBody>
+        </p:sp>
+      </p:grpSp>
     </p:spTree>
     <p:extLst>
       <p:ext uri="{BB962C8B-B14F-4D97-AF65-F5344CB8AC3E}">
@@ -24334,6 +25260,64 @@
           <a:chExt cx="0" cy="0"/>
         </a:xfrm>
       </p:grpSpPr>
+      <p:pic>
+        <p:nvPicPr>
+          <p:cNvPr id="17" name="图片 16"/>
+          <p:cNvPicPr>
+            <a:picLocks noChangeAspect="1"/>
+          </p:cNvPicPr>
+          <p:nvPr/>
+        </p:nvPicPr>
+        <p:blipFill rotWithShape="1">
+          <a:blip r:embed="rId2">
+            <a:extLst>
+              <a:ext uri="{28A0092B-C50C-407E-A947-70E740481C1C}">
+                <a14:useLocalDpi xmlns:a14="http://schemas.microsoft.com/office/drawing/2010/main" val="0"/>
+              </a:ext>
+            </a:extLst>
+          </a:blip>
+          <a:srcRect l="13857" b="6716"/>
+          <a:stretch/>
+        </p:blipFill>
+        <p:spPr>
+          <a:xfrm>
+            <a:off x="4295190" y="3762259"/>
+            <a:ext cx="2250798" cy="1706167"/>
+          </a:xfrm>
+          <a:prstGeom prst="rect">
+            <a:avLst/>
+          </a:prstGeom>
+        </p:spPr>
+      </p:pic>
+      <p:pic>
+        <p:nvPicPr>
+          <p:cNvPr id="18" name="图片 17"/>
+          <p:cNvPicPr>
+            <a:picLocks noChangeAspect="1"/>
+          </p:cNvPicPr>
+          <p:nvPr/>
+        </p:nvPicPr>
+        <p:blipFill rotWithShape="1">
+          <a:blip r:embed="rId3">
+            <a:extLst>
+              <a:ext uri="{28A0092B-C50C-407E-A947-70E740481C1C}">
+                <a14:useLocalDpi xmlns:a14="http://schemas.microsoft.com/office/drawing/2010/main" val="0"/>
+              </a:ext>
+            </a:extLst>
+          </a:blip>
+          <a:srcRect l="21391" t="10847" r="22269" b="15028"/>
+          <a:stretch/>
+        </p:blipFill>
+        <p:spPr>
+          <a:xfrm>
+            <a:off x="2189805" y="3831269"/>
+            <a:ext cx="1975667" cy="1637157"/>
+          </a:xfrm>
+          <a:prstGeom prst="rect">
+            <a:avLst/>
+          </a:prstGeom>
+        </p:spPr>
+      </p:pic>
       <p:sp>
         <p:nvSpPr>
           <p:cNvPr id="2" name="标题 1"/>
@@ -24393,14 +25377,14 @@
           <p:nvPr>
             <p:extLst>
               <p:ext uri="{D42A27DB-BD31-4B8C-83A1-F6EECF244321}">
-                <p14:modId xmlns:p14="http://schemas.microsoft.com/office/powerpoint/2010/main" val="402174526"/>
+                <p14:modId xmlns:p14="http://schemas.microsoft.com/office/powerpoint/2010/main" val="1286760533"/>
               </p:ext>
             </p:extLst>
           </p:nvPr>
         </p:nvGraphicFramePr>
         <p:xfrm>
-          <a:off x="1025239" y="4054650"/>
-          <a:ext cx="5910713" cy="1321038"/>
+          <a:off x="4451004" y="1756047"/>
+          <a:ext cx="4383522" cy="1199928"/>
         </p:xfrm>
         <a:graphic>
           <a:graphicData uri="http://schemas.openxmlformats.org/drawingml/2006/table">
@@ -24409,21 +25393,21 @@
                 <a:tableStyleId>{7DF18680-E054-41AD-8BC1-D1AEF772440D}</a:tableStyleId>
               </a:tblPr>
               <a:tblGrid>
-                <a:gridCol w="2244486">
+                <a:gridCol w="1897440">
                   <a:extLst>
                     <a:ext uri="{9D8B030D-6E8A-4147-A177-3AD203B41FA5}">
                       <a16:colId xmlns:a16="http://schemas.microsoft.com/office/drawing/2014/main" val="20000"/>
                     </a:ext>
                   </a:extLst>
                 </a:gridCol>
-                <a:gridCol w="1816758">
+                <a:gridCol w="1002860">
                   <a:extLst>
                     <a:ext uri="{9D8B030D-6E8A-4147-A177-3AD203B41FA5}">
                       <a16:colId xmlns:a16="http://schemas.microsoft.com/office/drawing/2014/main" val="20001"/>
                     </a:ext>
                   </a:extLst>
                 </a:gridCol>
-                <a:gridCol w="1849469">
+                <a:gridCol w="1483222">
                   <a:extLst>
                     <a:ext uri="{9D8B030D-6E8A-4147-A177-3AD203B41FA5}">
                       <a16:colId xmlns:a16="http://schemas.microsoft.com/office/drawing/2014/main" val="20002"/>
@@ -24431,21 +25415,21 @@
                   </a:extLst>
                 </a:gridCol>
               </a:tblGrid>
-              <a:tr h="370946">
+              <a:tr h="310796">
                 <a:tc>
                   <a:txBody>
                     <a:bodyPr/>
                     <a:lstStyle/>
                     <a:p>
                       <a:r>
-                        <a:rPr lang="zh-CN" altLang="en-US" sz="1600" dirty="0" smtClean="0">
+                        <a:rPr lang="zh-CN" altLang="en-US" sz="1400" dirty="0" smtClean="0">
                           <a:latin typeface="黑体" panose="02010609060101010101" pitchFamily="49" charset="-122"/>
                           <a:ea typeface="黑体" panose="02010609060101010101" pitchFamily="49" charset="-122"/>
                           <a:cs typeface="Times New Roman" panose="02020603050405020304" pitchFamily="18" charset="0"/>
                         </a:rPr>
                         <a:t>轨迹数据集</a:t>
                       </a:r>
-                      <a:endParaRPr lang="zh-CN" altLang="en-US" sz="1600" dirty="0">
+                      <a:endParaRPr lang="zh-CN" altLang="en-US" sz="1400" dirty="0">
                         <a:latin typeface="黑体" panose="02010609060101010101" pitchFamily="49" charset="-122"/>
                         <a:ea typeface="黑体" panose="02010609060101010101" pitchFamily="49" charset="-122"/>
                         <a:cs typeface="Times New Roman" panose="02020603050405020304" pitchFamily="18" charset="0"/>
@@ -24464,14 +25448,14 @@
                     <a:lstStyle/>
                     <a:p>
                       <a:r>
-                        <a:rPr lang="zh-CN" altLang="en-US" sz="1600" dirty="0" smtClean="0">
+                        <a:rPr lang="zh-CN" altLang="en-US" sz="1400" dirty="0" smtClean="0">
                           <a:latin typeface="黑体" panose="02010609060101010101" pitchFamily="49" charset="-122"/>
                           <a:ea typeface="黑体" panose="02010609060101010101" pitchFamily="49" charset="-122"/>
                           <a:cs typeface="Times New Roman" panose="02020603050405020304" pitchFamily="18" charset="0"/>
                         </a:rPr>
                         <a:t>轨迹条数</a:t>
                       </a:r>
-                      <a:endParaRPr lang="zh-CN" altLang="en-US" sz="1600" dirty="0">
+                      <a:endParaRPr lang="zh-CN" altLang="en-US" sz="1400" dirty="0">
                         <a:latin typeface="黑体" panose="02010609060101010101" pitchFamily="49" charset="-122"/>
                         <a:ea typeface="黑体" panose="02010609060101010101" pitchFamily="49" charset="-122"/>
                         <a:cs typeface="Times New Roman" panose="02020603050405020304" pitchFamily="18" charset="0"/>
@@ -24490,14 +25474,14 @@
                     <a:lstStyle/>
                     <a:p>
                       <a:r>
-                        <a:rPr lang="zh-CN" altLang="en-US" sz="1600" dirty="0" smtClean="0">
+                        <a:rPr lang="zh-CN" altLang="en-US" sz="1400" dirty="0" smtClean="0">
                           <a:latin typeface="黑体" panose="02010609060101010101" pitchFamily="49" charset="-122"/>
                           <a:ea typeface="黑体" panose="02010609060101010101" pitchFamily="49" charset="-122"/>
                           <a:cs typeface="Times New Roman" panose="02020603050405020304" pitchFamily="18" charset="0"/>
                         </a:rPr>
                         <a:t>平均轨迹点数量</a:t>
                       </a:r>
-                      <a:endParaRPr lang="zh-CN" altLang="en-US" sz="1600" dirty="0">
+                      <a:endParaRPr lang="zh-CN" altLang="en-US" sz="1400" dirty="0">
                         <a:latin typeface="黑体" panose="02010609060101010101" pitchFamily="49" charset="-122"/>
                         <a:ea typeface="黑体" panose="02010609060101010101" pitchFamily="49" charset="-122"/>
                         <a:cs typeface="Times New Roman" panose="02020603050405020304" pitchFamily="18" charset="0"/>
@@ -24539,7 +25523,7 @@
                         <a:defRPr/>
                       </a:pPr>
                       <a:r>
-                        <a:rPr lang="en-US" altLang="zh-CN" sz="1600" kern="1200" dirty="0" err="1" smtClean="0">
+                        <a:rPr lang="en-US" altLang="zh-CN" sz="1400" kern="1200" dirty="0" err="1" smtClean="0">
                           <a:solidFill>
                             <a:schemeClr val="dk1"/>
                           </a:solidFill>
@@ -24551,7 +25535,7 @@
                         <a:t>GeoLife</a:t>
                       </a:r>
                       <a:r>
-                        <a:rPr lang="en-US" altLang="zh-CN" sz="1600" kern="1200" dirty="0" smtClean="0">
+                        <a:rPr lang="en-US" altLang="zh-CN" sz="1400" kern="1200" dirty="0" smtClean="0">
                           <a:solidFill>
                             <a:schemeClr val="dk1"/>
                           </a:solidFill>
@@ -24562,7 +25546,7 @@
                         </a:rPr>
                         <a:t>(GL)</a:t>
                       </a:r>
-                      <a:endParaRPr lang="en-US" altLang="zh-CN" sz="1600" b="0" i="0" u="none" strike="noStrike" kern="1200" baseline="0" dirty="0" smtClean="0">
+                      <a:endParaRPr lang="en-US" altLang="zh-CN" sz="1400" b="0" i="0" u="none" strike="noStrike" kern="1200" baseline="0" dirty="0" smtClean="0">
                         <a:solidFill>
                           <a:schemeClr val="dk1"/>
                         </a:solidFill>
@@ -24580,7 +25564,7 @@
                     <a:lstStyle/>
                     <a:p>
                       <a:r>
-                        <a:rPr lang="en-US" altLang="zh-CN" sz="1600" kern="1200" dirty="0" smtClean="0">
+                        <a:rPr lang="en-US" altLang="zh-CN" sz="1400" kern="1200" dirty="0" smtClean="0">
                           <a:solidFill>
                             <a:schemeClr val="dk1"/>
                           </a:solidFill>
@@ -24591,7 +25575,7 @@
                         </a:rPr>
                         <a:t>17621</a:t>
                       </a:r>
-                      <a:endParaRPr lang="zh-CN" altLang="en-US" sz="1600" dirty="0">
+                      <a:endParaRPr lang="zh-CN" altLang="en-US" sz="1400" dirty="0">
                         <a:latin typeface="黑体" panose="02010609060101010101" pitchFamily="49" charset="-122"/>
                         <a:ea typeface="黑体" panose="02010609060101010101" pitchFamily="49" charset="-122"/>
                         <a:cs typeface="Times New Roman" panose="02020603050405020304" pitchFamily="18" charset="0"/>
@@ -24606,14 +25590,14 @@
                     <a:lstStyle/>
                     <a:p>
                       <a:r>
-                        <a:rPr lang="en-US" altLang="zh-CN" sz="1600" dirty="0" smtClean="0">
+                        <a:rPr lang="en-US" altLang="zh-CN" sz="1400" dirty="0" smtClean="0">
                           <a:latin typeface="黑体" panose="02010609060101010101" pitchFamily="49" charset="-122"/>
                           <a:ea typeface="黑体" panose="02010609060101010101" pitchFamily="49" charset="-122"/>
                           <a:cs typeface="Times New Roman" panose="02020603050405020304" pitchFamily="18" charset="0"/>
                         </a:rPr>
                         <a:t>843.1</a:t>
                       </a:r>
-                      <a:endParaRPr lang="zh-CN" altLang="en-US" sz="1600" dirty="0">
+                      <a:endParaRPr lang="zh-CN" altLang="en-US" sz="1400" dirty="0">
                         <a:latin typeface="黑体" panose="02010609060101010101" pitchFamily="49" charset="-122"/>
                         <a:ea typeface="黑体" panose="02010609060101010101" pitchFamily="49" charset="-122"/>
                         <a:cs typeface="Times New Roman" panose="02020603050405020304" pitchFamily="18" charset="0"/>
@@ -24635,7 +25619,7 @@
                     <a:lstStyle/>
                     <a:p>
                       <a:r>
-                        <a:rPr lang="en-US" altLang="zh-CN" sz="1600" kern="1200" dirty="0" smtClean="0">
+                        <a:rPr lang="en-US" altLang="zh-CN" sz="1400" kern="1200" dirty="0" smtClean="0">
                           <a:solidFill>
                             <a:schemeClr val="dk1"/>
                           </a:solidFill>
@@ -24646,7 +25630,7 @@
                         </a:rPr>
                         <a:t>North America Road Network(NARN)</a:t>
                       </a:r>
-                      <a:endParaRPr lang="zh-CN" altLang="en-US" sz="1600" dirty="0">
+                      <a:endParaRPr lang="zh-CN" altLang="en-US" sz="1400" dirty="0">
                         <a:latin typeface="黑体" panose="02010609060101010101" pitchFamily="49" charset="-122"/>
                         <a:ea typeface="黑体" panose="02010609060101010101" pitchFamily="49" charset="-122"/>
                         <a:cs typeface="Times New Roman" panose="02020603050405020304" pitchFamily="18" charset="0"/>
@@ -24661,14 +25645,14 @@
                     <a:lstStyle/>
                     <a:p>
                       <a:r>
-                        <a:rPr lang="en-US" altLang="zh-CN" sz="1600" dirty="0" smtClean="0">
+                        <a:rPr lang="en-US" altLang="zh-CN" sz="1400" dirty="0" smtClean="0">
                           <a:latin typeface="黑体" panose="02010609060101010101" pitchFamily="49" charset="-122"/>
                           <a:ea typeface="黑体" panose="02010609060101010101" pitchFamily="49" charset="-122"/>
                           <a:cs typeface="Times New Roman" panose="02020603050405020304" pitchFamily="18" charset="0"/>
                         </a:rPr>
                         <a:t>20000</a:t>
                       </a:r>
-                      <a:endParaRPr lang="zh-CN" altLang="en-US" sz="1600" dirty="0">
+                      <a:endParaRPr lang="zh-CN" altLang="en-US" sz="1400" dirty="0">
                         <a:latin typeface="黑体" panose="02010609060101010101" pitchFamily="49" charset="-122"/>
                         <a:ea typeface="黑体" panose="02010609060101010101" pitchFamily="49" charset="-122"/>
                         <a:cs typeface="Times New Roman" panose="02020603050405020304" pitchFamily="18" charset="0"/>
@@ -24683,7 +25667,7 @@
                     <a:lstStyle/>
                     <a:p>
                       <a:r>
-                        <a:rPr lang="en-US" altLang="zh-CN" sz="1600" dirty="0" smtClean="0">
+                        <a:rPr lang="en-US" altLang="zh-CN" sz="1400" dirty="0" smtClean="0">
                           <a:latin typeface="黑体" panose="02010609060101010101" pitchFamily="49" charset="-122"/>
                           <a:ea typeface="黑体" panose="02010609060101010101" pitchFamily="49" charset="-122"/>
                           <a:cs typeface="Times New Roman" panose="02020603050405020304" pitchFamily="18" charset="0"/>
@@ -24691,7 +25675,7 @@
                         <a:t>61.6</a:t>
                       </a:r>
                       <a:r>
-                        <a:rPr lang="zh-CN" altLang="en-US" sz="1600" dirty="0" smtClean="0">
+                        <a:rPr lang="zh-CN" altLang="en-US" sz="1400" dirty="0" smtClean="0">
                           <a:latin typeface="黑体" panose="02010609060101010101" pitchFamily="49" charset="-122"/>
                           <a:ea typeface="黑体" panose="02010609060101010101" pitchFamily="49" charset="-122"/>
                           <a:cs typeface="Times New Roman" panose="02020603050405020304" pitchFamily="18" charset="0"/>
@@ -24699,7 +25683,7 @@
                         <a:t>（</a:t>
                       </a:r>
                       <a:r>
-                        <a:rPr lang="en-US" altLang="zh-CN" sz="1600" dirty="0" smtClean="0">
+                        <a:rPr lang="en-US" altLang="zh-CN" sz="1400" dirty="0" smtClean="0">
                           <a:latin typeface="黑体" panose="02010609060101010101" pitchFamily="49" charset="-122"/>
                           <a:ea typeface="黑体" panose="02010609060101010101" pitchFamily="49" charset="-122"/>
                           <a:cs typeface="Times New Roman" panose="02020603050405020304" pitchFamily="18" charset="0"/>
@@ -24707,14 +25691,14 @@
                         <a:t>10-150</a:t>
                       </a:r>
                       <a:r>
-                        <a:rPr lang="zh-CN" altLang="en-US" sz="1600" dirty="0" smtClean="0">
+                        <a:rPr lang="zh-CN" altLang="en-US" sz="1400" dirty="0" smtClean="0">
                           <a:latin typeface="黑体" panose="02010609060101010101" pitchFamily="49" charset="-122"/>
                           <a:ea typeface="黑体" panose="02010609060101010101" pitchFamily="49" charset="-122"/>
                           <a:cs typeface="Times New Roman" panose="02020603050405020304" pitchFamily="18" charset="0"/>
                         </a:rPr>
                         <a:t>）</a:t>
                       </a:r>
-                      <a:endParaRPr lang="zh-CN" altLang="en-US" sz="1600" dirty="0">
+                      <a:endParaRPr lang="zh-CN" altLang="en-US" sz="1400" dirty="0">
                         <a:latin typeface="黑体" panose="02010609060101010101" pitchFamily="49" charset="-122"/>
                         <a:ea typeface="黑体" panose="02010609060101010101" pitchFamily="49" charset="-122"/>
                         <a:cs typeface="Times New Roman" panose="02020603050405020304" pitchFamily="18" charset="0"/>
@@ -24743,7 +25727,7 @@
         </p:nvSpPr>
         <p:spPr bwMode="auto">
           <a:xfrm>
-            <a:off x="2524065" y="3684762"/>
+            <a:off x="5358502" y="1266972"/>
             <a:ext cx="2913063" cy="369888"/>
           </a:xfrm>
           <a:prstGeom prst="rect">
@@ -24990,7 +25974,7 @@
             <p:nvPr/>
           </p:nvPicPr>
           <p:blipFill rotWithShape="1">
-            <a:blip r:embed="rId2">
+            <a:blip r:embed="rId4">
               <a:extLst>
                 <a:ext uri="{28A0092B-C50C-407E-A947-70E740481C1C}">
                   <a14:useLocalDpi xmlns:a14="http://schemas.microsoft.com/office/drawing/2010/main" val="0"/>
@@ -25256,13 +26240,13 @@
         </p:nvSpPr>
         <p:spPr bwMode="auto">
           <a:xfrm>
-            <a:off x="7076536" y="3342839"/>
-            <a:ext cx="2036744" cy="1154921"/>
+            <a:off x="114300" y="3594673"/>
+            <a:ext cx="1996405" cy="1494912"/>
           </a:xfrm>
           <a:prstGeom prst="wedgeRoundRectCallout">
             <a:avLst>
-              <a:gd name="adj1" fmla="val -62356"/>
-              <a:gd name="adj2" fmla="val 51069"/>
+              <a:gd name="adj1" fmla="val 59928"/>
+              <a:gd name="adj2" fmla="val 36643"/>
               <a:gd name="adj3" fmla="val 16667"/>
             </a:avLst>
           </a:prstGeom>
@@ -25391,9 +26375,35 @@
                 <a:latin typeface="黑体" panose="02010609060101010101" pitchFamily="49" charset="-122"/>
                 <a:ea typeface="黑体" panose="02010609060101010101" pitchFamily="49" charset="-122"/>
               </a:rPr>
+              <a:t>真实轨迹</a:t>
+            </a:r>
+            <a:endParaRPr lang="en-US" altLang="zh-CN" sz="1600" dirty="0" smtClean="0">
+              <a:latin typeface="黑体" panose="02010609060101010101" pitchFamily="49" charset="-122"/>
+              <a:ea typeface="黑体" panose="02010609060101010101" pitchFamily="49" charset="-122"/>
+            </a:endParaRPr>
+          </a:p>
+          <a:p>
+            <a:r>
+              <a:rPr lang="zh-CN" altLang="en-US" sz="1600" dirty="0" smtClean="0">
+                <a:latin typeface="黑体" panose="02010609060101010101" pitchFamily="49" charset="-122"/>
+                <a:ea typeface="黑体" panose="02010609060101010101" pitchFamily="49" charset="-122"/>
+              </a:rPr>
               <a:t>北京行人车辆轨迹</a:t>
             </a:r>
             <a:endParaRPr lang="en-US" altLang="zh-CN" sz="1600" dirty="0" smtClean="0">
+              <a:latin typeface="黑体" panose="02010609060101010101" pitchFamily="49" charset="-122"/>
+              <a:ea typeface="黑体" panose="02010609060101010101" pitchFamily="49" charset="-122"/>
+            </a:endParaRPr>
+          </a:p>
+          <a:p>
+            <a:r>
+              <a:rPr lang="zh-CN" altLang="en-US" sz="1600" dirty="0">
+                <a:latin typeface="黑体" panose="02010609060101010101" pitchFamily="49" charset="-122"/>
+                <a:ea typeface="黑体" panose="02010609060101010101" pitchFamily="49" charset="-122"/>
+              </a:rPr>
+              <a:t>微软亚研院</a:t>
+            </a:r>
+            <a:endParaRPr lang="en-US" altLang="zh-CN" sz="1600" dirty="0">
               <a:latin typeface="黑体" panose="02010609060101010101" pitchFamily="49" charset="-122"/>
               <a:ea typeface="黑体" panose="02010609060101010101" pitchFamily="49" charset="-122"/>
             </a:endParaRPr>
@@ -25449,26 +26459,6 @@
             </a:endParaRPr>
           </a:p>
           <a:p>
-            <a:r>
-              <a:rPr lang="zh-CN" altLang="en-US" sz="1600" dirty="0" smtClean="0">
-                <a:latin typeface="黑体" panose="02010609060101010101" pitchFamily="49" charset="-122"/>
-                <a:ea typeface="黑体" panose="02010609060101010101" pitchFamily="49" charset="-122"/>
-              </a:rPr>
-              <a:t>微软</a:t>
-            </a:r>
-            <a:r>
-              <a:rPr lang="zh-CN" altLang="en-US" sz="1600" dirty="0">
-                <a:latin typeface="黑体" panose="02010609060101010101" pitchFamily="49" charset="-122"/>
-                <a:ea typeface="黑体" panose="02010609060101010101" pitchFamily="49" charset="-122"/>
-              </a:rPr>
-              <a:t>亚研院</a:t>
-            </a:r>
-            <a:endParaRPr lang="en-US" altLang="zh-CN" sz="1600" dirty="0">
-              <a:latin typeface="黑体" panose="02010609060101010101" pitchFamily="49" charset="-122"/>
-              <a:ea typeface="黑体" panose="02010609060101010101" pitchFamily="49" charset="-122"/>
-            </a:endParaRPr>
-          </a:p>
-          <a:p>
             <a:endParaRPr lang="zh-TW" altLang="en-US" sz="1600" dirty="0">
               <a:latin typeface="黑体" panose="02010609060101010101" pitchFamily="49" charset="-122"/>
               <a:ea typeface="黑体" panose="02010609060101010101" pitchFamily="49" charset="-122"/>
@@ -25487,13 +26477,13 @@
         </p:nvSpPr>
         <p:spPr bwMode="auto">
           <a:xfrm>
-            <a:off x="6090250" y="5384728"/>
-            <a:ext cx="2744276" cy="842700"/>
+            <a:off x="6625088" y="3497745"/>
+            <a:ext cx="2209438" cy="1196233"/>
           </a:xfrm>
           <a:prstGeom prst="wedgeRoundRectCallout">
             <a:avLst>
-              <a:gd name="adj1" fmla="val -39260"/>
-              <a:gd name="adj2" fmla="val -80117"/>
+              <a:gd name="adj1" fmla="val -65029"/>
+              <a:gd name="adj2" fmla="val 50408"/>
               <a:gd name="adj3" fmla="val 16667"/>
             </a:avLst>
           </a:prstGeom>
@@ -25655,7 +26645,7 @@
           <p:nvPr/>
         </p:nvPicPr>
         <p:blipFill>
-          <a:blip r:embed="rId3" cstate="print">
+          <a:blip r:embed="rId5" cstate="print">
             <a:extLst>
               <a:ext uri="{28A0092B-C50C-407E-A947-70E740481C1C}">
                 <a14:useLocalDpi xmlns:a14="http://schemas.microsoft.com/office/drawing/2010/main" val="0"/>
@@ -25676,64 +26666,6 @@
           </a:prstGeom>
         </p:spPr>
       </p:pic>
-      <p:pic>
-        <p:nvPicPr>
-          <p:cNvPr id="17" name="图片 16"/>
-          <p:cNvPicPr>
-            <a:picLocks noChangeAspect="1"/>
-          </p:cNvPicPr>
-          <p:nvPr/>
-        </p:nvPicPr>
-        <p:blipFill rotWithShape="1">
-          <a:blip r:embed="rId4">
-            <a:extLst>
-              <a:ext uri="{28A0092B-C50C-407E-A947-70E740481C1C}">
-                <a14:useLocalDpi xmlns:a14="http://schemas.microsoft.com/office/drawing/2010/main" val="0"/>
-              </a:ext>
-            </a:extLst>
-          </a:blip>
-          <a:srcRect l="13857" b="6716"/>
-          <a:stretch/>
-        </p:blipFill>
-        <p:spPr>
-          <a:xfrm>
-            <a:off x="6815034" y="1511063"/>
-            <a:ext cx="2250798" cy="1706167"/>
-          </a:xfrm>
-          <a:prstGeom prst="rect">
-            <a:avLst/>
-          </a:prstGeom>
-        </p:spPr>
-      </p:pic>
-      <p:pic>
-        <p:nvPicPr>
-          <p:cNvPr id="18" name="图片 17"/>
-          <p:cNvPicPr>
-            <a:picLocks noChangeAspect="1"/>
-          </p:cNvPicPr>
-          <p:nvPr/>
-        </p:nvPicPr>
-        <p:blipFill rotWithShape="1">
-          <a:blip r:embed="rId5">
-            <a:extLst>
-              <a:ext uri="{28A0092B-C50C-407E-A947-70E740481C1C}">
-                <a14:useLocalDpi xmlns:a14="http://schemas.microsoft.com/office/drawing/2010/main" val="0"/>
-              </a:ext>
-            </a:extLst>
-          </a:blip>
-          <a:srcRect l="21391" t="10847" r="22269" b="15028"/>
-          <a:stretch/>
-        </p:blipFill>
-        <p:spPr>
-          <a:xfrm>
-            <a:off x="4709649" y="1580073"/>
-            <a:ext cx="1975667" cy="1637157"/>
-          </a:xfrm>
-          <a:prstGeom prst="rect">
-            <a:avLst/>
-          </a:prstGeom>
-        </p:spPr>
-      </p:pic>
     </p:spTree>
     <p:extLst>
       <p:ext uri="{BB962C8B-B14F-4D97-AF65-F5344CB8AC3E}">
@@ -25747,9 +26679,283 @@
   <p:timing>
     <p:tnLst>
       <p:par>
-        <p:cTn id="1" dur="indefinite" restart="never" nodeType="tmRoot"/>
+        <p:cTn id="1" dur="indefinite" restart="never" nodeType="tmRoot">
+          <p:childTnLst>
+            <p:seq concurrent="1" nextAc="seek">
+              <p:cTn id="2" dur="indefinite" nodeType="mainSeq">
+                <p:childTnLst>
+                  <p:par>
+                    <p:cTn id="3" fill="hold">
+                      <p:stCondLst>
+                        <p:cond delay="indefinite"/>
+                      </p:stCondLst>
+                      <p:childTnLst>
+                        <p:par>
+                          <p:cTn id="4" fill="hold">
+                            <p:stCondLst>
+                              <p:cond delay="0"/>
+                            </p:stCondLst>
+                            <p:childTnLst>
+                              <p:par>
+                                <p:cTn id="5" presetID="14" presetClass="entr" presetSubtype="10" fill="hold" nodeType="clickEffect">
+                                  <p:stCondLst>
+                                    <p:cond delay="0"/>
+                                  </p:stCondLst>
+                                  <p:childTnLst>
+                                    <p:set>
+                                      <p:cBhvr>
+                                        <p:cTn id="6" dur="1" fill="hold">
+                                          <p:stCondLst>
+                                            <p:cond delay="0"/>
+                                          </p:stCondLst>
+                                        </p:cTn>
+                                        <p:tgtEl>
+                                          <p:spTgt spid="18"/>
+                                        </p:tgtEl>
+                                        <p:attrNameLst>
+                                          <p:attrName>style.visibility</p:attrName>
+                                        </p:attrNameLst>
+                                      </p:cBhvr>
+                                      <p:to>
+                                        <p:strVal val="visible"/>
+                                      </p:to>
+                                    </p:set>
+                                    <p:animEffect transition="in" filter="randombar(horizontal)">
+                                      <p:cBhvr>
+                                        <p:cTn id="7" dur="500"/>
+                                        <p:tgtEl>
+                                          <p:spTgt spid="18"/>
+                                        </p:tgtEl>
+                                      </p:cBhvr>
+                                    </p:animEffect>
+                                  </p:childTnLst>
+                                </p:cTn>
+                              </p:par>
+                              <p:par>
+                                <p:cTn id="8" presetID="14" presetClass="entr" presetSubtype="10" fill="hold" grpId="0" nodeType="withEffect">
+                                  <p:stCondLst>
+                                    <p:cond delay="0"/>
+                                  </p:stCondLst>
+                                  <p:childTnLst>
+                                    <p:set>
+                                      <p:cBhvr>
+                                        <p:cTn id="9" dur="1" fill="hold">
+                                          <p:stCondLst>
+                                            <p:cond delay="0"/>
+                                          </p:stCondLst>
+                                        </p:cTn>
+                                        <p:tgtEl>
+                                          <p:spTgt spid="13"/>
+                                        </p:tgtEl>
+                                        <p:attrNameLst>
+                                          <p:attrName>style.visibility</p:attrName>
+                                        </p:attrNameLst>
+                                      </p:cBhvr>
+                                      <p:to>
+                                        <p:strVal val="visible"/>
+                                      </p:to>
+                                    </p:set>
+                                    <p:animEffect transition="in" filter="randombar(horizontal)">
+                                      <p:cBhvr>
+                                        <p:cTn id="10" dur="500"/>
+                                        <p:tgtEl>
+                                          <p:spTgt spid="13"/>
+                                        </p:tgtEl>
+                                      </p:cBhvr>
+                                    </p:animEffect>
+                                  </p:childTnLst>
+                                </p:cTn>
+                              </p:par>
+                              <p:par>
+                                <p:cTn id="11" presetID="14" presetClass="entr" presetSubtype="10" fill="hold" nodeType="withEffect">
+                                  <p:stCondLst>
+                                    <p:cond delay="0"/>
+                                  </p:stCondLst>
+                                  <p:childTnLst>
+                                    <p:set>
+                                      <p:cBhvr>
+                                        <p:cTn id="12" dur="1" fill="hold">
+                                          <p:stCondLst>
+                                            <p:cond delay="0"/>
+                                          </p:stCondLst>
+                                        </p:cTn>
+                                        <p:tgtEl>
+                                          <p:spTgt spid="3"/>
+                                        </p:tgtEl>
+                                        <p:attrNameLst>
+                                          <p:attrName>style.visibility</p:attrName>
+                                        </p:attrNameLst>
+                                      </p:cBhvr>
+                                      <p:to>
+                                        <p:strVal val="visible"/>
+                                      </p:to>
+                                    </p:set>
+                                    <p:animEffect transition="in" filter="randombar(horizontal)">
+                                      <p:cBhvr>
+                                        <p:cTn id="13" dur="500"/>
+                                        <p:tgtEl>
+                                          <p:spTgt spid="3"/>
+                                        </p:tgtEl>
+                                      </p:cBhvr>
+                                    </p:animEffect>
+                                  </p:childTnLst>
+                                </p:cTn>
+                              </p:par>
+                              <p:par>
+                                <p:cTn id="14" presetID="14" presetClass="entr" presetSubtype="10" fill="hold" grpId="0" nodeType="withEffect">
+                                  <p:stCondLst>
+                                    <p:cond delay="0"/>
+                                  </p:stCondLst>
+                                  <p:childTnLst>
+                                    <p:set>
+                                      <p:cBhvr>
+                                        <p:cTn id="15" dur="1" fill="hold">
+                                          <p:stCondLst>
+                                            <p:cond delay="0"/>
+                                          </p:stCondLst>
+                                        </p:cTn>
+                                        <p:tgtEl>
+                                          <p:spTgt spid="4"/>
+                                        </p:tgtEl>
+                                        <p:attrNameLst>
+                                          <p:attrName>style.visibility</p:attrName>
+                                        </p:attrNameLst>
+                                      </p:cBhvr>
+                                      <p:to>
+                                        <p:strVal val="visible"/>
+                                      </p:to>
+                                    </p:set>
+                                    <p:animEffect transition="in" filter="randombar(horizontal)">
+                                      <p:cBhvr>
+                                        <p:cTn id="16" dur="500"/>
+                                        <p:tgtEl>
+                                          <p:spTgt spid="4"/>
+                                        </p:tgtEl>
+                                      </p:cBhvr>
+                                    </p:animEffect>
+                                  </p:childTnLst>
+                                </p:cTn>
+                              </p:par>
+                            </p:childTnLst>
+                          </p:cTn>
+                        </p:par>
+                      </p:childTnLst>
+                    </p:cTn>
+                  </p:par>
+                  <p:par>
+                    <p:cTn id="17" fill="hold">
+                      <p:stCondLst>
+                        <p:cond delay="indefinite"/>
+                      </p:stCondLst>
+                      <p:childTnLst>
+                        <p:par>
+                          <p:cTn id="18" fill="hold">
+                            <p:stCondLst>
+                              <p:cond delay="0"/>
+                            </p:stCondLst>
+                            <p:childTnLst>
+                              <p:par>
+                                <p:cTn id="19" presetID="14" presetClass="entr" presetSubtype="10" fill="hold" nodeType="clickEffect">
+                                  <p:stCondLst>
+                                    <p:cond delay="0"/>
+                                  </p:stCondLst>
+                                  <p:childTnLst>
+                                    <p:set>
+                                      <p:cBhvr>
+                                        <p:cTn id="20" dur="1" fill="hold">
+                                          <p:stCondLst>
+                                            <p:cond delay="0"/>
+                                          </p:stCondLst>
+                                        </p:cTn>
+                                        <p:tgtEl>
+                                          <p:spTgt spid="17"/>
+                                        </p:tgtEl>
+                                        <p:attrNameLst>
+                                          <p:attrName>style.visibility</p:attrName>
+                                        </p:attrNameLst>
+                                      </p:cBhvr>
+                                      <p:to>
+                                        <p:strVal val="visible"/>
+                                      </p:to>
+                                    </p:set>
+                                    <p:animEffect transition="in" filter="randombar(horizontal)">
+                                      <p:cBhvr>
+                                        <p:cTn id="21" dur="500"/>
+                                        <p:tgtEl>
+                                          <p:spTgt spid="17"/>
+                                        </p:tgtEl>
+                                      </p:cBhvr>
+                                    </p:animEffect>
+                                  </p:childTnLst>
+                                </p:cTn>
+                              </p:par>
+                              <p:par>
+                                <p:cTn id="22" presetID="14" presetClass="entr" presetSubtype="10" fill="hold" grpId="0" nodeType="withEffect">
+                                  <p:stCondLst>
+                                    <p:cond delay="0"/>
+                                  </p:stCondLst>
+                                  <p:childTnLst>
+                                    <p:set>
+                                      <p:cBhvr>
+                                        <p:cTn id="23" dur="1" fill="hold">
+                                          <p:stCondLst>
+                                            <p:cond delay="0"/>
+                                          </p:stCondLst>
+                                        </p:cTn>
+                                        <p:tgtEl>
+                                          <p:spTgt spid="15"/>
+                                        </p:tgtEl>
+                                        <p:attrNameLst>
+                                          <p:attrName>style.visibility</p:attrName>
+                                        </p:attrNameLst>
+                                      </p:cBhvr>
+                                      <p:to>
+                                        <p:strVal val="visible"/>
+                                      </p:to>
+                                    </p:set>
+                                    <p:animEffect transition="in" filter="randombar(horizontal)">
+                                      <p:cBhvr>
+                                        <p:cTn id="24" dur="500"/>
+                                        <p:tgtEl>
+                                          <p:spTgt spid="15"/>
+                                        </p:tgtEl>
+                                      </p:cBhvr>
+                                    </p:animEffect>
+                                  </p:childTnLst>
+                                </p:cTn>
+                              </p:par>
+                            </p:childTnLst>
+                          </p:cTn>
+                        </p:par>
+                      </p:childTnLst>
+                    </p:cTn>
+                  </p:par>
+                </p:childTnLst>
+              </p:cTn>
+              <p:prevCondLst>
+                <p:cond evt="onPrev" delay="0">
+                  <p:tgtEl>
+                    <p:sldTgt/>
+                  </p:tgtEl>
+                </p:cond>
+              </p:prevCondLst>
+              <p:nextCondLst>
+                <p:cond evt="onNext" delay="0">
+                  <p:tgtEl>
+                    <p:sldTgt/>
+                  </p:tgtEl>
+                </p:cond>
+              </p:nextCondLst>
+            </p:seq>
+          </p:childTnLst>
+        </p:cTn>
       </p:par>
     </p:tnLst>
+    <p:bldLst>
+      <p:bldP spid="4" grpId="0"/>
+      <p:bldP spid="13" grpId="0" animBg="1"/>
+      <p:bldP spid="15" grpId="0" animBg="1"/>
+    </p:bldLst>
   </p:timing>
 </p:sld>
 </file>
@@ -26703,7 +27909,7 @@
     </p:spTree>
     <p:extLst>
       <p:ext uri="{BB962C8B-B14F-4D97-AF65-F5344CB8AC3E}">
-        <p14:creationId xmlns:p14="http://schemas.microsoft.com/office/powerpoint/2010/main" val="3321317044"/>
+        <p14:creationId xmlns:p14="http://schemas.microsoft.com/office/powerpoint/2010/main" val="599103848"/>
       </p:ext>
     </p:extLst>
   </p:cSld>
@@ -27669,7 +28875,7 @@
     </p:spTree>
     <p:extLst>
       <p:ext uri="{BB962C8B-B14F-4D97-AF65-F5344CB8AC3E}">
-        <p14:creationId xmlns:p14="http://schemas.microsoft.com/office/powerpoint/2010/main" val="3644875025"/>
+        <p14:creationId xmlns:p14="http://schemas.microsoft.com/office/powerpoint/2010/main" val="4049355886"/>
       </p:ext>
     </p:extLst>
   </p:cSld>
@@ -29276,7 +30482,7 @@
     </p:spTree>
     <p:extLst>
       <p:ext uri="{BB962C8B-B14F-4D97-AF65-F5344CB8AC3E}">
-        <p14:creationId xmlns:p14="http://schemas.microsoft.com/office/powerpoint/2010/main" val="168860205"/>
+        <p14:creationId xmlns:p14="http://schemas.microsoft.com/office/powerpoint/2010/main" val="3134646089"/>
       </p:ext>
     </p:extLst>
   </p:cSld>
@@ -29919,7 +31125,7 @@
     </p:spTree>
     <p:extLst>
       <p:ext uri="{BB962C8B-B14F-4D97-AF65-F5344CB8AC3E}">
-        <p14:creationId xmlns:p14="http://schemas.microsoft.com/office/powerpoint/2010/main" val="1501323076"/>
+        <p14:creationId xmlns:p14="http://schemas.microsoft.com/office/powerpoint/2010/main" val="3814899879"/>
       </p:ext>
     </p:extLst>
   </p:cSld>
@@ -30717,7 +31923,7 @@
     </p:spTree>
     <p:extLst>
       <p:ext uri="{BB962C8B-B14F-4D97-AF65-F5344CB8AC3E}">
-        <p14:creationId xmlns:p14="http://schemas.microsoft.com/office/powerpoint/2010/main" val="2329894865"/>
+        <p14:creationId xmlns:p14="http://schemas.microsoft.com/office/powerpoint/2010/main" val="1825926672"/>
       </p:ext>
     </p:extLst>
   </p:cSld>
@@ -33520,583 +34726,6 @@
     <p:extLst>
       <p:ext uri="{BB962C8B-B14F-4D97-AF65-F5344CB8AC3E}">
         <p14:creationId xmlns:p14="http://schemas.microsoft.com/office/powerpoint/2010/main" val="3386012066"/>
-      </p:ext>
-    </p:extLst>
-  </p:cSld>
-  <p:clrMapOvr>
-    <a:masterClrMapping/>
-  </p:clrMapOvr>
-  <p:timing>
-    <p:tnLst>
-      <p:par>
-        <p:cTn id="1" dur="indefinite" restart="never" nodeType="tmRoot"/>
-      </p:par>
-    </p:tnLst>
-  </p:timing>
-</p:sld>
-</file>
-
-<file path=ppt/slides/slide36.xml><?xml version="1.0" encoding="utf-8"?>
-<p:sld xmlns:a="http://schemas.openxmlformats.org/drawingml/2006/main" xmlns:r="http://schemas.openxmlformats.org/officeDocument/2006/relationships" xmlns:p="http://schemas.openxmlformats.org/presentationml/2006/main">
-  <p:cSld>
-    <p:spTree>
-      <p:nvGrpSpPr>
-        <p:cNvPr id="1" name=""/>
-        <p:cNvGrpSpPr/>
-        <p:nvPr/>
-      </p:nvGrpSpPr>
-      <p:grpSpPr>
-        <a:xfrm>
-          <a:off x="0" y="0"/>
-          <a:ext cx="0" cy="0"/>
-          <a:chOff x="0" y="0"/>
-          <a:chExt cx="0" cy="0"/>
-        </a:xfrm>
-      </p:grpSpPr>
-      <p:grpSp>
-        <p:nvGrpSpPr>
-          <p:cNvPr id="2" name="组合 1"/>
-          <p:cNvGrpSpPr/>
-          <p:nvPr/>
-        </p:nvGrpSpPr>
-        <p:grpSpPr>
-          <a:xfrm>
-            <a:off x="114300" y="171450"/>
-            <a:ext cx="8875502" cy="1066800"/>
-            <a:chOff x="114300" y="171450"/>
-            <a:chExt cx="8875502" cy="1066800"/>
-          </a:xfrm>
-        </p:grpSpPr>
-        <p:cxnSp>
-          <p:nvCxnSpPr>
-            <p:cNvPr id="3" name="直接连接符 2"/>
-            <p:cNvCxnSpPr/>
-            <p:nvPr/>
-          </p:nvCxnSpPr>
-          <p:spPr>
-            <a:xfrm>
-              <a:off x="114300" y="1076325"/>
-              <a:ext cx="8858250" cy="0"/>
-            </a:xfrm>
-            <a:prstGeom prst="line">
-              <a:avLst/>
-            </a:prstGeom>
-            <a:ln w="31750">
-              <a:solidFill>
-                <a:srgbClr val="1E50A6"/>
-              </a:solidFill>
-            </a:ln>
-          </p:spPr>
-          <p:style>
-            <a:lnRef idx="1">
-              <a:schemeClr val="accent1"/>
-            </a:lnRef>
-            <a:fillRef idx="0">
-              <a:schemeClr val="accent1"/>
-            </a:fillRef>
-            <a:effectRef idx="0">
-              <a:schemeClr val="accent1"/>
-            </a:effectRef>
-            <a:fontRef idx="minor">
-              <a:schemeClr val="tx1"/>
-            </a:fontRef>
-          </p:style>
-        </p:cxnSp>
-        <p:cxnSp>
-          <p:nvCxnSpPr>
-            <p:cNvPr id="4" name="直接连接符 3"/>
-            <p:cNvCxnSpPr/>
-            <p:nvPr/>
-          </p:nvCxnSpPr>
-          <p:spPr>
-            <a:xfrm>
-              <a:off x="6962775" y="171450"/>
-              <a:ext cx="28322" cy="1066800"/>
-            </a:xfrm>
-            <a:prstGeom prst="line">
-              <a:avLst/>
-            </a:prstGeom>
-            <a:ln w="31750">
-              <a:solidFill>
-                <a:srgbClr val="1E50A6"/>
-              </a:solidFill>
-            </a:ln>
-          </p:spPr>
-          <p:style>
-            <a:lnRef idx="1">
-              <a:schemeClr val="accent1"/>
-            </a:lnRef>
-            <a:fillRef idx="0">
-              <a:schemeClr val="accent1"/>
-            </a:fillRef>
-            <a:effectRef idx="0">
-              <a:schemeClr val="accent1"/>
-            </a:effectRef>
-            <a:fontRef idx="minor">
-              <a:schemeClr val="tx1"/>
-            </a:fontRef>
-          </p:style>
-        </p:cxnSp>
-        <p:pic>
-          <p:nvPicPr>
-            <p:cNvPr id="5" name="图片 4"/>
-            <p:cNvPicPr>
-              <a:picLocks noChangeAspect="1"/>
-            </p:cNvPicPr>
-            <p:nvPr/>
-          </p:nvPicPr>
-          <p:blipFill rotWithShape="1">
-            <a:blip r:embed="rId2">
-              <a:extLst>
-                <a:ext uri="{28A0092B-C50C-407E-A947-70E740481C1C}">
-                  <a14:useLocalDpi xmlns:a14="http://schemas.microsoft.com/office/drawing/2010/main" val="0"/>
-                </a:ext>
-              </a:extLst>
-            </a:blip>
-            <a:srcRect t="36874" r="33358" b="34304"/>
-            <a:stretch>
-              <a:fillRect/>
-            </a:stretch>
-          </p:blipFill>
-          <p:spPr>
-            <a:xfrm>
-              <a:off x="7076536" y="261127"/>
-              <a:ext cx="1913266" cy="765415"/>
-            </a:xfrm>
-            <a:prstGeom prst="rect">
-              <a:avLst/>
-            </a:prstGeom>
-          </p:spPr>
-        </p:pic>
-      </p:grpSp>
-      <p:sp>
-        <p:nvSpPr>
-          <p:cNvPr id="6" name="矩形 5"/>
-          <p:cNvSpPr/>
-          <p:nvPr/>
-        </p:nvSpPr>
-        <p:spPr>
-          <a:xfrm>
-            <a:off x="0" y="6573627"/>
-            <a:ext cx="9144000" cy="285750"/>
-          </a:xfrm>
-          <a:prstGeom prst="rect">
-            <a:avLst/>
-          </a:prstGeom>
-          <a:solidFill>
-            <a:srgbClr val="1B4DA5"/>
-          </a:solidFill>
-          <a:ln>
-            <a:noFill/>
-          </a:ln>
-        </p:spPr>
-        <p:style>
-          <a:lnRef idx="2">
-            <a:schemeClr val="accent1">
-              <a:shade val="50000"/>
-            </a:schemeClr>
-          </a:lnRef>
-          <a:fillRef idx="1">
-            <a:schemeClr val="accent1"/>
-          </a:fillRef>
-          <a:effectRef idx="0">
-            <a:schemeClr val="accent1"/>
-          </a:effectRef>
-          <a:fontRef idx="minor">
-            <a:schemeClr val="lt1"/>
-          </a:fontRef>
-        </p:style>
-        <p:txBody>
-          <a:bodyPr rtlCol="0" anchor="ctr"/>
-          <a:lstStyle/>
-          <a:p>
-            <a:pPr algn="ctr"/>
-            <a:r>
-              <a:rPr lang="zh-CN" altLang="zh-CN" sz="1200" dirty="0">
-                <a:latin typeface="黑体" panose="02010609060101010101" pitchFamily="49" charset="-122"/>
-                <a:ea typeface="黑体" panose="02010609060101010101" pitchFamily="49" charset="-122"/>
-              </a:rPr>
-              <a:t>移动对象的时空轨迹相似性</a:t>
-            </a:r>
-            <a:r>
-              <a:rPr lang="zh-CN" altLang="zh-CN" sz="1200" dirty="0" smtClean="0">
-                <a:latin typeface="黑体" panose="02010609060101010101" pitchFamily="49" charset="-122"/>
-                <a:ea typeface="黑体" panose="02010609060101010101" pitchFamily="49" charset="-122"/>
-              </a:rPr>
-              <a:t>算法</a:t>
-            </a:r>
-            <a:endParaRPr lang="zh-CN" altLang="en-US" sz="1200" dirty="0">
-              <a:latin typeface="黑体" panose="02010609060101010101" pitchFamily="49" charset="-122"/>
-              <a:ea typeface="黑体" panose="02010609060101010101" pitchFamily="49" charset="-122"/>
-              <a:cs typeface="Times New Roman" panose="02020603050405020304" pitchFamily="18" charset="0"/>
-            </a:endParaRPr>
-          </a:p>
-        </p:txBody>
-      </p:sp>
-      <p:grpSp>
-        <p:nvGrpSpPr>
-          <p:cNvPr id="7" name="组合 6"/>
-          <p:cNvGrpSpPr/>
-          <p:nvPr/>
-        </p:nvGrpSpPr>
-        <p:grpSpPr>
-          <a:xfrm>
-            <a:off x="0" y="171450"/>
-            <a:ext cx="9144000" cy="6687927"/>
-            <a:chOff x="0" y="171450"/>
-            <a:chExt cx="9144000" cy="6687927"/>
-          </a:xfrm>
-        </p:grpSpPr>
-        <p:cxnSp>
-          <p:nvCxnSpPr>
-            <p:cNvPr id="8" name="直接连接符 7"/>
-            <p:cNvCxnSpPr/>
-            <p:nvPr/>
-          </p:nvCxnSpPr>
-          <p:spPr>
-            <a:xfrm>
-              <a:off x="114300" y="1076325"/>
-              <a:ext cx="8858250" cy="0"/>
-            </a:xfrm>
-            <a:prstGeom prst="line">
-              <a:avLst/>
-            </a:prstGeom>
-            <a:ln w="31750">
-              <a:solidFill>
-                <a:srgbClr val="1E50A6"/>
-              </a:solidFill>
-            </a:ln>
-          </p:spPr>
-          <p:style>
-            <a:lnRef idx="1">
-              <a:schemeClr val="accent1"/>
-            </a:lnRef>
-            <a:fillRef idx="0">
-              <a:schemeClr val="accent1"/>
-            </a:fillRef>
-            <a:effectRef idx="0">
-              <a:schemeClr val="accent1"/>
-            </a:effectRef>
-            <a:fontRef idx="minor">
-              <a:schemeClr val="tx1"/>
-            </a:fontRef>
-          </p:style>
-        </p:cxnSp>
-        <p:cxnSp>
-          <p:nvCxnSpPr>
-            <p:cNvPr id="9" name="直接连接符 8"/>
-            <p:cNvCxnSpPr/>
-            <p:nvPr/>
-          </p:nvCxnSpPr>
-          <p:spPr>
-            <a:xfrm>
-              <a:off x="6962775" y="171450"/>
-              <a:ext cx="28322" cy="1066800"/>
-            </a:xfrm>
-            <a:prstGeom prst="line">
-              <a:avLst/>
-            </a:prstGeom>
-            <a:ln w="31750">
-              <a:solidFill>
-                <a:srgbClr val="1E50A6"/>
-              </a:solidFill>
-            </a:ln>
-          </p:spPr>
-          <p:style>
-            <a:lnRef idx="1">
-              <a:schemeClr val="accent1"/>
-            </a:lnRef>
-            <a:fillRef idx="0">
-              <a:schemeClr val="accent1"/>
-            </a:fillRef>
-            <a:effectRef idx="0">
-              <a:schemeClr val="accent1"/>
-            </a:effectRef>
-            <a:fontRef idx="minor">
-              <a:schemeClr val="tx1"/>
-            </a:fontRef>
-          </p:style>
-        </p:cxnSp>
-        <p:pic>
-          <p:nvPicPr>
-            <p:cNvPr id="10" name="图片 9"/>
-            <p:cNvPicPr>
-              <a:picLocks noChangeAspect="1"/>
-            </p:cNvPicPr>
-            <p:nvPr/>
-          </p:nvPicPr>
-          <p:blipFill rotWithShape="1">
-            <a:blip r:embed="rId2">
-              <a:extLst>
-                <a:ext uri="{28A0092B-C50C-407E-A947-70E740481C1C}">
-                  <a14:useLocalDpi xmlns:a14="http://schemas.microsoft.com/office/drawing/2010/main" val="0"/>
-                </a:ext>
-              </a:extLst>
-            </a:blip>
-            <a:srcRect t="36874" r="33358" b="34304"/>
-            <a:stretch>
-              <a:fillRect/>
-            </a:stretch>
-          </p:blipFill>
-          <p:spPr>
-            <a:xfrm>
-              <a:off x="7076536" y="261127"/>
-              <a:ext cx="1913266" cy="765415"/>
-            </a:xfrm>
-            <a:prstGeom prst="rect">
-              <a:avLst/>
-            </a:prstGeom>
-          </p:spPr>
-        </p:pic>
-        <p:sp>
-          <p:nvSpPr>
-            <p:cNvPr id="11" name="矩形 10"/>
-            <p:cNvSpPr/>
-            <p:nvPr/>
-          </p:nvSpPr>
-          <p:spPr>
-            <a:xfrm>
-              <a:off x="0" y="6573627"/>
-              <a:ext cx="9144000" cy="285750"/>
-            </a:xfrm>
-            <a:prstGeom prst="rect">
-              <a:avLst/>
-            </a:prstGeom>
-            <a:solidFill>
-              <a:srgbClr val="1B4DA5"/>
-            </a:solidFill>
-            <a:ln>
-              <a:noFill/>
-            </a:ln>
-          </p:spPr>
-          <p:style>
-            <a:lnRef idx="2">
-              <a:schemeClr val="accent1">
-                <a:shade val="50000"/>
-              </a:schemeClr>
-            </a:lnRef>
-            <a:fillRef idx="1">
-              <a:schemeClr val="accent1"/>
-            </a:fillRef>
-            <a:effectRef idx="0">
-              <a:schemeClr val="accent1"/>
-            </a:effectRef>
-            <a:fontRef idx="minor">
-              <a:schemeClr val="lt1"/>
-            </a:fontRef>
-          </p:style>
-          <p:txBody>
-            <a:bodyPr rtlCol="0" anchor="ctr"/>
-            <a:lstStyle/>
-            <a:p>
-              <a:pPr algn="ctr"/>
-              <a:r>
-                <a:rPr lang="zh-CN" altLang="en-US" sz="1200" dirty="0" smtClean="0">
-                  <a:latin typeface="Times New Roman" panose="02020603050405020304" pitchFamily="18" charset="0"/>
-                  <a:ea typeface="黑体" panose="02010609060101010101" pitchFamily="49" charset="-122"/>
-                  <a:cs typeface="Times New Roman" panose="02020603050405020304" pitchFamily="18" charset="0"/>
-                </a:rPr>
-                <a:t>基于路网的轨迹数据压缩存储与</a:t>
-              </a:r>
-              <a:r>
-                <a:rPr lang="en-US" altLang="zh-CN" sz="1200" dirty="0" smtClean="0">
-                  <a:latin typeface="Times New Roman" panose="02020603050405020304" pitchFamily="18" charset="0"/>
-                  <a:ea typeface="黑体" panose="02010609060101010101" pitchFamily="49" charset="-122"/>
-                  <a:cs typeface="Times New Roman" panose="02020603050405020304" pitchFamily="18" charset="0"/>
-                </a:rPr>
-                <a:t>LBS</a:t>
-              </a:r>
-              <a:r>
-                <a:rPr lang="zh-CN" altLang="en-US" sz="1200" dirty="0" smtClean="0">
-                  <a:latin typeface="Times New Roman" panose="02020603050405020304" pitchFamily="18" charset="0"/>
-                  <a:ea typeface="黑体" panose="02010609060101010101" pitchFamily="49" charset="-122"/>
-                  <a:cs typeface="Times New Roman" panose="02020603050405020304" pitchFamily="18" charset="0"/>
-                </a:rPr>
-                <a:t>查询方法</a:t>
-              </a:r>
-              <a:endParaRPr lang="zh-CN" altLang="en-US" sz="1200" dirty="0">
-                <a:latin typeface="Times New Roman" panose="02020603050405020304" pitchFamily="18" charset="0"/>
-                <a:ea typeface="黑体" panose="02010609060101010101" pitchFamily="49" charset="-122"/>
-                <a:cs typeface="Times New Roman" panose="02020603050405020304" pitchFamily="18" charset="0"/>
-              </a:endParaRPr>
-            </a:p>
-          </p:txBody>
-        </p:sp>
-      </p:grpSp>
-      <p:sp>
-        <p:nvSpPr>
-          <p:cNvPr id="14" name="灯片编号占位符 6"/>
-          <p:cNvSpPr>
-            <a:spLocks noGrp="1"/>
-          </p:cNvSpPr>
-          <p:nvPr>
-            <p:ph type="sldNum" sz="quarter" idx="12"/>
-          </p:nvPr>
-        </p:nvSpPr>
-        <p:spPr bwMode="auto">
-          <a:xfrm>
-            <a:off x="7739063" y="6556375"/>
-            <a:ext cx="1184275" cy="285750"/>
-          </a:xfrm>
-          <a:noFill/>
-          <a:extLst>
-            <a:ext uri="{909E8E84-426E-40DD-AFC4-6F175D3DCCD1}">
-              <a14:hiddenFill xmlns:a14="http://schemas.microsoft.com/office/drawing/2010/main">
-                <a:solidFill>
-                  <a:srgbClr val="FFFFFF"/>
-                </a:solidFill>
-              </a14:hiddenFill>
-            </a:ext>
-            <a:ext uri="{91240B29-F687-4F45-9708-019B960494DF}">
-              <a14:hiddenLine xmlns:a14="http://schemas.microsoft.com/office/drawing/2010/main" w="9525">
-                <a:solidFill>
-                  <a:srgbClr val="000000"/>
-                </a:solidFill>
-                <a:miter lim="800000"/>
-                <a:headEnd/>
-                <a:tailEnd/>
-              </a14:hiddenLine>
-            </a:ext>
-          </a:extLst>
-        </p:spPr>
-        <p:txBody>
-          <a:bodyPr wrap="square" numCol="1" anchorCtr="0" compatLnSpc="1"/>
-          <a:lstStyle>
-            <a:lvl1pPr>
-              <a:defRPr>
-                <a:solidFill>
-                  <a:schemeClr val="tx1"/>
-                </a:solidFill>
-                <a:latin typeface="Calibri" panose="020F0502020204030204" pitchFamily="34" charset="0"/>
-                <a:ea typeface="宋体" panose="02010600030101010101" pitchFamily="2" charset="-122"/>
-              </a:defRPr>
-            </a:lvl1pPr>
-            <a:lvl2pPr marL="742950" indent="-285750">
-              <a:defRPr>
-                <a:solidFill>
-                  <a:schemeClr val="tx1"/>
-                </a:solidFill>
-                <a:latin typeface="Calibri" panose="020F0502020204030204" pitchFamily="34" charset="0"/>
-                <a:ea typeface="宋体" panose="02010600030101010101" pitchFamily="2" charset="-122"/>
-              </a:defRPr>
-            </a:lvl2pPr>
-            <a:lvl3pPr marL="1143000" indent="-228600">
-              <a:defRPr>
-                <a:solidFill>
-                  <a:schemeClr val="tx1"/>
-                </a:solidFill>
-                <a:latin typeface="Calibri" panose="020F0502020204030204" pitchFamily="34" charset="0"/>
-                <a:ea typeface="宋体" panose="02010600030101010101" pitchFamily="2" charset="-122"/>
-              </a:defRPr>
-            </a:lvl3pPr>
-            <a:lvl4pPr marL="1600200" indent="-228600">
-              <a:defRPr>
-                <a:solidFill>
-                  <a:schemeClr val="tx1"/>
-                </a:solidFill>
-                <a:latin typeface="Calibri" panose="020F0502020204030204" pitchFamily="34" charset="0"/>
-                <a:ea typeface="宋体" panose="02010600030101010101" pitchFamily="2" charset="-122"/>
-              </a:defRPr>
-            </a:lvl4pPr>
-            <a:lvl5pPr marL="2057400" indent="-228600">
-              <a:defRPr>
-                <a:solidFill>
-                  <a:schemeClr val="tx1"/>
-                </a:solidFill>
-                <a:latin typeface="Calibri" panose="020F0502020204030204" pitchFamily="34" charset="0"/>
-                <a:ea typeface="宋体" panose="02010600030101010101" pitchFamily="2" charset="-122"/>
-              </a:defRPr>
-            </a:lvl5pPr>
-            <a:lvl6pPr marL="2514600" indent="-228600" fontAlgn="base">
-              <a:spcBef>
-                <a:spcPct val="0"/>
-              </a:spcBef>
-              <a:spcAft>
-                <a:spcPct val="0"/>
-              </a:spcAft>
-              <a:defRPr>
-                <a:solidFill>
-                  <a:schemeClr val="tx1"/>
-                </a:solidFill>
-                <a:latin typeface="Calibri" panose="020F0502020204030204" pitchFamily="34" charset="0"/>
-                <a:ea typeface="宋体" panose="02010600030101010101" pitchFamily="2" charset="-122"/>
-              </a:defRPr>
-            </a:lvl6pPr>
-            <a:lvl7pPr marL="2971800" indent="-228600" fontAlgn="base">
-              <a:spcBef>
-                <a:spcPct val="0"/>
-              </a:spcBef>
-              <a:spcAft>
-                <a:spcPct val="0"/>
-              </a:spcAft>
-              <a:defRPr>
-                <a:solidFill>
-                  <a:schemeClr val="tx1"/>
-                </a:solidFill>
-                <a:latin typeface="Calibri" panose="020F0502020204030204" pitchFamily="34" charset="0"/>
-                <a:ea typeface="宋体" panose="02010600030101010101" pitchFamily="2" charset="-122"/>
-              </a:defRPr>
-            </a:lvl7pPr>
-            <a:lvl8pPr marL="3429000" indent="-228600" fontAlgn="base">
-              <a:spcBef>
-                <a:spcPct val="0"/>
-              </a:spcBef>
-              <a:spcAft>
-                <a:spcPct val="0"/>
-              </a:spcAft>
-              <a:defRPr>
-                <a:solidFill>
-                  <a:schemeClr val="tx1"/>
-                </a:solidFill>
-                <a:latin typeface="Calibri" panose="020F0502020204030204" pitchFamily="34" charset="0"/>
-                <a:ea typeface="宋体" panose="02010600030101010101" pitchFamily="2" charset="-122"/>
-              </a:defRPr>
-            </a:lvl8pPr>
-            <a:lvl9pPr marL="3886200" indent="-228600" fontAlgn="base">
-              <a:spcBef>
-                <a:spcPct val="0"/>
-              </a:spcBef>
-              <a:spcAft>
-                <a:spcPct val="0"/>
-              </a:spcAft>
-              <a:defRPr>
-                <a:solidFill>
-                  <a:schemeClr val="tx1"/>
-                </a:solidFill>
-                <a:latin typeface="Calibri" panose="020F0502020204030204" pitchFamily="34" charset="0"/>
-                <a:ea typeface="宋体" panose="02010600030101010101" pitchFamily="2" charset="-122"/>
-              </a:defRPr>
-            </a:lvl9pPr>
-          </a:lstStyle>
-          <a:p>
-            <a:pPr fontAlgn="base">
-              <a:spcBef>
-                <a:spcPct val="0"/>
-              </a:spcBef>
-              <a:spcAft>
-                <a:spcPct val="0"/>
-              </a:spcAft>
-            </a:pPr>
-            <a:r>
-              <a:rPr lang="en-US" altLang="zh-CN">
-                <a:solidFill>
-                  <a:schemeClr val="bg1"/>
-                </a:solidFill>
-              </a:rPr>
-              <a:t>29/29</a:t>
-            </a:r>
-            <a:endParaRPr lang="zh-CN" altLang="en-US">
-              <a:solidFill>
-                <a:schemeClr val="bg1"/>
-              </a:solidFill>
-            </a:endParaRPr>
-          </a:p>
-        </p:txBody>
-      </p:sp>
-    </p:spTree>
-    <p:extLst>
-      <p:ext uri="{BB962C8B-B14F-4D97-AF65-F5344CB8AC3E}">
-        <p14:creationId xmlns:p14="http://schemas.microsoft.com/office/powerpoint/2010/main" val="3149156914"/>
       </p:ext>
     </p:extLst>
   </p:cSld>
@@ -37515,13 +38144,6 @@
               </a:rPr>
               <a:t>!</a:t>
             </a:r>
-            <a:endParaRPr lang="en-US" altLang="zh-CN" sz="1600" dirty="0" smtClean="0">
-              <a:solidFill>
-                <a:srgbClr val="0070C0"/>
-              </a:solidFill>
-              <a:latin typeface="黑体" panose="02010609060101010101" pitchFamily="49" charset="-122"/>
-              <a:ea typeface="黑体" panose="02010609060101010101" pitchFamily="49" charset="-122"/>
-            </a:endParaRPr>
           </a:p>
         </p:txBody>
       </p:sp>
@@ -39464,15 +40086,7 @@
                 <a:ea typeface="黑体" panose="02010609060101010101" pitchFamily="49" charset="-122"/>
                 <a:cs typeface="Times New Roman" panose="02020603050405020304" pitchFamily="18" charset="0"/>
               </a:rPr>
-              <a:t>相似</a:t>
-            </a:r>
-            <a:r>
-              <a:rPr lang="zh-CN" altLang="en-US" sz="1600" dirty="0" smtClean="0">
-                <a:latin typeface="Times New Roman" panose="02020603050405020304" pitchFamily="18" charset="0"/>
-                <a:ea typeface="黑体" panose="02010609060101010101" pitchFamily="49" charset="-122"/>
-                <a:cs typeface="Times New Roman" panose="02020603050405020304" pitchFamily="18" charset="0"/>
-              </a:rPr>
-              <a:t>轨迹</a:t>
+              <a:t>相似轨迹</a:t>
             </a:r>
             <a:endParaRPr lang="zh-CN" altLang="en-US" sz="1600" dirty="0">
               <a:latin typeface="Times New Roman" panose="02020603050405020304" pitchFamily="18" charset="0"/>
@@ -45118,8 +45732,8 @@
           </a:p>
         </p:txBody>
       </p:sp>
-      <mc:AlternateContent xmlns:mc="http://schemas.openxmlformats.org/markup-compatibility/2006">
-        <mc:Choice xmlns:a14="http://schemas.microsoft.com/office/drawing/2010/main" Requires="a14">
+      <mc:AlternateContent xmlns:mc="http://schemas.openxmlformats.org/markup-compatibility/2006" xmlns:a14="http://schemas.microsoft.com/office/drawing/2010/main">
+        <mc:Choice Requires="a14">
           <p:sp>
             <p:nvSpPr>
               <p:cNvPr id="2" name="矩形 1"/>
@@ -45211,7 +45825,7 @@
             </p:txBody>
           </p:sp>
         </mc:Choice>
-        <mc:Fallback>
+        <mc:Fallback xmlns="">
           <p:sp>
             <p:nvSpPr>
               <p:cNvPr id="2" name="矩形 1"/>
@@ -45250,8 +45864,8 @@
           </p:sp>
         </mc:Fallback>
       </mc:AlternateContent>
-      <mc:AlternateContent xmlns:mc="http://schemas.openxmlformats.org/markup-compatibility/2006">
-        <mc:Choice xmlns:a14="http://schemas.microsoft.com/office/drawing/2010/main" Requires="a14">
+      <mc:AlternateContent xmlns:mc="http://schemas.openxmlformats.org/markup-compatibility/2006" xmlns:a14="http://schemas.microsoft.com/office/drawing/2010/main">
+        <mc:Choice Requires="a14">
           <p:sp>
             <p:nvSpPr>
               <p:cNvPr id="12" name="TextBox 40"/>
@@ -45499,18 +46113,7 @@
                     <a:ea typeface="黑体" panose="02010609060101010101" pitchFamily="49" charset="-122"/>
                     <a:cs typeface="Times New Roman" panose="02020603050405020304" pitchFamily="18" charset="0"/>
                   </a:rPr>
-                  <a:t>       </a:t>
-                </a:r>
-                <a:r>
-                  <a:rPr lang="en-US" altLang="zh-CN" dirty="0" smtClean="0">
-                    <a:solidFill>
-                      <a:srgbClr val="000000"/>
-                    </a:solidFill>
-                    <a:latin typeface="Times New Roman" panose="02020603050405020304" pitchFamily="18" charset="0"/>
-                    <a:ea typeface="黑体" panose="02010609060101010101" pitchFamily="49" charset="-122"/>
-                    <a:cs typeface="Times New Roman" panose="02020603050405020304" pitchFamily="18" charset="0"/>
-                  </a:rPr>
-                  <a:t>−</a:t>
+                  <a:t>       −</a:t>
                 </a:r>
                 <a:r>
                   <a:rPr lang="zh-CN" altLang="en-US" dirty="0">
@@ -45569,19 +46172,11 @@
                   </a:rPr>
                   <a:t>统一时间维度与空间维度，构造三维时空，便于时空距离计算</a:t>
                 </a:r>
-                <a:endParaRPr lang="zh-CN" altLang="en-US" dirty="0">
-                  <a:solidFill>
-                    <a:srgbClr val="000000"/>
-                  </a:solidFill>
-                  <a:latin typeface="Times New Roman" panose="02020603050405020304" pitchFamily="18" charset="0"/>
-                  <a:ea typeface="黑体" panose="02010609060101010101" pitchFamily="49" charset="-122"/>
-                  <a:cs typeface="Times New Roman" panose="02020603050405020304" pitchFamily="18" charset="0"/>
-                </a:endParaRPr>
               </a:p>
             </p:txBody>
           </p:sp>
         </mc:Choice>
-        <mc:Fallback>
+        <mc:Fallback xmlns="">
           <p:sp>
             <p:nvSpPr>
               <p:cNvPr id="12" name="TextBox 40"/>
@@ -45626,8 +46221,8 @@
           </p:sp>
         </mc:Fallback>
       </mc:AlternateContent>
-      <mc:AlternateContent xmlns:mc="http://schemas.openxmlformats.org/markup-compatibility/2006">
-        <mc:Choice xmlns:a14="http://schemas.microsoft.com/office/drawing/2010/main" Requires="a14">
+      <mc:AlternateContent xmlns:mc="http://schemas.openxmlformats.org/markup-compatibility/2006" xmlns:a14="http://schemas.microsoft.com/office/drawing/2010/main">
+        <mc:Choice Requires="a14">
           <p:sp>
             <p:nvSpPr>
               <p:cNvPr id="16" name="AutoShape 31"/>
@@ -45834,7 +46429,7 @@
             </p:txBody>
           </p:sp>
         </mc:Choice>
-        <mc:Fallback>
+        <mc:Fallback xmlns="">
           <p:sp>
             <p:nvSpPr>
               <p:cNvPr id="16" name="AutoShape 31"/>
@@ -46201,8 +46796,8 @@
           </a:p>
         </p:txBody>
       </p:sp>
-      <mc:AlternateContent xmlns:mc="http://schemas.openxmlformats.org/markup-compatibility/2006">
-        <mc:Choice xmlns:a14="http://schemas.microsoft.com/office/drawing/2010/main" Requires="a14">
+      <mc:AlternateContent xmlns:mc="http://schemas.openxmlformats.org/markup-compatibility/2006" xmlns:a14="http://schemas.microsoft.com/office/drawing/2010/main">
+        <mc:Choice Requires="a14">
           <p:sp>
             <p:nvSpPr>
               <p:cNvPr id="18" name="矩形 17"/>
@@ -46224,7 +46819,6 @@
               </a:bodyPr>
               <a:lstStyle/>
               <a:p>
-                <a:pPr/>
                 <a:r>
                   <a:rPr lang="zh-CN" altLang="en-US" dirty="0" smtClean="0"/>
                   <a:t>时空转化因子</a:t>
@@ -46263,7 +46857,7 @@
             </p:txBody>
           </p:sp>
         </mc:Choice>
-        <mc:Fallback>
+        <mc:Fallback xmlns="">
           <p:sp>
             <p:nvSpPr>
               <p:cNvPr id="18" name="矩形 17"/>

--- a/答辩——毕设.pptx
+++ b/答辩——毕设.pptx
@@ -257,7 +257,7 @@
           <a:p>
             <a:fld id="{010F446A-1550-4314-A5B9-A1C2423B0192}" type="datetimeFigureOut">
               <a:rPr lang="zh-CN" altLang="en-US" smtClean="0"/>
-              <a:t>2018/11/30</a:t>
+              <a:t>2018/12/2</a:t>
             </a:fld>
             <a:endParaRPr lang="zh-CN" altLang="en-US"/>
           </a:p>
@@ -740,7 +740,7 @@
           <a:p>
             <a:fld id="{6AD6A584-428F-4D4D-A209-FB7386B209C2}" type="datetimeFigureOut">
               <a:rPr lang="zh-CN" altLang="en-US" smtClean="0"/>
-              <a:t>2018/11/30</a:t>
+              <a:t>2018/12/2</a:t>
             </a:fld>
             <a:endParaRPr lang="zh-CN" altLang="en-US"/>
           </a:p>
@@ -905,7 +905,7 @@
           <a:p>
             <a:fld id="{6AD6A584-428F-4D4D-A209-FB7386B209C2}" type="datetimeFigureOut">
               <a:rPr lang="zh-CN" altLang="en-US" smtClean="0"/>
-              <a:t>2018/11/30</a:t>
+              <a:t>2018/12/2</a:t>
             </a:fld>
             <a:endParaRPr lang="zh-CN" altLang="en-US"/>
           </a:p>
@@ -1080,7 +1080,7 @@
           <a:p>
             <a:fld id="{6AD6A584-428F-4D4D-A209-FB7386B209C2}" type="datetimeFigureOut">
               <a:rPr lang="zh-CN" altLang="en-US" smtClean="0"/>
-              <a:t>2018/11/30</a:t>
+              <a:t>2018/12/2</a:t>
             </a:fld>
             <a:endParaRPr lang="zh-CN" altLang="en-US"/>
           </a:p>
@@ -1245,7 +1245,7 @@
           <a:p>
             <a:fld id="{6AD6A584-428F-4D4D-A209-FB7386B209C2}" type="datetimeFigureOut">
               <a:rPr lang="zh-CN" altLang="en-US" smtClean="0"/>
-              <a:t>2018/11/30</a:t>
+              <a:t>2018/12/2</a:t>
             </a:fld>
             <a:endParaRPr lang="zh-CN" altLang="en-US"/>
           </a:p>
@@ -1484,7 +1484,7 @@
           <a:p>
             <a:fld id="{6AD6A584-428F-4D4D-A209-FB7386B209C2}" type="datetimeFigureOut">
               <a:rPr lang="zh-CN" altLang="en-US" smtClean="0"/>
-              <a:t>2018/11/30</a:t>
+              <a:t>2018/12/2</a:t>
             </a:fld>
             <a:endParaRPr lang="zh-CN" altLang="en-US"/>
           </a:p>
@@ -1711,7 +1711,7 @@
           <a:p>
             <a:fld id="{6AD6A584-428F-4D4D-A209-FB7386B209C2}" type="datetimeFigureOut">
               <a:rPr lang="zh-CN" altLang="en-US" smtClean="0"/>
-              <a:t>2018/11/30</a:t>
+              <a:t>2018/12/2</a:t>
             </a:fld>
             <a:endParaRPr lang="zh-CN" altLang="en-US"/>
           </a:p>
@@ -2073,7 +2073,7 @@
           <a:p>
             <a:fld id="{6AD6A584-428F-4D4D-A209-FB7386B209C2}" type="datetimeFigureOut">
               <a:rPr lang="zh-CN" altLang="en-US" smtClean="0"/>
-              <a:t>2018/11/30</a:t>
+              <a:t>2018/12/2</a:t>
             </a:fld>
             <a:endParaRPr lang="zh-CN" altLang="en-US"/>
           </a:p>
@@ -2186,7 +2186,7 @@
           <a:p>
             <a:fld id="{6AD6A584-428F-4D4D-A209-FB7386B209C2}" type="datetimeFigureOut">
               <a:rPr lang="zh-CN" altLang="en-US" smtClean="0"/>
-              <a:t>2018/11/30</a:t>
+              <a:t>2018/12/2</a:t>
             </a:fld>
             <a:endParaRPr lang="zh-CN" altLang="en-US"/>
           </a:p>
@@ -2276,7 +2276,7 @@
           <a:p>
             <a:fld id="{6AD6A584-428F-4D4D-A209-FB7386B209C2}" type="datetimeFigureOut">
               <a:rPr lang="zh-CN" altLang="en-US" smtClean="0"/>
-              <a:t>2018/11/30</a:t>
+              <a:t>2018/12/2</a:t>
             </a:fld>
             <a:endParaRPr lang="zh-CN" altLang="en-US"/>
           </a:p>
@@ -2548,7 +2548,7 @@
           <a:p>
             <a:fld id="{6AD6A584-428F-4D4D-A209-FB7386B209C2}" type="datetimeFigureOut">
               <a:rPr lang="zh-CN" altLang="en-US" smtClean="0"/>
-              <a:t>2018/11/30</a:t>
+              <a:t>2018/12/2</a:t>
             </a:fld>
             <a:endParaRPr lang="zh-CN" altLang="en-US"/>
           </a:p>
@@ -2800,7 +2800,7 @@
           <a:p>
             <a:fld id="{6AD6A584-428F-4D4D-A209-FB7386B209C2}" type="datetimeFigureOut">
               <a:rPr lang="zh-CN" altLang="en-US" smtClean="0"/>
-              <a:t>2018/11/30</a:t>
+              <a:t>2018/12/2</a:t>
             </a:fld>
             <a:endParaRPr lang="zh-CN" altLang="en-US"/>
           </a:p>
@@ -3008,7 +3008,7 @@
           <a:p>
             <a:fld id="{6AD6A584-428F-4D4D-A209-FB7386B209C2}" type="datetimeFigureOut">
               <a:rPr lang="zh-CN" altLang="en-US" smtClean="0"/>
-              <a:t>2018/11/30</a:t>
+              <a:t>2018/12/2</a:t>
             </a:fld>
             <a:endParaRPr lang="zh-CN" altLang="en-US"/>
           </a:p>
@@ -8080,80 +8080,9 @@
   <p:timing>
     <p:tnLst>
       <p:par>
-        <p:cTn id="1" dur="indefinite" restart="never" nodeType="tmRoot">
-          <p:childTnLst>
-            <p:seq concurrent="1" nextAc="seek">
-              <p:cTn id="2" dur="indefinite" nodeType="mainSeq">
-                <p:childTnLst>
-                  <p:par>
-                    <p:cTn id="3" fill="hold">
-                      <p:stCondLst>
-                        <p:cond delay="indefinite"/>
-                      </p:stCondLst>
-                      <p:childTnLst>
-                        <p:par>
-                          <p:cTn id="4" fill="hold">
-                            <p:stCondLst>
-                              <p:cond delay="0"/>
-                            </p:stCondLst>
-                            <p:childTnLst>
-                              <p:par>
-                                <p:cTn id="5" presetID="1" presetClass="entr" presetSubtype="0" fill="hold" grpId="0" nodeType="clickEffect">
-                                  <p:stCondLst>
-                                    <p:cond delay="0"/>
-                                  </p:stCondLst>
-                                  <p:childTnLst>
-                                    <p:set>
-                                      <p:cBhvr>
-                                        <p:cTn id="6" dur="1" fill="hold">
-                                          <p:stCondLst>
-                                            <p:cond delay="0"/>
-                                          </p:stCondLst>
-                                        </p:cTn>
-                                        <p:tgtEl>
-                                          <p:spTgt spid="9"/>
-                                        </p:tgtEl>
-                                        <p:attrNameLst>
-                                          <p:attrName>style.visibility</p:attrName>
-                                        </p:attrNameLst>
-                                      </p:cBhvr>
-                                      <p:to>
-                                        <p:strVal val="visible"/>
-                                      </p:to>
-                                    </p:set>
-                                  </p:childTnLst>
-                                </p:cTn>
-                              </p:par>
-                            </p:childTnLst>
-                          </p:cTn>
-                        </p:par>
-                      </p:childTnLst>
-                    </p:cTn>
-                  </p:par>
-                </p:childTnLst>
-              </p:cTn>
-              <p:prevCondLst>
-                <p:cond evt="onPrev" delay="0">
-                  <p:tgtEl>
-                    <p:sldTgt/>
-                  </p:tgtEl>
-                </p:cond>
-              </p:prevCondLst>
-              <p:nextCondLst>
-                <p:cond evt="onNext" delay="0">
-                  <p:tgtEl>
-                    <p:sldTgt/>
-                  </p:tgtEl>
-                </p:cond>
-              </p:nextCondLst>
-            </p:seq>
-          </p:childTnLst>
-        </p:cTn>
+        <p:cTn id="1" dur="indefinite" restart="never" nodeType="tmRoot"/>
       </p:par>
     </p:tnLst>
-    <p:bldLst>
-      <p:bldP spid="9" grpId="0" animBg="1"/>
-    </p:bldLst>
   </p:timing>
 </p:sld>
 </file>
@@ -17858,7 +17787,7 @@
                                           </p:stCondLst>
                                         </p:cTn>
                                         <p:tgtEl>
-                                          <p:spTgt spid="20"/>
+                                          <p:spTgt spid="24"/>
                                         </p:tgtEl>
                                         <p:attrNameLst>
                                           <p:attrName>style.visibility</p:attrName>
@@ -17871,211 +17800,6 @@
                                     <p:animEffect transition="in" filter="randombar(horizontal)">
                                       <p:cBhvr>
                                         <p:cTn id="7" dur="500"/>
-                                        <p:tgtEl>
-                                          <p:spTgt spid="20"/>
-                                        </p:tgtEl>
-                                      </p:cBhvr>
-                                    </p:animEffect>
-                                  </p:childTnLst>
-                                </p:cTn>
-                              </p:par>
-                            </p:childTnLst>
-                          </p:cTn>
-                        </p:par>
-                      </p:childTnLst>
-                    </p:cTn>
-                  </p:par>
-                  <p:par>
-                    <p:cTn id="8" fill="hold">
-                      <p:stCondLst>
-                        <p:cond delay="indefinite"/>
-                      </p:stCondLst>
-                      <p:childTnLst>
-                        <p:par>
-                          <p:cTn id="9" fill="hold">
-                            <p:stCondLst>
-                              <p:cond delay="0"/>
-                            </p:stCondLst>
-                            <p:childTnLst>
-                              <p:par>
-                                <p:cTn id="10" presetID="14" presetClass="entr" presetSubtype="10" fill="hold" grpId="0" nodeType="clickEffect">
-                                  <p:stCondLst>
-                                    <p:cond delay="0"/>
-                                  </p:stCondLst>
-                                  <p:childTnLst>
-                                    <p:set>
-                                      <p:cBhvr>
-                                        <p:cTn id="11" dur="1" fill="hold">
-                                          <p:stCondLst>
-                                            <p:cond delay="0"/>
-                                          </p:stCondLst>
-                                        </p:cTn>
-                                        <p:tgtEl>
-                                          <p:spTgt spid="21"/>
-                                        </p:tgtEl>
-                                        <p:attrNameLst>
-                                          <p:attrName>style.visibility</p:attrName>
-                                        </p:attrNameLst>
-                                      </p:cBhvr>
-                                      <p:to>
-                                        <p:strVal val="visible"/>
-                                      </p:to>
-                                    </p:set>
-                                    <p:animEffect transition="in" filter="randombar(horizontal)">
-                                      <p:cBhvr>
-                                        <p:cTn id="12" dur="500"/>
-                                        <p:tgtEl>
-                                          <p:spTgt spid="21"/>
-                                        </p:tgtEl>
-                                      </p:cBhvr>
-                                    </p:animEffect>
-                                  </p:childTnLst>
-                                </p:cTn>
-                              </p:par>
-                            </p:childTnLst>
-                          </p:cTn>
-                        </p:par>
-                      </p:childTnLst>
-                    </p:cTn>
-                  </p:par>
-                  <p:par>
-                    <p:cTn id="13" fill="hold">
-                      <p:stCondLst>
-                        <p:cond delay="indefinite"/>
-                      </p:stCondLst>
-                      <p:childTnLst>
-                        <p:par>
-                          <p:cTn id="14" fill="hold">
-                            <p:stCondLst>
-                              <p:cond delay="0"/>
-                            </p:stCondLst>
-                            <p:childTnLst>
-                              <p:par>
-                                <p:cTn id="15" presetID="1" presetClass="entr" presetSubtype="0" fill="hold" grpId="0" nodeType="clickEffect">
-                                  <p:stCondLst>
-                                    <p:cond delay="0"/>
-                                  </p:stCondLst>
-                                  <p:childTnLst>
-                                    <p:set>
-                                      <p:cBhvr>
-                                        <p:cTn id="16" dur="1" fill="hold">
-                                          <p:stCondLst>
-                                            <p:cond delay="0"/>
-                                          </p:stCondLst>
-                                        </p:cTn>
-                                        <p:tgtEl>
-                                          <p:spTgt spid="17"/>
-                                        </p:tgtEl>
-                                        <p:attrNameLst>
-                                          <p:attrName>style.visibility</p:attrName>
-                                        </p:attrNameLst>
-                                      </p:cBhvr>
-                                      <p:to>
-                                        <p:strVal val="visible"/>
-                                      </p:to>
-                                    </p:set>
-                                  </p:childTnLst>
-                                </p:cTn>
-                              </p:par>
-                              <p:par>
-                                <p:cTn id="17" presetID="1" presetClass="entr" presetSubtype="0" fill="hold" grpId="0" nodeType="withEffect">
-                                  <p:stCondLst>
-                                    <p:cond delay="0"/>
-                                  </p:stCondLst>
-                                  <p:childTnLst>
-                                    <p:set>
-                                      <p:cBhvr>
-                                        <p:cTn id="18" dur="1" fill="hold">
-                                          <p:stCondLst>
-                                            <p:cond delay="0"/>
-                                          </p:stCondLst>
-                                        </p:cTn>
-                                        <p:tgtEl>
-                                          <p:spTgt spid="18"/>
-                                        </p:tgtEl>
-                                        <p:attrNameLst>
-                                          <p:attrName>style.visibility</p:attrName>
-                                        </p:attrNameLst>
-                                      </p:cBhvr>
-                                      <p:to>
-                                        <p:strVal val="visible"/>
-                                      </p:to>
-                                    </p:set>
-                                  </p:childTnLst>
-                                </p:cTn>
-                              </p:par>
-                              <p:par>
-                                <p:cTn id="19" presetID="1" presetClass="entr" presetSubtype="0" fill="hold" nodeType="withEffect">
-                                  <p:stCondLst>
-                                    <p:cond delay="0"/>
-                                  </p:stCondLst>
-                                  <p:childTnLst>
-                                    <p:set>
-                                      <p:cBhvr>
-                                        <p:cTn id="20" dur="1" fill="hold">
-                                          <p:stCondLst>
-                                            <p:cond delay="0"/>
-                                          </p:stCondLst>
-                                        </p:cTn>
-                                        <p:tgtEl>
-                                          <p:spTgt spid="12"/>
-                                        </p:tgtEl>
-                                        <p:attrNameLst>
-                                          <p:attrName>style.visibility</p:attrName>
-                                        </p:attrNameLst>
-                                      </p:cBhvr>
-                                      <p:to>
-                                        <p:strVal val="visible"/>
-                                      </p:to>
-                                    </p:set>
-                                  </p:childTnLst>
-                                </p:cTn>
-                              </p:par>
-                            </p:childTnLst>
-                          </p:cTn>
-                        </p:par>
-                      </p:childTnLst>
-                    </p:cTn>
-                  </p:par>
-                  <p:par>
-                    <p:cTn id="21" fill="hold">
-                      <p:stCondLst>
-                        <p:cond delay="indefinite"/>
-                      </p:stCondLst>
-                      <p:childTnLst>
-                        <p:par>
-                          <p:cTn id="22" fill="hold">
-                            <p:stCondLst>
-                              <p:cond delay="0"/>
-                            </p:stCondLst>
-                            <p:childTnLst>
-                              <p:par>
-                                <p:cTn id="23" presetID="14" presetClass="entr" presetSubtype="10" fill="hold" grpId="0" nodeType="clickEffect">
-                                  <p:stCondLst>
-                                    <p:cond delay="0"/>
-                                  </p:stCondLst>
-                                  <p:childTnLst>
-                                    <p:set>
-                                      <p:cBhvr>
-                                        <p:cTn id="24" dur="1" fill="hold">
-                                          <p:stCondLst>
-                                            <p:cond delay="0"/>
-                                          </p:stCondLst>
-                                        </p:cTn>
-                                        <p:tgtEl>
-                                          <p:spTgt spid="24"/>
-                                        </p:tgtEl>
-                                        <p:attrNameLst>
-                                          <p:attrName>style.visibility</p:attrName>
-                                        </p:attrNameLst>
-                                      </p:cBhvr>
-                                      <p:to>
-                                        <p:strVal val="visible"/>
-                                      </p:to>
-                                    </p:set>
-                                    <p:animEffect transition="in" filter="randombar(horizontal)">
-                                      <p:cBhvr>
-                                        <p:cTn id="25" dur="500"/>
                                         <p:tgtEl>
                                           <p:spTgt spid="24"/>
                                         </p:tgtEl>
@@ -18112,10 +17836,6 @@
       </p:par>
     </p:tnLst>
     <p:bldLst>
-      <p:bldP spid="20" grpId="0" animBg="1"/>
-      <p:bldP spid="21" grpId="0" animBg="1"/>
-      <p:bldP spid="17" grpId="0"/>
-      <p:bldP spid="18" grpId="0" animBg="1"/>
       <p:bldP spid="24" grpId="0" animBg="1"/>
     </p:bldLst>
   </p:timing>
@@ -22873,8 +22593,8 @@
           </a:p>
         </p:txBody>
       </p:sp>
-      <mc:AlternateContent xmlns:mc="http://schemas.openxmlformats.org/markup-compatibility/2006" xmlns:a14="http://schemas.microsoft.com/office/drawing/2010/main">
-        <mc:Choice Requires="a14">
+      <mc:AlternateContent xmlns:mc="http://schemas.openxmlformats.org/markup-compatibility/2006">
+        <mc:Choice xmlns:a14="http://schemas.microsoft.com/office/drawing/2010/main" Requires="a14">
           <p:sp>
             <p:nvSpPr>
               <p:cNvPr id="34" name="文本框 33"/>
@@ -22908,14 +22628,24 @@
                   <a:t>时空轨迹相似性查询算法</a:t>
                 </a:r>
                 <a:r>
-                  <a:rPr lang="en-US" altLang="zh-CN" sz="1600" b="1" smtClean="0">
+                  <a:rPr lang="en-US" altLang="zh-CN" sz="1600" b="1" dirty="0" smtClean="0">
                     <a:solidFill>
                       <a:schemeClr val="tx1"/>
                     </a:solidFill>
                     <a:latin typeface="黑体" panose="02010609060101010101" pitchFamily="49" charset="-122"/>
                     <a:ea typeface="黑体" panose="02010609060101010101" pitchFamily="49" charset="-122"/>
                   </a:rPr>
-                  <a:t>(STSQ)</a:t>
+                  <a:t>(</a:t>
+                </a:r>
+                <a:r>
+                  <a:rPr lang="en-US" altLang="zh-CN" sz="1600" b="1" dirty="0" smtClean="0">
+                    <a:solidFill>
+                      <a:schemeClr val="tx1"/>
+                    </a:solidFill>
+                    <a:latin typeface="黑体" panose="02010609060101010101" pitchFamily="49" charset="-122"/>
+                    <a:ea typeface="黑体" panose="02010609060101010101" pitchFamily="49" charset="-122"/>
+                  </a:rPr>
+                  <a:t>STS)</a:t>
                 </a:r>
                 <a:endParaRPr lang="en-US" altLang="zh-CN" sz="1600" b="1" dirty="0" smtClean="0">
                   <a:solidFill>
@@ -23137,20 +22867,31 @@
                 </a:r>
                 <a:r>
                   <a:rPr lang="en-US" altLang="zh-CN" sz="1600" dirty="0" smtClean="0">
-                    <a:solidFill>
-                      <a:schemeClr val="tx1"/>
-                    </a:solidFill>
                     <a:latin typeface="黑体" panose="02010609060101010101" pitchFamily="49" charset="-122"/>
                     <a:ea typeface="黑体" panose="02010609060101010101" pitchFamily="49" charset="-122"/>
                   </a:rPr>
-                  <a:t>DST</a:t>
+                  <a:t>Q</a:t>
+                </a:r>
+                <a:r>
+                  <a:rPr lang="zh-CN" altLang="en-US" sz="1600" dirty="0" smtClean="0">
+                    <a:latin typeface="黑体" panose="02010609060101010101" pitchFamily="49" charset="-122"/>
+                    <a:ea typeface="黑体" panose="02010609060101010101" pitchFamily="49" charset="-122"/>
+                  </a:rPr>
+                  <a:t>和</a:t>
                 </a:r>
                 <a:r>
                   <a:rPr lang="en-US" altLang="zh-CN" sz="1600" dirty="0" smtClean="0">
                     <a:latin typeface="黑体" panose="02010609060101010101" pitchFamily="49" charset="-122"/>
                     <a:ea typeface="黑体" panose="02010609060101010101" pitchFamily="49" charset="-122"/>
                   </a:rPr>
-                  <a:t>(</a:t>
+                  <a:t>R</a:t>
+                </a:r>
+                <a:r>
+                  <a:rPr lang="zh-CN" altLang="en-US" sz="1600" dirty="0" smtClean="0">
+                    <a:latin typeface="黑体" panose="02010609060101010101" pitchFamily="49" charset="-122"/>
+                    <a:ea typeface="黑体" panose="02010609060101010101" pitchFamily="49" charset="-122"/>
+                  </a:rPr>
+                  <a:t>的时空轨迹距离</a:t>
                 </a:r>
                 <a:r>
                   <a:rPr lang="en-US" altLang="zh-CN" sz="1600" dirty="0" smtClean="0">
@@ -23160,7 +22901,17 @@
                     <a:latin typeface="黑体" panose="02010609060101010101" pitchFamily="49" charset="-122"/>
                     <a:ea typeface="黑体" panose="02010609060101010101" pitchFamily="49" charset="-122"/>
                   </a:rPr>
-                  <a:t>Q,R), R</a:t>
+                  <a:t>, </a:t>
+                </a:r>
+                <a:r>
+                  <a:rPr lang="en-US" altLang="zh-CN" sz="1600" dirty="0" smtClean="0">
+                    <a:solidFill>
+                      <a:schemeClr val="tx1"/>
+                    </a:solidFill>
+                    <a:latin typeface="黑体" panose="02010609060101010101" pitchFamily="49" charset="-122"/>
+                    <a:ea typeface="黑体" panose="02010609060101010101" pitchFamily="49" charset="-122"/>
+                  </a:rPr>
+                  <a:t>R</a:t>
                 </a:r>
                 <a14:m>
                   <m:oMath xmlns:m="http://schemas.openxmlformats.org/officeDocument/2006/math">
@@ -23259,7 +23010,7 @@
             </p:txBody>
           </p:sp>
         </mc:Choice>
-        <mc:Fallback xmlns="">
+        <mc:Fallback>
           <p:sp>
             <p:nvSpPr>
               <p:cNvPr id="34" name="文本框 33"/>
@@ -23306,10 +23057,10 @@
         </p:nvGrpSpPr>
         <p:grpSpPr>
           <a:xfrm>
-            <a:off x="293859" y="1959831"/>
-            <a:ext cx="7883439" cy="4554336"/>
-            <a:chOff x="293859" y="1959831"/>
-            <a:chExt cx="7883439" cy="4554336"/>
+            <a:off x="114300" y="1959831"/>
+            <a:ext cx="8062998" cy="4554336"/>
+            <a:chOff x="114300" y="1959831"/>
+            <a:chExt cx="8062998" cy="4554336"/>
           </a:xfrm>
         </p:grpSpPr>
         <p:sp>
@@ -23321,45 +23072,32 @@
           <p:spPr>
             <a:xfrm>
               <a:off x="1161730" y="6144835"/>
-              <a:ext cx="6878806" cy="369332"/>
+              <a:ext cx="7015568" cy="369332"/>
             </a:xfrm>
             <a:prstGeom prst="rect">
               <a:avLst/>
             </a:prstGeom>
           </p:spPr>
           <p:txBody>
-            <a:bodyPr wrap="none">
+            <a:bodyPr wrap="square">
               <a:spAutoFit/>
             </a:bodyPr>
             <a:lstStyle/>
             <a:p>
+              <a:pPr algn="ctr"/>
               <a:r>
                 <a:rPr lang="zh-CN" altLang="en-US" dirty="0" smtClean="0">
                   <a:latin typeface="黑体" panose="02010609060101010101" pitchFamily="49" charset="-122"/>
                   <a:ea typeface="黑体" panose="02010609060101010101" pitchFamily="49" charset="-122"/>
                 </a:rPr>
-                <a:t>时空轨迹距离 </a:t>
+                <a:t>时空轨迹</a:t>
               </a:r>
               <a:r>
-                <a:rPr lang="en-US" altLang="zh-CN" dirty="0" smtClean="0">
+                <a:rPr lang="zh-CN" altLang="en-US" dirty="0" smtClean="0">
                   <a:latin typeface="黑体" panose="02010609060101010101" pitchFamily="49" charset="-122"/>
                   <a:ea typeface="黑体" panose="02010609060101010101" pitchFamily="49" charset="-122"/>
                 </a:rPr>
-                <a:t>(Distance of </a:t>
-              </a:r>
-              <a:r>
-                <a:rPr lang="en-US" altLang="zh-CN" dirty="0" err="1" smtClean="0">
-                  <a:latin typeface="黑体" panose="02010609060101010101" pitchFamily="49" charset="-122"/>
-                  <a:ea typeface="黑体" panose="02010609060101010101" pitchFamily="49" charset="-122"/>
-                </a:rPr>
-                <a:t>spatio</a:t>
-              </a:r>
-              <a:r>
-                <a:rPr lang="en-US" altLang="zh-CN" dirty="0" smtClean="0">
-                  <a:latin typeface="黑体" panose="02010609060101010101" pitchFamily="49" charset="-122"/>
-                  <a:ea typeface="黑体" panose="02010609060101010101" pitchFamily="49" charset="-122"/>
-                </a:rPr>
-                <a:t>-temporal trajectory, DST)</a:t>
+                <a:t>距离计算</a:t>
               </a:r>
               <a:endParaRPr lang="en-US" altLang="zh-CN" dirty="0">
                 <a:latin typeface="黑体" panose="02010609060101010101" pitchFamily="49" charset="-122"/>
@@ -23408,13 +23146,13 @@
           </p:nvSpPr>
           <p:spPr bwMode="auto">
             <a:xfrm>
-              <a:off x="3735896" y="2083365"/>
+              <a:off x="114300" y="2763854"/>
               <a:ext cx="1730473" cy="627461"/>
             </a:xfrm>
             <a:prstGeom prst="wedgeRoundRectCallout">
               <a:avLst>
-                <a:gd name="adj1" fmla="val -48287"/>
-                <a:gd name="adj2" fmla="val 78509"/>
+                <a:gd name="adj1" fmla="val 62380"/>
+                <a:gd name="adj2" fmla="val -28726"/>
                 <a:gd name="adj3" fmla="val 16667"/>
               </a:avLst>
             </a:prstGeom>
@@ -23704,13 +23442,13 @@
           </p:nvSpPr>
           <p:spPr bwMode="auto">
             <a:xfrm>
-              <a:off x="293859" y="3440263"/>
+              <a:off x="163646" y="4838759"/>
               <a:ext cx="1491809" cy="645384"/>
             </a:xfrm>
             <a:prstGeom prst="wedgeRoundRectCallout">
               <a:avLst>
-                <a:gd name="adj1" fmla="val 48076"/>
-                <a:gd name="adj2" fmla="val 90882"/>
+                <a:gd name="adj1" fmla="val 50967"/>
+                <a:gd name="adj2" fmla="val -92237"/>
                 <a:gd name="adj3" fmla="val 16667"/>
               </a:avLst>
             </a:prstGeom>
@@ -30492,80 +30230,9 @@
   <p:timing>
     <p:tnLst>
       <p:par>
-        <p:cTn id="1" dur="indefinite" restart="never" nodeType="tmRoot">
-          <p:childTnLst>
-            <p:seq concurrent="1" nextAc="seek">
-              <p:cTn id="2" dur="indefinite" nodeType="mainSeq">
-                <p:childTnLst>
-                  <p:par>
-                    <p:cTn id="3" fill="hold">
-                      <p:stCondLst>
-                        <p:cond delay="indefinite"/>
-                      </p:stCondLst>
-                      <p:childTnLst>
-                        <p:par>
-                          <p:cTn id="4" fill="hold">
-                            <p:stCondLst>
-                              <p:cond delay="0"/>
-                            </p:stCondLst>
-                            <p:childTnLst>
-                              <p:par>
-                                <p:cTn id="5" presetID="1" presetClass="entr" presetSubtype="0" fill="hold" grpId="0" nodeType="clickEffect">
-                                  <p:stCondLst>
-                                    <p:cond delay="0"/>
-                                  </p:stCondLst>
-                                  <p:childTnLst>
-                                    <p:set>
-                                      <p:cBhvr>
-                                        <p:cTn id="6" dur="1" fill="hold">
-                                          <p:stCondLst>
-                                            <p:cond delay="0"/>
-                                          </p:stCondLst>
-                                        </p:cTn>
-                                        <p:tgtEl>
-                                          <p:spTgt spid="15"/>
-                                        </p:tgtEl>
-                                        <p:attrNameLst>
-                                          <p:attrName>style.visibility</p:attrName>
-                                        </p:attrNameLst>
-                                      </p:cBhvr>
-                                      <p:to>
-                                        <p:strVal val="visible"/>
-                                      </p:to>
-                                    </p:set>
-                                  </p:childTnLst>
-                                </p:cTn>
-                              </p:par>
-                            </p:childTnLst>
-                          </p:cTn>
-                        </p:par>
-                      </p:childTnLst>
-                    </p:cTn>
-                  </p:par>
-                </p:childTnLst>
-              </p:cTn>
-              <p:prevCondLst>
-                <p:cond evt="onPrev" delay="0">
-                  <p:tgtEl>
-                    <p:sldTgt/>
-                  </p:tgtEl>
-                </p:cond>
-              </p:prevCondLst>
-              <p:nextCondLst>
-                <p:cond evt="onNext" delay="0">
-                  <p:tgtEl>
-                    <p:sldTgt/>
-                  </p:tgtEl>
-                </p:cond>
-              </p:nextCondLst>
-            </p:seq>
-          </p:childTnLst>
-        </p:cTn>
+        <p:cTn id="1" dur="indefinite" restart="never" nodeType="tmRoot"/>
       </p:par>
     </p:tnLst>
-    <p:bldLst>
-      <p:bldP spid="15" grpId="0" animBg="1"/>
-    </p:bldLst>
   </p:timing>
 </p:sld>
 </file>
@@ -31135,80 +30802,9 @@
   <p:timing>
     <p:tnLst>
       <p:par>
-        <p:cTn id="1" dur="indefinite" restart="never" nodeType="tmRoot">
-          <p:childTnLst>
-            <p:seq concurrent="1" nextAc="seek">
-              <p:cTn id="2" dur="indefinite" nodeType="mainSeq">
-                <p:childTnLst>
-                  <p:par>
-                    <p:cTn id="3" fill="hold">
-                      <p:stCondLst>
-                        <p:cond delay="indefinite"/>
-                      </p:stCondLst>
-                      <p:childTnLst>
-                        <p:par>
-                          <p:cTn id="4" fill="hold">
-                            <p:stCondLst>
-                              <p:cond delay="0"/>
-                            </p:stCondLst>
-                            <p:childTnLst>
-                              <p:par>
-                                <p:cTn id="5" presetID="1" presetClass="entr" presetSubtype="0" fill="hold" grpId="0" nodeType="clickEffect">
-                                  <p:stCondLst>
-                                    <p:cond delay="0"/>
-                                  </p:stCondLst>
-                                  <p:childTnLst>
-                                    <p:set>
-                                      <p:cBhvr>
-                                        <p:cTn id="6" dur="1" fill="hold">
-                                          <p:stCondLst>
-                                            <p:cond delay="0"/>
-                                          </p:stCondLst>
-                                        </p:cTn>
-                                        <p:tgtEl>
-                                          <p:spTgt spid="10"/>
-                                        </p:tgtEl>
-                                        <p:attrNameLst>
-                                          <p:attrName>style.visibility</p:attrName>
-                                        </p:attrNameLst>
-                                      </p:cBhvr>
-                                      <p:to>
-                                        <p:strVal val="visible"/>
-                                      </p:to>
-                                    </p:set>
-                                  </p:childTnLst>
-                                </p:cTn>
-                              </p:par>
-                            </p:childTnLst>
-                          </p:cTn>
-                        </p:par>
-                      </p:childTnLst>
-                    </p:cTn>
-                  </p:par>
-                </p:childTnLst>
-              </p:cTn>
-              <p:prevCondLst>
-                <p:cond evt="onPrev" delay="0">
-                  <p:tgtEl>
-                    <p:sldTgt/>
-                  </p:tgtEl>
-                </p:cond>
-              </p:prevCondLst>
-              <p:nextCondLst>
-                <p:cond evt="onNext" delay="0">
-                  <p:tgtEl>
-                    <p:sldTgt/>
-                  </p:tgtEl>
-                </p:cond>
-              </p:nextCondLst>
-            </p:seq>
-          </p:childTnLst>
-        </p:cTn>
+        <p:cTn id="1" dur="indefinite" restart="never" nodeType="tmRoot"/>
       </p:par>
     </p:tnLst>
-    <p:bldLst>
-      <p:bldP spid="10" grpId="0" animBg="1"/>
-    </p:bldLst>
   </p:timing>
 </p:sld>
 </file>
@@ -31933,80 +31529,9 @@
   <p:timing>
     <p:tnLst>
       <p:par>
-        <p:cTn id="1" dur="indefinite" restart="never" nodeType="tmRoot">
-          <p:childTnLst>
-            <p:seq concurrent="1" nextAc="seek">
-              <p:cTn id="2" dur="indefinite" nodeType="mainSeq">
-                <p:childTnLst>
-                  <p:par>
-                    <p:cTn id="3" fill="hold">
-                      <p:stCondLst>
-                        <p:cond delay="indefinite"/>
-                      </p:stCondLst>
-                      <p:childTnLst>
-                        <p:par>
-                          <p:cTn id="4" fill="hold">
-                            <p:stCondLst>
-                              <p:cond delay="0"/>
-                            </p:stCondLst>
-                            <p:childTnLst>
-                              <p:par>
-                                <p:cTn id="5" presetID="1" presetClass="entr" presetSubtype="0" fill="hold" grpId="0" nodeType="clickEffect">
-                                  <p:stCondLst>
-                                    <p:cond delay="0"/>
-                                  </p:stCondLst>
-                                  <p:childTnLst>
-                                    <p:set>
-                                      <p:cBhvr>
-                                        <p:cTn id="6" dur="1" fill="hold">
-                                          <p:stCondLst>
-                                            <p:cond delay="0"/>
-                                          </p:stCondLst>
-                                        </p:cTn>
-                                        <p:tgtEl>
-                                          <p:spTgt spid="11"/>
-                                        </p:tgtEl>
-                                        <p:attrNameLst>
-                                          <p:attrName>style.visibility</p:attrName>
-                                        </p:attrNameLst>
-                                      </p:cBhvr>
-                                      <p:to>
-                                        <p:strVal val="visible"/>
-                                      </p:to>
-                                    </p:set>
-                                  </p:childTnLst>
-                                </p:cTn>
-                              </p:par>
-                            </p:childTnLst>
-                          </p:cTn>
-                        </p:par>
-                      </p:childTnLst>
-                    </p:cTn>
-                  </p:par>
-                </p:childTnLst>
-              </p:cTn>
-              <p:prevCondLst>
-                <p:cond evt="onPrev" delay="0">
-                  <p:tgtEl>
-                    <p:sldTgt/>
-                  </p:tgtEl>
-                </p:cond>
-              </p:prevCondLst>
-              <p:nextCondLst>
-                <p:cond evt="onNext" delay="0">
-                  <p:tgtEl>
-                    <p:sldTgt/>
-                  </p:tgtEl>
-                </p:cond>
-              </p:nextCondLst>
-            </p:seq>
-          </p:childTnLst>
-        </p:cTn>
+        <p:cTn id="1" dur="indefinite" restart="never" nodeType="tmRoot"/>
       </p:par>
     </p:tnLst>
-    <p:bldLst>
-      <p:bldP spid="11" grpId="0" animBg="1"/>
-    </p:bldLst>
   </p:timing>
 </p:sld>
 </file>
@@ -33760,189 +33285,7 @@
   <p:timing>
     <p:tnLst>
       <p:par>
-        <p:cTn id="1" dur="indefinite" restart="never" nodeType="tmRoot">
-          <p:childTnLst>
-            <p:seq concurrent="1" nextAc="seek">
-              <p:cTn id="2" dur="indefinite" nodeType="mainSeq">
-                <p:childTnLst>
-                  <p:par>
-                    <p:cTn id="3" fill="hold">
-                      <p:stCondLst>
-                        <p:cond delay="indefinite"/>
-                      </p:stCondLst>
-                      <p:childTnLst>
-                        <p:par>
-                          <p:cTn id="4" fill="hold">
-                            <p:stCondLst>
-                              <p:cond delay="0"/>
-                            </p:stCondLst>
-                            <p:childTnLst>
-                              <p:par>
-                                <p:cTn id="5" presetID="14" presetClass="entr" presetSubtype="10" fill="hold" nodeType="clickEffect">
-                                  <p:stCondLst>
-                                    <p:cond delay="0"/>
-                                  </p:stCondLst>
-                                  <p:childTnLst>
-                                    <p:set>
-                                      <p:cBhvr>
-                                        <p:cTn id="6" dur="1" fill="hold">
-                                          <p:stCondLst>
-                                            <p:cond delay="0"/>
-                                          </p:stCondLst>
-                                        </p:cTn>
-                                        <p:tgtEl>
-                                          <p:spTgt spid="12"/>
-                                        </p:tgtEl>
-                                        <p:attrNameLst>
-                                          <p:attrName>style.visibility</p:attrName>
-                                        </p:attrNameLst>
-                                      </p:cBhvr>
-                                      <p:to>
-                                        <p:strVal val="visible"/>
-                                      </p:to>
-                                    </p:set>
-                                    <p:animEffect transition="in" filter="randombar(horizontal)">
-                                      <p:cBhvr>
-                                        <p:cTn id="7" dur="500"/>
-                                        <p:tgtEl>
-                                          <p:spTgt spid="12"/>
-                                        </p:tgtEl>
-                                      </p:cBhvr>
-                                    </p:animEffect>
-                                  </p:childTnLst>
-                                </p:cTn>
-                              </p:par>
-                            </p:childTnLst>
-                          </p:cTn>
-                        </p:par>
-                      </p:childTnLst>
-                    </p:cTn>
-                  </p:par>
-                  <p:par>
-                    <p:cTn id="8" fill="hold">
-                      <p:stCondLst>
-                        <p:cond delay="indefinite"/>
-                      </p:stCondLst>
-                      <p:childTnLst>
-                        <p:par>
-                          <p:cTn id="9" fill="hold">
-                            <p:stCondLst>
-                              <p:cond delay="0"/>
-                            </p:stCondLst>
-                            <p:childTnLst>
-                              <p:par>
-                                <p:cTn id="10" presetID="14" presetClass="entr" presetSubtype="10" fill="hold" nodeType="clickEffect">
-                                  <p:stCondLst>
-                                    <p:cond delay="0"/>
-                                  </p:stCondLst>
-                                  <p:childTnLst>
-                                    <p:set>
-                                      <p:cBhvr>
-                                        <p:cTn id="11" dur="1" fill="hold">
-                                          <p:stCondLst>
-                                            <p:cond delay="0"/>
-                                          </p:stCondLst>
-                                        </p:cTn>
-                                        <p:tgtEl>
-                                          <p:spTgt spid="15"/>
-                                        </p:tgtEl>
-                                        <p:attrNameLst>
-                                          <p:attrName>style.visibility</p:attrName>
-                                        </p:attrNameLst>
-                                      </p:cBhvr>
-                                      <p:to>
-                                        <p:strVal val="visible"/>
-                                      </p:to>
-                                    </p:set>
-                                    <p:animEffect transition="in" filter="randombar(horizontal)">
-                                      <p:cBhvr>
-                                        <p:cTn id="12" dur="500"/>
-                                        <p:tgtEl>
-                                          <p:spTgt spid="15"/>
-                                        </p:tgtEl>
-                                      </p:cBhvr>
-                                    </p:animEffect>
-                                  </p:childTnLst>
-                                </p:cTn>
-                              </p:par>
-                            </p:childTnLst>
-                          </p:cTn>
-                        </p:par>
-                      </p:childTnLst>
-                    </p:cTn>
-                  </p:par>
-                  <p:par>
-                    <p:cTn id="13" fill="hold">
-                      <p:stCondLst>
-                        <p:cond delay="indefinite"/>
-                      </p:stCondLst>
-                      <p:childTnLst>
-                        <p:par>
-                          <p:cTn id="14" fill="hold">
-                            <p:stCondLst>
-                              <p:cond delay="0"/>
-                            </p:stCondLst>
-                            <p:childTnLst>
-                              <p:par>
-                                <p:cTn id="15" presetID="14" presetClass="entr" presetSubtype="10" fill="hold" nodeType="clickEffect">
-                                  <p:stCondLst>
-                                    <p:cond delay="0"/>
-                                  </p:stCondLst>
-                                  <p:childTnLst>
-                                    <p:set>
-                                      <p:cBhvr>
-                                        <p:cTn id="16" dur="1" fill="hold">
-                                          <p:stCondLst>
-                                            <p:cond delay="0"/>
-                                          </p:stCondLst>
-                                        </p:cTn>
-                                        <p:tgtEl>
-                                          <p:spTgt spid="18"/>
-                                        </p:tgtEl>
-                                        <p:attrNameLst>
-                                          <p:attrName>style.visibility</p:attrName>
-                                        </p:attrNameLst>
-                                      </p:cBhvr>
-                                      <p:to>
-                                        <p:strVal val="visible"/>
-                                      </p:to>
-                                    </p:set>
-                                    <p:animEffect transition="in" filter="randombar(horizontal)">
-                                      <p:cBhvr>
-                                        <p:cTn id="17" dur="500"/>
-                                        <p:tgtEl>
-                                          <p:spTgt spid="18"/>
-                                        </p:tgtEl>
-                                      </p:cBhvr>
-                                    </p:animEffect>
-                                  </p:childTnLst>
-                                </p:cTn>
-                              </p:par>
-                            </p:childTnLst>
-                          </p:cTn>
-                        </p:par>
-                      </p:childTnLst>
-                    </p:cTn>
-                  </p:par>
-                </p:childTnLst>
-              </p:cTn>
-              <p:prevCondLst>
-                <p:cond evt="onPrev" delay="0">
-                  <p:tgtEl>
-                    <p:sldTgt/>
-                  </p:tgtEl>
-                </p:cond>
-              </p:prevCondLst>
-              <p:nextCondLst>
-                <p:cond evt="onNext" delay="0">
-                  <p:tgtEl>
-                    <p:sldTgt/>
-                  </p:tgtEl>
-                </p:cond>
-              </p:nextCondLst>
-            </p:seq>
-          </p:childTnLst>
-        </p:cTn>
+        <p:cTn id="1" dur="indefinite" restart="never" nodeType="tmRoot"/>
       </p:par>
     </p:tnLst>
   </p:timing>
@@ -38070,24 +37413,19 @@
           <a:prstGeom prst="roundRect">
             <a:avLst/>
           </a:prstGeom>
-          <a:solidFill>
-            <a:srgbClr val="CCFFFF"/>
-          </a:solidFill>
         </p:spPr>
         <p:style>
           <a:lnRef idx="2">
-            <a:schemeClr val="accent1">
-              <a:shade val="50000"/>
-            </a:schemeClr>
+            <a:schemeClr val="accent1"/>
           </a:lnRef>
           <a:fillRef idx="1">
-            <a:schemeClr val="accent1"/>
+            <a:schemeClr val="lt1"/>
           </a:fillRef>
           <a:effectRef idx="0">
             <a:schemeClr val="accent1"/>
           </a:effectRef>
           <a:fontRef idx="minor">
-            <a:schemeClr val="lt1"/>
+            <a:schemeClr val="dk1"/>
           </a:fontRef>
         </p:style>
         <p:txBody>
@@ -38156,29 +37494,24 @@
         <p:spPr>
           <a:xfrm>
             <a:off x="4630274" y="4684871"/>
-            <a:ext cx="538918" cy="476747"/>
+            <a:ext cx="390300" cy="473173"/>
           </a:xfrm>
           <a:prstGeom prst="upArrow">
             <a:avLst/>
           </a:prstGeom>
-          <a:solidFill>
-            <a:srgbClr val="CCFFFF"/>
-          </a:solidFill>
         </p:spPr>
         <p:style>
           <a:lnRef idx="2">
-            <a:schemeClr val="accent1">
-              <a:shade val="50000"/>
-            </a:schemeClr>
+            <a:schemeClr val="accent1"/>
           </a:lnRef>
           <a:fillRef idx="1">
-            <a:schemeClr val="accent1"/>
+            <a:schemeClr val="lt1"/>
           </a:fillRef>
           <a:effectRef idx="0">
             <a:schemeClr val="accent1"/>
           </a:effectRef>
           <a:fontRef idx="minor">
-            <a:schemeClr val="lt1"/>
+            <a:schemeClr val="dk1"/>
           </a:fontRef>
         </p:style>
         <p:txBody>
@@ -41720,176 +41053,6 @@
           </p:txBody>
         </p:sp>
       </p:grpSp>
-      <p:sp>
-        <p:nvSpPr>
-          <p:cNvPr id="21" name="灯片编号占位符 10"/>
-          <p:cNvSpPr>
-            <a:spLocks noGrp="1"/>
-          </p:cNvSpPr>
-          <p:nvPr>
-            <p:ph type="sldNum" sz="quarter" idx="12"/>
-          </p:nvPr>
-        </p:nvSpPr>
-        <p:spPr bwMode="auto">
-          <a:xfrm>
-            <a:off x="7739063" y="6556375"/>
-            <a:ext cx="1184275" cy="285750"/>
-          </a:xfrm>
-          <a:noFill/>
-          <a:extLst>
-            <a:ext uri="{909E8E84-426E-40DD-AFC4-6F175D3DCCD1}">
-              <a14:hiddenFill xmlns:a14="http://schemas.microsoft.com/office/drawing/2010/main">
-                <a:solidFill>
-                  <a:srgbClr val="FFFFFF"/>
-                </a:solidFill>
-              </a14:hiddenFill>
-            </a:ext>
-            <a:ext uri="{91240B29-F687-4F45-9708-019B960494DF}">
-              <a14:hiddenLine xmlns:a14="http://schemas.microsoft.com/office/drawing/2010/main" w="9525">
-                <a:solidFill>
-                  <a:srgbClr val="000000"/>
-                </a:solidFill>
-                <a:miter lim="800000"/>
-                <a:headEnd/>
-                <a:tailEnd/>
-              </a14:hiddenLine>
-            </a:ext>
-          </a:extLst>
-        </p:spPr>
-        <p:txBody>
-          <a:bodyPr wrap="square" numCol="1" anchorCtr="0" compatLnSpc="1"/>
-          <a:lstStyle>
-            <a:lvl1pPr>
-              <a:defRPr>
-                <a:solidFill>
-                  <a:schemeClr val="tx1"/>
-                </a:solidFill>
-                <a:latin typeface="Calibri" panose="020F0502020204030204" pitchFamily="34" charset="0"/>
-                <a:ea typeface="宋体" panose="02010600030101010101" pitchFamily="2" charset="-122"/>
-              </a:defRPr>
-            </a:lvl1pPr>
-            <a:lvl2pPr marL="742950" indent="-285750">
-              <a:defRPr>
-                <a:solidFill>
-                  <a:schemeClr val="tx1"/>
-                </a:solidFill>
-                <a:latin typeface="Calibri" panose="020F0502020204030204" pitchFamily="34" charset="0"/>
-                <a:ea typeface="宋体" panose="02010600030101010101" pitchFamily="2" charset="-122"/>
-              </a:defRPr>
-            </a:lvl2pPr>
-            <a:lvl3pPr marL="1143000" indent="-228600">
-              <a:defRPr>
-                <a:solidFill>
-                  <a:schemeClr val="tx1"/>
-                </a:solidFill>
-                <a:latin typeface="Calibri" panose="020F0502020204030204" pitchFamily="34" charset="0"/>
-                <a:ea typeface="宋体" panose="02010600030101010101" pitchFamily="2" charset="-122"/>
-              </a:defRPr>
-            </a:lvl3pPr>
-            <a:lvl4pPr marL="1600200" indent="-228600">
-              <a:defRPr>
-                <a:solidFill>
-                  <a:schemeClr val="tx1"/>
-                </a:solidFill>
-                <a:latin typeface="Calibri" panose="020F0502020204030204" pitchFamily="34" charset="0"/>
-                <a:ea typeface="宋体" panose="02010600030101010101" pitchFamily="2" charset="-122"/>
-              </a:defRPr>
-            </a:lvl4pPr>
-            <a:lvl5pPr marL="2057400" indent="-228600">
-              <a:defRPr>
-                <a:solidFill>
-                  <a:schemeClr val="tx1"/>
-                </a:solidFill>
-                <a:latin typeface="Calibri" panose="020F0502020204030204" pitchFamily="34" charset="0"/>
-                <a:ea typeface="宋体" panose="02010600030101010101" pitchFamily="2" charset="-122"/>
-              </a:defRPr>
-            </a:lvl5pPr>
-            <a:lvl6pPr marL="2514600" indent="-228600" fontAlgn="base">
-              <a:spcBef>
-                <a:spcPct val="0"/>
-              </a:spcBef>
-              <a:spcAft>
-                <a:spcPct val="0"/>
-              </a:spcAft>
-              <a:defRPr>
-                <a:solidFill>
-                  <a:schemeClr val="tx1"/>
-                </a:solidFill>
-                <a:latin typeface="Calibri" panose="020F0502020204030204" pitchFamily="34" charset="0"/>
-                <a:ea typeface="宋体" panose="02010600030101010101" pitchFamily="2" charset="-122"/>
-              </a:defRPr>
-            </a:lvl6pPr>
-            <a:lvl7pPr marL="2971800" indent="-228600" fontAlgn="base">
-              <a:spcBef>
-                <a:spcPct val="0"/>
-              </a:spcBef>
-              <a:spcAft>
-                <a:spcPct val="0"/>
-              </a:spcAft>
-              <a:defRPr>
-                <a:solidFill>
-                  <a:schemeClr val="tx1"/>
-                </a:solidFill>
-                <a:latin typeface="Calibri" panose="020F0502020204030204" pitchFamily="34" charset="0"/>
-                <a:ea typeface="宋体" panose="02010600030101010101" pitchFamily="2" charset="-122"/>
-              </a:defRPr>
-            </a:lvl7pPr>
-            <a:lvl8pPr marL="3429000" indent="-228600" fontAlgn="base">
-              <a:spcBef>
-                <a:spcPct val="0"/>
-              </a:spcBef>
-              <a:spcAft>
-                <a:spcPct val="0"/>
-              </a:spcAft>
-              <a:defRPr>
-                <a:solidFill>
-                  <a:schemeClr val="tx1"/>
-                </a:solidFill>
-                <a:latin typeface="Calibri" panose="020F0502020204030204" pitchFamily="34" charset="0"/>
-                <a:ea typeface="宋体" panose="02010600030101010101" pitchFamily="2" charset="-122"/>
-              </a:defRPr>
-            </a:lvl8pPr>
-            <a:lvl9pPr marL="3886200" indent="-228600" fontAlgn="base">
-              <a:spcBef>
-                <a:spcPct val="0"/>
-              </a:spcBef>
-              <a:spcAft>
-                <a:spcPct val="0"/>
-              </a:spcAft>
-              <a:defRPr>
-                <a:solidFill>
-                  <a:schemeClr val="tx1"/>
-                </a:solidFill>
-                <a:latin typeface="Calibri" panose="020F0502020204030204" pitchFamily="34" charset="0"/>
-                <a:ea typeface="宋体" panose="02010600030101010101" pitchFamily="2" charset="-122"/>
-              </a:defRPr>
-            </a:lvl9pPr>
-          </a:lstStyle>
-          <a:p>
-            <a:pPr fontAlgn="base">
-              <a:spcBef>
-                <a:spcPct val="0"/>
-              </a:spcBef>
-              <a:spcAft>
-                <a:spcPct val="0"/>
-              </a:spcAft>
-            </a:pPr>
-            <a:r>
-              <a:rPr lang="en-US" altLang="zh-CN">
-                <a:solidFill>
-                  <a:schemeClr val="bg1"/>
-                </a:solidFill>
-              </a:rPr>
-              <a:t>5/29</a:t>
-            </a:r>
-            <a:endParaRPr lang="zh-CN" altLang="en-US">
-              <a:solidFill>
-                <a:schemeClr val="bg1"/>
-              </a:solidFill>
-            </a:endParaRPr>
-          </a:p>
-        </p:txBody>
-      </p:sp>
     </p:spTree>
     <p:extLst>
       <p:ext uri="{BB962C8B-B14F-4D97-AF65-F5344CB8AC3E}">

--- a/答辩——毕设.pptx
+++ b/答辩——毕设.pptx
@@ -159,20 +159,6 @@
     </p:extLst>
   </p:cmAuthor>
 </p:cmAuthorLst>
-</file>
-
-<file path=ppt/comments/comment1.xml><?xml version="1.0" encoding="utf-8"?>
-<p:cmLst xmlns:a="http://schemas.openxmlformats.org/drawingml/2006/main" xmlns:r="http://schemas.openxmlformats.org/officeDocument/2006/relationships" xmlns:p="http://schemas.openxmlformats.org/presentationml/2006/main">
-  <p:cm authorId="1" dt="2018-11-28T10:40:53.932" idx="1">
-    <p:pos x="10" y="10"/>
-    <p:text/>
-    <p:extLst>
-      <p:ext uri="{C676402C-5697-4E1C-873F-D02D1690AC5C}">
-        <p15:threadingInfo xmlns:p15="http://schemas.microsoft.com/office/powerpoint/2012/main" timeZoneBias="-480"/>
-      </p:ext>
-    </p:extLst>
-  </p:cm>
-</p:cmLst>
 </file>
 
 <file path=ppt/notesMasters/notesMaster1.xml><?xml version="1.0" encoding="utf-8"?>
@@ -600,6 +586,90 @@
     <p:extLst>
       <p:ext uri="{BB962C8B-B14F-4D97-AF65-F5344CB8AC3E}">
         <p14:creationId xmlns:p14="http://schemas.microsoft.com/office/powerpoint/2010/main" val="3229849260"/>
+      </p:ext>
+    </p:extLst>
+  </p:cSld>
+  <p:clrMapOvr>
+    <a:masterClrMapping/>
+  </p:clrMapOvr>
+</p:notes>
+</file>
+
+<file path=ppt/notesSlides/notesSlide2.xml><?xml version="1.0" encoding="utf-8"?>
+<p:notes xmlns:a="http://schemas.openxmlformats.org/drawingml/2006/main" xmlns:r="http://schemas.openxmlformats.org/officeDocument/2006/relationships" xmlns:p="http://schemas.openxmlformats.org/presentationml/2006/main">
+  <p:cSld>
+    <p:spTree>
+      <p:nvGrpSpPr>
+        <p:cNvPr id="1" name=""/>
+        <p:cNvGrpSpPr/>
+        <p:nvPr/>
+      </p:nvGrpSpPr>
+      <p:grpSpPr>
+        <a:xfrm>
+          <a:off x="0" y="0"/>
+          <a:ext cx="0" cy="0"/>
+          <a:chOff x="0" y="0"/>
+          <a:chExt cx="0" cy="0"/>
+        </a:xfrm>
+      </p:grpSpPr>
+      <p:sp>
+        <p:nvSpPr>
+          <p:cNvPr id="2" name="幻灯片图像占位符 1"/>
+          <p:cNvSpPr>
+            <a:spLocks noGrp="1" noRot="1" noChangeAspect="1"/>
+          </p:cNvSpPr>
+          <p:nvPr>
+            <p:ph type="sldImg"/>
+          </p:nvPr>
+        </p:nvSpPr>
+        <p:spPr/>
+      </p:sp>
+      <p:sp>
+        <p:nvSpPr>
+          <p:cNvPr id="3" name="备注占位符 2"/>
+          <p:cNvSpPr>
+            <a:spLocks noGrp="1"/>
+          </p:cNvSpPr>
+          <p:nvPr>
+            <p:ph type="body" idx="1"/>
+          </p:nvPr>
+        </p:nvSpPr>
+        <p:spPr/>
+        <p:txBody>
+          <a:bodyPr/>
+          <a:lstStyle/>
+          <a:p>
+            <a:endParaRPr lang="zh-CN" altLang="en-US" dirty="0"/>
+          </a:p>
+        </p:txBody>
+      </p:sp>
+      <p:sp>
+        <p:nvSpPr>
+          <p:cNvPr id="4" name="灯片编号占位符 3"/>
+          <p:cNvSpPr>
+            <a:spLocks noGrp="1"/>
+          </p:cNvSpPr>
+          <p:nvPr>
+            <p:ph type="sldNum" sz="quarter" idx="10"/>
+          </p:nvPr>
+        </p:nvSpPr>
+        <p:spPr/>
+        <p:txBody>
+          <a:bodyPr/>
+          <a:lstStyle/>
+          <a:p>
+            <a:fld id="{F8A4E550-F08C-490A-AE9D-597818A582E3}" type="slidenum">
+              <a:rPr lang="zh-CN" altLang="en-US" smtClean="0"/>
+              <a:t>15</a:t>
+            </a:fld>
+            <a:endParaRPr lang="zh-CN" altLang="en-US"/>
+          </a:p>
+        </p:txBody>
+      </p:sp>
+    </p:spTree>
+    <p:extLst>
+      <p:ext uri="{BB962C8B-B14F-4D97-AF65-F5344CB8AC3E}">
+        <p14:creationId xmlns:p14="http://schemas.microsoft.com/office/powerpoint/2010/main" val="3564752403"/>
       </p:ext>
     </p:extLst>
   </p:cSld>
@@ -7159,7 +7229,7 @@
             <p:nvPr/>
           </p:nvPicPr>
           <p:blipFill rotWithShape="1">
-            <a:blip r:embed="rId2">
+            <a:blip r:embed="rId3">
               <a:extLst>
                 <a:ext uri="{28A0092B-C50C-407E-A947-70E740481C1C}">
                   <a14:useLocalDpi xmlns:a14="http://schemas.microsoft.com/office/drawing/2010/main" val="0"/>
@@ -7318,7 +7388,7 @@
           <p:nvPr/>
         </p:nvPicPr>
         <p:blipFill>
-          <a:blip r:embed="rId3" cstate="print">
+          <a:blip r:embed="rId4" cstate="print">
             <a:extLst>
               <a:ext uri="{28A0092B-C50C-407E-A947-70E740481C1C}">
                 <a14:useLocalDpi xmlns:a14="http://schemas.microsoft.com/office/drawing/2010/main" val="0"/>
@@ -7718,7 +7788,7 @@
           <p:nvPr/>
         </p:nvPicPr>
         <p:blipFill>
-          <a:blip r:embed="rId4" cstate="print">
+          <a:blip r:embed="rId5" cstate="print">
             <a:extLst>
               <a:ext uri="{28A0092B-C50C-407E-A947-70E740481C1C}">
                 <a14:useLocalDpi xmlns:a14="http://schemas.microsoft.com/office/drawing/2010/main" val="0"/>
@@ -7748,7 +7818,7 @@
           <p:nvPr/>
         </p:nvPicPr>
         <p:blipFill>
-          <a:blip r:embed="rId5" cstate="print">
+          <a:blip r:embed="rId6" cstate="print">
             <a:extLst>
               <a:ext uri="{28A0092B-C50C-407E-A947-70E740481C1C}">
                 <a14:useLocalDpi xmlns:a14="http://schemas.microsoft.com/office/drawing/2010/main" val="0"/>
@@ -7778,7 +7848,7 @@
           <p:nvPr/>
         </p:nvPicPr>
         <p:blipFill>
-          <a:blip r:embed="rId6" cstate="print">
+          <a:blip r:embed="rId7" cstate="print">
             <a:extLst>
               <a:ext uri="{28A0092B-C50C-407E-A947-70E740481C1C}">
                 <a14:useLocalDpi xmlns:a14="http://schemas.microsoft.com/office/drawing/2010/main" val="0"/>
@@ -22593,8 +22663,8 @@
           </a:p>
         </p:txBody>
       </p:sp>
-      <mc:AlternateContent xmlns:mc="http://schemas.openxmlformats.org/markup-compatibility/2006">
-        <mc:Choice xmlns:a14="http://schemas.microsoft.com/office/drawing/2010/main" Requires="a14">
+      <mc:AlternateContent xmlns:mc="http://schemas.openxmlformats.org/markup-compatibility/2006" xmlns:a14="http://schemas.microsoft.com/office/drawing/2010/main">
+        <mc:Choice Requires="a14">
           <p:sp>
             <p:nvSpPr>
               <p:cNvPr id="34" name="文本框 33"/>
@@ -22635,25 +22705,8 @@
                     <a:latin typeface="黑体" panose="02010609060101010101" pitchFamily="49" charset="-122"/>
                     <a:ea typeface="黑体" panose="02010609060101010101" pitchFamily="49" charset="-122"/>
                   </a:rPr>
-                  <a:t>(</a:t>
+                  <a:t>(STS)</a:t>
                 </a:r>
-                <a:r>
-                  <a:rPr lang="en-US" altLang="zh-CN" sz="1600" b="1" dirty="0" smtClean="0">
-                    <a:solidFill>
-                      <a:schemeClr val="tx1"/>
-                    </a:solidFill>
-                    <a:latin typeface="黑体" panose="02010609060101010101" pitchFamily="49" charset="-122"/>
-                    <a:ea typeface="黑体" panose="02010609060101010101" pitchFamily="49" charset="-122"/>
-                  </a:rPr>
-                  <a:t>STS)</a:t>
-                </a:r>
-                <a:endParaRPr lang="en-US" altLang="zh-CN" sz="1600" b="1" dirty="0" smtClean="0">
-                  <a:solidFill>
-                    <a:schemeClr val="tx1"/>
-                  </a:solidFill>
-                  <a:latin typeface="黑体" panose="02010609060101010101" pitchFamily="49" charset="-122"/>
-                  <a:ea typeface="黑体" panose="02010609060101010101" pitchFamily="49" charset="-122"/>
-                </a:endParaRPr>
               </a:p>
               <a:p>
                 <a:r>
@@ -22901,17 +22954,7 @@
                     <a:latin typeface="黑体" panose="02010609060101010101" pitchFamily="49" charset="-122"/>
                     <a:ea typeface="黑体" panose="02010609060101010101" pitchFamily="49" charset="-122"/>
                   </a:rPr>
-                  <a:t>, </a:t>
-                </a:r>
-                <a:r>
-                  <a:rPr lang="en-US" altLang="zh-CN" sz="1600" dirty="0" smtClean="0">
-                    <a:solidFill>
-                      <a:schemeClr val="tx1"/>
-                    </a:solidFill>
-                    <a:latin typeface="黑体" panose="02010609060101010101" pitchFamily="49" charset="-122"/>
-                    <a:ea typeface="黑体" panose="02010609060101010101" pitchFamily="49" charset="-122"/>
-                  </a:rPr>
-                  <a:t>R</a:t>
+                  <a:t>, R</a:t>
                 </a:r>
                 <a14:m>
                   <m:oMath xmlns:m="http://schemas.openxmlformats.org/officeDocument/2006/math">
@@ -23010,7 +23053,7 @@
             </p:txBody>
           </p:sp>
         </mc:Choice>
-        <mc:Fallback>
+        <mc:Fallback xmlns="">
           <p:sp>
             <p:nvSpPr>
               <p:cNvPr id="34" name="文本框 33"/>
@@ -23090,14 +23133,7 @@
                   <a:latin typeface="黑体" panose="02010609060101010101" pitchFamily="49" charset="-122"/>
                   <a:ea typeface="黑体" panose="02010609060101010101" pitchFamily="49" charset="-122"/>
                 </a:rPr>
-                <a:t>时空轨迹</a:t>
-              </a:r>
-              <a:r>
-                <a:rPr lang="zh-CN" altLang="en-US" dirty="0" smtClean="0">
-                  <a:latin typeface="黑体" panose="02010609060101010101" pitchFamily="49" charset="-122"/>
-                  <a:ea typeface="黑体" panose="02010609060101010101" pitchFamily="49" charset="-122"/>
-                </a:rPr>
-                <a:t>距离计算</a:t>
+                <a:t>时空轨迹距离计算</a:t>
               </a:r>
               <a:endParaRPr lang="en-US" altLang="zh-CN" dirty="0">
                 <a:latin typeface="黑体" panose="02010609060101010101" pitchFamily="49" charset="-122"/>
@@ -44543,18 +44579,55 @@
             </a:pPr>
             <a:r>
               <a:rPr lang="en-US" altLang="zh-CN" sz="1600" b="0" dirty="0" smtClean="0">
-                <a:latin typeface="Times New Roman" panose="02020603050405020304" pitchFamily="18" charset="0"/>
+                <a:latin typeface="黑体" panose="02010609060101010101" pitchFamily="49" charset="-122"/>
+                <a:ea typeface="黑体" panose="02010609060101010101" pitchFamily="49" charset="-122"/>
               </a:rPr>
               <a:t>PTM</a:t>
             </a:r>
             <a:r>
               <a:rPr lang="zh-CN" altLang="en-US" sz="1600" b="0" dirty="0" smtClean="0">
-                <a:latin typeface="Times New Roman" panose="02020603050405020304" pitchFamily="18" charset="0"/>
+                <a:latin typeface="黑体" panose="02010609060101010101" pitchFamily="49" charset="-122"/>
+                <a:ea typeface="黑体" panose="02010609060101010101" pitchFamily="49" charset="-122"/>
               </a:rPr>
-              <a:t>算法分别考虑时间空间，可能导致使轨迹时空对应关系的混乱</a:t>
+              <a:t>算法</a:t>
+            </a:r>
+            <a:r>
+              <a:rPr lang="zh-CN" altLang="en-US" sz="1600" b="0" dirty="0" smtClean="0">
+                <a:solidFill>
+                  <a:srgbClr val="FF0000"/>
+                </a:solidFill>
+                <a:latin typeface="黑体" panose="02010609060101010101" pitchFamily="49" charset="-122"/>
+                <a:ea typeface="黑体" panose="02010609060101010101" pitchFamily="49" charset="-122"/>
+              </a:rPr>
+              <a:t>分别考虑时间</a:t>
+            </a:r>
+            <a:r>
+              <a:rPr lang="zh-CN" altLang="en-US" sz="1600" b="0" dirty="0" smtClean="0">
+                <a:solidFill>
+                  <a:srgbClr val="FF0000"/>
+                </a:solidFill>
+                <a:latin typeface="黑体" panose="02010609060101010101" pitchFamily="49" charset="-122"/>
+                <a:ea typeface="黑体" panose="02010609060101010101" pitchFamily="49" charset="-122"/>
+              </a:rPr>
+              <a:t>空间维度</a:t>
+            </a:r>
+            <a:r>
+              <a:rPr lang="zh-CN" altLang="en-US" sz="1600" b="0" dirty="0" smtClean="0">
+                <a:latin typeface="黑体" panose="02010609060101010101" pitchFamily="49" charset="-122"/>
+                <a:ea typeface="黑体" panose="02010609060101010101" pitchFamily="49" charset="-122"/>
+              </a:rPr>
+              <a:t>，</a:t>
+            </a:r>
+            <a:r>
+              <a:rPr lang="zh-CN" altLang="en-US" sz="1600" b="0" dirty="0" smtClean="0">
+                <a:latin typeface="黑体" panose="02010609060101010101" pitchFamily="49" charset="-122"/>
+                <a:ea typeface="黑体" panose="02010609060101010101" pitchFamily="49" charset="-122"/>
+              </a:rPr>
+              <a:t>可能导致使轨迹时空对应关系的混乱</a:t>
             </a:r>
             <a:endParaRPr lang="en-US" altLang="zh-CN" sz="1600" b="0" dirty="0" smtClean="0">
-              <a:latin typeface="Times New Roman" panose="02020603050405020304" pitchFamily="18" charset="0"/>
+              <a:latin typeface="黑体" panose="02010609060101010101" pitchFamily="49" charset="-122"/>
+              <a:ea typeface="黑体" panose="02010609060101010101" pitchFamily="49" charset="-122"/>
             </a:endParaRPr>
           </a:p>
         </p:txBody>
